--- a/PPT/Comunicación serie.pptx
+++ b/PPT/Comunicación serie.pptx
@@ -109,6 +109,11 @@
       </a:defRPr>
     </a:lvl9pPr>
   </p:defaultTextStyle>
+  <p:extLst>
+    <p:ext uri="{EFAFB233-063F-42B5-8137-9DF3F51BA10A}">
+      <p15:sldGuideLst xmlns:p15="http://schemas.microsoft.com/office/powerpoint/2012/main"/>
+    </p:ext>
+  </p:extLst>
 </p:presentation>
 </file>
 
@@ -2414,6 +2419,42 @@
         </a:p>
       </dgm:t>
     </dgm:pt>
+    <dgm:pt modelId="{BEEE473B-2EC8-470A-9E28-03E623F722B2}">
+      <dgm:prSet/>
+      <dgm:spPr/>
+      <dgm:t>
+        <a:bodyPr/>
+        <a:lstStyle/>
+        <a:p>
+          <a:r>
+            <a:rPr lang="es-AR" dirty="0"/>
+            <a:t>I2C</a:t>
+          </a:r>
+        </a:p>
+      </dgm:t>
+    </dgm:pt>
+    <dgm:pt modelId="{CA09B458-A59A-42E9-823E-CEA240B29164}" type="parTrans" cxnId="{5275E036-94EA-4766-81F6-96033E334A09}">
+      <dgm:prSet/>
+      <dgm:spPr/>
+      <dgm:t>
+        <a:bodyPr/>
+        <a:lstStyle/>
+        <a:p>
+          <a:endParaRPr lang="en-US"/>
+        </a:p>
+      </dgm:t>
+    </dgm:pt>
+    <dgm:pt modelId="{46EA9050-A58E-42AE-80FB-F8F237BBD6B0}" type="sibTrans" cxnId="{5275E036-94EA-4766-81F6-96033E334A09}">
+      <dgm:prSet/>
+      <dgm:spPr/>
+      <dgm:t>
+        <a:bodyPr/>
+        <a:lstStyle/>
+        <a:p>
+          <a:endParaRPr lang="en-US"/>
+        </a:p>
+      </dgm:t>
+    </dgm:pt>
     <dgm:pt modelId="{C647C14C-60E2-48E5-85A4-92CF88C6F009}" type="pres">
       <dgm:prSet presAssocID="{1C5F8750-0E8D-4A4F-A5C4-6A02757B2CEE}" presName="mainComposite" presStyleCnt="0">
         <dgm:presLayoutVars>
@@ -2489,7 +2530,7 @@
       <dgm:spPr/>
     </dgm:pt>
     <dgm:pt modelId="{E6F5C1DA-D308-408B-88C1-7DE98E99F690}" type="pres">
-      <dgm:prSet presAssocID="{55C08119-F190-4569-BB1D-4D4C7A2B693E}" presName="Name19" presStyleLbl="parChTrans1D4" presStyleIdx="0" presStyleCnt="5"/>
+      <dgm:prSet presAssocID="{55C08119-F190-4569-BB1D-4D4C7A2B693E}" presName="Name19" presStyleLbl="parChTrans1D4" presStyleIdx="0" presStyleCnt="6"/>
       <dgm:spPr/>
     </dgm:pt>
     <dgm:pt modelId="{8F5D01B4-3E5A-4BD4-B68D-CC352A4E8257}" type="pres">
@@ -2497,7 +2538,7 @@
       <dgm:spPr/>
     </dgm:pt>
     <dgm:pt modelId="{EA7FACE5-B0A2-41B9-9E88-2A0B6E6837A7}" type="pres">
-      <dgm:prSet presAssocID="{53BD6231-3DFE-431F-8D0C-C2EE5F431215}" presName="level2Shape" presStyleLbl="node4" presStyleIdx="0" presStyleCnt="5"/>
+      <dgm:prSet presAssocID="{53BD6231-3DFE-431F-8D0C-C2EE5F431215}" presName="level2Shape" presStyleLbl="node4" presStyleIdx="0" presStyleCnt="6"/>
       <dgm:spPr/>
     </dgm:pt>
     <dgm:pt modelId="{82E4EAC8-6C7E-4BD1-AF27-FEF63E238D7B}" type="pres">
@@ -2505,7 +2546,7 @@
       <dgm:spPr/>
     </dgm:pt>
     <dgm:pt modelId="{D2FA8DCC-89A3-4CB1-9FF9-7F8B664B0AF9}" type="pres">
-      <dgm:prSet presAssocID="{84C7FE82-CB25-4ECD-9CE0-264765FA62D1}" presName="Name19" presStyleLbl="parChTrans1D4" presStyleIdx="1" presStyleCnt="5"/>
+      <dgm:prSet presAssocID="{84C7FE82-CB25-4ECD-9CE0-264765FA62D1}" presName="Name19" presStyleLbl="parChTrans1D4" presStyleIdx="1" presStyleCnt="6"/>
       <dgm:spPr/>
     </dgm:pt>
     <dgm:pt modelId="{2B314F4B-35F2-4267-A97E-CAD08F585A27}" type="pres">
@@ -2513,7 +2554,7 @@
       <dgm:spPr/>
     </dgm:pt>
     <dgm:pt modelId="{693E7B0F-4C3D-48FF-A291-A297AD09F19A}" type="pres">
-      <dgm:prSet presAssocID="{CFE7097C-8D2B-4D79-A5D5-84D08B065AD4}" presName="level2Shape" presStyleLbl="node4" presStyleIdx="1" presStyleCnt="5"/>
+      <dgm:prSet presAssocID="{CFE7097C-8D2B-4D79-A5D5-84D08B065AD4}" presName="level2Shape" presStyleLbl="node4" presStyleIdx="1" presStyleCnt="6"/>
       <dgm:spPr/>
     </dgm:pt>
     <dgm:pt modelId="{24E3E993-3795-4816-83E6-9D2D429CDF86}" type="pres">
@@ -2536,8 +2577,24 @@
       <dgm:prSet presAssocID="{DEBFFABF-82B9-4D25-8AD5-D3D639130002}" presName="hierChild3" presStyleCnt="0"/>
       <dgm:spPr/>
     </dgm:pt>
+    <dgm:pt modelId="{D15C5AB9-F1E9-4D5E-85C9-5C93CA672A4C}" type="pres">
+      <dgm:prSet presAssocID="{CA09B458-A59A-42E9-823E-CEA240B29164}" presName="Name19" presStyleLbl="parChTrans1D4" presStyleIdx="2" presStyleCnt="6"/>
+      <dgm:spPr/>
+    </dgm:pt>
+    <dgm:pt modelId="{E8E838FA-19ED-40BF-9663-79F2E95A96F0}" type="pres">
+      <dgm:prSet presAssocID="{BEEE473B-2EC8-470A-9E28-03E623F722B2}" presName="Name21" presStyleCnt="0"/>
+      <dgm:spPr/>
+    </dgm:pt>
+    <dgm:pt modelId="{1F02E85D-CEC4-408D-AADB-4E14B7734CE4}" type="pres">
+      <dgm:prSet presAssocID="{BEEE473B-2EC8-470A-9E28-03E623F722B2}" presName="level2Shape" presStyleLbl="node4" presStyleIdx="2" presStyleCnt="6"/>
+      <dgm:spPr/>
+    </dgm:pt>
+    <dgm:pt modelId="{0DDA1025-F861-46DE-9999-4C9FF60F2BA1}" type="pres">
+      <dgm:prSet presAssocID="{BEEE473B-2EC8-470A-9E28-03E623F722B2}" presName="hierChild3" presStyleCnt="0"/>
+      <dgm:spPr/>
+    </dgm:pt>
     <dgm:pt modelId="{2B44D44D-9C15-4BE4-8857-6902DD216E02}" type="pres">
-      <dgm:prSet presAssocID="{AEF768B3-89BD-4493-B753-D5C7E3F86037}" presName="Name19" presStyleLbl="parChTrans1D4" presStyleIdx="2" presStyleCnt="5"/>
+      <dgm:prSet presAssocID="{AEF768B3-89BD-4493-B753-D5C7E3F86037}" presName="Name19" presStyleLbl="parChTrans1D4" presStyleIdx="3" presStyleCnt="6"/>
       <dgm:spPr/>
     </dgm:pt>
     <dgm:pt modelId="{52E0AE4D-5240-4116-8871-F00A2F071C25}" type="pres">
@@ -2545,7 +2602,7 @@
       <dgm:spPr/>
     </dgm:pt>
     <dgm:pt modelId="{03CEC701-59F7-4F6F-A2FB-6D1193C6C0E9}" type="pres">
-      <dgm:prSet presAssocID="{E116835A-3D10-450B-9413-E1B97894FFA3}" presName="level2Shape" presStyleLbl="node4" presStyleIdx="2" presStyleCnt="5" custLinFactNeighborX="-3823" custLinFactNeighborY="-3186"/>
+      <dgm:prSet presAssocID="{E116835A-3D10-450B-9413-E1B97894FFA3}" presName="level2Shape" presStyleLbl="node4" presStyleIdx="3" presStyleCnt="6" custLinFactNeighborX="-3823" custLinFactNeighborY="-3186"/>
       <dgm:spPr/>
     </dgm:pt>
     <dgm:pt modelId="{70C641D7-008F-491D-A8A1-389516750A5F}" type="pres">
@@ -2585,7 +2642,7 @@
       <dgm:spPr/>
     </dgm:pt>
     <dgm:pt modelId="{190E5C43-FF52-41EF-BC65-4C3846DF4B2F}" type="pres">
-      <dgm:prSet presAssocID="{27B0B7D4-9290-4FFB-8E4F-E55C7EC9F8B5}" presName="Name19" presStyleLbl="parChTrans1D4" presStyleIdx="3" presStyleCnt="5"/>
+      <dgm:prSet presAssocID="{27B0B7D4-9290-4FFB-8E4F-E55C7EC9F8B5}" presName="Name19" presStyleLbl="parChTrans1D4" presStyleIdx="4" presStyleCnt="6"/>
       <dgm:spPr/>
     </dgm:pt>
     <dgm:pt modelId="{37FB32C3-A5F1-4812-A1A1-DE1AA871D2FD}" type="pres">
@@ -2593,7 +2650,7 @@
       <dgm:spPr/>
     </dgm:pt>
     <dgm:pt modelId="{403A2617-6E68-42B4-BEB9-915729DD91B2}" type="pres">
-      <dgm:prSet presAssocID="{F66CC7BD-674A-437D-8C62-29898B13049D}" presName="level2Shape" presStyleLbl="node4" presStyleIdx="3" presStyleCnt="5"/>
+      <dgm:prSet presAssocID="{F66CC7BD-674A-437D-8C62-29898B13049D}" presName="level2Shape" presStyleLbl="node4" presStyleIdx="4" presStyleCnt="6"/>
       <dgm:spPr/>
     </dgm:pt>
     <dgm:pt modelId="{E6CA9CB2-9465-4706-AB82-6534488FC1B5}" type="pres">
@@ -2617,7 +2674,7 @@
       <dgm:spPr/>
     </dgm:pt>
     <dgm:pt modelId="{56CF0D79-9B69-422E-B55F-8C1B0E2FBF1A}" type="pres">
-      <dgm:prSet presAssocID="{33AA2D47-1000-479B-B8DD-8B7CFD50AA2C}" presName="Name19" presStyleLbl="parChTrans1D4" presStyleIdx="4" presStyleCnt="5"/>
+      <dgm:prSet presAssocID="{33AA2D47-1000-479B-B8DD-8B7CFD50AA2C}" presName="Name19" presStyleLbl="parChTrans1D4" presStyleIdx="5" presStyleCnt="6"/>
       <dgm:spPr/>
     </dgm:pt>
     <dgm:pt modelId="{0E1F0822-5D6C-4319-98E2-F162567476DA}" type="pres">
@@ -2625,7 +2682,7 @@
       <dgm:spPr/>
     </dgm:pt>
     <dgm:pt modelId="{EFADDF6B-06F5-45B8-838D-F3A345604137}" type="pres">
-      <dgm:prSet presAssocID="{3FA3C445-9E1D-45B1-AB41-19681A34813A}" presName="level2Shape" presStyleLbl="node4" presStyleIdx="4" presStyleCnt="5"/>
+      <dgm:prSet presAssocID="{3FA3C445-9E1D-45B1-AB41-19681A34813A}" presName="level2Shape" presStyleLbl="node4" presStyleIdx="5" presStyleCnt="6"/>
       <dgm:spPr/>
     </dgm:pt>
     <dgm:pt modelId="{A25BEABA-2D8D-4C41-B23F-474AF0946337}" type="pres">
@@ -2641,10 +2698,10 @@
     <dgm:cxn modelId="{9C655402-4D62-4C5E-8862-34551698FE28}" type="presOf" srcId="{35DCDA67-F2A2-441C-AE5D-C1B198AC0662}" destId="{0ECD015A-E51F-4E92-93F8-42CA82FE8288}" srcOrd="0" destOrd="0" presId="urn:microsoft.com/office/officeart/2005/8/layout/hierarchy6"/>
     <dgm:cxn modelId="{D612BB0F-71F7-43BD-8055-CABB22335B04}" type="presOf" srcId="{CFE7097C-8D2B-4D79-A5D5-84D08B065AD4}" destId="{693E7B0F-4C3D-48FF-A291-A297AD09F19A}" srcOrd="0" destOrd="0" presId="urn:microsoft.com/office/officeart/2005/8/layout/hierarchy6"/>
     <dgm:cxn modelId="{25C18B10-BA99-4144-9327-3CE193268AD5}" srcId="{35DCDA67-F2A2-441C-AE5D-C1B198AC0662}" destId="{DEBFFABF-82B9-4D25-8AD5-D3D639130002}" srcOrd="1" destOrd="0" parTransId="{C285AA89-3DDC-4450-9A7F-149023CB6A38}" sibTransId="{BBFA5F37-ED43-47CE-BC61-3C61975DD27E}"/>
-    <dgm:cxn modelId="{74F32F17-A686-4465-90FE-3FE9F33E3A73}" type="presOf" srcId="{AEF768B3-89BD-4493-B753-D5C7E3F86037}" destId="{2B44D44D-9C15-4BE4-8857-6902DD216E02}" srcOrd="0" destOrd="0" presId="urn:microsoft.com/office/officeart/2005/8/layout/hierarchy6"/>
+    <dgm:cxn modelId="{5275E036-94EA-4766-81F6-96033E334A09}" srcId="{DEBFFABF-82B9-4D25-8AD5-D3D639130002}" destId="{BEEE473B-2EC8-470A-9E28-03E623F722B2}" srcOrd="0" destOrd="0" parTransId="{CA09B458-A59A-42E9-823E-CEA240B29164}" sibTransId="{46EA9050-A58E-42AE-80FB-F8F237BBD6B0}"/>
     <dgm:cxn modelId="{B9669E3A-3379-47B8-B7B5-0C722AAF1398}" type="presOf" srcId="{33AA2D47-1000-479B-B8DD-8B7CFD50AA2C}" destId="{56CF0D79-9B69-422E-B55F-8C1B0E2FBF1A}" srcOrd="0" destOrd="0" presId="urn:microsoft.com/office/officeart/2005/8/layout/hierarchy6"/>
+    <dgm:cxn modelId="{8C3C563B-3F89-4C3C-99C7-53B2F08A96D8}" type="presOf" srcId="{AEF768B3-89BD-4493-B753-D5C7E3F86037}" destId="{2B44D44D-9C15-4BE4-8857-6902DD216E02}" srcOrd="0" destOrd="0" presId="urn:microsoft.com/office/officeart/2005/8/layout/hierarchy6"/>
     <dgm:cxn modelId="{E6702C3E-B010-4296-AEEE-E1BB5FA9C3D1}" type="presOf" srcId="{675114A4-4D40-4091-9275-9C8175883DB4}" destId="{41AB122B-081A-4865-AD38-E3670CB221C3}" srcOrd="0" destOrd="0" presId="urn:microsoft.com/office/officeart/2005/8/layout/hierarchy6"/>
-    <dgm:cxn modelId="{892E463F-2A7F-4FE1-9F64-739EA80034FB}" type="presOf" srcId="{E116835A-3D10-450B-9413-E1B97894FFA3}" destId="{03CEC701-59F7-4F6F-A2FB-6D1193C6C0E9}" srcOrd="0" destOrd="0" presId="urn:microsoft.com/office/officeart/2005/8/layout/hierarchy6"/>
     <dgm:cxn modelId="{99B13463-DFFE-402D-A231-37328C63A7B0}" type="presOf" srcId="{55C08119-F190-4569-BB1D-4D4C7A2B693E}" destId="{E6F5C1DA-D308-408B-88C1-7DE98E99F690}" srcOrd="0" destOrd="0" presId="urn:microsoft.com/office/officeart/2005/8/layout/hierarchy6"/>
     <dgm:cxn modelId="{1DB2BA4B-C406-43F5-ADDB-E24CEE1369B8}" type="presOf" srcId="{7B337E52-DD2F-44E8-9ED5-365B87D9FED1}" destId="{53BE28EF-99A8-45D2-A439-B1144FBC3954}" srcOrd="0" destOrd="0" presId="urn:microsoft.com/office/officeart/2005/8/layout/hierarchy6"/>
     <dgm:cxn modelId="{8F84316C-D7CF-4E70-A84F-FC3AEF7A98DD}" srcId="{1C5F8750-0E8D-4A4F-A5C4-6A02757B2CEE}" destId="{9A3D543D-1E9A-4BE5-BFBC-B65722739982}" srcOrd="0" destOrd="0" parTransId="{9B09A68A-FA35-4BB2-B59F-0D5048C372BC}" sibTransId="{4E033150-6172-41B8-A447-633A4A116347}"/>
@@ -2653,6 +2710,7 @@
     <dgm:cxn modelId="{7FB98C4F-DCCA-4C59-A3BF-C3B8534B4C0E}" srcId="{5A9D0339-AA51-434F-8B6C-60F99E3633CF}" destId="{5CA15CE3-8396-42E1-8E7E-BD11A58851E2}" srcOrd="0" destOrd="0" parTransId="{14CBFDCC-3ECF-4077-AAFC-9035D3532054}" sibTransId="{4EF2F922-12E7-4FD4-81DA-E3CD0818CD32}"/>
     <dgm:cxn modelId="{3FDF2D53-B628-4187-A108-E70970B62BCD}" type="presOf" srcId="{3FA3C445-9E1D-45B1-AB41-19681A34813A}" destId="{EFADDF6B-06F5-45B8-838D-F3A345604137}" srcOrd="0" destOrd="0" presId="urn:microsoft.com/office/officeart/2005/8/layout/hierarchy6"/>
     <dgm:cxn modelId="{22D75C54-D61D-4CFA-8DC6-21D5B70F2876}" type="presOf" srcId="{53BD6231-3DFE-431F-8D0C-C2EE5F431215}" destId="{EA7FACE5-B0A2-41B9-9E88-2A0B6E6837A7}" srcOrd="0" destOrd="0" presId="urn:microsoft.com/office/officeart/2005/8/layout/hierarchy6"/>
+    <dgm:cxn modelId="{3BBF5554-DF7B-4357-89C8-D55160EC3B44}" type="presOf" srcId="{BEEE473B-2EC8-470A-9E28-03E623F722B2}" destId="{1F02E85D-CEC4-408D-AADB-4E14B7734CE4}" srcOrd="0" destOrd="0" presId="urn:microsoft.com/office/officeart/2005/8/layout/hierarchy6"/>
     <dgm:cxn modelId="{EC0C3E78-9120-4AF3-8F4C-A02234D887E3}" type="presOf" srcId="{5A2D30D4-EEF4-4274-A404-AB129065637F}" destId="{6D500FE4-6E88-4115-B204-2A401C1E43A0}" srcOrd="0" destOrd="0" presId="urn:microsoft.com/office/officeart/2005/8/layout/hierarchy6"/>
     <dgm:cxn modelId="{639A4D89-A229-4918-9664-A2D46026618B}" type="presOf" srcId="{9A3D543D-1E9A-4BE5-BFBC-B65722739982}" destId="{9903AFBA-5A13-4349-A39D-854233A67AAB}" srcOrd="0" destOrd="0" presId="urn:microsoft.com/office/officeart/2005/8/layout/hierarchy6"/>
     <dgm:cxn modelId="{BC126B93-5A85-4FE0-92DC-6B5FDE551C7F}" srcId="{35DCDA67-F2A2-441C-AE5D-C1B198AC0662}" destId="{001622B8-067A-4ACE-8911-1AA26B934B71}" srcOrd="0" destOrd="0" parTransId="{7B337E52-DD2F-44E8-9ED5-365B87D9FED1}" sibTransId="{9859AD3B-0077-415C-B213-4209EF6A42CC}"/>
@@ -2660,15 +2718,17 @@
     <dgm:cxn modelId="{B89ED895-76C4-4243-AD33-A43480B6045A}" type="presOf" srcId="{5CA15CE3-8396-42E1-8E7E-BD11A58851E2}" destId="{7C0EA656-1D18-4980-86E2-83309EF67A1B}" srcOrd="0" destOrd="0" presId="urn:microsoft.com/office/officeart/2005/8/layout/hierarchy6"/>
     <dgm:cxn modelId="{B1A9919C-13BA-4186-AD8D-00C8C3C38D38}" type="presOf" srcId="{27B0B7D4-9290-4FFB-8E4F-E55C7EC9F8B5}" destId="{190E5C43-FF52-41EF-BC65-4C3846DF4B2F}" srcOrd="0" destOrd="0" presId="urn:microsoft.com/office/officeart/2005/8/layout/hierarchy6"/>
     <dgm:cxn modelId="{0B9BE19D-4CD3-4482-A328-A9C60DFAA86E}" type="presOf" srcId="{001622B8-067A-4ACE-8911-1AA26B934B71}" destId="{C24AA9F1-E100-43C5-9B3E-E49BBE5DF731}" srcOrd="0" destOrd="0" presId="urn:microsoft.com/office/officeart/2005/8/layout/hierarchy6"/>
+    <dgm:cxn modelId="{1CC5A6A6-8E7A-460B-AF7B-76CD3C59AD04}" type="presOf" srcId="{E116835A-3D10-450B-9413-E1B97894FFA3}" destId="{03CEC701-59F7-4F6F-A2FB-6D1193C6C0E9}" srcOrd="0" destOrd="0" presId="urn:microsoft.com/office/officeart/2005/8/layout/hierarchy6"/>
     <dgm:cxn modelId="{8754D5A6-FA6C-4190-A145-9C83C339C99D}" srcId="{5CA15CE3-8396-42E1-8E7E-BD11A58851E2}" destId="{F66CC7BD-674A-437D-8C62-29898B13049D}" srcOrd="0" destOrd="0" parTransId="{27B0B7D4-9290-4FFB-8E4F-E55C7EC9F8B5}" sibTransId="{0AE695F0-1447-4B3E-9061-2D7EB833CB67}"/>
     <dgm:cxn modelId="{B7CD7AA7-9E4D-4071-811E-8EADE279661E}" type="presOf" srcId="{5A9D0339-AA51-434F-8B6C-60F99E3633CF}" destId="{1EE97BA3-462E-4247-9C64-D91A323268AC}" srcOrd="0" destOrd="0" presId="urn:microsoft.com/office/officeart/2005/8/layout/hierarchy6"/>
     <dgm:cxn modelId="{B4B77CA9-AEFB-473A-90B3-CA47B2088A8F}" type="presOf" srcId="{14CBFDCC-3ECF-4077-AAFC-9035D3532054}" destId="{6DFBC8DC-FB04-4552-ACB4-2C723637561B}" srcOrd="0" destOrd="0" presId="urn:microsoft.com/office/officeart/2005/8/layout/hierarchy6"/>
-    <dgm:cxn modelId="{5811BAAA-C778-4938-B9A0-254EA33A3D9B}" srcId="{DEBFFABF-82B9-4D25-8AD5-D3D639130002}" destId="{E116835A-3D10-450B-9413-E1B97894FFA3}" srcOrd="0" destOrd="0" parTransId="{AEF768B3-89BD-4493-B753-D5C7E3F86037}" sibTransId="{52D43CBC-A4A2-45B3-BE26-8C6C6134A79F}"/>
+    <dgm:cxn modelId="{5811BAAA-C778-4938-B9A0-254EA33A3D9B}" srcId="{BEEE473B-2EC8-470A-9E28-03E623F722B2}" destId="{E116835A-3D10-450B-9413-E1B97894FFA3}" srcOrd="0" destOrd="0" parTransId="{AEF768B3-89BD-4493-B753-D5C7E3F86037}" sibTransId="{52D43CBC-A4A2-45B3-BE26-8C6C6134A79F}"/>
     <dgm:cxn modelId="{8CF0FBBA-644A-4E57-BE45-70F5BB3F9918}" type="presOf" srcId="{441A3D14-7823-4933-A226-6CEE16869DD4}" destId="{86087C67-4375-477E-84D1-836C1F14C793}" srcOrd="0" destOrd="0" presId="urn:microsoft.com/office/officeart/2005/8/layout/hierarchy6"/>
     <dgm:cxn modelId="{A3CD0FBD-F887-4322-93F1-9CD5BBF42FE8}" type="presOf" srcId="{C285AA89-3DDC-4450-9A7F-149023CB6A38}" destId="{DDEF067D-8035-4EE8-B26D-F9EF3FCB2EBB}" srcOrd="0" destOrd="0" presId="urn:microsoft.com/office/officeart/2005/8/layout/hierarchy6"/>
     <dgm:cxn modelId="{6B2369BD-6D60-4E4E-8AF5-E80529140884}" type="presOf" srcId="{540823D0-D4AA-438F-B805-D3CA6D4539F8}" destId="{A445E83A-B1D7-4754-AB40-1BD356E2B23A}" srcOrd="0" destOrd="0" presId="urn:microsoft.com/office/officeart/2005/8/layout/hierarchy6"/>
     <dgm:cxn modelId="{5E4A92C4-FC82-499F-8060-EE9E3CB03401}" srcId="{9A3D543D-1E9A-4BE5-BFBC-B65722739982}" destId="{35DCDA67-F2A2-441C-AE5D-C1B198AC0662}" srcOrd="0" destOrd="0" parTransId="{675114A4-4D40-4091-9275-9C8175883DB4}" sibTransId="{D315B3E9-E343-4B13-8EAD-6B260F20DDCE}"/>
     <dgm:cxn modelId="{5358C9CD-4C9F-4E16-B72C-FFBB6D6C75B6}" type="presOf" srcId="{1C5F8750-0E8D-4A4F-A5C4-6A02757B2CEE}" destId="{C647C14C-60E2-48E5-85A4-92CF88C6F009}" srcOrd="0" destOrd="0" presId="urn:microsoft.com/office/officeart/2005/8/layout/hierarchy6"/>
+    <dgm:cxn modelId="{41AF80D2-A960-4DBA-8039-3A84182C1BEA}" type="presOf" srcId="{CA09B458-A59A-42E9-823E-CEA240B29164}" destId="{D15C5AB9-F1E9-4D5E-85C9-5C93CA672A4C}" srcOrd="0" destOrd="0" presId="urn:microsoft.com/office/officeart/2005/8/layout/hierarchy6"/>
     <dgm:cxn modelId="{A15E1ADA-0F17-41F5-9587-6AAA01B0B38D}" type="presOf" srcId="{DEBFFABF-82B9-4D25-8AD5-D3D639130002}" destId="{C506A8BA-439E-4716-BD26-721A6F281A37}" srcOrd="0" destOrd="0" presId="urn:microsoft.com/office/officeart/2005/8/layout/hierarchy6"/>
     <dgm:cxn modelId="{B46D3CE0-F310-4853-A6BC-5D6AC56C6FB4}" srcId="{540823D0-D4AA-438F-B805-D3CA6D4539F8}" destId="{3FA3C445-9E1D-45B1-AB41-19681A34813A}" srcOrd="0" destOrd="0" parTransId="{33AA2D47-1000-479B-B8DD-8B7CFD50AA2C}" sibTransId="{0FE465D2-8965-47BE-9A7C-4C8466AA2C0E}"/>
     <dgm:cxn modelId="{A270B2EB-18BD-4B40-BD8B-9EEC62090524}" srcId="{53BD6231-3DFE-431F-8D0C-C2EE5F431215}" destId="{CFE7097C-8D2B-4D79-A5D5-84D08B065AD4}" srcOrd="0" destOrd="0" parTransId="{84C7FE82-CB25-4ECD-9CE0-264765FA62D1}" sibTransId="{92CA62EB-398C-4FDA-BBA7-96649940D1E8}"/>
@@ -2699,10 +2759,14 @@
     <dgm:cxn modelId="{1461CD67-C466-43B2-A191-331DB9908B56}" type="presParOf" srcId="{26362DDC-DD1A-4BB8-AE23-6E6A6745B19C}" destId="{5C701B20-89F4-4F50-9BD5-3E008C6D7DE6}" srcOrd="3" destOrd="0" presId="urn:microsoft.com/office/officeart/2005/8/layout/hierarchy6"/>
     <dgm:cxn modelId="{2E1B8D0B-C360-4CCB-A244-679BA45047F7}" type="presParOf" srcId="{5C701B20-89F4-4F50-9BD5-3E008C6D7DE6}" destId="{C506A8BA-439E-4716-BD26-721A6F281A37}" srcOrd="0" destOrd="0" presId="urn:microsoft.com/office/officeart/2005/8/layout/hierarchy6"/>
     <dgm:cxn modelId="{86A67DED-D2BB-464C-AC2B-DB97D7CB8317}" type="presParOf" srcId="{5C701B20-89F4-4F50-9BD5-3E008C6D7DE6}" destId="{0D14266D-155E-47D2-BD04-D1ADB411484B}" srcOrd="1" destOrd="0" presId="urn:microsoft.com/office/officeart/2005/8/layout/hierarchy6"/>
-    <dgm:cxn modelId="{CA0BC4A1-08FF-475B-A2B7-1B08A07FD7D5}" type="presParOf" srcId="{0D14266D-155E-47D2-BD04-D1ADB411484B}" destId="{2B44D44D-9C15-4BE4-8857-6902DD216E02}" srcOrd="0" destOrd="0" presId="urn:microsoft.com/office/officeart/2005/8/layout/hierarchy6"/>
-    <dgm:cxn modelId="{4B377EBB-3B39-4E25-9402-B20D456DDDB6}" type="presParOf" srcId="{0D14266D-155E-47D2-BD04-D1ADB411484B}" destId="{52E0AE4D-5240-4116-8871-F00A2F071C25}" srcOrd="1" destOrd="0" presId="urn:microsoft.com/office/officeart/2005/8/layout/hierarchy6"/>
-    <dgm:cxn modelId="{07EDF865-0054-4A78-80B8-959420B7A646}" type="presParOf" srcId="{52E0AE4D-5240-4116-8871-F00A2F071C25}" destId="{03CEC701-59F7-4F6F-A2FB-6D1193C6C0E9}" srcOrd="0" destOrd="0" presId="urn:microsoft.com/office/officeart/2005/8/layout/hierarchy6"/>
-    <dgm:cxn modelId="{D0265A97-5DA6-42A5-8D38-2B9146481C13}" type="presParOf" srcId="{52E0AE4D-5240-4116-8871-F00A2F071C25}" destId="{70C641D7-008F-491D-A8A1-389516750A5F}" srcOrd="1" destOrd="0" presId="urn:microsoft.com/office/officeart/2005/8/layout/hierarchy6"/>
+    <dgm:cxn modelId="{0A13449E-0A44-4FB3-9D73-C4D39F328B7E}" type="presParOf" srcId="{0D14266D-155E-47D2-BD04-D1ADB411484B}" destId="{D15C5AB9-F1E9-4D5E-85C9-5C93CA672A4C}" srcOrd="0" destOrd="0" presId="urn:microsoft.com/office/officeart/2005/8/layout/hierarchy6"/>
+    <dgm:cxn modelId="{17A2E7E4-49CA-45A7-877A-5100F4B30349}" type="presParOf" srcId="{0D14266D-155E-47D2-BD04-D1ADB411484B}" destId="{E8E838FA-19ED-40BF-9663-79F2E95A96F0}" srcOrd="1" destOrd="0" presId="urn:microsoft.com/office/officeart/2005/8/layout/hierarchy6"/>
+    <dgm:cxn modelId="{D09E5E34-5337-4079-AE16-1D81C76E1C07}" type="presParOf" srcId="{E8E838FA-19ED-40BF-9663-79F2E95A96F0}" destId="{1F02E85D-CEC4-408D-AADB-4E14B7734CE4}" srcOrd="0" destOrd="0" presId="urn:microsoft.com/office/officeart/2005/8/layout/hierarchy6"/>
+    <dgm:cxn modelId="{FD11DDDE-AE62-4D4E-90B8-B5B7F5F471EF}" type="presParOf" srcId="{E8E838FA-19ED-40BF-9663-79F2E95A96F0}" destId="{0DDA1025-F861-46DE-9999-4C9FF60F2BA1}" srcOrd="1" destOrd="0" presId="urn:microsoft.com/office/officeart/2005/8/layout/hierarchy6"/>
+    <dgm:cxn modelId="{4ADCC184-D0B3-4002-9DFC-83BBA7456455}" type="presParOf" srcId="{0DDA1025-F861-46DE-9999-4C9FF60F2BA1}" destId="{2B44D44D-9C15-4BE4-8857-6902DD216E02}" srcOrd="0" destOrd="0" presId="urn:microsoft.com/office/officeart/2005/8/layout/hierarchy6"/>
+    <dgm:cxn modelId="{E745F990-BA7A-4BC9-8A58-EFC60EDF67B7}" type="presParOf" srcId="{0DDA1025-F861-46DE-9999-4C9FF60F2BA1}" destId="{52E0AE4D-5240-4116-8871-F00A2F071C25}" srcOrd="1" destOrd="0" presId="urn:microsoft.com/office/officeart/2005/8/layout/hierarchy6"/>
+    <dgm:cxn modelId="{03AEEAB2-50A0-4E05-9B25-7FA0521EBD80}" type="presParOf" srcId="{52E0AE4D-5240-4116-8871-F00A2F071C25}" destId="{03CEC701-59F7-4F6F-A2FB-6D1193C6C0E9}" srcOrd="0" destOrd="0" presId="urn:microsoft.com/office/officeart/2005/8/layout/hierarchy6"/>
+    <dgm:cxn modelId="{2FB391A1-BF1A-4FE7-9853-D253D45DB6A7}" type="presParOf" srcId="{52E0AE4D-5240-4116-8871-F00A2F071C25}" destId="{70C641D7-008F-491D-A8A1-389516750A5F}" srcOrd="1" destOrd="0" presId="urn:microsoft.com/office/officeart/2005/8/layout/hierarchy6"/>
     <dgm:cxn modelId="{CB79AEE9-6809-42EA-9AD5-6E70DE0E6FD0}" type="presParOf" srcId="{DCCD5EFE-7876-4BE0-8B52-0B8CAA5B5D98}" destId="{6D500FE4-6E88-4115-B204-2A401C1E43A0}" srcOrd="2" destOrd="0" presId="urn:microsoft.com/office/officeart/2005/8/layout/hierarchy6"/>
     <dgm:cxn modelId="{7D3F0295-D9D6-4634-869C-4356D71EFEC4}" type="presParOf" srcId="{DCCD5EFE-7876-4BE0-8B52-0B8CAA5B5D98}" destId="{68735FE1-5986-4989-BCFA-E7980B972273}" srcOrd="3" destOrd="0" presId="urn:microsoft.com/office/officeart/2005/8/layout/hierarchy6"/>
     <dgm:cxn modelId="{BCD9E5E9-7130-4803-BED4-F5394D7BA591}" type="presParOf" srcId="{68735FE1-5986-4989-BCFA-E7980B972273}" destId="{1EE97BA3-462E-4247-9C64-D91A323268AC}" srcOrd="0" destOrd="0" presId="urn:microsoft.com/office/officeart/2005/8/layout/hierarchy6"/>
@@ -3804,15 +3868,15 @@
         <a:ext cx="1640810" cy="887229"/>
       </dsp:txXfrm>
     </dsp:sp>
-    <dsp:sp modelId="{2B44D44D-9C15-4BE4-8857-6902DD216E02}">
+    <dsp:sp modelId="{D15C5AB9-F1E9-4D5E-85C9-5C93CA672A4C}">
       <dsp:nvSpPr>
         <dsp:cNvPr id="0" name=""/>
         <dsp:cNvSpPr/>
       </dsp:nvSpPr>
       <dsp:spPr>
         <a:xfrm>
-          <a:off x="4464622" y="3579180"/>
-          <a:ext cx="91440" cy="352244"/>
+          <a:off x="4464849" y="3579180"/>
+          <a:ext cx="91440" cy="382270"/>
         </a:xfrm>
         <a:custGeom>
           <a:avLst/>
@@ -3823,16 +3887,159 @@
           <a:pathLst>
             <a:path>
               <a:moveTo>
-                <a:pt x="45946" y="0"/>
+                <a:pt x="45720" y="0"/>
               </a:moveTo>
               <a:lnTo>
-                <a:pt x="45946" y="176122"/>
+                <a:pt x="45720" y="191135"/>
               </a:lnTo>
               <a:lnTo>
-                <a:pt x="45720" y="176122"/>
+                <a:pt x="99537" y="191135"/>
               </a:lnTo>
               <a:lnTo>
-                <a:pt x="45720" y="352244"/>
+                <a:pt x="99537" y="382270"/>
+              </a:lnTo>
+            </a:path>
+          </a:pathLst>
+        </a:custGeom>
+        <a:noFill/>
+        <a:ln w="34925" cap="flat" cmpd="sng" algn="in">
+          <a:solidFill>
+            <a:schemeClr val="accent4">
+              <a:hueOff val="0"/>
+              <a:satOff val="0"/>
+              <a:lumOff val="0"/>
+              <a:alphaOff val="0"/>
+            </a:schemeClr>
+          </a:solidFill>
+          <a:prstDash val="solid"/>
+        </a:ln>
+        <a:effectLst/>
+        <a:scene3d>
+          <a:camera prst="orthographicFront"/>
+          <a:lightRig rig="chilly" dir="t"/>
+        </a:scene3d>
+        <a:sp3d z="-40000" prstMaterial="matte"/>
+      </dsp:spPr>
+      <dsp:style>
+        <a:lnRef idx="2">
+          <a:scrgbClr r="0" g="0" b="0"/>
+        </a:lnRef>
+        <a:fillRef idx="0">
+          <a:scrgbClr r="0" g="0" b="0"/>
+        </a:fillRef>
+        <a:effectRef idx="0">
+          <a:scrgbClr r="0" g="0" b="0"/>
+        </a:effectRef>
+        <a:fontRef idx="minor"/>
+      </dsp:style>
+    </dsp:sp>
+    <dsp:sp modelId="{1F02E85D-CEC4-408D-AADB-4E14B7734CE4}">
+      <dsp:nvSpPr>
+        <dsp:cNvPr id="0" name=""/>
+        <dsp:cNvSpPr/>
+      </dsp:nvSpPr>
+      <dsp:spPr>
+        <a:xfrm>
+          <a:off x="3857560" y="3961451"/>
+          <a:ext cx="1413653" cy="942435"/>
+        </a:xfrm>
+        <a:prstGeom prst="roundRect">
+          <a:avLst>
+            <a:gd name="adj" fmla="val 10000"/>
+          </a:avLst>
+        </a:prstGeom>
+        <a:solidFill>
+          <a:schemeClr val="accent4">
+            <a:hueOff val="0"/>
+            <a:satOff val="0"/>
+            <a:lumOff val="0"/>
+            <a:alphaOff val="0"/>
+          </a:schemeClr>
+        </a:solidFill>
+        <a:ln>
+          <a:noFill/>
+        </a:ln>
+        <a:effectLst/>
+        <a:scene3d>
+          <a:camera prst="orthographicFront"/>
+          <a:lightRig rig="chilly" dir="t"/>
+        </a:scene3d>
+        <a:sp3d prstMaterial="translucentPowder">
+          <a:bevelT w="127000" h="25400" prst="softRound"/>
+        </a:sp3d>
+      </dsp:spPr>
+      <dsp:style>
+        <a:lnRef idx="0">
+          <a:scrgbClr r="0" g="0" b="0"/>
+        </a:lnRef>
+        <a:fillRef idx="1">
+          <a:scrgbClr r="0" g="0" b="0"/>
+        </a:fillRef>
+        <a:effectRef idx="0">
+          <a:scrgbClr r="0" g="0" b="0"/>
+        </a:effectRef>
+        <a:fontRef idx="minor">
+          <a:schemeClr val="lt1"/>
+        </a:fontRef>
+      </dsp:style>
+      <dsp:txBody>
+        <a:bodyPr spcFirstLastPara="0" vert="horz" wrap="square" lIns="57150" tIns="57150" rIns="57150" bIns="57150" numCol="1" spcCol="1270" anchor="ctr" anchorCtr="0">
+          <a:noAutofit/>
+        </a:bodyPr>
+        <a:lstStyle/>
+        <a:p>
+          <a:pPr marL="0" lvl="0" indent="0" algn="ctr" defTabSz="666750">
+            <a:lnSpc>
+              <a:spcPct val="90000"/>
+            </a:lnSpc>
+            <a:spcBef>
+              <a:spcPct val="0"/>
+            </a:spcBef>
+            <a:spcAft>
+              <a:spcPct val="35000"/>
+            </a:spcAft>
+            <a:buNone/>
+          </a:pPr>
+          <a:r>
+            <a:rPr lang="es-AR" sz="1500" kern="1200" dirty="0"/>
+            <a:t>I2C</a:t>
+          </a:r>
+        </a:p>
+      </dsp:txBody>
+      <dsp:txXfrm>
+        <a:off x="3885163" y="3989054"/>
+        <a:ext cx="1358447" cy="887229"/>
+      </dsp:txXfrm>
+    </dsp:sp>
+    <dsp:sp modelId="{2B44D44D-9C15-4BE4-8857-6902DD216E02}">
+      <dsp:nvSpPr>
+        <dsp:cNvPr id="0" name=""/>
+        <dsp:cNvSpPr/>
+      </dsp:nvSpPr>
+      <dsp:spPr>
+        <a:xfrm>
+          <a:off x="4464622" y="4903886"/>
+          <a:ext cx="91440" cy="346948"/>
+        </a:xfrm>
+        <a:custGeom>
+          <a:avLst/>
+          <a:gdLst/>
+          <a:ahLst/>
+          <a:cxnLst/>
+          <a:rect l="0" t="0" r="0" b="0"/>
+          <a:pathLst>
+            <a:path>
+              <a:moveTo>
+                <a:pt x="99763" y="0"/>
+              </a:moveTo>
+              <a:lnTo>
+                <a:pt x="99763" y="173474"/>
+              </a:lnTo>
+              <a:lnTo>
+                <a:pt x="45720" y="173474"/>
+              </a:lnTo>
+              <a:lnTo>
+                <a:pt x="45720" y="346948"/>
               </a:lnTo>
             </a:path>
           </a:pathLst>
@@ -3876,7 +4083,7 @@
       </dsp:nvSpPr>
       <dsp:spPr>
         <a:xfrm>
-          <a:off x="3803516" y="3931425"/>
+          <a:off x="3803516" y="5250834"/>
           <a:ext cx="1413653" cy="942435"/>
         </a:xfrm>
         <a:prstGeom prst="roundRect">
@@ -3943,7 +4150,7 @@
         </a:p>
       </dsp:txBody>
       <dsp:txXfrm>
-        <a:off x="3831119" y="3959028"/>
+        <a:off x="3831119" y="5278437"/>
         <a:ext cx="1358447" cy="887229"/>
       </dsp:txXfrm>
     </dsp:sp>
@@ -8472,7 +8679,7 @@
             <a:fld id="{87DE6118-2437-4B30-8E3C-4D2BE6020583}" type="datetimeFigureOut">
               <a:rPr lang="en-US" dirty="0"/>
               <a:pPr/>
-              <a:t>07/10/2019</a:t>
+              <a:t>07-Oct-19</a:t>
             </a:fld>
             <a:endParaRPr lang="en-US" dirty="0"/>
           </a:p>
@@ -8798,7 +9005,7 @@
           <a:p>
             <a:fld id="{87DE6118-2437-4B30-8E3C-4D2BE6020583}" type="datetimeFigureOut">
               <a:rPr lang="en-US" dirty="0"/>
-              <a:t>07/10/2019</a:t>
+              <a:t>07-Oct-19</a:t>
             </a:fld>
             <a:endParaRPr lang="en-US" dirty="0"/>
           </a:p>
@@ -8973,7 +9180,7 @@
           <a:p>
             <a:fld id="{87DE6118-2437-4B30-8E3C-4D2BE6020583}" type="datetimeFigureOut">
               <a:rPr lang="en-US" dirty="0"/>
-              <a:t>07/10/2019</a:t>
+              <a:t>07-Oct-19</a:t>
             </a:fld>
             <a:endParaRPr lang="en-US" dirty="0"/>
           </a:p>
@@ -9138,7 +9345,7 @@
           <a:p>
             <a:fld id="{87DE6118-2437-4B30-8E3C-4D2BE6020583}" type="datetimeFigureOut">
               <a:rPr lang="en-US" dirty="0"/>
-              <a:t>07/10/2019</a:t>
+              <a:t>07-Oct-19</a:t>
             </a:fld>
             <a:endParaRPr lang="en-US" dirty="0"/>
           </a:p>
@@ -9411,7 +9618,7 @@
             <a:fld id="{87DE6118-2437-4B30-8E3C-4D2BE6020583}" type="datetimeFigureOut">
               <a:rPr lang="en-US" dirty="0"/>
               <a:pPr/>
-              <a:t>07/10/2019</a:t>
+              <a:t>07-Oct-19</a:t>
             </a:fld>
             <a:endParaRPr lang="en-US" dirty="0"/>
           </a:p>
@@ -9801,7 +10008,7 @@
           <a:p>
             <a:fld id="{87DE6118-2437-4B30-8E3C-4D2BE6020583}" type="datetimeFigureOut">
               <a:rPr lang="en-US" dirty="0"/>
-              <a:t>07/10/2019</a:t>
+              <a:t>07-Oct-19</a:t>
             </a:fld>
             <a:endParaRPr lang="en-US" dirty="0"/>
           </a:p>
@@ -10273,7 +10480,7 @@
           <a:p>
             <a:fld id="{87DE6118-2437-4B30-8E3C-4D2BE6020583}" type="datetimeFigureOut">
               <a:rPr lang="en-US" dirty="0"/>
-              <a:t>07/10/2019</a:t>
+              <a:t>07-Oct-19</a:t>
             </a:fld>
             <a:endParaRPr lang="en-US" dirty="0"/>
           </a:p>
@@ -10386,7 +10593,7 @@
           <a:p>
             <a:fld id="{87DE6118-2437-4B30-8E3C-4D2BE6020583}" type="datetimeFigureOut">
               <a:rPr lang="en-US" dirty="0"/>
-              <a:t>07/10/2019</a:t>
+              <a:t>07-Oct-19</a:t>
             </a:fld>
             <a:endParaRPr lang="en-US" dirty="0"/>
           </a:p>
@@ -10476,7 +10683,7 @@
           <a:p>
             <a:fld id="{87DE6118-2437-4B30-8E3C-4D2BE6020583}" type="datetimeFigureOut">
               <a:rPr lang="en-US" dirty="0"/>
-              <a:t>07/10/2019</a:t>
+              <a:t>07-Oct-19</a:t>
             </a:fld>
             <a:endParaRPr lang="en-US" dirty="0"/>
           </a:p>
@@ -10818,7 +11025,7 @@
             <a:fld id="{87DE6118-2437-4B30-8E3C-4D2BE6020583}" type="datetimeFigureOut">
               <a:rPr lang="en-US" dirty="0"/>
               <a:pPr/>
-              <a:t>07/10/2019</a:t>
+              <a:t>07-Oct-19</a:t>
             </a:fld>
             <a:endParaRPr lang="en-US" dirty="0"/>
           </a:p>
@@ -11203,7 +11410,7 @@
             <a:fld id="{87DE6118-2437-4B30-8E3C-4D2BE6020583}" type="datetimeFigureOut">
               <a:rPr lang="en-US" dirty="0"/>
               <a:pPr/>
-              <a:t>07/10/2019</a:t>
+              <a:t>07-Oct-19</a:t>
             </a:fld>
             <a:endParaRPr lang="en-US" dirty="0"/>
           </a:p>
@@ -11478,7 +11685,7 @@
             <a:fld id="{87DE6118-2437-4B30-8E3C-4D2BE6020583}" type="datetimeFigureOut">
               <a:rPr lang="en-US" dirty="0"/>
               <a:pPr/>
-              <a:t>07/10/2019</a:t>
+              <a:t>07-Oct-19</a:t>
             </a:fld>
             <a:endParaRPr lang="en-US" dirty="0"/>
           </a:p>
@@ -12127,7 +12334,7 @@
           <p:nvPr>
             <p:extLst>
               <p:ext uri="{D42A27DB-BD31-4B8C-83A1-F6EECF244321}">
-                <p14:modId xmlns:p14="http://schemas.microsoft.com/office/powerpoint/2010/main" val="3414280868"/>
+                <p14:modId xmlns:p14="http://schemas.microsoft.com/office/powerpoint/2010/main" val="959299580"/>
               </p:ext>
             </p:extLst>
           </p:nvPr>

--- a/PPT/Comunicación serie.pptx
+++ b/PPT/Comunicación serie.pptx
@@ -11,6 +11,8 @@
     <p:sldId id="260" r:id="rId5"/>
     <p:sldId id="261" r:id="rId6"/>
     <p:sldId id="262" r:id="rId7"/>
+    <p:sldId id="263" r:id="rId8"/>
+    <p:sldId id="264" r:id="rId9"/>
   </p:sldIdLst>
   <p:sldSz cx="12192000" cy="6858000"/>
   <p:notesSz cx="6858000" cy="9144000"/>
@@ -13205,6 +13207,460 @@
 </p:sld>
 </file>
 
+<file path=ppt/slides/slide7.xml><?xml version="1.0" encoding="utf-8"?>
+<p:sld xmlns:a="http://schemas.openxmlformats.org/drawingml/2006/main" xmlns:r="http://schemas.openxmlformats.org/officeDocument/2006/relationships" xmlns:p="http://schemas.openxmlformats.org/presentationml/2006/main">
+  <p:cSld>
+    <p:spTree>
+      <p:nvGrpSpPr>
+        <p:cNvPr id="1" name=""/>
+        <p:cNvGrpSpPr/>
+        <p:nvPr/>
+      </p:nvGrpSpPr>
+      <p:grpSpPr>
+        <a:xfrm>
+          <a:off x="0" y="0"/>
+          <a:ext cx="0" cy="0"/>
+          <a:chOff x="0" y="0"/>
+          <a:chExt cx="0" cy="0"/>
+        </a:xfrm>
+      </p:grpSpPr>
+      <p:sp>
+        <p:nvSpPr>
+          <p:cNvPr id="4" name="Title 3">
+            <a:extLst>
+              <a:ext uri="{FF2B5EF4-FFF2-40B4-BE49-F238E27FC236}">
+                <a16:creationId xmlns:a16="http://schemas.microsoft.com/office/drawing/2014/main" id="{ADB6C19B-93DD-486F-B2D4-804E7793B907}"/>
+              </a:ext>
+            </a:extLst>
+          </p:cNvPr>
+          <p:cNvSpPr>
+            <a:spLocks noGrp="1"/>
+          </p:cNvSpPr>
+          <p:nvPr>
+            <p:ph type="title"/>
+          </p:nvPr>
+        </p:nvSpPr>
+        <p:spPr>
+          <a:xfrm>
+            <a:off x="1371600" y="685800"/>
+            <a:ext cx="9601200" cy="1485900"/>
+          </a:xfrm>
+        </p:spPr>
+        <p:txBody>
+          <a:bodyPr/>
+          <a:lstStyle/>
+          <a:p>
+            <a:r>
+              <a:rPr lang="es-AR" dirty="0"/>
+              <a:t>I2C</a:t>
+            </a:r>
+          </a:p>
+        </p:txBody>
+      </p:sp>
+      <p:sp>
+        <p:nvSpPr>
+          <p:cNvPr id="6" name="Content Placeholder 5">
+            <a:extLst>
+              <a:ext uri="{FF2B5EF4-FFF2-40B4-BE49-F238E27FC236}">
+                <a16:creationId xmlns:a16="http://schemas.microsoft.com/office/drawing/2014/main" id="{20C32188-2492-45E8-8B75-8A2584607599}"/>
+              </a:ext>
+            </a:extLst>
+          </p:cNvPr>
+          <p:cNvSpPr>
+            <a:spLocks noGrp="1"/>
+          </p:cNvSpPr>
+          <p:nvPr>
+            <p:ph sz="half" idx="2"/>
+          </p:nvPr>
+        </p:nvSpPr>
+        <p:spPr>
+          <a:xfrm>
+            <a:off x="1371600" y="2356342"/>
+            <a:ext cx="4240306" cy="2145309"/>
+          </a:xfrm>
+        </p:spPr>
+        <p:txBody>
+          <a:bodyPr>
+            <a:normAutofit/>
+          </a:bodyPr>
+          <a:lstStyle/>
+          <a:p>
+            <a:r>
+              <a:rPr lang="es-AR" dirty="0"/>
+              <a:t>Módulo I2C: Encargado de actuar como intermediario entre la </a:t>
+            </a:r>
+            <a:r>
+              <a:rPr lang="es-AR" dirty="0" err="1"/>
+              <a:t>Kinetis</a:t>
+            </a:r>
+            <a:r>
+              <a:rPr lang="es-AR" dirty="0"/>
+              <a:t> y el acelerómetro FXOS8700CQ de la FRDM-K64F para obtener la posición de la placa.</a:t>
+            </a:r>
+          </a:p>
+          <a:p>
+            <a:endParaRPr lang="es-AR" dirty="0"/>
+          </a:p>
+        </p:txBody>
+      </p:sp>
+      <p:sp>
+        <p:nvSpPr>
+          <p:cNvPr id="5" name="Content Placeholder 5">
+            <a:extLst>
+              <a:ext uri="{FF2B5EF4-FFF2-40B4-BE49-F238E27FC236}">
+                <a16:creationId xmlns:a16="http://schemas.microsoft.com/office/drawing/2014/main" id="{7FF49440-8D54-4486-86EB-F47012542A36}"/>
+              </a:ext>
+            </a:extLst>
+          </p:cNvPr>
+          <p:cNvSpPr txBox="1">
+            <a:spLocks/>
+          </p:cNvSpPr>
+          <p:nvPr/>
+        </p:nvSpPr>
+        <p:spPr>
+          <a:xfrm>
+            <a:off x="6922766" y="2356341"/>
+            <a:ext cx="4050034" cy="2145309"/>
+          </a:xfrm>
+          <a:prstGeom prst="rect">
+            <a:avLst/>
+          </a:prstGeom>
+        </p:spPr>
+        <p:txBody>
+          <a:bodyPr vert="horz" lIns="91440" tIns="45720" rIns="91440" bIns="45720" rtlCol="0">
+            <a:normAutofit/>
+          </a:bodyPr>
+          <a:lstStyle>
+            <a:lvl1pPr marL="384048" indent="-384048" algn="l" defTabSz="914400" rtl="0" eaLnBrk="1" latinLnBrk="0" hangingPunct="1">
+              <a:lnSpc>
+                <a:spcPct val="94000"/>
+              </a:lnSpc>
+              <a:spcBef>
+                <a:spcPts val="1000"/>
+              </a:spcBef>
+              <a:spcAft>
+                <a:spcPts val="200"/>
+              </a:spcAft>
+              <a:buFont typeface="Franklin Gothic Book" panose="020B0503020102020204" pitchFamily="34" charset="0"/>
+              <a:buChar char="■"/>
+              <a:defRPr sz="2000" kern="1200" baseline="0">
+                <a:solidFill>
+                  <a:schemeClr val="tx2"/>
+                </a:solidFill>
+                <a:latin typeface="+mn-lt"/>
+                <a:ea typeface="+mn-ea"/>
+                <a:cs typeface="+mn-cs"/>
+              </a:defRPr>
+            </a:lvl1pPr>
+            <a:lvl2pPr marL="914400" indent="-384048" algn="l" defTabSz="914400" rtl="0" eaLnBrk="1" latinLnBrk="0" hangingPunct="1">
+              <a:lnSpc>
+                <a:spcPct val="94000"/>
+              </a:lnSpc>
+              <a:spcBef>
+                <a:spcPts val="500"/>
+              </a:spcBef>
+              <a:spcAft>
+                <a:spcPts val="200"/>
+              </a:spcAft>
+              <a:buFont typeface="Franklin Gothic Book" panose="020B0503020102020204" pitchFamily="34" charset="0"/>
+              <a:buChar char="–"/>
+              <a:defRPr sz="2000" i="1" kern="1200" baseline="0">
+                <a:solidFill>
+                  <a:schemeClr val="tx2"/>
+                </a:solidFill>
+                <a:latin typeface="+mn-lt"/>
+                <a:ea typeface="+mn-ea"/>
+                <a:cs typeface="+mn-cs"/>
+              </a:defRPr>
+            </a:lvl2pPr>
+            <a:lvl3pPr marL="1371600" indent="-384048" algn="l" defTabSz="914400" rtl="0" eaLnBrk="1" latinLnBrk="0" hangingPunct="1">
+              <a:lnSpc>
+                <a:spcPct val="94000"/>
+              </a:lnSpc>
+              <a:spcBef>
+                <a:spcPts val="500"/>
+              </a:spcBef>
+              <a:spcAft>
+                <a:spcPts val="200"/>
+              </a:spcAft>
+              <a:buFont typeface="Franklin Gothic Book" panose="020B0503020102020204" pitchFamily="34" charset="0"/>
+              <a:buChar char="■"/>
+              <a:defRPr sz="1800" kern="1200" baseline="0">
+                <a:solidFill>
+                  <a:schemeClr val="tx2"/>
+                </a:solidFill>
+                <a:latin typeface="+mn-lt"/>
+                <a:ea typeface="+mn-ea"/>
+                <a:cs typeface="+mn-cs"/>
+              </a:defRPr>
+            </a:lvl3pPr>
+            <a:lvl4pPr marL="1828800" indent="-384048" algn="l" defTabSz="914400" rtl="0" eaLnBrk="1" latinLnBrk="0" hangingPunct="1">
+              <a:lnSpc>
+                <a:spcPct val="94000"/>
+              </a:lnSpc>
+              <a:spcBef>
+                <a:spcPts val="500"/>
+              </a:spcBef>
+              <a:spcAft>
+                <a:spcPts val="200"/>
+              </a:spcAft>
+              <a:buFont typeface="Franklin Gothic Book" panose="020B0503020102020204" pitchFamily="34" charset="0"/>
+              <a:buChar char="–"/>
+              <a:defRPr sz="1800" i="1" kern="1200" baseline="0">
+                <a:solidFill>
+                  <a:schemeClr val="tx2"/>
+                </a:solidFill>
+                <a:latin typeface="+mn-lt"/>
+                <a:ea typeface="+mn-ea"/>
+                <a:cs typeface="+mn-cs"/>
+              </a:defRPr>
+            </a:lvl4pPr>
+            <a:lvl5pPr marL="2286000" indent="-384048" algn="l" defTabSz="914400" rtl="0" eaLnBrk="1" latinLnBrk="0" hangingPunct="1">
+              <a:lnSpc>
+                <a:spcPct val="94000"/>
+              </a:lnSpc>
+              <a:spcBef>
+                <a:spcPts val="500"/>
+              </a:spcBef>
+              <a:spcAft>
+                <a:spcPts val="200"/>
+              </a:spcAft>
+              <a:buFont typeface="Franklin Gothic Book" panose="020B0503020102020204" pitchFamily="34" charset="0"/>
+              <a:buChar char="■"/>
+              <a:defRPr sz="1600" kern="1200" baseline="0">
+                <a:solidFill>
+                  <a:schemeClr val="tx2"/>
+                </a:solidFill>
+                <a:latin typeface="+mn-lt"/>
+                <a:ea typeface="+mn-ea"/>
+                <a:cs typeface="+mn-cs"/>
+              </a:defRPr>
+            </a:lvl5pPr>
+            <a:lvl6pPr marL="2743200" indent="-384048" algn="l" defTabSz="914400" rtl="0" eaLnBrk="1" latinLnBrk="0" hangingPunct="1">
+              <a:lnSpc>
+                <a:spcPct val="94000"/>
+              </a:lnSpc>
+              <a:spcBef>
+                <a:spcPts val="500"/>
+              </a:spcBef>
+              <a:spcAft>
+                <a:spcPts val="200"/>
+              </a:spcAft>
+              <a:buFont typeface="Franklin Gothic Book" panose="020B0503020102020204" pitchFamily="34" charset="0"/>
+              <a:buChar char="–"/>
+              <a:defRPr sz="1600" i="1" kern="1200" baseline="0">
+                <a:solidFill>
+                  <a:schemeClr val="tx2"/>
+                </a:solidFill>
+                <a:latin typeface="+mn-lt"/>
+                <a:ea typeface="+mn-ea"/>
+                <a:cs typeface="+mn-cs"/>
+              </a:defRPr>
+            </a:lvl6pPr>
+            <a:lvl7pPr marL="3200400" indent="-384048" algn="l" defTabSz="914400" rtl="0" eaLnBrk="1" latinLnBrk="0" hangingPunct="1">
+              <a:lnSpc>
+                <a:spcPct val="94000"/>
+              </a:lnSpc>
+              <a:spcBef>
+                <a:spcPts val="500"/>
+              </a:spcBef>
+              <a:spcAft>
+                <a:spcPts val="200"/>
+              </a:spcAft>
+              <a:buFont typeface="Franklin Gothic Book" panose="020B0503020102020204" pitchFamily="34" charset="0"/>
+              <a:buChar char="■"/>
+              <a:defRPr sz="1400" kern="1200" baseline="0">
+                <a:solidFill>
+                  <a:schemeClr val="tx2"/>
+                </a:solidFill>
+                <a:latin typeface="+mn-lt"/>
+                <a:ea typeface="+mn-ea"/>
+                <a:cs typeface="+mn-cs"/>
+              </a:defRPr>
+            </a:lvl7pPr>
+            <a:lvl8pPr marL="3657600" indent="-384048" algn="l" defTabSz="914400" rtl="0" eaLnBrk="1" latinLnBrk="0" hangingPunct="1">
+              <a:lnSpc>
+                <a:spcPct val="94000"/>
+              </a:lnSpc>
+              <a:spcBef>
+                <a:spcPts val="500"/>
+              </a:spcBef>
+              <a:spcAft>
+                <a:spcPts val="200"/>
+              </a:spcAft>
+              <a:buFont typeface="Franklin Gothic Book" panose="020B0503020102020204" pitchFamily="34" charset="0"/>
+              <a:buChar char="–"/>
+              <a:defRPr sz="1400" i="1" kern="1200" baseline="0">
+                <a:solidFill>
+                  <a:schemeClr val="tx2"/>
+                </a:solidFill>
+                <a:latin typeface="+mn-lt"/>
+                <a:ea typeface="+mn-ea"/>
+                <a:cs typeface="+mn-cs"/>
+              </a:defRPr>
+            </a:lvl8pPr>
+            <a:lvl9pPr marL="4114800" indent="-384048" algn="l" defTabSz="914400" rtl="0" eaLnBrk="1" latinLnBrk="0" hangingPunct="1">
+              <a:lnSpc>
+                <a:spcPct val="94000"/>
+              </a:lnSpc>
+              <a:spcBef>
+                <a:spcPts val="500"/>
+              </a:spcBef>
+              <a:spcAft>
+                <a:spcPts val="200"/>
+              </a:spcAft>
+              <a:buFont typeface="Franklin Gothic Book" panose="020B0503020102020204" pitchFamily="34" charset="0"/>
+              <a:buChar char="■"/>
+              <a:defRPr sz="1400" kern="1200" baseline="0">
+                <a:solidFill>
+                  <a:schemeClr val="tx2"/>
+                </a:solidFill>
+                <a:latin typeface="+mn-lt"/>
+                <a:ea typeface="+mn-ea"/>
+                <a:cs typeface="+mn-cs"/>
+              </a:defRPr>
+            </a:lvl9pPr>
+          </a:lstStyle>
+          <a:p>
+            <a:r>
+              <a:rPr lang="es-AR" dirty="0"/>
+              <a:t>No bloqueante.</a:t>
+            </a:r>
+          </a:p>
+          <a:p>
+            <a:r>
+              <a:rPr lang="es-AR" dirty="0"/>
+              <a:t>Configurable para los tres módulos (I2C0, I2C1, I2C2).</a:t>
+            </a:r>
+          </a:p>
+          <a:p>
+            <a:r>
+              <a:rPr lang="es-AR" dirty="0"/>
+              <a:t>Modo master </a:t>
+            </a:r>
+            <a:r>
+              <a:rPr lang="es-AR" dirty="0" err="1"/>
+              <a:t>only</a:t>
+            </a:r>
+            <a:r>
+              <a:rPr lang="es-AR" dirty="0"/>
+              <a:t>.</a:t>
+            </a:r>
+          </a:p>
+          <a:p>
+            <a:endParaRPr lang="es-AR" dirty="0"/>
+          </a:p>
+        </p:txBody>
+      </p:sp>
+    </p:spTree>
+    <p:extLst>
+      <p:ext uri="{BB962C8B-B14F-4D97-AF65-F5344CB8AC3E}">
+        <p14:creationId xmlns:p14="http://schemas.microsoft.com/office/powerpoint/2010/main" val="3671709772"/>
+      </p:ext>
+    </p:extLst>
+  </p:cSld>
+  <p:clrMapOvr>
+    <a:masterClrMapping/>
+  </p:clrMapOvr>
+</p:sld>
+</file>
+
+<file path=ppt/slides/slide8.xml><?xml version="1.0" encoding="utf-8"?>
+<p:sld xmlns:a="http://schemas.openxmlformats.org/drawingml/2006/main" xmlns:r="http://schemas.openxmlformats.org/officeDocument/2006/relationships" xmlns:p="http://schemas.openxmlformats.org/presentationml/2006/main">
+  <p:cSld>
+    <p:spTree>
+      <p:nvGrpSpPr>
+        <p:cNvPr id="1" name=""/>
+        <p:cNvGrpSpPr/>
+        <p:nvPr/>
+      </p:nvGrpSpPr>
+      <p:grpSpPr>
+        <a:xfrm>
+          <a:off x="0" y="0"/>
+          <a:ext cx="0" cy="0"/>
+          <a:chOff x="0" y="0"/>
+          <a:chExt cx="0" cy="0"/>
+        </a:xfrm>
+      </p:grpSpPr>
+      <p:sp>
+        <p:nvSpPr>
+          <p:cNvPr id="2" name="Title 1">
+            <a:extLst>
+              <a:ext uri="{FF2B5EF4-FFF2-40B4-BE49-F238E27FC236}">
+                <a16:creationId xmlns:a16="http://schemas.microsoft.com/office/drawing/2014/main" id="{8A0638FF-7D6F-45D3-BED9-6FB717AE6059}"/>
+              </a:ext>
+            </a:extLst>
+          </p:cNvPr>
+          <p:cNvSpPr>
+            <a:spLocks noGrp="1"/>
+          </p:cNvSpPr>
+          <p:nvPr>
+            <p:ph type="title"/>
+          </p:nvPr>
+        </p:nvSpPr>
+        <p:spPr>
+          <a:xfrm>
+            <a:off x="9254318" y="747712"/>
+            <a:ext cx="2504289" cy="937863"/>
+          </a:xfrm>
+        </p:spPr>
+        <p:txBody>
+          <a:bodyPr vert="horz" lIns="91440" tIns="45720" rIns="91440" bIns="45720" rtlCol="0" anchor="b">
+            <a:normAutofit/>
+          </a:bodyPr>
+          <a:lstStyle/>
+          <a:p>
+            <a:pPr algn="ctr"/>
+            <a:r>
+              <a:rPr lang="en-US" sz="6000" cap="all" dirty="0"/>
+              <a:t>I2C.H</a:t>
+            </a:r>
+          </a:p>
+        </p:txBody>
+      </p:sp>
+      <p:pic>
+        <p:nvPicPr>
+          <p:cNvPr id="3" name="Picture 2">
+            <a:extLst>
+              <a:ext uri="{FF2B5EF4-FFF2-40B4-BE49-F238E27FC236}">
+                <a16:creationId xmlns:a16="http://schemas.microsoft.com/office/drawing/2014/main" id="{03040B13-746A-4114-8C25-9B28109CD8EA}"/>
+              </a:ext>
+            </a:extLst>
+          </p:cNvPr>
+          <p:cNvPicPr>
+            <a:picLocks noChangeAspect="1"/>
+          </p:cNvPicPr>
+          <p:nvPr/>
+        </p:nvPicPr>
+        <p:blipFill>
+          <a:blip r:embed="rId2"/>
+          <a:stretch>
+            <a:fillRect/>
+          </a:stretch>
+        </p:blipFill>
+        <p:spPr>
+          <a:xfrm>
+            <a:off x="878657" y="747712"/>
+            <a:ext cx="8375661" cy="5362575"/>
+          </a:xfrm>
+          <a:prstGeom prst="rect">
+            <a:avLst/>
+          </a:prstGeom>
+        </p:spPr>
+      </p:pic>
+    </p:spTree>
+    <p:extLst>
+      <p:ext uri="{BB962C8B-B14F-4D97-AF65-F5344CB8AC3E}">
+        <p14:creationId xmlns:p14="http://schemas.microsoft.com/office/powerpoint/2010/main" val="286731620"/>
+      </p:ext>
+    </p:extLst>
+  </p:cSld>
+  <p:clrMapOvr>
+    <a:masterClrMapping/>
+  </p:clrMapOvr>
+</p:sld>
+</file>
+
 <file path=ppt/theme/theme1.xml><?xml version="1.0" encoding="utf-8"?>
 <a:theme xmlns:a="http://schemas.openxmlformats.org/drawingml/2006/main" name="Crop">
   <a:themeElements>

--- a/PPT/Comunicación serie.pptx
+++ b/PPT/Comunicación serie.pptx
@@ -13,6 +13,9 @@
     <p:sldId id="262" r:id="rId7"/>
     <p:sldId id="263" r:id="rId8"/>
     <p:sldId id="264" r:id="rId9"/>
+    <p:sldId id="267" r:id="rId10"/>
+    <p:sldId id="265" r:id="rId11"/>
+    <p:sldId id="266" r:id="rId12"/>
   </p:sldIdLst>
   <p:sldSz cx="12192000" cy="6858000"/>
   <p:notesSz cx="6858000" cy="9144000"/>
@@ -1039,6 +1042,925 @@
 </file>
 
 <file path=ppt/diagrams/colors2.xml><?xml version="1.0" encoding="utf-8"?>
+<dgm:colorsDef xmlns:dgm="http://schemas.openxmlformats.org/drawingml/2006/diagram" xmlns:a="http://schemas.openxmlformats.org/drawingml/2006/main" uniqueId="urn:microsoft.com/office/officeart/2005/8/colors/colorful1">
+  <dgm:title val=""/>
+  <dgm:desc val=""/>
+  <dgm:catLst>
+    <dgm:cat type="colorful" pri="10100"/>
+  </dgm:catLst>
+  <dgm:styleLbl name="node0">
+    <dgm:fillClrLst meth="repeat">
+      <a:schemeClr val="accent1"/>
+    </dgm:fillClrLst>
+    <dgm:linClrLst meth="repeat">
+      <a:schemeClr val="lt1"/>
+    </dgm:linClrLst>
+    <dgm:effectClrLst/>
+    <dgm:txLinClrLst/>
+    <dgm:txFillClrLst/>
+    <dgm:txEffectClrLst/>
+  </dgm:styleLbl>
+  <dgm:styleLbl name="node1">
+    <dgm:fillClrLst meth="repeat">
+      <a:schemeClr val="accent2"/>
+      <a:schemeClr val="accent3"/>
+      <a:schemeClr val="accent4"/>
+      <a:schemeClr val="accent5"/>
+      <a:schemeClr val="accent6"/>
+    </dgm:fillClrLst>
+    <dgm:linClrLst meth="repeat">
+      <a:schemeClr val="lt1"/>
+    </dgm:linClrLst>
+    <dgm:effectClrLst/>
+    <dgm:txLinClrLst/>
+    <dgm:txFillClrLst/>
+    <dgm:txEffectClrLst/>
+  </dgm:styleLbl>
+  <dgm:styleLbl name="alignNode1">
+    <dgm:fillClrLst meth="repeat">
+      <a:schemeClr val="accent2"/>
+      <a:schemeClr val="accent3"/>
+      <a:schemeClr val="accent4"/>
+      <a:schemeClr val="accent5"/>
+      <a:schemeClr val="accent6"/>
+    </dgm:fillClrLst>
+    <dgm:linClrLst meth="repeat">
+      <a:schemeClr val="accent2"/>
+      <a:schemeClr val="accent3"/>
+      <a:schemeClr val="accent4"/>
+      <a:schemeClr val="accent5"/>
+      <a:schemeClr val="accent6"/>
+    </dgm:linClrLst>
+    <dgm:effectClrLst/>
+    <dgm:txLinClrLst/>
+    <dgm:txFillClrLst/>
+    <dgm:txEffectClrLst/>
+  </dgm:styleLbl>
+  <dgm:styleLbl name="lnNode1">
+    <dgm:fillClrLst meth="repeat">
+      <a:schemeClr val="accent2"/>
+      <a:schemeClr val="accent3"/>
+      <a:schemeClr val="accent4"/>
+      <a:schemeClr val="accent5"/>
+      <a:schemeClr val="accent6"/>
+    </dgm:fillClrLst>
+    <dgm:linClrLst meth="repeat">
+      <a:schemeClr val="lt1"/>
+    </dgm:linClrLst>
+    <dgm:effectClrLst/>
+    <dgm:txLinClrLst/>
+    <dgm:txFillClrLst/>
+    <dgm:txEffectClrLst/>
+  </dgm:styleLbl>
+  <dgm:styleLbl name="vennNode1">
+    <dgm:fillClrLst meth="repeat">
+      <a:schemeClr val="accent2">
+        <a:alpha val="50000"/>
+      </a:schemeClr>
+      <a:schemeClr val="accent3">
+        <a:alpha val="50000"/>
+      </a:schemeClr>
+      <a:schemeClr val="accent4">
+        <a:alpha val="50000"/>
+      </a:schemeClr>
+      <a:schemeClr val="accent5">
+        <a:alpha val="50000"/>
+      </a:schemeClr>
+      <a:schemeClr val="accent6">
+        <a:alpha val="50000"/>
+      </a:schemeClr>
+    </dgm:fillClrLst>
+    <dgm:linClrLst meth="repeat">
+      <a:schemeClr val="lt1"/>
+    </dgm:linClrLst>
+    <dgm:effectClrLst/>
+    <dgm:txLinClrLst/>
+    <dgm:txFillClrLst/>
+    <dgm:txEffectClrLst/>
+  </dgm:styleLbl>
+  <dgm:styleLbl name="node2">
+    <dgm:fillClrLst>
+      <a:schemeClr val="accent2"/>
+    </dgm:fillClrLst>
+    <dgm:linClrLst meth="repeat">
+      <a:schemeClr val="lt1"/>
+    </dgm:linClrLst>
+    <dgm:effectClrLst/>
+    <dgm:txLinClrLst/>
+    <dgm:txFillClrLst/>
+    <dgm:txEffectClrLst/>
+  </dgm:styleLbl>
+  <dgm:styleLbl name="node3">
+    <dgm:fillClrLst>
+      <a:schemeClr val="accent3"/>
+    </dgm:fillClrLst>
+    <dgm:linClrLst meth="repeat">
+      <a:schemeClr val="lt1"/>
+    </dgm:linClrLst>
+    <dgm:effectClrLst/>
+    <dgm:txLinClrLst/>
+    <dgm:txFillClrLst/>
+    <dgm:txEffectClrLst/>
+  </dgm:styleLbl>
+  <dgm:styleLbl name="node4">
+    <dgm:fillClrLst>
+      <a:schemeClr val="accent4"/>
+    </dgm:fillClrLst>
+    <dgm:linClrLst meth="repeat">
+      <a:schemeClr val="lt1"/>
+    </dgm:linClrLst>
+    <dgm:effectClrLst/>
+    <dgm:txLinClrLst/>
+    <dgm:txFillClrLst/>
+    <dgm:txEffectClrLst/>
+  </dgm:styleLbl>
+  <dgm:styleLbl name="fgImgPlace1">
+    <dgm:fillClrLst meth="repeat">
+      <a:schemeClr val="accent2">
+        <a:tint val="50000"/>
+      </a:schemeClr>
+      <a:schemeClr val="accent3">
+        <a:tint val="50000"/>
+      </a:schemeClr>
+      <a:schemeClr val="accent4">
+        <a:tint val="50000"/>
+      </a:schemeClr>
+      <a:schemeClr val="accent5">
+        <a:tint val="50000"/>
+      </a:schemeClr>
+      <a:schemeClr val="accent6">
+        <a:tint val="50000"/>
+      </a:schemeClr>
+    </dgm:fillClrLst>
+    <dgm:linClrLst meth="repeat">
+      <a:schemeClr val="lt1"/>
+    </dgm:linClrLst>
+    <dgm:effectClrLst/>
+    <dgm:txLinClrLst/>
+    <dgm:txFillClrLst meth="repeat">
+      <a:schemeClr val="lt1"/>
+    </dgm:txFillClrLst>
+    <dgm:txEffectClrLst/>
+  </dgm:styleLbl>
+  <dgm:styleLbl name="alignImgPlace1">
+    <dgm:fillClrLst>
+      <a:schemeClr val="accent1">
+        <a:tint val="50000"/>
+      </a:schemeClr>
+      <a:schemeClr val="accent2">
+        <a:tint val="20000"/>
+      </a:schemeClr>
+    </dgm:fillClrLst>
+    <dgm:linClrLst meth="repeat">
+      <a:schemeClr val="lt1"/>
+    </dgm:linClrLst>
+    <dgm:effectClrLst/>
+    <dgm:txLinClrLst/>
+    <dgm:txFillClrLst meth="repeat">
+      <a:schemeClr val="lt1"/>
+    </dgm:txFillClrLst>
+    <dgm:txEffectClrLst/>
+  </dgm:styleLbl>
+  <dgm:styleLbl name="bgImgPlace1">
+    <dgm:fillClrLst>
+      <a:schemeClr val="accent1">
+        <a:tint val="50000"/>
+      </a:schemeClr>
+      <a:schemeClr val="accent2">
+        <a:tint val="20000"/>
+      </a:schemeClr>
+    </dgm:fillClrLst>
+    <dgm:linClrLst meth="repeat">
+      <a:schemeClr val="lt1"/>
+    </dgm:linClrLst>
+    <dgm:effectClrLst/>
+    <dgm:txLinClrLst/>
+    <dgm:txFillClrLst meth="repeat">
+      <a:schemeClr val="lt1"/>
+    </dgm:txFillClrLst>
+    <dgm:txEffectClrLst/>
+  </dgm:styleLbl>
+  <dgm:styleLbl name="sibTrans2D1">
+    <dgm:fillClrLst meth="repeat">
+      <a:schemeClr val="accent2"/>
+      <a:schemeClr val="accent3"/>
+      <a:schemeClr val="accent4"/>
+      <a:schemeClr val="accent5"/>
+      <a:schemeClr val="accent6"/>
+    </dgm:fillClrLst>
+    <dgm:linClrLst meth="cycle">
+      <a:schemeClr val="lt1"/>
+    </dgm:linClrLst>
+    <dgm:effectClrLst/>
+    <dgm:txLinClrLst/>
+    <dgm:txFillClrLst/>
+    <dgm:txEffectClrLst/>
+  </dgm:styleLbl>
+  <dgm:styleLbl name="fgSibTrans2D1">
+    <dgm:fillClrLst meth="repeat">
+      <a:schemeClr val="accent2"/>
+      <a:schemeClr val="accent3"/>
+      <a:schemeClr val="accent4"/>
+      <a:schemeClr val="accent5"/>
+      <a:schemeClr val="accent6"/>
+    </dgm:fillClrLst>
+    <dgm:linClrLst meth="cycle">
+      <a:schemeClr val="lt1"/>
+    </dgm:linClrLst>
+    <dgm:effectClrLst/>
+    <dgm:txLinClrLst/>
+    <dgm:txFillClrLst meth="repeat">
+      <a:schemeClr val="lt1"/>
+    </dgm:txFillClrLst>
+    <dgm:txEffectClrLst/>
+  </dgm:styleLbl>
+  <dgm:styleLbl name="bgSibTrans2D1">
+    <dgm:fillClrLst meth="repeat">
+      <a:schemeClr val="accent2"/>
+      <a:schemeClr val="accent3"/>
+      <a:schemeClr val="accent4"/>
+      <a:schemeClr val="accent5"/>
+      <a:schemeClr val="accent6"/>
+    </dgm:fillClrLst>
+    <dgm:linClrLst meth="cycle">
+      <a:schemeClr val="lt1"/>
+    </dgm:linClrLst>
+    <dgm:effectClrLst/>
+    <dgm:txLinClrLst/>
+    <dgm:txFillClrLst meth="repeat">
+      <a:schemeClr val="lt1"/>
+    </dgm:txFillClrLst>
+    <dgm:txEffectClrLst/>
+  </dgm:styleLbl>
+  <dgm:styleLbl name="sibTrans1D1">
+    <dgm:fillClrLst meth="repeat">
+      <a:schemeClr val="accent2"/>
+      <a:schemeClr val="accent3"/>
+      <a:schemeClr val="accent4"/>
+      <a:schemeClr val="accent5"/>
+      <a:schemeClr val="accent6"/>
+    </dgm:fillClrLst>
+    <dgm:linClrLst meth="repeat">
+      <a:schemeClr val="accent2"/>
+      <a:schemeClr val="accent3"/>
+      <a:schemeClr val="accent4"/>
+      <a:schemeClr val="accent5"/>
+      <a:schemeClr val="accent6"/>
+    </dgm:linClrLst>
+    <dgm:effectClrLst/>
+    <dgm:txLinClrLst/>
+    <dgm:txFillClrLst meth="repeat">
+      <a:schemeClr val="tx1"/>
+    </dgm:txFillClrLst>
+    <dgm:txEffectClrLst/>
+  </dgm:styleLbl>
+  <dgm:styleLbl name="callout">
+    <dgm:fillClrLst meth="repeat">
+      <a:schemeClr val="accent2"/>
+    </dgm:fillClrLst>
+    <dgm:linClrLst meth="repeat">
+      <a:schemeClr val="accent2">
+        <a:tint val="50000"/>
+      </a:schemeClr>
+    </dgm:linClrLst>
+    <dgm:effectClrLst/>
+    <dgm:txLinClrLst/>
+    <dgm:txFillClrLst meth="repeat">
+      <a:schemeClr val="tx1"/>
+    </dgm:txFillClrLst>
+    <dgm:txEffectClrLst/>
+  </dgm:styleLbl>
+  <dgm:styleLbl name="asst0">
+    <dgm:fillClrLst meth="repeat">
+      <a:schemeClr val="accent1"/>
+    </dgm:fillClrLst>
+    <dgm:linClrLst meth="repeat">
+      <a:schemeClr val="lt1"/>
+    </dgm:linClrLst>
+    <dgm:effectClrLst/>
+    <dgm:txLinClrLst/>
+    <dgm:txFillClrLst/>
+    <dgm:txEffectClrLst/>
+  </dgm:styleLbl>
+  <dgm:styleLbl name="asst1">
+    <dgm:fillClrLst meth="repeat">
+      <a:schemeClr val="accent2"/>
+    </dgm:fillClrLst>
+    <dgm:linClrLst meth="repeat">
+      <a:schemeClr val="lt1"/>
+    </dgm:linClrLst>
+    <dgm:effectClrLst/>
+    <dgm:txLinClrLst/>
+    <dgm:txFillClrLst/>
+    <dgm:txEffectClrLst/>
+  </dgm:styleLbl>
+  <dgm:styleLbl name="asst2">
+    <dgm:fillClrLst>
+      <a:schemeClr val="accent3"/>
+    </dgm:fillClrLst>
+    <dgm:linClrLst meth="repeat">
+      <a:schemeClr val="lt1"/>
+    </dgm:linClrLst>
+    <dgm:effectClrLst/>
+    <dgm:txLinClrLst/>
+    <dgm:txFillClrLst/>
+    <dgm:txEffectClrLst/>
+  </dgm:styleLbl>
+  <dgm:styleLbl name="asst3">
+    <dgm:fillClrLst>
+      <a:schemeClr val="accent4"/>
+    </dgm:fillClrLst>
+    <dgm:linClrLst meth="repeat">
+      <a:schemeClr val="lt1"/>
+    </dgm:linClrLst>
+    <dgm:effectClrLst/>
+    <dgm:txLinClrLst/>
+    <dgm:txFillClrLst/>
+    <dgm:txEffectClrLst/>
+  </dgm:styleLbl>
+  <dgm:styleLbl name="asst4">
+    <dgm:fillClrLst>
+      <a:schemeClr val="accent5"/>
+    </dgm:fillClrLst>
+    <dgm:linClrLst meth="repeat">
+      <a:schemeClr val="lt1"/>
+    </dgm:linClrLst>
+    <dgm:effectClrLst/>
+    <dgm:txLinClrLst/>
+    <dgm:txFillClrLst/>
+    <dgm:txEffectClrLst/>
+  </dgm:styleLbl>
+  <dgm:styleLbl name="parChTrans2D1">
+    <dgm:fillClrLst meth="repeat">
+      <a:schemeClr val="accent2"/>
+    </dgm:fillClrLst>
+    <dgm:linClrLst meth="repeat">
+      <a:schemeClr val="lt1"/>
+    </dgm:linClrLst>
+    <dgm:effectClrLst/>
+    <dgm:txLinClrLst/>
+    <dgm:txFillClrLst meth="repeat">
+      <a:schemeClr val="lt1"/>
+    </dgm:txFillClrLst>
+    <dgm:txEffectClrLst/>
+  </dgm:styleLbl>
+  <dgm:styleLbl name="parChTrans2D2">
+    <dgm:fillClrLst meth="repeat">
+      <a:schemeClr val="accent3"/>
+    </dgm:fillClrLst>
+    <dgm:linClrLst meth="repeat">
+      <a:schemeClr val="lt1"/>
+    </dgm:linClrLst>
+    <dgm:effectClrLst/>
+    <dgm:txLinClrLst/>
+    <dgm:txFillClrLst/>
+    <dgm:txEffectClrLst/>
+  </dgm:styleLbl>
+  <dgm:styleLbl name="parChTrans2D3">
+    <dgm:fillClrLst meth="repeat">
+      <a:schemeClr val="accent4"/>
+    </dgm:fillClrLst>
+    <dgm:linClrLst meth="repeat">
+      <a:schemeClr val="lt1"/>
+    </dgm:linClrLst>
+    <dgm:effectClrLst/>
+    <dgm:txLinClrLst/>
+    <dgm:txFillClrLst/>
+    <dgm:txEffectClrLst/>
+  </dgm:styleLbl>
+  <dgm:styleLbl name="parChTrans2D4">
+    <dgm:fillClrLst meth="repeat">
+      <a:schemeClr val="accent5"/>
+    </dgm:fillClrLst>
+    <dgm:linClrLst meth="repeat">
+      <a:schemeClr val="lt1"/>
+    </dgm:linClrLst>
+    <dgm:effectClrLst/>
+    <dgm:txLinClrLst/>
+    <dgm:txFillClrLst meth="repeat">
+      <a:schemeClr val="lt1"/>
+    </dgm:txFillClrLst>
+    <dgm:txEffectClrLst/>
+  </dgm:styleLbl>
+  <dgm:styleLbl name="parChTrans1D1">
+    <dgm:fillClrLst meth="repeat">
+      <a:schemeClr val="accent2"/>
+    </dgm:fillClrLst>
+    <dgm:linClrLst meth="repeat">
+      <a:schemeClr val="accent1"/>
+    </dgm:linClrLst>
+    <dgm:effectClrLst/>
+    <dgm:txLinClrLst/>
+    <dgm:txFillClrLst meth="repeat">
+      <a:schemeClr val="tx1"/>
+    </dgm:txFillClrLst>
+    <dgm:txEffectClrLst/>
+  </dgm:styleLbl>
+  <dgm:styleLbl name="parChTrans1D2">
+    <dgm:fillClrLst meth="repeat">
+      <a:schemeClr val="accent3">
+        <a:tint val="90000"/>
+      </a:schemeClr>
+    </dgm:fillClrLst>
+    <dgm:linClrLst meth="repeat">
+      <a:schemeClr val="accent2"/>
+    </dgm:linClrLst>
+    <dgm:effectClrLst/>
+    <dgm:txLinClrLst/>
+    <dgm:txFillClrLst meth="repeat">
+      <a:schemeClr val="tx1"/>
+    </dgm:txFillClrLst>
+    <dgm:txEffectClrLst/>
+  </dgm:styleLbl>
+  <dgm:styleLbl name="parChTrans1D3">
+    <dgm:fillClrLst meth="repeat">
+      <a:schemeClr val="accent4">
+        <a:tint val="70000"/>
+      </a:schemeClr>
+    </dgm:fillClrLst>
+    <dgm:linClrLst meth="repeat">
+      <a:schemeClr val="accent3"/>
+    </dgm:linClrLst>
+    <dgm:effectClrLst/>
+    <dgm:txLinClrLst/>
+    <dgm:txFillClrLst meth="repeat">
+      <a:schemeClr val="tx1"/>
+    </dgm:txFillClrLst>
+    <dgm:txEffectClrLst/>
+  </dgm:styleLbl>
+  <dgm:styleLbl name="parChTrans1D4">
+    <dgm:fillClrLst meth="repeat">
+      <a:schemeClr val="accent5">
+        <a:tint val="50000"/>
+      </a:schemeClr>
+    </dgm:fillClrLst>
+    <dgm:linClrLst meth="repeat">
+      <a:schemeClr val="accent4"/>
+    </dgm:linClrLst>
+    <dgm:effectClrLst/>
+    <dgm:txLinClrLst/>
+    <dgm:txFillClrLst meth="repeat">
+      <a:schemeClr val="tx1"/>
+    </dgm:txFillClrLst>
+    <dgm:txEffectClrLst/>
+  </dgm:styleLbl>
+  <dgm:styleLbl name="fgAcc1">
+    <dgm:fillClrLst meth="repeat">
+      <a:schemeClr val="lt1">
+        <a:alpha val="90000"/>
+      </a:schemeClr>
+    </dgm:fillClrLst>
+    <dgm:linClrLst meth="repeat">
+      <a:schemeClr val="accent2"/>
+      <a:schemeClr val="accent3"/>
+      <a:schemeClr val="accent4"/>
+      <a:schemeClr val="accent5"/>
+      <a:schemeClr val="accent6"/>
+    </dgm:linClrLst>
+    <dgm:effectClrLst/>
+    <dgm:txLinClrLst/>
+    <dgm:txFillClrLst meth="repeat">
+      <a:schemeClr val="dk1"/>
+    </dgm:txFillClrLst>
+    <dgm:txEffectClrLst/>
+  </dgm:styleLbl>
+  <dgm:styleLbl name="conFgAcc1">
+    <dgm:fillClrLst meth="repeat">
+      <a:schemeClr val="lt1">
+        <a:alpha val="90000"/>
+      </a:schemeClr>
+    </dgm:fillClrLst>
+    <dgm:linClrLst meth="repeat">
+      <a:schemeClr val="accent2"/>
+      <a:schemeClr val="accent3"/>
+      <a:schemeClr val="accent4"/>
+      <a:schemeClr val="accent5"/>
+      <a:schemeClr val="accent6"/>
+    </dgm:linClrLst>
+    <dgm:effectClrLst/>
+    <dgm:txLinClrLst/>
+    <dgm:txFillClrLst meth="repeat">
+      <a:schemeClr val="dk1"/>
+    </dgm:txFillClrLst>
+    <dgm:txEffectClrLst/>
+  </dgm:styleLbl>
+  <dgm:styleLbl name="alignAcc1">
+    <dgm:fillClrLst meth="repeat">
+      <a:schemeClr val="lt1">
+        <a:alpha val="90000"/>
+      </a:schemeClr>
+    </dgm:fillClrLst>
+    <dgm:linClrLst meth="repeat">
+      <a:schemeClr val="accent2"/>
+      <a:schemeClr val="accent3"/>
+      <a:schemeClr val="accent4"/>
+      <a:schemeClr val="accent5"/>
+      <a:schemeClr val="accent6"/>
+    </dgm:linClrLst>
+    <dgm:effectClrLst/>
+    <dgm:txLinClrLst/>
+    <dgm:txFillClrLst meth="repeat">
+      <a:schemeClr val="dk1"/>
+    </dgm:txFillClrLst>
+    <dgm:txEffectClrLst/>
+  </dgm:styleLbl>
+  <dgm:styleLbl name="trAlignAcc1">
+    <dgm:fillClrLst meth="repeat">
+      <a:schemeClr val="lt1">
+        <a:alpha val="40000"/>
+      </a:schemeClr>
+    </dgm:fillClrLst>
+    <dgm:linClrLst meth="repeat">
+      <a:schemeClr val="accent1"/>
+    </dgm:linClrLst>
+    <dgm:effectClrLst/>
+    <dgm:txLinClrLst/>
+    <dgm:txFillClrLst meth="repeat">
+      <a:schemeClr val="dk1"/>
+    </dgm:txFillClrLst>
+    <dgm:txEffectClrLst/>
+  </dgm:styleLbl>
+  <dgm:styleLbl name="bgAcc1">
+    <dgm:fillClrLst meth="repeat">
+      <a:schemeClr val="lt1">
+        <a:alpha val="90000"/>
+      </a:schemeClr>
+    </dgm:fillClrLst>
+    <dgm:linClrLst meth="repeat">
+      <a:schemeClr val="accent2"/>
+      <a:schemeClr val="accent3"/>
+      <a:schemeClr val="accent4"/>
+      <a:schemeClr val="accent5"/>
+      <a:schemeClr val="accent6"/>
+    </dgm:linClrLst>
+    <dgm:effectClrLst/>
+    <dgm:txLinClrLst/>
+    <dgm:txFillClrLst meth="repeat">
+      <a:schemeClr val="dk1"/>
+    </dgm:txFillClrLst>
+    <dgm:txEffectClrLst/>
+  </dgm:styleLbl>
+  <dgm:styleLbl name="solidFgAcc1">
+    <dgm:fillClrLst meth="repeat">
+      <a:schemeClr val="lt1"/>
+    </dgm:fillClrLst>
+    <dgm:linClrLst meth="repeat">
+      <a:schemeClr val="accent2"/>
+      <a:schemeClr val="accent3"/>
+      <a:schemeClr val="accent4"/>
+      <a:schemeClr val="accent5"/>
+      <a:schemeClr val="accent6"/>
+    </dgm:linClrLst>
+    <dgm:effectClrLst/>
+    <dgm:txLinClrLst/>
+    <dgm:txFillClrLst meth="repeat">
+      <a:schemeClr val="dk1"/>
+    </dgm:txFillClrLst>
+    <dgm:txEffectClrLst/>
+  </dgm:styleLbl>
+  <dgm:styleLbl name="solidAlignAcc1">
+    <dgm:fillClrLst meth="repeat">
+      <a:schemeClr val="lt1"/>
+    </dgm:fillClrLst>
+    <dgm:linClrLst meth="repeat">
+      <a:schemeClr val="accent2"/>
+      <a:schemeClr val="accent3"/>
+      <a:schemeClr val="accent4"/>
+      <a:schemeClr val="accent5"/>
+      <a:schemeClr val="accent6"/>
+    </dgm:linClrLst>
+    <dgm:effectClrLst/>
+    <dgm:txLinClrLst/>
+    <dgm:txFillClrLst meth="repeat">
+      <a:schemeClr val="dk1"/>
+    </dgm:txFillClrLst>
+    <dgm:txEffectClrLst/>
+  </dgm:styleLbl>
+  <dgm:styleLbl name="solidBgAcc1">
+    <dgm:fillClrLst meth="repeat">
+      <a:schemeClr val="lt1"/>
+    </dgm:fillClrLst>
+    <dgm:linClrLst meth="repeat">
+      <a:schemeClr val="accent2"/>
+      <a:schemeClr val="accent3"/>
+      <a:schemeClr val="accent4"/>
+      <a:schemeClr val="accent5"/>
+      <a:schemeClr val="accent6"/>
+    </dgm:linClrLst>
+    <dgm:effectClrLst/>
+    <dgm:txLinClrLst/>
+    <dgm:txFillClrLst meth="repeat">
+      <a:schemeClr val="dk1"/>
+    </dgm:txFillClrLst>
+    <dgm:txEffectClrLst/>
+  </dgm:styleLbl>
+  <dgm:styleLbl name="fgAccFollowNode1">
+    <dgm:fillClrLst meth="repeat">
+      <a:schemeClr val="accent2">
+        <a:tint val="40000"/>
+        <a:alpha val="90000"/>
+      </a:schemeClr>
+      <a:schemeClr val="accent3">
+        <a:tint val="40000"/>
+        <a:alpha val="90000"/>
+      </a:schemeClr>
+      <a:schemeClr val="accent4">
+        <a:tint val="40000"/>
+        <a:alpha val="90000"/>
+      </a:schemeClr>
+      <a:schemeClr val="accent5">
+        <a:tint val="40000"/>
+        <a:alpha val="90000"/>
+      </a:schemeClr>
+      <a:schemeClr val="accent6">
+        <a:tint val="40000"/>
+        <a:alpha val="90000"/>
+      </a:schemeClr>
+    </dgm:fillClrLst>
+    <dgm:linClrLst meth="repeat">
+      <a:schemeClr val="accent2">
+        <a:tint val="40000"/>
+        <a:alpha val="90000"/>
+      </a:schemeClr>
+      <a:schemeClr val="accent3">
+        <a:tint val="40000"/>
+        <a:alpha val="90000"/>
+      </a:schemeClr>
+      <a:schemeClr val="accent4">
+        <a:tint val="40000"/>
+        <a:alpha val="90000"/>
+      </a:schemeClr>
+      <a:schemeClr val="accent5">
+        <a:tint val="40000"/>
+        <a:alpha val="90000"/>
+      </a:schemeClr>
+      <a:schemeClr val="accent6">
+        <a:tint val="40000"/>
+        <a:alpha val="90000"/>
+      </a:schemeClr>
+    </dgm:linClrLst>
+    <dgm:effectClrLst/>
+    <dgm:txLinClrLst/>
+    <dgm:txFillClrLst meth="repeat">
+      <a:schemeClr val="dk1"/>
+    </dgm:txFillClrLst>
+    <dgm:txEffectClrLst/>
+  </dgm:styleLbl>
+  <dgm:styleLbl name="alignAccFollowNode1">
+    <dgm:fillClrLst meth="repeat">
+      <a:schemeClr val="accent2">
+        <a:tint val="40000"/>
+        <a:alpha val="90000"/>
+      </a:schemeClr>
+      <a:schemeClr val="accent3">
+        <a:tint val="40000"/>
+        <a:alpha val="90000"/>
+      </a:schemeClr>
+      <a:schemeClr val="accent4">
+        <a:tint val="40000"/>
+        <a:alpha val="90000"/>
+      </a:schemeClr>
+      <a:schemeClr val="accent5">
+        <a:tint val="40000"/>
+        <a:alpha val="90000"/>
+      </a:schemeClr>
+      <a:schemeClr val="accent6">
+        <a:tint val="40000"/>
+        <a:alpha val="90000"/>
+      </a:schemeClr>
+    </dgm:fillClrLst>
+    <dgm:linClrLst meth="repeat">
+      <a:schemeClr val="accent2">
+        <a:tint val="40000"/>
+        <a:alpha val="90000"/>
+      </a:schemeClr>
+      <a:schemeClr val="accent3">
+        <a:tint val="40000"/>
+        <a:alpha val="90000"/>
+      </a:schemeClr>
+      <a:schemeClr val="accent4">
+        <a:tint val="40000"/>
+        <a:alpha val="90000"/>
+      </a:schemeClr>
+      <a:schemeClr val="accent5">
+        <a:tint val="40000"/>
+        <a:alpha val="90000"/>
+      </a:schemeClr>
+      <a:schemeClr val="accent6">
+        <a:tint val="40000"/>
+        <a:alpha val="90000"/>
+      </a:schemeClr>
+    </dgm:linClrLst>
+    <dgm:effectClrLst/>
+    <dgm:txLinClrLst/>
+    <dgm:txFillClrLst meth="repeat">
+      <a:schemeClr val="dk1"/>
+    </dgm:txFillClrLst>
+    <dgm:txEffectClrLst/>
+  </dgm:styleLbl>
+  <dgm:styleLbl name="bgAccFollowNode1">
+    <dgm:fillClrLst meth="repeat">
+      <a:schemeClr val="accent2">
+        <a:tint val="40000"/>
+        <a:alpha val="90000"/>
+      </a:schemeClr>
+      <a:schemeClr val="accent3">
+        <a:tint val="40000"/>
+        <a:alpha val="90000"/>
+      </a:schemeClr>
+      <a:schemeClr val="accent4">
+        <a:tint val="40000"/>
+        <a:alpha val="90000"/>
+      </a:schemeClr>
+      <a:schemeClr val="accent5">
+        <a:tint val="40000"/>
+        <a:alpha val="90000"/>
+      </a:schemeClr>
+      <a:schemeClr val="accent6">
+        <a:tint val="40000"/>
+        <a:alpha val="90000"/>
+      </a:schemeClr>
+    </dgm:fillClrLst>
+    <dgm:linClrLst meth="repeat">
+      <a:schemeClr val="accent2">
+        <a:tint val="40000"/>
+        <a:alpha val="90000"/>
+      </a:schemeClr>
+      <a:schemeClr val="accent3">
+        <a:tint val="40000"/>
+        <a:alpha val="90000"/>
+      </a:schemeClr>
+      <a:schemeClr val="accent4">
+        <a:tint val="40000"/>
+        <a:alpha val="90000"/>
+      </a:schemeClr>
+      <a:schemeClr val="accent5">
+        <a:tint val="40000"/>
+        <a:alpha val="90000"/>
+      </a:schemeClr>
+      <a:schemeClr val="accent6">
+        <a:tint val="40000"/>
+        <a:alpha val="90000"/>
+      </a:schemeClr>
+    </dgm:linClrLst>
+    <dgm:effectClrLst/>
+    <dgm:txLinClrLst/>
+    <dgm:txFillClrLst meth="repeat">
+      <a:schemeClr val="dk1"/>
+    </dgm:txFillClrLst>
+    <dgm:txEffectClrLst/>
+  </dgm:styleLbl>
+  <dgm:styleLbl name="fgAcc0">
+    <dgm:fillClrLst meth="repeat">
+      <a:schemeClr val="lt1">
+        <a:alpha val="90000"/>
+      </a:schemeClr>
+    </dgm:fillClrLst>
+    <dgm:linClrLst>
+      <a:schemeClr val="accent1"/>
+    </dgm:linClrLst>
+    <dgm:effectClrLst/>
+    <dgm:txLinClrLst/>
+    <dgm:txFillClrLst meth="repeat">
+      <a:schemeClr val="dk1"/>
+    </dgm:txFillClrLst>
+    <dgm:txEffectClrLst/>
+  </dgm:styleLbl>
+  <dgm:styleLbl name="fgAcc2">
+    <dgm:fillClrLst meth="repeat">
+      <a:schemeClr val="lt1">
+        <a:alpha val="90000"/>
+      </a:schemeClr>
+    </dgm:fillClrLst>
+    <dgm:linClrLst>
+      <a:schemeClr val="accent2"/>
+    </dgm:linClrLst>
+    <dgm:effectClrLst/>
+    <dgm:txLinClrLst/>
+    <dgm:txFillClrLst meth="repeat">
+      <a:schemeClr val="dk1"/>
+    </dgm:txFillClrLst>
+    <dgm:txEffectClrLst/>
+  </dgm:styleLbl>
+  <dgm:styleLbl name="fgAcc3">
+    <dgm:fillClrLst meth="repeat">
+      <a:schemeClr val="lt1">
+        <a:alpha val="90000"/>
+      </a:schemeClr>
+    </dgm:fillClrLst>
+    <dgm:linClrLst>
+      <a:schemeClr val="accent3"/>
+    </dgm:linClrLst>
+    <dgm:effectClrLst/>
+    <dgm:txLinClrLst/>
+    <dgm:txFillClrLst meth="repeat">
+      <a:schemeClr val="dk1"/>
+    </dgm:txFillClrLst>
+    <dgm:txEffectClrLst/>
+  </dgm:styleLbl>
+  <dgm:styleLbl name="fgAcc4">
+    <dgm:fillClrLst meth="repeat">
+      <a:schemeClr val="lt1">
+        <a:alpha val="90000"/>
+      </a:schemeClr>
+    </dgm:fillClrLst>
+    <dgm:linClrLst>
+      <a:schemeClr val="accent4"/>
+    </dgm:linClrLst>
+    <dgm:effectClrLst/>
+    <dgm:txLinClrLst/>
+    <dgm:txFillClrLst meth="repeat">
+      <a:schemeClr val="dk1"/>
+    </dgm:txFillClrLst>
+    <dgm:txEffectClrLst/>
+  </dgm:styleLbl>
+  <dgm:styleLbl name="bgShp">
+    <dgm:fillClrLst meth="repeat">
+      <a:schemeClr val="accent2">
+        <a:tint val="40000"/>
+      </a:schemeClr>
+    </dgm:fillClrLst>
+    <dgm:linClrLst meth="repeat">
+      <a:schemeClr val="dk1"/>
+    </dgm:linClrLst>
+    <dgm:effectClrLst/>
+    <dgm:txLinClrLst/>
+    <dgm:txFillClrLst meth="repeat">
+      <a:schemeClr val="dk1"/>
+    </dgm:txFillClrLst>
+    <dgm:txEffectClrLst/>
+  </dgm:styleLbl>
+  <dgm:styleLbl name="dkBgShp">
+    <dgm:fillClrLst meth="repeat">
+      <a:schemeClr val="accent2">
+        <a:shade val="90000"/>
+      </a:schemeClr>
+    </dgm:fillClrLst>
+    <dgm:linClrLst meth="repeat">
+      <a:schemeClr val="dk1"/>
+    </dgm:linClrLst>
+    <dgm:effectClrLst/>
+    <dgm:txLinClrLst/>
+    <dgm:txFillClrLst meth="repeat">
+      <a:schemeClr val="lt1"/>
+    </dgm:txFillClrLst>
+    <dgm:txEffectClrLst/>
+  </dgm:styleLbl>
+  <dgm:styleLbl name="trBgShp">
+    <dgm:fillClrLst meth="repeat">
+      <a:schemeClr val="accent1">
+        <a:tint val="50000"/>
+        <a:alpha val="40000"/>
+      </a:schemeClr>
+    </dgm:fillClrLst>
+    <dgm:linClrLst meth="repeat">
+      <a:schemeClr val="accent2"/>
+    </dgm:linClrLst>
+    <dgm:effectClrLst/>
+    <dgm:txLinClrLst/>
+    <dgm:txFillClrLst meth="repeat">
+      <a:schemeClr val="lt1"/>
+    </dgm:txFillClrLst>
+    <dgm:txEffectClrLst/>
+  </dgm:styleLbl>
+  <dgm:styleLbl name="fgShp">
+    <dgm:fillClrLst meth="repeat">
+      <a:schemeClr val="accent2">
+        <a:tint val="40000"/>
+      </a:schemeClr>
+    </dgm:fillClrLst>
+    <dgm:linClrLst meth="repeat">
+      <a:schemeClr val="lt1"/>
+    </dgm:linClrLst>
+    <dgm:effectClrLst/>
+    <dgm:txLinClrLst/>
+    <dgm:txFillClrLst meth="repeat">
+      <a:schemeClr val="dk1"/>
+    </dgm:txFillClrLst>
+    <dgm:txEffectClrLst/>
+  </dgm:styleLbl>
+  <dgm:styleLbl name="revTx">
+    <dgm:fillClrLst meth="repeat">
+      <a:schemeClr val="lt1">
+        <a:alpha val="0"/>
+      </a:schemeClr>
+    </dgm:fillClrLst>
+    <dgm:linClrLst meth="repeat">
+      <a:schemeClr val="dk1">
+        <a:alpha val="0"/>
+      </a:schemeClr>
+    </dgm:linClrLst>
+    <dgm:effectClrLst/>
+    <dgm:txLinClrLst/>
+    <dgm:txFillClrLst meth="repeat">
+      <a:schemeClr val="tx1"/>
+    </dgm:txFillClrLst>
+    <dgm:txEffectClrLst/>
+  </dgm:styleLbl>
+</dgm:colorsDef>
+</file>
+
+<file path=ppt/diagrams/colors3.xml><?xml version="1.0" encoding="utf-8"?>
 <dgm:colorsDef xmlns:dgm="http://schemas.openxmlformats.org/drawingml/2006/diagram" xmlns:a="http://schemas.openxmlformats.org/drawingml/2006/main" uniqueId="urn:microsoft.com/office/officeart/2005/8/colors/colorful1">
   <dgm:title val=""/>
   <dgm:desc val=""/>
@@ -2903,6 +3825,244 @@
           <a:r>
             <a:rPr lang="en-US" dirty="0"/>
             <a:t>CAN</a:t>
+          </a:r>
+        </a:p>
+      </dgm:t>
+    </dgm:pt>
+    <dgm:pt modelId="{55C08119-F190-4569-BB1D-4D4C7A2B693E}" type="parTrans" cxnId="{1364C3FD-45A2-4958-97EB-1C236E0FAF2D}">
+      <dgm:prSet/>
+      <dgm:spPr/>
+      <dgm:t>
+        <a:bodyPr/>
+        <a:lstStyle/>
+        <a:p>
+          <a:endParaRPr lang="es-AR"/>
+        </a:p>
+      </dgm:t>
+    </dgm:pt>
+    <dgm:pt modelId="{32B5B4DC-331B-4BF3-8A4C-BCB2317F24A4}" type="sibTrans" cxnId="{1364C3FD-45A2-4958-97EB-1C236E0FAF2D}">
+      <dgm:prSet/>
+      <dgm:spPr/>
+      <dgm:t>
+        <a:bodyPr/>
+        <a:lstStyle/>
+        <a:p>
+          <a:endParaRPr lang="es-AR"/>
+        </a:p>
+      </dgm:t>
+    </dgm:pt>
+    <dgm:pt modelId="{C647C14C-60E2-48E5-85A4-92CF88C6F009}" type="pres">
+      <dgm:prSet presAssocID="{1C5F8750-0E8D-4A4F-A5C4-6A02757B2CEE}" presName="mainComposite" presStyleCnt="0">
+        <dgm:presLayoutVars>
+          <dgm:chPref val="1"/>
+          <dgm:dir/>
+          <dgm:animOne val="branch"/>
+          <dgm:animLvl val="lvl"/>
+          <dgm:resizeHandles val="exact"/>
+        </dgm:presLayoutVars>
+      </dgm:prSet>
+      <dgm:spPr/>
+    </dgm:pt>
+    <dgm:pt modelId="{7FBC73CD-6899-48F0-97D2-0FAF099D00D7}" type="pres">
+      <dgm:prSet presAssocID="{1C5F8750-0E8D-4A4F-A5C4-6A02757B2CEE}" presName="hierFlow" presStyleCnt="0"/>
+      <dgm:spPr/>
+    </dgm:pt>
+    <dgm:pt modelId="{345ABD8D-1ABA-4A43-A568-C10F9BC71744}" type="pres">
+      <dgm:prSet presAssocID="{1C5F8750-0E8D-4A4F-A5C4-6A02757B2CEE}" presName="hierChild1" presStyleCnt="0">
+        <dgm:presLayoutVars>
+          <dgm:chPref val="1"/>
+          <dgm:animOne val="branch"/>
+          <dgm:animLvl val="lvl"/>
+        </dgm:presLayoutVars>
+      </dgm:prSet>
+      <dgm:spPr/>
+    </dgm:pt>
+    <dgm:pt modelId="{26B8CD27-8200-4A2E-ACCC-F492938BF8B4}" type="pres">
+      <dgm:prSet presAssocID="{001622B8-067A-4ACE-8911-1AA26B934B71}" presName="Name14" presStyleCnt="0"/>
+      <dgm:spPr/>
+    </dgm:pt>
+    <dgm:pt modelId="{E22B93CA-430E-4EDA-BD01-109F5F6C9043}" type="pres">
+      <dgm:prSet presAssocID="{001622B8-067A-4ACE-8911-1AA26B934B71}" presName="level1Shape" presStyleLbl="node0" presStyleIdx="0" presStyleCnt="1">
+        <dgm:presLayoutVars>
+          <dgm:chPref val="3"/>
+        </dgm:presLayoutVars>
+      </dgm:prSet>
+      <dgm:spPr/>
+    </dgm:pt>
+    <dgm:pt modelId="{BE5D17EB-B5A3-4D42-BB99-1F3F1D1DD9B6}" type="pres">
+      <dgm:prSet presAssocID="{001622B8-067A-4ACE-8911-1AA26B934B71}" presName="hierChild2" presStyleCnt="0"/>
+      <dgm:spPr/>
+    </dgm:pt>
+    <dgm:pt modelId="{E6F5C1DA-D308-408B-88C1-7DE98E99F690}" type="pres">
+      <dgm:prSet presAssocID="{55C08119-F190-4569-BB1D-4D4C7A2B693E}" presName="Name19" presStyleLbl="parChTrans1D2" presStyleIdx="0" presStyleCnt="1"/>
+      <dgm:spPr/>
+    </dgm:pt>
+    <dgm:pt modelId="{8F5D01B4-3E5A-4BD4-B68D-CC352A4E8257}" type="pres">
+      <dgm:prSet presAssocID="{53BD6231-3DFE-431F-8D0C-C2EE5F431215}" presName="Name21" presStyleCnt="0"/>
+      <dgm:spPr/>
+    </dgm:pt>
+    <dgm:pt modelId="{EA7FACE5-B0A2-41B9-9E88-2A0B6E6837A7}" type="pres">
+      <dgm:prSet presAssocID="{53BD6231-3DFE-431F-8D0C-C2EE5F431215}" presName="level2Shape" presStyleLbl="node2" presStyleIdx="0" presStyleCnt="1"/>
+      <dgm:spPr/>
+    </dgm:pt>
+    <dgm:pt modelId="{82E4EAC8-6C7E-4BD1-AF27-FEF63E238D7B}" type="pres">
+      <dgm:prSet presAssocID="{53BD6231-3DFE-431F-8D0C-C2EE5F431215}" presName="hierChild3" presStyleCnt="0"/>
+      <dgm:spPr/>
+    </dgm:pt>
+    <dgm:pt modelId="{D2FA8DCC-89A3-4CB1-9FF9-7F8B664B0AF9}" type="pres">
+      <dgm:prSet presAssocID="{84C7FE82-CB25-4ECD-9CE0-264765FA62D1}" presName="Name19" presStyleLbl="parChTrans1D3" presStyleIdx="0" presStyleCnt="1"/>
+      <dgm:spPr/>
+    </dgm:pt>
+    <dgm:pt modelId="{2B314F4B-35F2-4267-A97E-CAD08F585A27}" type="pres">
+      <dgm:prSet presAssocID="{CFE7097C-8D2B-4D79-A5D5-84D08B065AD4}" presName="Name21" presStyleCnt="0"/>
+      <dgm:spPr/>
+    </dgm:pt>
+    <dgm:pt modelId="{693E7B0F-4C3D-48FF-A291-A297AD09F19A}" type="pres">
+      <dgm:prSet presAssocID="{CFE7097C-8D2B-4D79-A5D5-84D08B065AD4}" presName="level2Shape" presStyleLbl="node3" presStyleIdx="0" presStyleCnt="1"/>
+      <dgm:spPr/>
+    </dgm:pt>
+    <dgm:pt modelId="{24E3E993-3795-4816-83E6-9D2D429CDF86}" type="pres">
+      <dgm:prSet presAssocID="{CFE7097C-8D2B-4D79-A5D5-84D08B065AD4}" presName="hierChild3" presStyleCnt="0"/>
+      <dgm:spPr/>
+    </dgm:pt>
+    <dgm:pt modelId="{124AAE7E-87BF-4A3D-8F11-BC71C8D3FDE2}" type="pres">
+      <dgm:prSet presAssocID="{1C5F8750-0E8D-4A4F-A5C4-6A02757B2CEE}" presName="bgShapesFlow" presStyleCnt="0"/>
+      <dgm:spPr/>
+    </dgm:pt>
+  </dgm:ptLst>
+  <dgm:cxnLst>
+    <dgm:cxn modelId="{97B6A472-DDCC-41A2-8C83-2ECC2FFBF70D}" type="presOf" srcId="{001622B8-067A-4ACE-8911-1AA26B934B71}" destId="{E22B93CA-430E-4EDA-BD01-109F5F6C9043}" srcOrd="0" destOrd="0" presId="urn:microsoft.com/office/officeart/2005/8/layout/hierarchy6"/>
+    <dgm:cxn modelId="{EBB73D75-2ECE-4714-9CC7-16C5BA192F42}" type="presOf" srcId="{53BD6231-3DFE-431F-8D0C-C2EE5F431215}" destId="{EA7FACE5-B0A2-41B9-9E88-2A0B6E6837A7}" srcOrd="0" destOrd="0" presId="urn:microsoft.com/office/officeart/2005/8/layout/hierarchy6"/>
+    <dgm:cxn modelId="{BC126B93-5A85-4FE0-92DC-6B5FDE551C7F}" srcId="{1C5F8750-0E8D-4A4F-A5C4-6A02757B2CEE}" destId="{001622B8-067A-4ACE-8911-1AA26B934B71}" srcOrd="0" destOrd="0" parTransId="{7B337E52-DD2F-44E8-9ED5-365B87D9FED1}" sibTransId="{9859AD3B-0077-415C-B213-4209EF6A42CC}"/>
+    <dgm:cxn modelId="{8444D0AF-D5E2-4B60-A5E9-F5069CE93252}" type="presOf" srcId="{CFE7097C-8D2B-4D79-A5D5-84D08B065AD4}" destId="{693E7B0F-4C3D-48FF-A291-A297AD09F19A}" srcOrd="0" destOrd="0" presId="urn:microsoft.com/office/officeart/2005/8/layout/hierarchy6"/>
+    <dgm:cxn modelId="{6867A8B8-0151-4F84-98CC-72A3EBDA975D}" type="presOf" srcId="{55C08119-F190-4569-BB1D-4D4C7A2B693E}" destId="{E6F5C1DA-D308-408B-88C1-7DE98E99F690}" srcOrd="0" destOrd="0" presId="urn:microsoft.com/office/officeart/2005/8/layout/hierarchy6"/>
+    <dgm:cxn modelId="{363010BD-2718-43E4-A32F-F8123FB7B917}" type="presOf" srcId="{84C7FE82-CB25-4ECD-9CE0-264765FA62D1}" destId="{D2FA8DCC-89A3-4CB1-9FF9-7F8B664B0AF9}" srcOrd="0" destOrd="0" presId="urn:microsoft.com/office/officeart/2005/8/layout/hierarchy6"/>
+    <dgm:cxn modelId="{5358C9CD-4C9F-4E16-B72C-FFBB6D6C75B6}" type="presOf" srcId="{1C5F8750-0E8D-4A4F-A5C4-6A02757B2CEE}" destId="{C647C14C-60E2-48E5-85A4-92CF88C6F009}" srcOrd="0" destOrd="0" presId="urn:microsoft.com/office/officeart/2005/8/layout/hierarchy6"/>
+    <dgm:cxn modelId="{A270B2EB-18BD-4B40-BD8B-9EEC62090524}" srcId="{53BD6231-3DFE-431F-8D0C-C2EE5F431215}" destId="{CFE7097C-8D2B-4D79-A5D5-84D08B065AD4}" srcOrd="0" destOrd="0" parTransId="{84C7FE82-CB25-4ECD-9CE0-264765FA62D1}" sibTransId="{92CA62EB-398C-4FDA-BBA7-96649940D1E8}"/>
+    <dgm:cxn modelId="{1364C3FD-45A2-4958-97EB-1C236E0FAF2D}" srcId="{001622B8-067A-4ACE-8911-1AA26B934B71}" destId="{53BD6231-3DFE-431F-8D0C-C2EE5F431215}" srcOrd="0" destOrd="0" parTransId="{55C08119-F190-4569-BB1D-4D4C7A2B693E}" sibTransId="{32B5B4DC-331B-4BF3-8A4C-BCB2317F24A4}"/>
+    <dgm:cxn modelId="{3902E448-AB3D-45EB-B94D-11209D0F1EC8}" type="presParOf" srcId="{C647C14C-60E2-48E5-85A4-92CF88C6F009}" destId="{7FBC73CD-6899-48F0-97D2-0FAF099D00D7}" srcOrd="0" destOrd="0" presId="urn:microsoft.com/office/officeart/2005/8/layout/hierarchy6"/>
+    <dgm:cxn modelId="{11592FFD-A907-454A-9353-C7F64E209C55}" type="presParOf" srcId="{7FBC73CD-6899-48F0-97D2-0FAF099D00D7}" destId="{345ABD8D-1ABA-4A43-A568-C10F9BC71744}" srcOrd="0" destOrd="0" presId="urn:microsoft.com/office/officeart/2005/8/layout/hierarchy6"/>
+    <dgm:cxn modelId="{CAB288B9-DA97-4A9F-AD4B-B44DF2498537}" type="presParOf" srcId="{345ABD8D-1ABA-4A43-A568-C10F9BC71744}" destId="{26B8CD27-8200-4A2E-ACCC-F492938BF8B4}" srcOrd="0" destOrd="0" presId="urn:microsoft.com/office/officeart/2005/8/layout/hierarchy6"/>
+    <dgm:cxn modelId="{02E14BCE-5E3C-43DB-A5B4-F5C16F9BC21A}" type="presParOf" srcId="{26B8CD27-8200-4A2E-ACCC-F492938BF8B4}" destId="{E22B93CA-430E-4EDA-BD01-109F5F6C9043}" srcOrd="0" destOrd="0" presId="urn:microsoft.com/office/officeart/2005/8/layout/hierarchy6"/>
+    <dgm:cxn modelId="{5DFC9339-D11E-4C16-90EA-4673F908617E}" type="presParOf" srcId="{26B8CD27-8200-4A2E-ACCC-F492938BF8B4}" destId="{BE5D17EB-B5A3-4D42-BB99-1F3F1D1DD9B6}" srcOrd="1" destOrd="0" presId="urn:microsoft.com/office/officeart/2005/8/layout/hierarchy6"/>
+    <dgm:cxn modelId="{F90E16DF-FCEB-4B40-AB49-DC463709735B}" type="presParOf" srcId="{BE5D17EB-B5A3-4D42-BB99-1F3F1D1DD9B6}" destId="{E6F5C1DA-D308-408B-88C1-7DE98E99F690}" srcOrd="0" destOrd="0" presId="urn:microsoft.com/office/officeart/2005/8/layout/hierarchy6"/>
+    <dgm:cxn modelId="{DE843AAB-FA68-4706-B452-5A3CA93D030C}" type="presParOf" srcId="{BE5D17EB-B5A3-4D42-BB99-1F3F1D1DD9B6}" destId="{8F5D01B4-3E5A-4BD4-B68D-CC352A4E8257}" srcOrd="1" destOrd="0" presId="urn:microsoft.com/office/officeart/2005/8/layout/hierarchy6"/>
+    <dgm:cxn modelId="{F79DE57C-7672-4364-A074-7EC89890F2CA}" type="presParOf" srcId="{8F5D01B4-3E5A-4BD4-B68D-CC352A4E8257}" destId="{EA7FACE5-B0A2-41B9-9E88-2A0B6E6837A7}" srcOrd="0" destOrd="0" presId="urn:microsoft.com/office/officeart/2005/8/layout/hierarchy6"/>
+    <dgm:cxn modelId="{A215D07C-6955-4A41-9219-5BE787F2FB81}" type="presParOf" srcId="{8F5D01B4-3E5A-4BD4-B68D-CC352A4E8257}" destId="{82E4EAC8-6C7E-4BD1-AF27-FEF63E238D7B}" srcOrd="1" destOrd="0" presId="urn:microsoft.com/office/officeart/2005/8/layout/hierarchy6"/>
+    <dgm:cxn modelId="{66AE67E8-3782-4342-A552-95F5CF1B9582}" type="presParOf" srcId="{82E4EAC8-6C7E-4BD1-AF27-FEF63E238D7B}" destId="{D2FA8DCC-89A3-4CB1-9FF9-7F8B664B0AF9}" srcOrd="0" destOrd="0" presId="urn:microsoft.com/office/officeart/2005/8/layout/hierarchy6"/>
+    <dgm:cxn modelId="{2730F726-4BC3-402F-9533-B7365D8A8567}" type="presParOf" srcId="{82E4EAC8-6C7E-4BD1-AF27-FEF63E238D7B}" destId="{2B314F4B-35F2-4267-A97E-CAD08F585A27}" srcOrd="1" destOrd="0" presId="urn:microsoft.com/office/officeart/2005/8/layout/hierarchy6"/>
+    <dgm:cxn modelId="{35565EA0-CE1E-4E4A-A8D6-7608890EBDE8}" type="presParOf" srcId="{2B314F4B-35F2-4267-A97E-CAD08F585A27}" destId="{693E7B0F-4C3D-48FF-A291-A297AD09F19A}" srcOrd="0" destOrd="0" presId="urn:microsoft.com/office/officeart/2005/8/layout/hierarchy6"/>
+    <dgm:cxn modelId="{E28174CA-5DE1-4F65-8096-8B0FD6FE049D}" type="presParOf" srcId="{2B314F4B-35F2-4267-A97E-CAD08F585A27}" destId="{24E3E993-3795-4816-83E6-9D2D429CDF86}" srcOrd="1" destOrd="0" presId="urn:microsoft.com/office/officeart/2005/8/layout/hierarchy6"/>
+    <dgm:cxn modelId="{3E6C4A39-B65B-41C1-AB19-401268C665A2}" type="presParOf" srcId="{C647C14C-60E2-48E5-85A4-92CF88C6F009}" destId="{124AAE7E-87BF-4A3D-8F11-BC71C8D3FDE2}" srcOrd="1" destOrd="0" presId="urn:microsoft.com/office/officeart/2005/8/layout/hierarchy6"/>
+  </dgm:cxnLst>
+  <dgm:bg/>
+  <dgm:whole/>
+  <dgm:extLst>
+    <a:ext uri="http://schemas.microsoft.com/office/drawing/2008/diagram">
+      <dsp:dataModelExt xmlns:dsp="http://schemas.microsoft.com/office/drawing/2008/diagram" relId="rId6" minVer="http://schemas.openxmlformats.org/drawingml/2006/diagram"/>
+    </a:ext>
+  </dgm:extLst>
+</dgm:dataModel>
+</file>
+
+<file path=ppt/diagrams/data3.xml><?xml version="1.0" encoding="utf-8"?>
+<dgm:dataModel xmlns:dgm="http://schemas.openxmlformats.org/drawingml/2006/diagram" xmlns:a="http://schemas.openxmlformats.org/drawingml/2006/main">
+  <dgm:ptLst>
+    <dgm:pt modelId="{1C5F8750-0E8D-4A4F-A5C4-6A02757B2CEE}" type="doc">
+      <dgm:prSet loTypeId="urn:microsoft.com/office/officeart/2005/8/layout/hierarchy6" loCatId="hierarchy" qsTypeId="urn:microsoft.com/office/officeart/2005/8/quickstyle/3d4" qsCatId="3D" csTypeId="urn:microsoft.com/office/officeart/2005/8/colors/colorful1" csCatId="colorful" phldr="1"/>
+      <dgm:spPr/>
+      <dgm:t>
+        <a:bodyPr/>
+        <a:lstStyle/>
+        <a:p>
+          <a:endParaRPr lang="es-AR"/>
+        </a:p>
+      </dgm:t>
+    </dgm:pt>
+    <dgm:pt modelId="{001622B8-067A-4ACE-8911-1AA26B934B71}">
+      <dgm:prSet/>
+      <dgm:spPr/>
+      <dgm:t>
+        <a:bodyPr/>
+        <a:lstStyle/>
+        <a:p>
+          <a:r>
+            <a:rPr lang="es-AR" dirty="0"/>
+            <a:t>ACCELEROMETER</a:t>
+          </a:r>
+          <a:endParaRPr lang="en-US" dirty="0"/>
+        </a:p>
+      </dgm:t>
+    </dgm:pt>
+    <dgm:pt modelId="{9859AD3B-0077-415C-B213-4209EF6A42CC}" type="sibTrans" cxnId="{BC126B93-5A85-4FE0-92DC-6B5FDE551C7F}">
+      <dgm:prSet/>
+      <dgm:spPr/>
+      <dgm:t>
+        <a:bodyPr/>
+        <a:lstStyle/>
+        <a:p>
+          <a:endParaRPr lang="en-US"/>
+        </a:p>
+      </dgm:t>
+    </dgm:pt>
+    <dgm:pt modelId="{7B337E52-DD2F-44E8-9ED5-365B87D9FED1}" type="parTrans" cxnId="{BC126B93-5A85-4FE0-92DC-6B5FDE551C7F}">
+      <dgm:prSet/>
+      <dgm:spPr/>
+      <dgm:t>
+        <a:bodyPr/>
+        <a:lstStyle/>
+        <a:p>
+          <a:endParaRPr lang="en-US"/>
+        </a:p>
+      </dgm:t>
+    </dgm:pt>
+    <dgm:pt modelId="{CFE7097C-8D2B-4D79-A5D5-84D08B065AD4}">
+      <dgm:prSet/>
+      <dgm:spPr/>
+      <dgm:t>
+        <a:bodyPr/>
+        <a:lstStyle/>
+        <a:p>
+          <a:r>
+            <a:rPr lang="es-AR" dirty="0"/>
+            <a:t>I2C</a:t>
+          </a:r>
+          <a:endParaRPr lang="en-US" dirty="0"/>
+        </a:p>
+      </dgm:t>
+    </dgm:pt>
+    <dgm:pt modelId="{92CA62EB-398C-4FDA-BBA7-96649940D1E8}" type="sibTrans" cxnId="{A270B2EB-18BD-4B40-BD8B-9EEC62090524}">
+      <dgm:prSet/>
+      <dgm:spPr/>
+      <dgm:t>
+        <a:bodyPr/>
+        <a:lstStyle/>
+        <a:p>
+          <a:endParaRPr lang="en-US"/>
+        </a:p>
+      </dgm:t>
+    </dgm:pt>
+    <dgm:pt modelId="{84C7FE82-CB25-4ECD-9CE0-264765FA62D1}" type="parTrans" cxnId="{A270B2EB-18BD-4B40-BD8B-9EEC62090524}">
+      <dgm:prSet/>
+      <dgm:spPr/>
+      <dgm:t>
+        <a:bodyPr/>
+        <a:lstStyle/>
+        <a:p>
+          <a:endParaRPr lang="en-US"/>
+        </a:p>
+      </dgm:t>
+    </dgm:pt>
+    <dgm:pt modelId="{53BD6231-3DFE-431F-8D0C-C2EE5F431215}">
+      <dgm:prSet/>
+      <dgm:spPr/>
+      <dgm:t>
+        <a:bodyPr/>
+        <a:lstStyle/>
+        <a:p>
+          <a:r>
+            <a:rPr lang="en-US" dirty="0"/>
+            <a:t>FXOS8700CQ</a:t>
           </a:r>
         </a:p>
       </dgm:t>
@@ -5267,6 +6427,368 @@
 </dsp:drawing>
 </file>
 
+<file path=ppt/diagrams/drawing3.xml><?xml version="1.0" encoding="utf-8"?>
+<dsp:drawing xmlns:dgm="http://schemas.openxmlformats.org/drawingml/2006/diagram" xmlns:dsp="http://schemas.microsoft.com/office/drawing/2008/diagram" xmlns:a="http://schemas.openxmlformats.org/drawingml/2006/main">
+  <dsp:spTree>
+    <dsp:nvGrpSpPr>
+      <dsp:cNvPr id="0" name=""/>
+      <dsp:cNvGrpSpPr/>
+    </dsp:nvGrpSpPr>
+    <dsp:grpSpPr/>
+    <dsp:sp modelId="{E22B93CA-430E-4EDA-BD01-109F5F6C9043}">
+      <dsp:nvSpPr>
+        <dsp:cNvPr id="0" name=""/>
+        <dsp:cNvSpPr/>
+      </dsp:nvSpPr>
+      <dsp:spPr>
+        <a:xfrm>
+          <a:off x="993436" y="2541"/>
+          <a:ext cx="2278446" cy="1518964"/>
+        </a:xfrm>
+        <a:prstGeom prst="roundRect">
+          <a:avLst>
+            <a:gd name="adj" fmla="val 10000"/>
+          </a:avLst>
+        </a:prstGeom>
+        <a:solidFill>
+          <a:schemeClr val="accent1">
+            <a:hueOff val="0"/>
+            <a:satOff val="0"/>
+            <a:lumOff val="0"/>
+            <a:alphaOff val="0"/>
+          </a:schemeClr>
+        </a:solidFill>
+        <a:ln>
+          <a:noFill/>
+        </a:ln>
+        <a:effectLst/>
+        <a:scene3d>
+          <a:camera prst="orthographicFront"/>
+          <a:lightRig rig="chilly" dir="t"/>
+        </a:scene3d>
+        <a:sp3d prstMaterial="translucentPowder">
+          <a:bevelT w="127000" h="25400" prst="softRound"/>
+        </a:sp3d>
+      </dsp:spPr>
+      <dsp:style>
+        <a:lnRef idx="0">
+          <a:scrgbClr r="0" g="0" b="0"/>
+        </a:lnRef>
+        <a:fillRef idx="1">
+          <a:scrgbClr r="0" g="0" b="0"/>
+        </a:fillRef>
+        <a:effectRef idx="0">
+          <a:scrgbClr r="0" g="0" b="0"/>
+        </a:effectRef>
+        <a:fontRef idx="minor">
+          <a:schemeClr val="lt1"/>
+        </a:fontRef>
+      </dsp:style>
+      <dsp:txBody>
+        <a:bodyPr spcFirstLastPara="0" vert="horz" wrap="square" lIns="80010" tIns="80010" rIns="80010" bIns="80010" numCol="1" spcCol="1270" anchor="ctr" anchorCtr="0">
+          <a:noAutofit/>
+        </a:bodyPr>
+        <a:lstStyle/>
+        <a:p>
+          <a:pPr marL="0" lvl="0" indent="0" algn="ctr" defTabSz="933450">
+            <a:lnSpc>
+              <a:spcPct val="90000"/>
+            </a:lnSpc>
+            <a:spcBef>
+              <a:spcPct val="0"/>
+            </a:spcBef>
+            <a:spcAft>
+              <a:spcPct val="35000"/>
+            </a:spcAft>
+            <a:buNone/>
+          </a:pPr>
+          <a:r>
+            <a:rPr lang="es-AR" sz="2100" kern="1200" dirty="0"/>
+            <a:t>ACCELEROMETER</a:t>
+          </a:r>
+          <a:endParaRPr lang="en-US" sz="2100" kern="1200" dirty="0"/>
+        </a:p>
+      </dsp:txBody>
+      <dsp:txXfrm>
+        <a:off x="1037925" y="47030"/>
+        <a:ext cx="2189468" cy="1429986"/>
+      </dsp:txXfrm>
+    </dsp:sp>
+    <dsp:sp modelId="{E6F5C1DA-D308-408B-88C1-7DE98E99F690}">
+      <dsp:nvSpPr>
+        <dsp:cNvPr id="0" name=""/>
+        <dsp:cNvSpPr/>
+      </dsp:nvSpPr>
+      <dsp:spPr>
+        <a:xfrm>
+          <a:off x="2086939" y="1521506"/>
+          <a:ext cx="91440" cy="607585"/>
+        </a:xfrm>
+        <a:custGeom>
+          <a:avLst/>
+          <a:gdLst/>
+          <a:ahLst/>
+          <a:cxnLst/>
+          <a:rect l="0" t="0" r="0" b="0"/>
+          <a:pathLst>
+            <a:path>
+              <a:moveTo>
+                <a:pt x="45720" y="0"/>
+              </a:moveTo>
+              <a:lnTo>
+                <a:pt x="45720" y="607585"/>
+              </a:lnTo>
+            </a:path>
+          </a:pathLst>
+        </a:custGeom>
+        <a:noFill/>
+        <a:ln w="34925" cap="flat" cmpd="sng" algn="in">
+          <a:solidFill>
+            <a:schemeClr val="accent2">
+              <a:hueOff val="0"/>
+              <a:satOff val="0"/>
+              <a:lumOff val="0"/>
+              <a:alphaOff val="0"/>
+            </a:schemeClr>
+          </a:solidFill>
+          <a:prstDash val="solid"/>
+        </a:ln>
+        <a:effectLst/>
+        <a:sp3d z="-40000" prstMaterial="matte"/>
+      </dsp:spPr>
+      <dsp:style>
+        <a:lnRef idx="2">
+          <a:scrgbClr r="0" g="0" b="0"/>
+        </a:lnRef>
+        <a:fillRef idx="0">
+          <a:scrgbClr r="0" g="0" b="0"/>
+        </a:fillRef>
+        <a:effectRef idx="0">
+          <a:scrgbClr r="0" g="0" b="0"/>
+        </a:effectRef>
+        <a:fontRef idx="minor"/>
+      </dsp:style>
+    </dsp:sp>
+    <dsp:sp modelId="{EA7FACE5-B0A2-41B9-9E88-2A0B6E6837A7}">
+      <dsp:nvSpPr>
+        <dsp:cNvPr id="0" name=""/>
+        <dsp:cNvSpPr/>
+      </dsp:nvSpPr>
+      <dsp:spPr>
+        <a:xfrm>
+          <a:off x="993436" y="2129092"/>
+          <a:ext cx="2278446" cy="1518964"/>
+        </a:xfrm>
+        <a:prstGeom prst="roundRect">
+          <a:avLst>
+            <a:gd name="adj" fmla="val 10000"/>
+          </a:avLst>
+        </a:prstGeom>
+        <a:solidFill>
+          <a:schemeClr val="accent2">
+            <a:hueOff val="0"/>
+            <a:satOff val="0"/>
+            <a:lumOff val="0"/>
+            <a:alphaOff val="0"/>
+          </a:schemeClr>
+        </a:solidFill>
+        <a:ln>
+          <a:noFill/>
+        </a:ln>
+        <a:effectLst/>
+        <a:scene3d>
+          <a:camera prst="orthographicFront"/>
+          <a:lightRig rig="chilly" dir="t"/>
+        </a:scene3d>
+        <a:sp3d prstMaterial="translucentPowder">
+          <a:bevelT w="127000" h="25400" prst="softRound"/>
+        </a:sp3d>
+      </dsp:spPr>
+      <dsp:style>
+        <a:lnRef idx="0">
+          <a:scrgbClr r="0" g="0" b="0"/>
+        </a:lnRef>
+        <a:fillRef idx="1">
+          <a:scrgbClr r="0" g="0" b="0"/>
+        </a:fillRef>
+        <a:effectRef idx="0">
+          <a:scrgbClr r="0" g="0" b="0"/>
+        </a:effectRef>
+        <a:fontRef idx="minor">
+          <a:schemeClr val="lt1"/>
+        </a:fontRef>
+      </dsp:style>
+      <dsp:txBody>
+        <a:bodyPr spcFirstLastPara="0" vert="horz" wrap="square" lIns="80010" tIns="80010" rIns="80010" bIns="80010" numCol="1" spcCol="1270" anchor="ctr" anchorCtr="0">
+          <a:noAutofit/>
+        </a:bodyPr>
+        <a:lstStyle/>
+        <a:p>
+          <a:pPr marL="0" lvl="0" indent="0" algn="ctr" defTabSz="933450">
+            <a:lnSpc>
+              <a:spcPct val="90000"/>
+            </a:lnSpc>
+            <a:spcBef>
+              <a:spcPct val="0"/>
+            </a:spcBef>
+            <a:spcAft>
+              <a:spcPct val="35000"/>
+            </a:spcAft>
+            <a:buNone/>
+          </a:pPr>
+          <a:r>
+            <a:rPr lang="en-US" sz="2100" kern="1200" dirty="0"/>
+            <a:t>FXOS8700CQ</a:t>
+          </a:r>
+        </a:p>
+      </dsp:txBody>
+      <dsp:txXfrm>
+        <a:off x="1037925" y="2173581"/>
+        <a:ext cx="2189468" cy="1429986"/>
+      </dsp:txXfrm>
+    </dsp:sp>
+    <dsp:sp modelId="{D2FA8DCC-89A3-4CB1-9FF9-7F8B664B0AF9}">
+      <dsp:nvSpPr>
+        <dsp:cNvPr id="0" name=""/>
+        <dsp:cNvSpPr/>
+      </dsp:nvSpPr>
+      <dsp:spPr>
+        <a:xfrm>
+          <a:off x="2086939" y="3648056"/>
+          <a:ext cx="91440" cy="607585"/>
+        </a:xfrm>
+        <a:custGeom>
+          <a:avLst/>
+          <a:gdLst/>
+          <a:ahLst/>
+          <a:cxnLst/>
+          <a:rect l="0" t="0" r="0" b="0"/>
+          <a:pathLst>
+            <a:path>
+              <a:moveTo>
+                <a:pt x="45720" y="0"/>
+              </a:moveTo>
+              <a:lnTo>
+                <a:pt x="45720" y="607585"/>
+              </a:lnTo>
+            </a:path>
+          </a:pathLst>
+        </a:custGeom>
+        <a:noFill/>
+        <a:ln w="34925" cap="flat" cmpd="sng" algn="in">
+          <a:solidFill>
+            <a:schemeClr val="accent3">
+              <a:hueOff val="0"/>
+              <a:satOff val="0"/>
+              <a:lumOff val="0"/>
+              <a:alphaOff val="0"/>
+            </a:schemeClr>
+          </a:solidFill>
+          <a:prstDash val="solid"/>
+        </a:ln>
+        <a:effectLst/>
+        <a:scene3d>
+          <a:camera prst="orthographicFront"/>
+          <a:lightRig rig="chilly" dir="t"/>
+        </a:scene3d>
+        <a:sp3d z="-40000" prstMaterial="matte"/>
+      </dsp:spPr>
+      <dsp:style>
+        <a:lnRef idx="2">
+          <a:scrgbClr r="0" g="0" b="0"/>
+        </a:lnRef>
+        <a:fillRef idx="0">
+          <a:scrgbClr r="0" g="0" b="0"/>
+        </a:fillRef>
+        <a:effectRef idx="0">
+          <a:scrgbClr r="0" g="0" b="0"/>
+        </a:effectRef>
+        <a:fontRef idx="minor"/>
+      </dsp:style>
+    </dsp:sp>
+    <dsp:sp modelId="{693E7B0F-4C3D-48FF-A291-A297AD09F19A}">
+      <dsp:nvSpPr>
+        <dsp:cNvPr id="0" name=""/>
+        <dsp:cNvSpPr/>
+      </dsp:nvSpPr>
+      <dsp:spPr>
+        <a:xfrm>
+          <a:off x="993436" y="4255642"/>
+          <a:ext cx="2278446" cy="1518964"/>
+        </a:xfrm>
+        <a:prstGeom prst="roundRect">
+          <a:avLst>
+            <a:gd name="adj" fmla="val 10000"/>
+          </a:avLst>
+        </a:prstGeom>
+        <a:solidFill>
+          <a:schemeClr val="accent3">
+            <a:hueOff val="0"/>
+            <a:satOff val="0"/>
+            <a:lumOff val="0"/>
+            <a:alphaOff val="0"/>
+          </a:schemeClr>
+        </a:solidFill>
+        <a:ln>
+          <a:noFill/>
+        </a:ln>
+        <a:effectLst/>
+        <a:scene3d>
+          <a:camera prst="orthographicFront"/>
+          <a:lightRig rig="chilly" dir="t"/>
+        </a:scene3d>
+        <a:sp3d prstMaterial="translucentPowder">
+          <a:bevelT w="127000" h="25400" prst="softRound"/>
+        </a:sp3d>
+      </dsp:spPr>
+      <dsp:style>
+        <a:lnRef idx="0">
+          <a:scrgbClr r="0" g="0" b="0"/>
+        </a:lnRef>
+        <a:fillRef idx="1">
+          <a:scrgbClr r="0" g="0" b="0"/>
+        </a:fillRef>
+        <a:effectRef idx="0">
+          <a:scrgbClr r="0" g="0" b="0"/>
+        </a:effectRef>
+        <a:fontRef idx="minor">
+          <a:schemeClr val="lt1"/>
+        </a:fontRef>
+      </dsp:style>
+      <dsp:txBody>
+        <a:bodyPr spcFirstLastPara="0" vert="horz" wrap="square" lIns="80010" tIns="80010" rIns="80010" bIns="80010" numCol="1" spcCol="1270" anchor="ctr" anchorCtr="0">
+          <a:noAutofit/>
+        </a:bodyPr>
+        <a:lstStyle/>
+        <a:p>
+          <a:pPr marL="0" lvl="0" indent="0" algn="ctr" defTabSz="933450">
+            <a:lnSpc>
+              <a:spcPct val="90000"/>
+            </a:lnSpc>
+            <a:spcBef>
+              <a:spcPct val="0"/>
+            </a:spcBef>
+            <a:spcAft>
+              <a:spcPct val="35000"/>
+            </a:spcAft>
+            <a:buNone/>
+          </a:pPr>
+          <a:r>
+            <a:rPr lang="es-AR" sz="2100" kern="1200" dirty="0"/>
+            <a:t>I2C</a:t>
+          </a:r>
+          <a:endParaRPr lang="en-US" sz="2100" kern="1200" dirty="0"/>
+        </a:p>
+      </dsp:txBody>
+      <dsp:txXfrm>
+        <a:off x="1037925" y="4300131"/>
+        <a:ext cx="2189468" cy="1429986"/>
+      </dsp:txXfrm>
+    </dsp:sp>
+  </dsp:spTree>
+</dsp:drawing>
+</file>
+
 <file path=ppt/diagrams/layout1.xml><?xml version="1.0" encoding="utf-8"?>
 <dgm:layoutDef xmlns:dgm="http://schemas.openxmlformats.org/drawingml/2006/diagram" xmlns:a="http://schemas.openxmlformats.org/drawingml/2006/main" uniqueId="urn:microsoft.com/office/officeart/2005/8/layout/hierarchy6">
   <dgm:title val=""/>
@@ -6289,6 +7811,517 @@
 </dgm:layoutDef>
 </file>
 
+<file path=ppt/diagrams/layout3.xml><?xml version="1.0" encoding="utf-8"?>
+<dgm:layoutDef xmlns:dgm="http://schemas.openxmlformats.org/drawingml/2006/diagram" xmlns:a="http://schemas.openxmlformats.org/drawingml/2006/main" uniqueId="urn:microsoft.com/office/officeart/2005/8/layout/hierarchy6">
+  <dgm:title val=""/>
+  <dgm:desc val=""/>
+  <dgm:catLst>
+    <dgm:cat type="hierarchy" pri="3000"/>
+  </dgm:catLst>
+  <dgm:sampData>
+    <dgm:dataModel>
+      <dgm:ptLst>
+        <dgm:pt modelId="0" type="doc"/>
+        <dgm:pt modelId="1">
+          <dgm:prSet phldr="1"/>
+        </dgm:pt>
+        <dgm:pt modelId="2">
+          <dgm:prSet phldr="1"/>
+        </dgm:pt>
+        <dgm:pt modelId="21">
+          <dgm:prSet phldr="1"/>
+        </dgm:pt>
+        <dgm:pt modelId="22">
+          <dgm:prSet phldr="1"/>
+        </dgm:pt>
+        <dgm:pt modelId="3">
+          <dgm:prSet phldr="1"/>
+        </dgm:pt>
+        <dgm:pt modelId="31">
+          <dgm:prSet phldr="1"/>
+        </dgm:pt>
+        <dgm:pt modelId="4">
+          <dgm:prSet phldr="1"/>
+        </dgm:pt>
+        <dgm:pt modelId="5">
+          <dgm:prSet phldr="1"/>
+        </dgm:pt>
+        <dgm:pt modelId="6">
+          <dgm:prSet phldr="1"/>
+        </dgm:pt>
+      </dgm:ptLst>
+      <dgm:cxnLst>
+        <dgm:cxn modelId="7" srcId="0" destId="1" srcOrd="0" destOrd="0"/>
+        <dgm:cxn modelId="8" srcId="1" destId="2" srcOrd="0" destOrd="0"/>
+        <dgm:cxn modelId="9" srcId="1" destId="3" srcOrd="1" destOrd="0"/>
+        <dgm:cxn modelId="23" srcId="2" destId="21" srcOrd="0" destOrd="0"/>
+        <dgm:cxn modelId="24" srcId="2" destId="22" srcOrd="1" destOrd="0"/>
+        <dgm:cxn modelId="33" srcId="3" destId="31" srcOrd="0" destOrd="0"/>
+        <dgm:cxn modelId="10" srcId="0" destId="4" srcOrd="1" destOrd="0"/>
+        <dgm:cxn modelId="11" srcId="0" destId="5" srcOrd="2" destOrd="0"/>
+        <dgm:cxn modelId="12" srcId="0" destId="6" srcOrd="3" destOrd="0"/>
+      </dgm:cxnLst>
+      <dgm:bg/>
+      <dgm:whole/>
+    </dgm:dataModel>
+  </dgm:sampData>
+  <dgm:styleData>
+    <dgm:dataModel>
+      <dgm:ptLst>
+        <dgm:pt modelId="0" type="doc"/>
+        <dgm:pt modelId="1"/>
+        <dgm:pt modelId="11"/>
+        <dgm:pt modelId="12"/>
+        <dgm:pt modelId="2"/>
+        <dgm:pt modelId="3"/>
+      </dgm:ptLst>
+      <dgm:cxnLst>
+        <dgm:cxn modelId="4" srcId="0" destId="1" srcOrd="0" destOrd="0"/>
+        <dgm:cxn modelId="13" srcId="1" destId="11" srcOrd="0" destOrd="0"/>
+        <dgm:cxn modelId="14" srcId="1" destId="12" srcOrd="1" destOrd="0"/>
+        <dgm:cxn modelId="5" srcId="0" destId="2" srcOrd="1" destOrd="0"/>
+        <dgm:cxn modelId="6" srcId="0" destId="3" srcOrd="2" destOrd="0"/>
+      </dgm:cxnLst>
+      <dgm:bg/>
+      <dgm:whole/>
+    </dgm:dataModel>
+  </dgm:styleData>
+  <dgm:clrData>
+    <dgm:dataModel>
+      <dgm:ptLst>
+        <dgm:pt modelId="0" type="doc"/>
+        <dgm:pt modelId="1"/>
+        <dgm:pt modelId="2"/>
+        <dgm:pt modelId="21"/>
+        <dgm:pt modelId="211"/>
+        <dgm:pt modelId="3"/>
+        <dgm:pt modelId="31"/>
+        <dgm:pt modelId="311"/>
+        <dgm:pt modelId="4"/>
+        <dgm:pt modelId="5"/>
+        <dgm:pt modelId="6"/>
+        <dgm:pt modelId="7"/>
+      </dgm:ptLst>
+      <dgm:cxnLst>
+        <dgm:cxn modelId="8" srcId="0" destId="1" srcOrd="0" destOrd="0"/>
+        <dgm:cxn modelId="9" srcId="1" destId="2" srcOrd="0" destOrd="0"/>
+        <dgm:cxn modelId="10" srcId="1" destId="3" srcOrd="1" destOrd="0"/>
+        <dgm:cxn modelId="23" srcId="2" destId="21" srcOrd="0" destOrd="0"/>
+        <dgm:cxn modelId="24" srcId="21" destId="211" srcOrd="0" destOrd="0"/>
+        <dgm:cxn modelId="33" srcId="3" destId="31" srcOrd="0" destOrd="0"/>
+        <dgm:cxn modelId="34" srcId="31" destId="311" srcOrd="0" destOrd="0"/>
+        <dgm:cxn modelId="11" srcId="0" destId="4" srcOrd="1" destOrd="0"/>
+        <dgm:cxn modelId="12" srcId="0" destId="5" srcOrd="2" destOrd="0"/>
+        <dgm:cxn modelId="13" srcId="0" destId="6" srcOrd="3" destOrd="0"/>
+        <dgm:cxn modelId="14" srcId="0" destId="7" srcOrd="4" destOrd="0"/>
+      </dgm:cxnLst>
+      <dgm:bg/>
+      <dgm:whole/>
+    </dgm:dataModel>
+  </dgm:clrData>
+  <dgm:layoutNode name="mainComposite">
+    <dgm:varLst>
+      <dgm:chPref val="1"/>
+      <dgm:dir/>
+      <dgm:animOne val="branch"/>
+      <dgm:animLvl val="lvl"/>
+      <dgm:resizeHandles val="exact"/>
+    </dgm:varLst>
+    <dgm:alg type="composite">
+      <dgm:param type="vertAlign" val="mid"/>
+      <dgm:param type="horzAlign" val="ctr"/>
+    </dgm:alg>
+    <dgm:shape xmlns:r="http://schemas.openxmlformats.org/officeDocument/2006/relationships" r:blip="">
+      <dgm:adjLst/>
+    </dgm:shape>
+    <dgm:presOf/>
+    <dgm:choose name="Name0">
+      <dgm:if name="Name1" axis="ch" ptType="node" func="cnt" op="gte" val="2">
+        <dgm:choose name="Name2">
+          <dgm:if name="Name3" func="var" arg="dir" op="equ" val="norm">
+            <dgm:constrLst>
+              <dgm:constr type="l" for="ch" forName="hierFlow" refType="w" fact="0.3"/>
+              <dgm:constr type="t" for="ch" forName="hierFlow"/>
+              <dgm:constr type="r" for="ch" forName="hierFlow" refType="w" fact="0.98"/>
+              <dgm:constr type="b" for="ch" forName="hierFlow" refType="h" fact="0.98"/>
+              <dgm:constr type="l" for="ch" forName="bgShapesFlow"/>
+              <dgm:constr type="t" for="ch" forName="bgShapesFlow"/>
+              <dgm:constr type="r" for="ch" forName="bgShapesFlow" refType="w"/>
+              <dgm:constr type="b" for="ch" forName="bgShapesFlow" refType="h"/>
+              <dgm:constr type="w" for="des" forName="level1Shape" refType="w"/>
+              <dgm:constr type="h" for="des" forName="level1Shape" refType="w" refFor="des" refForName="level1Shape" fact="0.66667"/>
+              <dgm:constr type="w" for="des" forName="level2Shape" refType="w" refFor="des" refForName="level1Shape" op="equ"/>
+              <dgm:constr type="h" for="des" forName="level2Shape" refType="h" refFor="des" refForName="level1Shape" op="equ"/>
+              <dgm:constr type="sp" for="des" refType="h" refFor="des" refForName="level1Shape" op="equ" fact="0.4"/>
+              <dgm:constr type="sibSp" for="des" forName="hierChild1" refType="w" refFor="des" refForName="level1Shape" op="equ" fact="0.3"/>
+              <dgm:constr type="sibSp" for="des" forName="hierChild2" refType="sibSp" refFor="des" refForName="hierChild1" op="equ"/>
+              <dgm:constr type="sibSp" for="des" forName="hierChild3" refType="sibSp" refFor="des" refForName="hierChild1" op="equ"/>
+              <dgm:constr type="userA" for="des" refType="h" refFor="des" refForName="level1Shape" op="equ"/>
+              <dgm:constr type="userB" for="des" refType="sp" refFor="des" op="equ"/>
+              <dgm:constr type="h" for="des" forName="firstBuf" refType="h" refFor="des" refForName="level1Shape" fact="0.1"/>
+            </dgm:constrLst>
+          </dgm:if>
+          <dgm:else name="Name4">
+            <dgm:constrLst>
+              <dgm:constr type="l" for="ch" forName="hierFlow" refType="w" fact="0.02"/>
+              <dgm:constr type="t" for="ch" forName="hierFlow"/>
+              <dgm:constr type="r" for="ch" forName="hierFlow" refType="w" fact="0.7"/>
+              <dgm:constr type="b" for="ch" forName="hierFlow" refType="h" fact="0.98"/>
+              <dgm:constr type="l" for="ch" forName="bgShapesFlow"/>
+              <dgm:constr type="t" for="ch" forName="bgShapesFlow"/>
+              <dgm:constr type="r" for="ch" forName="bgShapesFlow" refType="w"/>
+              <dgm:constr type="b" for="ch" forName="bgShapesFlow" refType="h"/>
+              <dgm:constr type="w" for="des" forName="level1Shape" refType="w"/>
+              <dgm:constr type="h" for="des" forName="level1Shape" refType="w" refFor="des" refForName="level1Shape" fact="0.66667"/>
+              <dgm:constr type="w" for="des" forName="level2Shape" refType="w" refFor="des" refForName="level1Shape" op="equ"/>
+              <dgm:constr type="h" for="des" forName="level2Shape" refType="h" refFor="des" refForName="level1Shape" op="equ"/>
+              <dgm:constr type="sp" for="des" refType="h" refFor="des" refForName="level1Shape" op="equ" fact="0.4"/>
+              <dgm:constr type="sibSp" for="des" forName="hierChild1" refType="w" refFor="des" refForName="level1Shape" op="equ" fact="0.3"/>
+              <dgm:constr type="sibSp" for="des" forName="hierChild2" refType="sibSp" refFor="des" refForName="hierChild1" op="equ"/>
+              <dgm:constr type="sibSp" for="des" forName="hierChild3" refType="sibSp" refFor="des" refForName="hierChild1" op="equ"/>
+              <dgm:constr type="userA" for="des" refType="h" refFor="des" refForName="level1Shape" op="equ"/>
+              <dgm:constr type="userB" for="des" refType="sp" refFor="des" op="equ"/>
+              <dgm:constr type="h" for="des" forName="firstBuf" refType="h" refFor="des" refForName="level1Shape" fact="0.1"/>
+            </dgm:constrLst>
+          </dgm:else>
+        </dgm:choose>
+      </dgm:if>
+      <dgm:else name="Name5">
+        <dgm:constrLst>
+          <dgm:constr type="l" for="ch" forName="hierFlow"/>
+          <dgm:constr type="t" for="ch" forName="hierFlow"/>
+          <dgm:constr type="r" for="ch" forName="hierFlow" refType="w"/>
+          <dgm:constr type="b" for="ch" forName="hierFlow" refType="h"/>
+          <dgm:constr type="l" for="ch" forName="bgShapesFlow"/>
+          <dgm:constr type="t" for="ch" forName="bgShapesFlow"/>
+          <dgm:constr type="r" for="ch" forName="bgShapesFlow" refType="w"/>
+          <dgm:constr type="b" for="ch" forName="bgShapesFlow" refType="h"/>
+          <dgm:constr type="w" for="des" forName="level1Shape" refType="w"/>
+          <dgm:constr type="h" for="des" forName="level1Shape" refType="w" refFor="des" refForName="level1Shape" fact="0.66667"/>
+          <dgm:constr type="w" for="des" forName="level2Shape" refType="w" refFor="des" refForName="level1Shape" op="equ"/>
+          <dgm:constr type="h" for="des" forName="level2Shape" refType="h" refFor="des" refForName="level1Shape" op="equ"/>
+          <dgm:constr type="sp" for="des" refType="h" refFor="des" refForName="level1Shape" op="equ" fact="0.4"/>
+          <dgm:constr type="sibSp" for="des" forName="hierChild1" refType="w" refFor="des" refForName="level1Shape" op="equ" fact="0.3"/>
+          <dgm:constr type="sibSp" for="des" forName="hierChild2" refType="sibSp" refFor="des" refForName="hierChild1" op="equ"/>
+          <dgm:constr type="sibSp" for="des" forName="hierChild3" refType="sibSp" refFor="des" refForName="hierChild1" op="equ"/>
+          <dgm:constr type="userA" for="des" refType="h" refFor="des" refForName="level1Shape" op="equ"/>
+          <dgm:constr type="userB" for="des" refType="sp" refFor="des" op="equ"/>
+          <dgm:constr type="h" for="des" forName="firstBuf" refType="h" refFor="des" refForName="level1Shape" fact="0.1"/>
+        </dgm:constrLst>
+      </dgm:else>
+    </dgm:choose>
+    <dgm:ruleLst/>
+    <dgm:layoutNode name="hierFlow">
+      <dgm:alg type="lin">
+        <dgm:param type="linDir" val="fromT"/>
+        <dgm:param type="nodeVertAlign" val="t"/>
+        <dgm:param type="vertAlign" val="t"/>
+        <dgm:param type="nodeHorzAlign" val="ctr"/>
+        <dgm:param type="fallback" val="2D"/>
+      </dgm:alg>
+      <dgm:shape xmlns:r="http://schemas.openxmlformats.org/officeDocument/2006/relationships" r:blip="">
+        <dgm:adjLst/>
+      </dgm:shape>
+      <dgm:presOf/>
+      <dgm:constrLst/>
+      <dgm:ruleLst/>
+      <dgm:choose name="Name6">
+        <dgm:if name="Name7" axis="ch" ptType="node" func="cnt" op="gte" val="2">
+          <dgm:layoutNode name="firstBuf">
+            <dgm:alg type="sp"/>
+            <dgm:shape xmlns:r="http://schemas.openxmlformats.org/officeDocument/2006/relationships" r:blip="">
+              <dgm:adjLst/>
+            </dgm:shape>
+            <dgm:presOf/>
+            <dgm:constrLst/>
+            <dgm:ruleLst/>
+          </dgm:layoutNode>
+        </dgm:if>
+        <dgm:else name="Name8"/>
+      </dgm:choose>
+      <dgm:layoutNode name="hierChild1">
+        <dgm:varLst>
+          <dgm:chPref val="1"/>
+          <dgm:animOne val="branch"/>
+          <dgm:animLvl val="lvl"/>
+        </dgm:varLst>
+        <dgm:choose name="Name9">
+          <dgm:if name="Name10" func="var" arg="dir" op="equ" val="norm">
+            <dgm:alg type="hierChild">
+              <dgm:param type="linDir" val="fromL"/>
+              <dgm:param type="vertAlign" val="t"/>
+            </dgm:alg>
+          </dgm:if>
+          <dgm:else name="Name11">
+            <dgm:alg type="hierChild">
+              <dgm:param type="linDir" val="fromR"/>
+              <dgm:param type="vertAlign" val="t"/>
+            </dgm:alg>
+          </dgm:else>
+        </dgm:choose>
+        <dgm:shape xmlns:r="http://schemas.openxmlformats.org/officeDocument/2006/relationships" r:blip="">
+          <dgm:adjLst/>
+        </dgm:shape>
+        <dgm:presOf/>
+        <dgm:constrLst>
+          <dgm:constr type="primFontSz" for="des" ptType="node" op="equ"/>
+        </dgm:constrLst>
+        <dgm:ruleLst/>
+        <dgm:forEach name="Name12" axis="ch" cnt="3">
+          <dgm:forEach name="Name13" axis="self" ptType="node">
+            <dgm:layoutNode name="Name14">
+              <dgm:alg type="hierRoot"/>
+              <dgm:shape xmlns:r="http://schemas.openxmlformats.org/officeDocument/2006/relationships" r:blip="">
+                <dgm:adjLst/>
+              </dgm:shape>
+              <dgm:presOf/>
+              <dgm:constrLst/>
+              <dgm:ruleLst/>
+              <dgm:layoutNode name="level1Shape" styleLbl="node0">
+                <dgm:varLst>
+                  <dgm:chPref val="3"/>
+                </dgm:varLst>
+                <dgm:alg type="tx"/>
+                <dgm:shape xmlns:r="http://schemas.openxmlformats.org/officeDocument/2006/relationships" type="roundRect" r:blip="">
+                  <dgm:adjLst>
+                    <dgm:adj idx="1" val="0.1"/>
+                  </dgm:adjLst>
+                </dgm:shape>
+                <dgm:presOf axis="self"/>
+                <dgm:constrLst>
+                  <dgm:constr type="primFontSz" val="65"/>
+                  <dgm:constr type="tMarg" refType="primFontSz" fact="0.3"/>
+                  <dgm:constr type="bMarg" refType="primFontSz" fact="0.3"/>
+                  <dgm:constr type="lMarg" refType="primFontSz" fact="0.3"/>
+                  <dgm:constr type="rMarg" refType="primFontSz" fact="0.3"/>
+                </dgm:constrLst>
+                <dgm:ruleLst>
+                  <dgm:rule type="primFontSz" val="5" fact="NaN" max="NaN"/>
+                </dgm:ruleLst>
+              </dgm:layoutNode>
+              <dgm:layoutNode name="hierChild2">
+                <dgm:choose name="Name15">
+                  <dgm:if name="Name16" func="var" arg="dir" op="equ" val="norm">
+                    <dgm:alg type="hierChild">
+                      <dgm:param type="linDir" val="fromL"/>
+                    </dgm:alg>
+                  </dgm:if>
+                  <dgm:else name="Name17">
+                    <dgm:alg type="hierChild">
+                      <dgm:param type="linDir" val="fromR"/>
+                    </dgm:alg>
+                  </dgm:else>
+                </dgm:choose>
+                <dgm:shape xmlns:r="http://schemas.openxmlformats.org/officeDocument/2006/relationships" r:blip="">
+                  <dgm:adjLst/>
+                </dgm:shape>
+                <dgm:presOf/>
+                <dgm:constrLst/>
+                <dgm:ruleLst/>
+                <dgm:forEach name="repeat" axis="ch">
+                  <dgm:forEach name="Name18" axis="self" ptType="parTrans" cnt="1">
+                    <dgm:layoutNode name="Name19">
+                      <dgm:alg type="conn">
+                        <dgm:param type="dim" val="1D"/>
+                        <dgm:param type="endSty" val="noArr"/>
+                        <dgm:param type="connRout" val="bend"/>
+                        <dgm:param type="begPts" val="bCtr"/>
+                        <dgm:param type="endPts" val="tCtr"/>
+                      </dgm:alg>
+                      <dgm:shape xmlns:r="http://schemas.openxmlformats.org/officeDocument/2006/relationships" type="conn" r:blip="">
+                        <dgm:adjLst/>
+                      </dgm:shape>
+                      <dgm:presOf axis="self"/>
+                      <dgm:constrLst>
+                        <dgm:constr type="w" val="1"/>
+                        <dgm:constr type="h" val="1"/>
+                        <dgm:constr type="begPad"/>
+                        <dgm:constr type="endPad"/>
+                      </dgm:constrLst>
+                      <dgm:ruleLst/>
+                    </dgm:layoutNode>
+                  </dgm:forEach>
+                  <dgm:forEach name="Name20" axis="self" ptType="node">
+                    <dgm:layoutNode name="Name21">
+                      <dgm:alg type="hierRoot"/>
+                      <dgm:shape xmlns:r="http://schemas.openxmlformats.org/officeDocument/2006/relationships" r:blip="">
+                        <dgm:adjLst/>
+                      </dgm:shape>
+                      <dgm:presOf/>
+                      <dgm:constrLst/>
+                      <dgm:ruleLst/>
+                      <dgm:layoutNode name="level2Shape">
+                        <dgm:alg type="tx"/>
+                        <dgm:shape xmlns:r="http://schemas.openxmlformats.org/officeDocument/2006/relationships" type="roundRect" r:blip="">
+                          <dgm:adjLst>
+                            <dgm:adj idx="1" val="0.1"/>
+                          </dgm:adjLst>
+                        </dgm:shape>
+                        <dgm:presOf axis="self"/>
+                        <dgm:constrLst>
+                          <dgm:constr type="primFontSz" val="65"/>
+                          <dgm:constr type="tMarg" refType="primFontSz" fact="0.3"/>
+                          <dgm:constr type="bMarg" refType="primFontSz" fact="0.3"/>
+                          <dgm:constr type="lMarg" refType="primFontSz" fact="0.3"/>
+                          <dgm:constr type="rMarg" refType="primFontSz" fact="0.3"/>
+                        </dgm:constrLst>
+                        <dgm:ruleLst>
+                          <dgm:rule type="primFontSz" val="5" fact="NaN" max="NaN"/>
+                        </dgm:ruleLst>
+                      </dgm:layoutNode>
+                      <dgm:layoutNode name="hierChild3">
+                        <dgm:choose name="Name22">
+                          <dgm:if name="Name23" func="var" arg="dir" op="equ" val="norm">
+                            <dgm:alg type="hierChild">
+                              <dgm:param type="linDir" val="fromL"/>
+                            </dgm:alg>
+                          </dgm:if>
+                          <dgm:else name="Name24">
+                            <dgm:alg type="hierChild">
+                              <dgm:param type="linDir" val="fromR"/>
+                            </dgm:alg>
+                          </dgm:else>
+                        </dgm:choose>
+                        <dgm:shape xmlns:r="http://schemas.openxmlformats.org/officeDocument/2006/relationships" r:blip="">
+                          <dgm:adjLst/>
+                        </dgm:shape>
+                        <dgm:presOf/>
+                        <dgm:constrLst/>
+                        <dgm:ruleLst/>
+                        <dgm:forEach name="Name25" ref="repeat"/>
+                      </dgm:layoutNode>
+                    </dgm:layoutNode>
+                  </dgm:forEach>
+                </dgm:forEach>
+              </dgm:layoutNode>
+            </dgm:layoutNode>
+          </dgm:forEach>
+        </dgm:forEach>
+      </dgm:layoutNode>
+    </dgm:layoutNode>
+    <dgm:layoutNode name="bgShapesFlow">
+      <dgm:alg type="lin">
+        <dgm:param type="linDir" val="fromT"/>
+        <dgm:param type="nodeVertAlign" val="t"/>
+        <dgm:param type="vertAlign" val="t"/>
+        <dgm:param type="nodeHorzAlign" val="ctr"/>
+      </dgm:alg>
+      <dgm:shape xmlns:r="http://schemas.openxmlformats.org/officeDocument/2006/relationships" r:blip="">
+        <dgm:adjLst/>
+      </dgm:shape>
+      <dgm:presOf/>
+      <dgm:constrLst>
+        <dgm:constr type="userB"/>
+        <dgm:constr type="w" for="ch" forName="rectComp" refType="w"/>
+        <dgm:constr type="h" for="ch" forName="rectComp" refType="h"/>
+        <dgm:constr type="w" for="des" forName="bgRect" refType="w"/>
+        <dgm:constr type="primFontSz" for="des" forName="bgRectTx" op="equ"/>
+      </dgm:constrLst>
+      <dgm:ruleLst/>
+      <dgm:forEach name="Name26" axis="ch" ptType="node" st="2">
+        <dgm:layoutNode name="rectComp">
+          <dgm:alg type="composite">
+            <dgm:param type="vertAlign" val="t"/>
+            <dgm:param type="horzAlign" val="ctr"/>
+          </dgm:alg>
+          <dgm:shape xmlns:r="http://schemas.openxmlformats.org/officeDocument/2006/relationships" r:blip="">
+            <dgm:adjLst/>
+          </dgm:shape>
+          <dgm:presOf/>
+          <dgm:choose name="Name27">
+            <dgm:if name="Name28" func="var" arg="dir" op="equ" val="norm">
+              <dgm:constrLst>
+                <dgm:constr type="userA"/>
+                <dgm:constr type="l" for="ch" forName="bgRect"/>
+                <dgm:constr type="t" for="ch" forName="bgRect"/>
+                <dgm:constr type="h" for="ch" forName="bgRect" refType="userA" fact="1.2"/>
+                <dgm:constr type="l" for="ch" forName="bgRectTx"/>
+                <dgm:constr type="t" for="ch" forName="bgRectTx"/>
+                <dgm:constr type="w" for="ch" forName="bgRectTx" refType="w" refFor="ch" refForName="bgRect" fact="0.3"/>
+                <dgm:constr type="h" for="ch" forName="bgRectTx" refType="h" refFor="ch" refForName="bgRect" op="equ"/>
+              </dgm:constrLst>
+            </dgm:if>
+            <dgm:else name="Name29">
+              <dgm:constrLst>
+                <dgm:constr type="userA"/>
+                <dgm:constr type="l" for="ch" forName="bgRect"/>
+                <dgm:constr type="t" for="ch" forName="bgRect"/>
+                <dgm:constr type="h" for="ch" forName="bgRect" refType="userA" fact="1.2"/>
+                <dgm:constr type="r" for="ch" forName="bgRectTx" refType="w"/>
+                <dgm:constr type="t" for="ch" forName="bgRectTx"/>
+                <dgm:constr type="w" for="ch" forName="bgRectTx" refType="w" refFor="ch" refForName="bgRect" fact="0.3"/>
+                <dgm:constr type="h" for="ch" forName="bgRectTx" refType="h" refFor="ch" refForName="bgRect" op="equ"/>
+              </dgm:constrLst>
+            </dgm:else>
+          </dgm:choose>
+          <dgm:ruleLst/>
+          <dgm:layoutNode name="bgRect" styleLbl="bgShp">
+            <dgm:alg type="sp"/>
+            <dgm:shape xmlns:r="http://schemas.openxmlformats.org/officeDocument/2006/relationships" type="roundRect" r:blip="" zOrderOff="-999">
+              <dgm:adjLst>
+                <dgm:adj idx="1" val="0.1"/>
+              </dgm:adjLst>
+            </dgm:shape>
+            <dgm:presOf axis="desOrSelf" ptType="node"/>
+            <dgm:constrLst/>
+            <dgm:ruleLst/>
+          </dgm:layoutNode>
+          <dgm:layoutNode name="bgRectTx" styleLbl="bgShp">
+            <dgm:varLst>
+              <dgm:bulletEnabled val="1"/>
+            </dgm:varLst>
+            <dgm:alg type="tx"/>
+            <dgm:presOf axis="desOrSelf" ptType="node"/>
+            <dgm:shape xmlns:r="http://schemas.openxmlformats.org/officeDocument/2006/relationships" type="rect" r:blip="" zOrderOff="-999" hideGeom="1">
+              <dgm:adjLst/>
+            </dgm:shape>
+            <dgm:constrLst>
+              <dgm:constr type="primFontSz" val="65"/>
+            </dgm:constrLst>
+            <dgm:ruleLst>
+              <dgm:rule type="primFontSz" val="5" fact="NaN" max="NaN"/>
+            </dgm:ruleLst>
+          </dgm:layoutNode>
+        </dgm:layoutNode>
+        <dgm:choose name="Name30">
+          <dgm:if name="Name31" axis="self" ptType="node" func="revPos" op="gte" val="2">
+            <dgm:layoutNode name="spComp">
+              <dgm:alg type="composite">
+                <dgm:param type="vertAlign" val="t"/>
+                <dgm:param type="horzAlign" val="ctr"/>
+              </dgm:alg>
+              <dgm:shape xmlns:r="http://schemas.openxmlformats.org/officeDocument/2006/relationships" r:blip="">
+                <dgm:adjLst/>
+              </dgm:shape>
+              <dgm:presOf/>
+              <dgm:constrLst>
+                <dgm:constr type="userA"/>
+                <dgm:constr type="userB"/>
+                <dgm:constr type="l" for="ch" forName="vSp"/>
+                <dgm:constr type="t" for="ch" forName="vSp"/>
+                <dgm:constr type="h" for="ch" forName="vSp" refType="userB"/>
+                <dgm:constr type="hOff" for="ch" forName="vSp" refType="userA" fact="-0.2"/>
+              </dgm:constrLst>
+              <dgm:ruleLst/>
+              <dgm:layoutNode name="vSp">
+                <dgm:alg type="sp"/>
+                <dgm:shape xmlns:r="http://schemas.openxmlformats.org/officeDocument/2006/relationships" r:blip="">
+                  <dgm:adjLst/>
+                </dgm:shape>
+                <dgm:presOf/>
+                <dgm:constrLst/>
+                <dgm:ruleLst/>
+              </dgm:layoutNode>
+            </dgm:layoutNode>
+          </dgm:if>
+          <dgm:else name="Name32"/>
+        </dgm:choose>
+      </dgm:forEach>
+    </dgm:layoutNode>
+  </dgm:layoutNode>
+</dgm:layoutDef>
+</file>
+
 <file path=ppt/diagrams/quickStyle1.xml><?xml version="1.0" encoding="utf-8"?>
 <dgm:styleDef xmlns:dgm="http://schemas.openxmlformats.org/drawingml/2006/diagram" xmlns:a="http://schemas.openxmlformats.org/drawingml/2006/main" uniqueId="urn:microsoft.com/office/officeart/2005/8/quickstyle/3d4">
   <dgm:title val=""/>
@@ -7401,6 +9434,1117 @@
 </file>
 
 <file path=ppt/diagrams/quickStyle2.xml><?xml version="1.0" encoding="utf-8"?>
+<dgm:styleDef xmlns:dgm="http://schemas.openxmlformats.org/drawingml/2006/diagram" xmlns:a="http://schemas.openxmlformats.org/drawingml/2006/main" uniqueId="urn:microsoft.com/office/officeart/2005/8/quickstyle/3d4">
+  <dgm:title val=""/>
+  <dgm:desc val=""/>
+  <dgm:catLst>
+    <dgm:cat type="3D" pri="11400"/>
+  </dgm:catLst>
+  <dgm:scene3d>
+    <a:camera prst="orthographicFront"/>
+    <a:lightRig rig="threePt" dir="t"/>
+  </dgm:scene3d>
+  <dgm:styleLbl name="node0">
+    <dgm:scene3d>
+      <a:camera prst="orthographicFront"/>
+      <a:lightRig rig="chilly" dir="t"/>
+    </dgm:scene3d>
+    <dgm:sp3d prstMaterial="translucentPowder">
+      <a:bevelT w="127000" h="25400" prst="softRound"/>
+    </dgm:sp3d>
+    <dgm:txPr/>
+    <dgm:style>
+      <a:lnRef idx="0">
+        <a:scrgbClr r="0" g="0" b="0"/>
+      </a:lnRef>
+      <a:fillRef idx="1">
+        <a:scrgbClr r="0" g="0" b="0"/>
+      </a:fillRef>
+      <a:effectRef idx="0">
+        <a:scrgbClr r="0" g="0" b="0"/>
+      </a:effectRef>
+      <a:fontRef idx="minor">
+        <a:schemeClr val="lt1"/>
+      </a:fontRef>
+    </dgm:style>
+  </dgm:styleLbl>
+  <dgm:styleLbl name="lnNode1">
+    <dgm:scene3d>
+      <a:camera prst="orthographicFront"/>
+      <a:lightRig rig="chilly" dir="t"/>
+    </dgm:scene3d>
+    <dgm:sp3d prstMaterial="translucentPowder">
+      <a:bevelT w="127000" h="25400" prst="softRound"/>
+    </dgm:sp3d>
+    <dgm:txPr/>
+    <dgm:style>
+      <a:lnRef idx="0">
+        <a:scrgbClr r="0" g="0" b="0"/>
+      </a:lnRef>
+      <a:fillRef idx="1">
+        <a:scrgbClr r="0" g="0" b="0"/>
+      </a:fillRef>
+      <a:effectRef idx="0">
+        <a:scrgbClr r="0" g="0" b="0"/>
+      </a:effectRef>
+      <a:fontRef idx="minor">
+        <a:schemeClr val="lt1"/>
+      </a:fontRef>
+    </dgm:style>
+  </dgm:styleLbl>
+  <dgm:styleLbl name="vennNode1">
+    <dgm:scene3d>
+      <a:camera prst="orthographicFront"/>
+      <a:lightRig rig="chilly" dir="t"/>
+    </dgm:scene3d>
+    <dgm:sp3d prstMaterial="translucentPowder">
+      <a:bevelT w="127000" h="25400" prst="softRound"/>
+    </dgm:sp3d>
+    <dgm:txPr/>
+    <dgm:style>
+      <a:lnRef idx="0">
+        <a:scrgbClr r="0" g="0" b="0"/>
+      </a:lnRef>
+      <a:fillRef idx="1">
+        <a:scrgbClr r="0" g="0" b="0"/>
+      </a:fillRef>
+      <a:effectRef idx="0">
+        <a:scrgbClr r="0" g="0" b="0"/>
+      </a:effectRef>
+      <a:fontRef idx="minor">
+        <a:schemeClr val="tx1"/>
+      </a:fontRef>
+    </dgm:style>
+  </dgm:styleLbl>
+  <dgm:styleLbl name="alignNode1">
+    <dgm:scene3d>
+      <a:camera prst="orthographicFront"/>
+      <a:lightRig rig="chilly" dir="t"/>
+    </dgm:scene3d>
+    <dgm:sp3d prstMaterial="translucentPowder">
+      <a:bevelT w="127000" h="25400" prst="softRound"/>
+    </dgm:sp3d>
+    <dgm:txPr/>
+    <dgm:style>
+      <a:lnRef idx="1">
+        <a:scrgbClr r="0" g="0" b="0"/>
+      </a:lnRef>
+      <a:fillRef idx="1">
+        <a:scrgbClr r="0" g="0" b="0"/>
+      </a:fillRef>
+      <a:effectRef idx="0">
+        <a:scrgbClr r="0" g="0" b="0"/>
+      </a:effectRef>
+      <a:fontRef idx="minor">
+        <a:schemeClr val="lt1"/>
+      </a:fontRef>
+    </dgm:style>
+  </dgm:styleLbl>
+  <dgm:styleLbl name="node1">
+    <dgm:scene3d>
+      <a:camera prst="orthographicFront"/>
+      <a:lightRig rig="chilly" dir="t"/>
+    </dgm:scene3d>
+    <dgm:sp3d prstMaterial="translucentPowder">
+      <a:bevelT w="127000" h="25400" prst="softRound"/>
+    </dgm:sp3d>
+    <dgm:txPr/>
+    <dgm:style>
+      <a:lnRef idx="0">
+        <a:scrgbClr r="0" g="0" b="0"/>
+      </a:lnRef>
+      <a:fillRef idx="1">
+        <a:scrgbClr r="0" g="0" b="0"/>
+      </a:fillRef>
+      <a:effectRef idx="0">
+        <a:scrgbClr r="0" g="0" b="0"/>
+      </a:effectRef>
+      <a:fontRef idx="minor">
+        <a:schemeClr val="lt1"/>
+      </a:fontRef>
+    </dgm:style>
+  </dgm:styleLbl>
+  <dgm:styleLbl name="node2">
+    <dgm:scene3d>
+      <a:camera prst="orthographicFront"/>
+      <a:lightRig rig="chilly" dir="t"/>
+    </dgm:scene3d>
+    <dgm:sp3d prstMaterial="translucentPowder">
+      <a:bevelT w="127000" h="25400" prst="softRound"/>
+    </dgm:sp3d>
+    <dgm:txPr/>
+    <dgm:style>
+      <a:lnRef idx="0">
+        <a:scrgbClr r="0" g="0" b="0"/>
+      </a:lnRef>
+      <a:fillRef idx="1">
+        <a:scrgbClr r="0" g="0" b="0"/>
+      </a:fillRef>
+      <a:effectRef idx="0">
+        <a:scrgbClr r="0" g="0" b="0"/>
+      </a:effectRef>
+      <a:fontRef idx="minor">
+        <a:schemeClr val="lt1"/>
+      </a:fontRef>
+    </dgm:style>
+  </dgm:styleLbl>
+  <dgm:styleLbl name="node3">
+    <dgm:scene3d>
+      <a:camera prst="orthographicFront"/>
+      <a:lightRig rig="chilly" dir="t"/>
+    </dgm:scene3d>
+    <dgm:sp3d prstMaterial="translucentPowder">
+      <a:bevelT w="127000" h="25400" prst="softRound"/>
+    </dgm:sp3d>
+    <dgm:txPr/>
+    <dgm:style>
+      <a:lnRef idx="0">
+        <a:scrgbClr r="0" g="0" b="0"/>
+      </a:lnRef>
+      <a:fillRef idx="1">
+        <a:scrgbClr r="0" g="0" b="0"/>
+      </a:fillRef>
+      <a:effectRef idx="0">
+        <a:scrgbClr r="0" g="0" b="0"/>
+      </a:effectRef>
+      <a:fontRef idx="minor">
+        <a:schemeClr val="lt1"/>
+      </a:fontRef>
+    </dgm:style>
+  </dgm:styleLbl>
+  <dgm:styleLbl name="node4">
+    <dgm:scene3d>
+      <a:camera prst="orthographicFront"/>
+      <a:lightRig rig="chilly" dir="t"/>
+    </dgm:scene3d>
+    <dgm:sp3d prstMaterial="translucentPowder">
+      <a:bevelT w="127000" h="25400" prst="softRound"/>
+    </dgm:sp3d>
+    <dgm:txPr/>
+    <dgm:style>
+      <a:lnRef idx="0">
+        <a:scrgbClr r="0" g="0" b="0"/>
+      </a:lnRef>
+      <a:fillRef idx="1">
+        <a:scrgbClr r="0" g="0" b="0"/>
+      </a:fillRef>
+      <a:effectRef idx="0">
+        <a:scrgbClr r="0" g="0" b="0"/>
+      </a:effectRef>
+      <a:fontRef idx="minor">
+        <a:schemeClr val="lt1"/>
+      </a:fontRef>
+    </dgm:style>
+  </dgm:styleLbl>
+  <dgm:styleLbl name="fgImgPlace1">
+    <dgm:scene3d>
+      <a:camera prst="orthographicFront"/>
+      <a:lightRig rig="chilly" dir="t"/>
+    </dgm:scene3d>
+    <dgm:sp3d z="12700" extrusionH="12700" prstMaterial="translucentPowder">
+      <a:bevelT w="25400" h="6350" prst="softRound"/>
+      <a:bevelB w="0" h="0" prst="convex"/>
+    </dgm:sp3d>
+    <dgm:txPr/>
+    <dgm:style>
+      <a:lnRef idx="0">
+        <a:scrgbClr r="0" g="0" b="0"/>
+      </a:lnRef>
+      <a:fillRef idx="1">
+        <a:scrgbClr r="0" g="0" b="0"/>
+      </a:fillRef>
+      <a:effectRef idx="0">
+        <a:scrgbClr r="0" g="0" b="0"/>
+      </a:effectRef>
+      <a:fontRef idx="minor"/>
+    </dgm:style>
+  </dgm:styleLbl>
+  <dgm:styleLbl name="alignImgPlace1">
+    <dgm:scene3d>
+      <a:camera prst="orthographicFront"/>
+      <a:lightRig rig="chilly" dir="t"/>
+    </dgm:scene3d>
+    <dgm:sp3d prstMaterial="translucentPowder">
+      <a:bevelT w="127000" h="25400" prst="softRound"/>
+    </dgm:sp3d>
+    <dgm:txPr/>
+    <dgm:style>
+      <a:lnRef idx="0">
+        <a:scrgbClr r="0" g="0" b="0"/>
+      </a:lnRef>
+      <a:fillRef idx="1">
+        <a:scrgbClr r="0" g="0" b="0"/>
+      </a:fillRef>
+      <a:effectRef idx="0">
+        <a:scrgbClr r="0" g="0" b="0"/>
+      </a:effectRef>
+      <a:fontRef idx="minor">
+        <a:schemeClr val="lt1"/>
+      </a:fontRef>
+    </dgm:style>
+  </dgm:styleLbl>
+  <dgm:styleLbl name="bgImgPlace1">
+    <dgm:scene3d>
+      <a:camera prst="orthographicFront"/>
+      <a:lightRig rig="chilly" dir="t"/>
+    </dgm:scene3d>
+    <dgm:sp3d z="-25700" extrusionH="63500" contourW="12700" prstMaterial="matte">
+      <a:contourClr>
+        <a:schemeClr val="lt1"/>
+      </a:contourClr>
+    </dgm:sp3d>
+    <dgm:txPr/>
+    <dgm:style>
+      <a:lnRef idx="0">
+        <a:scrgbClr r="0" g="0" b="0"/>
+      </a:lnRef>
+      <a:fillRef idx="1">
+        <a:scrgbClr r="0" g="0" b="0"/>
+      </a:fillRef>
+      <a:effectRef idx="0">
+        <a:scrgbClr r="0" g="0" b="0"/>
+      </a:effectRef>
+      <a:fontRef idx="minor"/>
+    </dgm:style>
+  </dgm:styleLbl>
+  <dgm:styleLbl name="sibTrans2D1">
+    <dgm:scene3d>
+      <a:camera prst="orthographicFront"/>
+      <a:lightRig rig="chilly" dir="t"/>
+    </dgm:scene3d>
+    <dgm:sp3d z="-70000" extrusionH="1700" prstMaterial="translucentPowder">
+      <a:bevelT w="25400" h="6350" prst="softRound"/>
+      <a:bevelB w="0" h="0" prst="convex"/>
+    </dgm:sp3d>
+    <dgm:txPr/>
+    <dgm:style>
+      <a:lnRef idx="0">
+        <a:scrgbClr r="0" g="0" b="0"/>
+      </a:lnRef>
+      <a:fillRef idx="1">
+        <a:scrgbClr r="0" g="0" b="0"/>
+      </a:fillRef>
+      <a:effectRef idx="0">
+        <a:scrgbClr r="0" g="0" b="0"/>
+      </a:effectRef>
+      <a:fontRef idx="minor">
+        <a:schemeClr val="lt1"/>
+      </a:fontRef>
+    </dgm:style>
+  </dgm:styleLbl>
+  <dgm:styleLbl name="fgSibTrans2D1">
+    <dgm:scene3d>
+      <a:camera prst="orthographicFront"/>
+      <a:lightRig rig="chilly" dir="t"/>
+    </dgm:scene3d>
+    <dgm:sp3d z="12700" extrusionH="1700" prstMaterial="translucentPowder">
+      <a:bevelT w="25400" h="6350" prst="softRound"/>
+      <a:bevelB w="0" h="0" prst="convex"/>
+    </dgm:sp3d>
+    <dgm:txPr/>
+    <dgm:style>
+      <a:lnRef idx="0">
+        <a:scrgbClr r="0" g="0" b="0"/>
+      </a:lnRef>
+      <a:fillRef idx="1">
+        <a:scrgbClr r="0" g="0" b="0"/>
+      </a:fillRef>
+      <a:effectRef idx="0">
+        <a:scrgbClr r="0" g="0" b="0"/>
+      </a:effectRef>
+      <a:fontRef idx="minor"/>
+    </dgm:style>
+  </dgm:styleLbl>
+  <dgm:styleLbl name="bgSibTrans2D1">
+    <dgm:scene3d>
+      <a:camera prst="orthographicFront"/>
+      <a:lightRig rig="chilly" dir="t"/>
+    </dgm:scene3d>
+    <dgm:sp3d z="-25700" extrusionH="1700" prstMaterial="translucentPowder">
+      <a:bevelT w="25400" h="6350" prst="softRound"/>
+      <a:bevelB w="0" h="0" prst="convex"/>
+    </dgm:sp3d>
+    <dgm:txPr/>
+    <dgm:style>
+      <a:lnRef idx="0">
+        <a:scrgbClr r="0" g="0" b="0"/>
+      </a:lnRef>
+      <a:fillRef idx="1">
+        <a:scrgbClr r="0" g="0" b="0"/>
+      </a:fillRef>
+      <a:effectRef idx="0">
+        <a:scrgbClr r="0" g="0" b="0"/>
+      </a:effectRef>
+      <a:fontRef idx="minor"/>
+    </dgm:style>
+  </dgm:styleLbl>
+  <dgm:styleLbl name="sibTrans1D1">
+    <dgm:scene3d>
+      <a:camera prst="orthographicFront"/>
+      <a:lightRig rig="chilly" dir="t"/>
+    </dgm:scene3d>
+    <dgm:sp3d z="-40000" prstMaterial="matte"/>
+    <dgm:txPr/>
+    <dgm:style>
+      <a:lnRef idx="1">
+        <a:scrgbClr r="0" g="0" b="0"/>
+      </a:lnRef>
+      <a:fillRef idx="0">
+        <a:scrgbClr r="0" g="0" b="0"/>
+      </a:fillRef>
+      <a:effectRef idx="0">
+        <a:scrgbClr r="0" g="0" b="0"/>
+      </a:effectRef>
+      <a:fontRef idx="minor"/>
+    </dgm:style>
+  </dgm:styleLbl>
+  <dgm:styleLbl name="callout">
+    <dgm:scene3d>
+      <a:camera prst="orthographicFront"/>
+      <a:lightRig rig="chilly" dir="t"/>
+    </dgm:scene3d>
+    <dgm:sp3d z="127000" prstMaterial="matte"/>
+    <dgm:txPr/>
+    <dgm:style>
+      <a:lnRef idx="2">
+        <a:scrgbClr r="0" g="0" b="0"/>
+      </a:lnRef>
+      <a:fillRef idx="1">
+        <a:scrgbClr r="0" g="0" b="0"/>
+      </a:fillRef>
+      <a:effectRef idx="0">
+        <a:scrgbClr r="0" g="0" b="0"/>
+      </a:effectRef>
+      <a:fontRef idx="minor"/>
+    </dgm:style>
+  </dgm:styleLbl>
+  <dgm:styleLbl name="asst0">
+    <dgm:scene3d>
+      <a:camera prst="orthographicFront"/>
+      <a:lightRig rig="chilly" dir="t"/>
+    </dgm:scene3d>
+    <dgm:sp3d prstMaterial="translucentPowder">
+      <a:bevelT w="127000" h="25400" prst="softRound"/>
+    </dgm:sp3d>
+    <dgm:txPr/>
+    <dgm:style>
+      <a:lnRef idx="0">
+        <a:scrgbClr r="0" g="0" b="0"/>
+      </a:lnRef>
+      <a:fillRef idx="1">
+        <a:scrgbClr r="0" g="0" b="0"/>
+      </a:fillRef>
+      <a:effectRef idx="0">
+        <a:scrgbClr r="0" g="0" b="0"/>
+      </a:effectRef>
+      <a:fontRef idx="minor">
+        <a:schemeClr val="lt1"/>
+      </a:fontRef>
+    </dgm:style>
+  </dgm:styleLbl>
+  <dgm:styleLbl name="asst1">
+    <dgm:scene3d>
+      <a:camera prst="orthographicFront"/>
+      <a:lightRig rig="chilly" dir="t"/>
+    </dgm:scene3d>
+    <dgm:sp3d prstMaterial="translucentPowder">
+      <a:bevelT w="127000" h="25400" prst="softRound"/>
+    </dgm:sp3d>
+    <dgm:txPr/>
+    <dgm:style>
+      <a:lnRef idx="0">
+        <a:scrgbClr r="0" g="0" b="0"/>
+      </a:lnRef>
+      <a:fillRef idx="1">
+        <a:scrgbClr r="0" g="0" b="0"/>
+      </a:fillRef>
+      <a:effectRef idx="0">
+        <a:scrgbClr r="0" g="0" b="0"/>
+      </a:effectRef>
+      <a:fontRef idx="minor">
+        <a:schemeClr val="lt1"/>
+      </a:fontRef>
+    </dgm:style>
+  </dgm:styleLbl>
+  <dgm:styleLbl name="asst2">
+    <dgm:scene3d>
+      <a:camera prst="orthographicFront"/>
+      <a:lightRig rig="chilly" dir="t"/>
+    </dgm:scene3d>
+    <dgm:sp3d prstMaterial="translucentPowder">
+      <a:bevelT w="127000" h="25400" prst="softRound"/>
+    </dgm:sp3d>
+    <dgm:txPr/>
+    <dgm:style>
+      <a:lnRef idx="0">
+        <a:scrgbClr r="0" g="0" b="0"/>
+      </a:lnRef>
+      <a:fillRef idx="1">
+        <a:scrgbClr r="0" g="0" b="0"/>
+      </a:fillRef>
+      <a:effectRef idx="0">
+        <a:scrgbClr r="0" g="0" b="0"/>
+      </a:effectRef>
+      <a:fontRef idx="minor">
+        <a:schemeClr val="lt1"/>
+      </a:fontRef>
+    </dgm:style>
+  </dgm:styleLbl>
+  <dgm:styleLbl name="asst3">
+    <dgm:scene3d>
+      <a:camera prst="orthographicFront"/>
+      <a:lightRig rig="chilly" dir="t"/>
+    </dgm:scene3d>
+    <dgm:sp3d prstMaterial="translucentPowder">
+      <a:bevelT w="127000" h="25400" prst="softRound"/>
+    </dgm:sp3d>
+    <dgm:txPr/>
+    <dgm:style>
+      <a:lnRef idx="0">
+        <a:scrgbClr r="0" g="0" b="0"/>
+      </a:lnRef>
+      <a:fillRef idx="1">
+        <a:scrgbClr r="0" g="0" b="0"/>
+      </a:fillRef>
+      <a:effectRef idx="0">
+        <a:scrgbClr r="0" g="0" b="0"/>
+      </a:effectRef>
+      <a:fontRef idx="minor">
+        <a:schemeClr val="lt1"/>
+      </a:fontRef>
+    </dgm:style>
+  </dgm:styleLbl>
+  <dgm:styleLbl name="parChTrans2D1">
+    <dgm:scene3d>
+      <a:camera prst="orthographicFront"/>
+      <a:lightRig rig="chilly" dir="t"/>
+    </dgm:scene3d>
+    <dgm:sp3d z="1700" extrusionH="1700" prstMaterial="translucentPowder">
+      <a:bevelT w="25400" h="6350" prst="softRound"/>
+      <a:bevelB w="0" h="0" prst="convex"/>
+    </dgm:sp3d>
+    <dgm:txPr/>
+    <dgm:style>
+      <a:lnRef idx="0">
+        <a:scrgbClr r="0" g="0" b="0"/>
+      </a:lnRef>
+      <a:fillRef idx="1">
+        <a:scrgbClr r="0" g="0" b="0"/>
+      </a:fillRef>
+      <a:effectRef idx="0">
+        <a:scrgbClr r="0" g="0" b="0"/>
+      </a:effectRef>
+      <a:fontRef idx="minor"/>
+    </dgm:style>
+  </dgm:styleLbl>
+  <dgm:styleLbl name="parChTrans2D2">
+    <dgm:scene3d>
+      <a:camera prst="orthographicFront"/>
+      <a:lightRig rig="chilly" dir="t"/>
+    </dgm:scene3d>
+    <dgm:sp3d z="1700" extrusionH="1700" prstMaterial="translucentPowder">
+      <a:bevelT w="25400" h="6350" prst="softRound"/>
+      <a:bevelB w="0" h="0" prst="convex"/>
+    </dgm:sp3d>
+    <dgm:txPr/>
+    <dgm:style>
+      <a:lnRef idx="0">
+        <a:scrgbClr r="0" g="0" b="0"/>
+      </a:lnRef>
+      <a:fillRef idx="1">
+        <a:scrgbClr r="0" g="0" b="0"/>
+      </a:fillRef>
+      <a:effectRef idx="0">
+        <a:scrgbClr r="0" g="0" b="0"/>
+      </a:effectRef>
+      <a:fontRef idx="minor"/>
+    </dgm:style>
+  </dgm:styleLbl>
+  <dgm:styleLbl name="parChTrans2D3">
+    <dgm:scene3d>
+      <a:camera prst="orthographicFront"/>
+      <a:lightRig rig="chilly" dir="t"/>
+    </dgm:scene3d>
+    <dgm:sp3d extrusionH="1700" prstMaterial="translucentPowder">
+      <a:bevelT w="25400" h="6350" prst="softRound"/>
+      <a:bevelB w="0" h="0" prst="convex"/>
+    </dgm:sp3d>
+    <dgm:txPr/>
+    <dgm:style>
+      <a:lnRef idx="0">
+        <a:scrgbClr r="0" g="0" b="0"/>
+      </a:lnRef>
+      <a:fillRef idx="1">
+        <a:scrgbClr r="0" g="0" b="0"/>
+      </a:fillRef>
+      <a:effectRef idx="0">
+        <a:scrgbClr r="0" g="0" b="0"/>
+      </a:effectRef>
+      <a:fontRef idx="minor"/>
+    </dgm:style>
+  </dgm:styleLbl>
+  <dgm:styleLbl name="parChTrans2D4">
+    <dgm:scene3d>
+      <a:camera prst="orthographicFront"/>
+      <a:lightRig rig="chilly" dir="t"/>
+    </dgm:scene3d>
+    <dgm:sp3d extrusionH="1700" prstMaterial="translucentPowder">
+      <a:bevelT w="25400" h="6350" prst="softRound"/>
+      <a:bevelB w="0" h="0" prst="convex"/>
+    </dgm:sp3d>
+    <dgm:txPr/>
+    <dgm:style>
+      <a:lnRef idx="0">
+        <a:scrgbClr r="0" g="0" b="0"/>
+      </a:lnRef>
+      <a:fillRef idx="1">
+        <a:scrgbClr r="0" g="0" b="0"/>
+      </a:fillRef>
+      <a:effectRef idx="0">
+        <a:scrgbClr r="0" g="0" b="0"/>
+      </a:effectRef>
+      <a:fontRef idx="minor"/>
+    </dgm:style>
+  </dgm:styleLbl>
+  <dgm:styleLbl name="parChTrans1D1">
+    <dgm:scene3d>
+      <a:camera prst="orthographicFront"/>
+      <a:lightRig rig="chilly" dir="t"/>
+    </dgm:scene3d>
+    <dgm:sp3d z="-40000" prstMaterial="matte"/>
+    <dgm:txPr/>
+    <dgm:style>
+      <a:lnRef idx="2">
+        <a:scrgbClr r="0" g="0" b="0"/>
+      </a:lnRef>
+      <a:fillRef idx="0">
+        <a:scrgbClr r="0" g="0" b="0"/>
+      </a:fillRef>
+      <a:effectRef idx="0">
+        <a:scrgbClr r="0" g="0" b="0"/>
+      </a:effectRef>
+      <a:fontRef idx="minor"/>
+    </dgm:style>
+  </dgm:styleLbl>
+  <dgm:styleLbl name="parChTrans1D2">
+    <dgm:scene3d>
+      <a:camera prst="orthographicFront"/>
+      <a:lightRig rig="threePt" dir="t"/>
+    </dgm:scene3d>
+    <dgm:sp3d z="-40000" prstMaterial="matte"/>
+    <dgm:txPr/>
+    <dgm:style>
+      <a:lnRef idx="2">
+        <a:scrgbClr r="0" g="0" b="0"/>
+      </a:lnRef>
+      <a:fillRef idx="0">
+        <a:scrgbClr r="0" g="0" b="0"/>
+      </a:fillRef>
+      <a:effectRef idx="0">
+        <a:scrgbClr r="0" g="0" b="0"/>
+      </a:effectRef>
+      <a:fontRef idx="minor"/>
+    </dgm:style>
+  </dgm:styleLbl>
+  <dgm:styleLbl name="parChTrans1D3">
+    <dgm:scene3d>
+      <a:camera prst="orthographicFront"/>
+      <a:lightRig rig="chilly" dir="t"/>
+    </dgm:scene3d>
+    <dgm:sp3d z="-40000" prstMaterial="matte"/>
+    <dgm:txPr/>
+    <dgm:style>
+      <a:lnRef idx="2">
+        <a:scrgbClr r="0" g="0" b="0"/>
+      </a:lnRef>
+      <a:fillRef idx="0">
+        <a:scrgbClr r="0" g="0" b="0"/>
+      </a:fillRef>
+      <a:effectRef idx="0">
+        <a:scrgbClr r="0" g="0" b="0"/>
+      </a:effectRef>
+      <a:fontRef idx="minor"/>
+    </dgm:style>
+  </dgm:styleLbl>
+  <dgm:styleLbl name="parChTrans1D4">
+    <dgm:scene3d>
+      <a:camera prst="orthographicFront"/>
+      <a:lightRig rig="chilly" dir="t"/>
+    </dgm:scene3d>
+    <dgm:sp3d z="-40000" prstMaterial="matte"/>
+    <dgm:txPr/>
+    <dgm:style>
+      <a:lnRef idx="2">
+        <a:scrgbClr r="0" g="0" b="0"/>
+      </a:lnRef>
+      <a:fillRef idx="0">
+        <a:scrgbClr r="0" g="0" b="0"/>
+      </a:fillRef>
+      <a:effectRef idx="0">
+        <a:scrgbClr r="0" g="0" b="0"/>
+      </a:effectRef>
+      <a:fontRef idx="minor"/>
+    </dgm:style>
+  </dgm:styleLbl>
+  <dgm:styleLbl name="fgAcc1">
+    <dgm:scene3d>
+      <a:camera prst="orthographicFront"/>
+      <a:lightRig rig="chilly" dir="t"/>
+    </dgm:scene3d>
+    <dgm:sp3d z="12700" extrusionH="1700" prstMaterial="dkEdge">
+      <a:bevelT w="25400" h="6350" prst="softRound"/>
+      <a:bevelB w="0" h="0" prst="convex"/>
+    </dgm:sp3d>
+    <dgm:txPr/>
+    <dgm:style>
+      <a:lnRef idx="1">
+        <a:scrgbClr r="0" g="0" b="0"/>
+      </a:lnRef>
+      <a:fillRef idx="1">
+        <a:scrgbClr r="0" g="0" b="0"/>
+      </a:fillRef>
+      <a:effectRef idx="0">
+        <a:scrgbClr r="0" g="0" b="0"/>
+      </a:effectRef>
+      <a:fontRef idx="minor"/>
+    </dgm:style>
+  </dgm:styleLbl>
+  <dgm:styleLbl name="conFgAcc1">
+    <dgm:scene3d>
+      <a:camera prst="orthographicFront"/>
+      <a:lightRig rig="chilly" dir="t"/>
+    </dgm:scene3d>
+    <dgm:sp3d z="12700" extrusionH="1700" prstMaterial="dkEdge">
+      <a:bevelT w="25400" h="6350" prst="softRound"/>
+      <a:bevelB w="0" h="0" prst="convex"/>
+    </dgm:sp3d>
+    <dgm:txPr/>
+    <dgm:style>
+      <a:lnRef idx="1">
+        <a:scrgbClr r="0" g="0" b="0"/>
+      </a:lnRef>
+      <a:fillRef idx="1">
+        <a:scrgbClr r="0" g="0" b="0"/>
+      </a:fillRef>
+      <a:effectRef idx="0">
+        <a:scrgbClr r="0" g="0" b="0"/>
+      </a:effectRef>
+      <a:fontRef idx="minor"/>
+    </dgm:style>
+  </dgm:styleLbl>
+  <dgm:styleLbl name="alignAcc1">
+    <dgm:scene3d>
+      <a:camera prst="orthographicFront"/>
+      <a:lightRig rig="chilly" dir="t"/>
+    </dgm:scene3d>
+    <dgm:sp3d prstMaterial="dkEdge">
+      <a:bevelT w="25400" h="6350" prst="softRound"/>
+      <a:bevelB w="0" h="0" prst="convex"/>
+    </dgm:sp3d>
+    <dgm:txPr/>
+    <dgm:style>
+      <a:lnRef idx="1">
+        <a:scrgbClr r="0" g="0" b="0"/>
+      </a:lnRef>
+      <a:fillRef idx="1">
+        <a:scrgbClr r="0" g="0" b="0"/>
+      </a:fillRef>
+      <a:effectRef idx="0">
+        <a:scrgbClr r="0" g="0" b="0"/>
+      </a:effectRef>
+      <a:fontRef idx="minor"/>
+    </dgm:style>
+  </dgm:styleLbl>
+  <dgm:styleLbl name="trAlignAcc1">
+    <dgm:scene3d>
+      <a:camera prst="orthographicFront"/>
+      <a:lightRig rig="chilly" dir="t"/>
+    </dgm:scene3d>
+    <dgm:sp3d prstMaterial="dkEdge">
+      <a:bevelT w="127000" h="25400"/>
+    </dgm:sp3d>
+    <dgm:txPr/>
+    <dgm:style>
+      <a:lnRef idx="1">
+        <a:scrgbClr r="0" g="0" b="0"/>
+      </a:lnRef>
+      <a:fillRef idx="1">
+        <a:scrgbClr r="0" g="0" b="0"/>
+      </a:fillRef>
+      <a:effectRef idx="0">
+        <a:scrgbClr r="0" g="0" b="0"/>
+      </a:effectRef>
+      <a:fontRef idx="minor">
+        <a:schemeClr val="lt1"/>
+      </a:fontRef>
+    </dgm:style>
+  </dgm:styleLbl>
+  <dgm:styleLbl name="bgAcc1">
+    <dgm:scene3d>
+      <a:camera prst="orthographicFront"/>
+      <a:lightRig rig="chilly" dir="t"/>
+    </dgm:scene3d>
+    <dgm:sp3d z="-12700" extrusionH="1700" prstMaterial="dkEdge">
+      <a:bevelT w="25400" h="6350" prst="softRound"/>
+      <a:bevelB w="0" h="0" prst="convex"/>
+    </dgm:sp3d>
+    <dgm:txPr/>
+    <dgm:style>
+      <a:lnRef idx="1">
+        <a:scrgbClr r="0" g="0" b="0"/>
+      </a:lnRef>
+      <a:fillRef idx="1">
+        <a:scrgbClr r="0" g="0" b="0"/>
+      </a:fillRef>
+      <a:effectRef idx="0">
+        <a:scrgbClr r="0" g="0" b="0"/>
+      </a:effectRef>
+      <a:fontRef idx="minor"/>
+    </dgm:style>
+  </dgm:styleLbl>
+  <dgm:styleLbl name="solidFgAcc1">
+    <dgm:scene3d>
+      <a:camera prst="orthographicFront"/>
+      <a:lightRig rig="chilly" dir="t"/>
+    </dgm:scene3d>
+    <dgm:sp3d z="12700" extrusionH="1700" prstMaterial="dkEdge">
+      <a:bevelT w="25400" h="6350" prst="softRound"/>
+      <a:bevelB w="0" h="0" prst="convex"/>
+    </dgm:sp3d>
+    <dgm:txPr/>
+    <dgm:style>
+      <a:lnRef idx="1">
+        <a:scrgbClr r="0" g="0" b="0"/>
+      </a:lnRef>
+      <a:fillRef idx="1">
+        <a:scrgbClr r="0" g="0" b="0"/>
+      </a:fillRef>
+      <a:effectRef idx="0">
+        <a:scrgbClr r="0" g="0" b="0"/>
+      </a:effectRef>
+      <a:fontRef idx="minor"/>
+    </dgm:style>
+  </dgm:styleLbl>
+  <dgm:styleLbl name="solidAlignAcc1">
+    <dgm:scene3d>
+      <a:camera prst="orthographicFront"/>
+      <a:lightRig rig="chilly" dir="t"/>
+    </dgm:scene3d>
+    <dgm:sp3d extrusionH="1700" prstMaterial="dkEdge">
+      <a:bevelT w="25400" h="6350" prst="softRound"/>
+      <a:bevelB w="0" h="0" prst="convex"/>
+    </dgm:sp3d>
+    <dgm:txPr/>
+    <dgm:style>
+      <a:lnRef idx="1">
+        <a:scrgbClr r="0" g="0" b="0"/>
+      </a:lnRef>
+      <a:fillRef idx="1">
+        <a:scrgbClr r="0" g="0" b="0"/>
+      </a:fillRef>
+      <a:effectRef idx="0">
+        <a:scrgbClr r="0" g="0" b="0"/>
+      </a:effectRef>
+      <a:fontRef idx="minor"/>
+    </dgm:style>
+  </dgm:styleLbl>
+  <dgm:styleLbl name="solidBgAcc1">
+    <dgm:scene3d>
+      <a:camera prst="orthographicFront"/>
+      <a:lightRig rig="chilly" dir="t"/>
+    </dgm:scene3d>
+    <dgm:sp3d z="-12700" extrusionH="1700" prstMaterial="dkEdge">
+      <a:bevelT w="25400" h="6350" prst="softRound"/>
+      <a:bevelB w="0" h="0" prst="convex"/>
+    </dgm:sp3d>
+    <dgm:txPr/>
+    <dgm:style>
+      <a:lnRef idx="1">
+        <a:scrgbClr r="0" g="0" b="0"/>
+      </a:lnRef>
+      <a:fillRef idx="1">
+        <a:scrgbClr r="0" g="0" b="0"/>
+      </a:fillRef>
+      <a:effectRef idx="0">
+        <a:scrgbClr r="0" g="0" b="0"/>
+      </a:effectRef>
+      <a:fontRef idx="minor"/>
+    </dgm:style>
+  </dgm:styleLbl>
+  <dgm:styleLbl name="fgAccFollowNode1">
+    <dgm:scene3d>
+      <a:camera prst="orthographicFront"/>
+      <a:lightRig rig="chilly" dir="t"/>
+    </dgm:scene3d>
+    <dgm:sp3d z="12700" extrusionH="1700" prstMaterial="dkEdge">
+      <a:bevelT w="25400" h="6350" prst="softRound"/>
+      <a:bevelB w="0" h="0" prst="convex"/>
+    </dgm:sp3d>
+    <dgm:txPr/>
+    <dgm:style>
+      <a:lnRef idx="1">
+        <a:scrgbClr r="0" g="0" b="0"/>
+      </a:lnRef>
+      <a:fillRef idx="1">
+        <a:scrgbClr r="0" g="0" b="0"/>
+      </a:fillRef>
+      <a:effectRef idx="0">
+        <a:scrgbClr r="0" g="0" b="0"/>
+      </a:effectRef>
+      <a:fontRef idx="minor"/>
+    </dgm:style>
+  </dgm:styleLbl>
+  <dgm:styleLbl name="alignAccFollowNode1">
+    <dgm:scene3d>
+      <a:camera prst="orthographicFront"/>
+      <a:lightRig rig="chilly" dir="t"/>
+    </dgm:scene3d>
+    <dgm:sp3d extrusionH="1700" prstMaterial="dkEdge">
+      <a:bevelT w="25400" h="6350" prst="softRound"/>
+      <a:bevelB w="0" h="0" prst="convex"/>
+    </dgm:sp3d>
+    <dgm:txPr/>
+    <dgm:style>
+      <a:lnRef idx="1">
+        <a:scrgbClr r="0" g="0" b="0"/>
+      </a:lnRef>
+      <a:fillRef idx="1">
+        <a:scrgbClr r="0" g="0" b="0"/>
+      </a:fillRef>
+      <a:effectRef idx="0">
+        <a:scrgbClr r="0" g="0" b="0"/>
+      </a:effectRef>
+      <a:fontRef idx="minor"/>
+    </dgm:style>
+  </dgm:styleLbl>
+  <dgm:styleLbl name="bgAccFollowNode1">
+    <dgm:scene3d>
+      <a:camera prst="orthographicFront"/>
+      <a:lightRig rig="chilly" dir="t"/>
+    </dgm:scene3d>
+    <dgm:sp3d z="-12700" extrusionH="1700" prstMaterial="dkEdge">
+      <a:bevelT w="25400" h="6350" prst="softRound"/>
+      <a:bevelB w="0" h="0" prst="convex"/>
+    </dgm:sp3d>
+    <dgm:txPr/>
+    <dgm:style>
+      <a:lnRef idx="1">
+        <a:scrgbClr r="0" g="0" b="0"/>
+      </a:lnRef>
+      <a:fillRef idx="1">
+        <a:scrgbClr r="0" g="0" b="0"/>
+      </a:fillRef>
+      <a:effectRef idx="0">
+        <a:scrgbClr r="0" g="0" b="0"/>
+      </a:effectRef>
+      <a:fontRef idx="minor"/>
+    </dgm:style>
+  </dgm:styleLbl>
+  <dgm:styleLbl name="fgAcc0">
+    <dgm:scene3d>
+      <a:camera prst="orthographicFront"/>
+      <a:lightRig rig="chilly" dir="t"/>
+    </dgm:scene3d>
+    <dgm:sp3d z="12700" extrusionH="1700" prstMaterial="dkEdge">
+      <a:bevelT w="25400" h="6350" prst="softRound"/>
+      <a:bevelB w="0" h="0" prst="convex"/>
+    </dgm:sp3d>
+    <dgm:txPr/>
+    <dgm:style>
+      <a:lnRef idx="1">
+        <a:scrgbClr r="0" g="0" b="0"/>
+      </a:lnRef>
+      <a:fillRef idx="1">
+        <a:scrgbClr r="0" g="0" b="0"/>
+      </a:fillRef>
+      <a:effectRef idx="0">
+        <a:scrgbClr r="0" g="0" b="0"/>
+      </a:effectRef>
+      <a:fontRef idx="minor"/>
+    </dgm:style>
+  </dgm:styleLbl>
+  <dgm:styleLbl name="fgAcc2">
+    <dgm:scene3d>
+      <a:camera prst="orthographicFront"/>
+      <a:lightRig rig="chilly" dir="t"/>
+    </dgm:scene3d>
+    <dgm:sp3d z="12700" extrusionH="1700" prstMaterial="dkEdge">
+      <a:bevelT w="25400" h="6350" prst="softRound"/>
+      <a:bevelB w="0" h="0" prst="convex"/>
+    </dgm:sp3d>
+    <dgm:txPr/>
+    <dgm:style>
+      <a:lnRef idx="1">
+        <a:scrgbClr r="0" g="0" b="0"/>
+      </a:lnRef>
+      <a:fillRef idx="1">
+        <a:scrgbClr r="0" g="0" b="0"/>
+      </a:fillRef>
+      <a:effectRef idx="0">
+        <a:scrgbClr r="0" g="0" b="0"/>
+      </a:effectRef>
+      <a:fontRef idx="minor"/>
+    </dgm:style>
+  </dgm:styleLbl>
+  <dgm:styleLbl name="fgAcc3">
+    <dgm:scene3d>
+      <a:camera prst="orthographicFront"/>
+      <a:lightRig rig="chilly" dir="t"/>
+    </dgm:scene3d>
+    <dgm:sp3d z="12700" extrusionH="1700" prstMaterial="dkEdge">
+      <a:bevelT w="25400" h="6350" prst="softRound"/>
+      <a:bevelB w="0" h="0" prst="convex"/>
+    </dgm:sp3d>
+    <dgm:txPr/>
+    <dgm:style>
+      <a:lnRef idx="1">
+        <a:scrgbClr r="0" g="0" b="0"/>
+      </a:lnRef>
+      <a:fillRef idx="1">
+        <a:scrgbClr r="0" g="0" b="0"/>
+      </a:fillRef>
+      <a:effectRef idx="0">
+        <a:scrgbClr r="0" g="0" b="0"/>
+      </a:effectRef>
+      <a:fontRef idx="minor"/>
+    </dgm:style>
+  </dgm:styleLbl>
+  <dgm:styleLbl name="fgAcc4">
+    <dgm:scene3d>
+      <a:camera prst="orthographicFront"/>
+      <a:lightRig rig="chilly" dir="t"/>
+    </dgm:scene3d>
+    <dgm:sp3d z="12700" extrusionH="1700" prstMaterial="dkEdge">
+      <a:bevelT w="25400" h="6350" prst="softRound"/>
+      <a:bevelB w="0" h="0" prst="convex"/>
+    </dgm:sp3d>
+    <dgm:txPr/>
+    <dgm:style>
+      <a:lnRef idx="1">
+        <a:scrgbClr r="0" g="0" b="0"/>
+      </a:lnRef>
+      <a:fillRef idx="1">
+        <a:scrgbClr r="0" g="0" b="0"/>
+      </a:fillRef>
+      <a:effectRef idx="0">
+        <a:scrgbClr r="0" g="0" b="0"/>
+      </a:effectRef>
+      <a:fontRef idx="minor"/>
+    </dgm:style>
+  </dgm:styleLbl>
+  <dgm:styleLbl name="bgShp">
+    <dgm:scene3d>
+      <a:camera prst="orthographicFront"/>
+      <a:lightRig rig="chilly" dir="t"/>
+    </dgm:scene3d>
+    <dgm:sp3d z="-12700" extrusionH="1700" prstMaterial="translucentPowder">
+      <a:bevelT w="25400" h="6350" prst="softRound"/>
+      <a:bevelB w="0" h="0" prst="convex"/>
+    </dgm:sp3d>
+    <dgm:txPr/>
+    <dgm:style>
+      <a:lnRef idx="0">
+        <a:scrgbClr r="0" g="0" b="0"/>
+      </a:lnRef>
+      <a:fillRef idx="1">
+        <a:scrgbClr r="0" g="0" b="0"/>
+      </a:fillRef>
+      <a:effectRef idx="0">
+        <a:scrgbClr r="0" g="0" b="0"/>
+      </a:effectRef>
+      <a:fontRef idx="minor"/>
+    </dgm:style>
+  </dgm:styleLbl>
+  <dgm:styleLbl name="dkBgShp">
+    <dgm:scene3d>
+      <a:camera prst="orthographicFront"/>
+      <a:lightRig rig="chilly" dir="t"/>
+    </dgm:scene3d>
+    <dgm:sp3d extrusionH="1700" prstMaterial="translucentPowder">
+      <a:bevelT w="25400" h="6350" prst="softRound"/>
+      <a:bevelB w="0" h="0" prst="convex"/>
+    </dgm:sp3d>
+    <dgm:txPr/>
+    <dgm:style>
+      <a:lnRef idx="0">
+        <a:scrgbClr r="0" g="0" b="0"/>
+      </a:lnRef>
+      <a:fillRef idx="1">
+        <a:scrgbClr r="0" g="0" b="0"/>
+      </a:fillRef>
+      <a:effectRef idx="0">
+        <a:scrgbClr r="0" g="0" b="0"/>
+      </a:effectRef>
+      <a:fontRef idx="minor"/>
+    </dgm:style>
+  </dgm:styleLbl>
+  <dgm:styleLbl name="trBgShp">
+    <dgm:scene3d>
+      <a:camera prst="orthographicFront"/>
+      <a:lightRig rig="chilly" dir="t"/>
+    </dgm:scene3d>
+    <dgm:sp3d z="-152400" prstMaterial="matte"/>
+    <dgm:txPr/>
+    <dgm:style>
+      <a:lnRef idx="0">
+        <a:scrgbClr r="0" g="0" b="0"/>
+      </a:lnRef>
+      <a:fillRef idx="1">
+        <a:scrgbClr r="0" g="0" b="0"/>
+      </a:fillRef>
+      <a:effectRef idx="0">
+        <a:scrgbClr r="0" g="0" b="0"/>
+      </a:effectRef>
+      <a:fontRef idx="minor"/>
+    </dgm:style>
+  </dgm:styleLbl>
+  <dgm:styleLbl name="fgShp">
+    <dgm:scene3d>
+      <a:camera prst="orthographicFront"/>
+      <a:lightRig rig="chilly" dir="t"/>
+    </dgm:scene3d>
+    <dgm:sp3d z="12700" extrusionH="1700" prstMaterial="translucentPowder">
+      <a:bevelT w="25400" h="6350" prst="softRound"/>
+      <a:bevelB w="0" h="0" prst="convex"/>
+    </dgm:sp3d>
+    <dgm:txPr/>
+    <dgm:style>
+      <a:lnRef idx="0">
+        <a:scrgbClr r="0" g="0" b="0"/>
+      </a:lnRef>
+      <a:fillRef idx="1">
+        <a:scrgbClr r="0" g="0" b="0"/>
+      </a:fillRef>
+      <a:effectRef idx="0">
+        <a:scrgbClr r="0" g="0" b="0"/>
+      </a:effectRef>
+      <a:fontRef idx="minor"/>
+    </dgm:style>
+  </dgm:styleLbl>
+  <dgm:styleLbl name="revTx">
+    <dgm:scene3d>
+      <a:camera prst="orthographicFront"/>
+      <a:lightRig rig="threePt" dir="t"/>
+    </dgm:scene3d>
+    <dgm:sp3d/>
+    <dgm:txPr/>
+    <dgm:style>
+      <a:lnRef idx="0">
+        <a:scrgbClr r="0" g="0" b="0"/>
+      </a:lnRef>
+      <a:fillRef idx="0">
+        <a:scrgbClr r="0" g="0" b="0"/>
+      </a:fillRef>
+      <a:effectRef idx="0">
+        <a:scrgbClr r="0" g="0" b="0"/>
+      </a:effectRef>
+      <a:fontRef idx="minor"/>
+    </dgm:style>
+  </dgm:styleLbl>
+</dgm:styleDef>
+</file>
+
+<file path=ppt/diagrams/quickStyle3.xml><?xml version="1.0" encoding="utf-8"?>
 <dgm:styleDef xmlns:dgm="http://schemas.openxmlformats.org/drawingml/2006/diagram" xmlns:a="http://schemas.openxmlformats.org/drawingml/2006/main" uniqueId="urn:microsoft.com/office/officeart/2005/8/quickstyle/3d4">
   <dgm:title val=""/>
   <dgm:desc val=""/>
@@ -12306,6 +15450,355 @@
 </p:sld>
 </file>
 
+<file path=ppt/slides/slide10.xml><?xml version="1.0" encoding="utf-8"?>
+<p:sld xmlns:a="http://schemas.openxmlformats.org/drawingml/2006/main" xmlns:r="http://schemas.openxmlformats.org/officeDocument/2006/relationships" xmlns:p="http://schemas.openxmlformats.org/presentationml/2006/main">
+  <p:cSld>
+    <p:spTree>
+      <p:nvGrpSpPr>
+        <p:cNvPr id="1" name=""/>
+        <p:cNvGrpSpPr/>
+        <p:nvPr/>
+      </p:nvGrpSpPr>
+      <p:grpSpPr>
+        <a:xfrm>
+          <a:off x="0" y="0"/>
+          <a:ext cx="0" cy="0"/>
+          <a:chOff x="0" y="0"/>
+          <a:chExt cx="0" cy="0"/>
+        </a:xfrm>
+      </p:grpSpPr>
+      <p:sp>
+        <p:nvSpPr>
+          <p:cNvPr id="4" name="Title 3">
+            <a:extLst>
+              <a:ext uri="{FF2B5EF4-FFF2-40B4-BE49-F238E27FC236}">
+                <a16:creationId xmlns:a16="http://schemas.microsoft.com/office/drawing/2014/main" id="{ADB6C19B-93DD-486F-B2D4-804E7793B907}"/>
+              </a:ext>
+            </a:extLst>
+          </p:cNvPr>
+          <p:cNvSpPr>
+            <a:spLocks noGrp="1"/>
+          </p:cNvSpPr>
+          <p:nvPr>
+            <p:ph type="title"/>
+          </p:nvPr>
+        </p:nvSpPr>
+        <p:spPr>
+          <a:xfrm>
+            <a:off x="1371600" y="685800"/>
+            <a:ext cx="9601200" cy="1485900"/>
+          </a:xfrm>
+        </p:spPr>
+        <p:txBody>
+          <a:bodyPr/>
+          <a:lstStyle/>
+          <a:p>
+            <a:r>
+              <a:rPr lang="es-AR" dirty="0"/>
+              <a:t>Acelerómetro</a:t>
+            </a:r>
+          </a:p>
+        </p:txBody>
+      </p:sp>
+      <p:sp>
+        <p:nvSpPr>
+          <p:cNvPr id="6" name="Content Placeholder 5">
+            <a:extLst>
+              <a:ext uri="{FF2B5EF4-FFF2-40B4-BE49-F238E27FC236}">
+                <a16:creationId xmlns:a16="http://schemas.microsoft.com/office/drawing/2014/main" id="{20C32188-2492-45E8-8B75-8A2584607599}"/>
+              </a:ext>
+            </a:extLst>
+          </p:cNvPr>
+          <p:cNvSpPr>
+            <a:spLocks noGrp="1"/>
+          </p:cNvSpPr>
+          <p:nvPr>
+            <p:ph sz="half" idx="2"/>
+          </p:nvPr>
+        </p:nvSpPr>
+        <p:spPr>
+          <a:xfrm>
+            <a:off x="1613581" y="1835019"/>
+            <a:ext cx="4851919" cy="4337181"/>
+          </a:xfrm>
+        </p:spPr>
+        <p:txBody>
+          <a:bodyPr/>
+          <a:lstStyle/>
+          <a:p>
+            <a:r>
+              <a:rPr lang="es-AR" dirty="0"/>
+              <a:t>Módulo </a:t>
+            </a:r>
+            <a:r>
+              <a:rPr lang="es-AR" dirty="0" err="1"/>
+              <a:t>accelerometer</a:t>
+            </a:r>
+            <a:r>
+              <a:rPr lang="es-AR" dirty="0"/>
+              <a:t>: es la capa de abstracción HAL. Avisa cuándo hay nueva información del acelerómetro y devuelve información procesada del mismo.</a:t>
+            </a:r>
+          </a:p>
+          <a:p>
+            <a:r>
+              <a:rPr lang="es-AR" dirty="0"/>
+              <a:t>Módulo </a:t>
+            </a:r>
+            <a:r>
+              <a:rPr lang="en-US" dirty="0"/>
+              <a:t>FXOS8700CQ: </a:t>
+            </a:r>
+            <a:r>
+              <a:rPr lang="en-US" dirty="0" err="1"/>
+              <a:t>interfacea</a:t>
+            </a:r>
+            <a:r>
+              <a:rPr lang="en-US" dirty="0"/>
+              <a:t> la HAL con el driver de I2C. </a:t>
+            </a:r>
+            <a:r>
+              <a:rPr lang="en-US" dirty="0" err="1"/>
+              <a:t>Inicializa</a:t>
+            </a:r>
+            <a:r>
+              <a:rPr lang="en-US" dirty="0"/>
+              <a:t> a </a:t>
+            </a:r>
+            <a:r>
+              <a:rPr lang="en-US" dirty="0" err="1"/>
+              <a:t>través</a:t>
+            </a:r>
+            <a:r>
+              <a:rPr lang="en-US" dirty="0"/>
+              <a:t> de I2C el </a:t>
+            </a:r>
+            <a:r>
+              <a:rPr lang="en-US" dirty="0" err="1"/>
+              <a:t>acelerómetro</a:t>
+            </a:r>
+            <a:r>
+              <a:rPr lang="en-US" dirty="0"/>
+              <a:t> y lee sus </a:t>
+            </a:r>
+            <a:r>
+              <a:rPr lang="en-US" dirty="0" err="1"/>
+              <a:t>registros</a:t>
+            </a:r>
+            <a:r>
+              <a:rPr lang="en-US" dirty="0"/>
+              <a:t>.</a:t>
+            </a:r>
+          </a:p>
+          <a:p>
+            <a:r>
+              <a:rPr lang="en-US" dirty="0" err="1"/>
+              <a:t>Módulo</a:t>
+            </a:r>
+            <a:r>
+              <a:rPr lang="en-US" dirty="0"/>
+              <a:t> I2C: </a:t>
+            </a:r>
+            <a:r>
+              <a:rPr lang="en-US" dirty="0" err="1"/>
+              <a:t>comunica</a:t>
+            </a:r>
+            <a:r>
+              <a:rPr lang="en-US" dirty="0"/>
+              <a:t> el </a:t>
+            </a:r>
+            <a:r>
+              <a:rPr lang="en-US" dirty="0" err="1"/>
+              <a:t>acelerómetro</a:t>
+            </a:r>
+            <a:r>
+              <a:rPr lang="en-US" dirty="0"/>
+              <a:t> (</a:t>
+            </a:r>
+            <a:r>
+              <a:rPr lang="es-AR" dirty="0"/>
+              <a:t>FRDM-K64F</a:t>
+            </a:r>
+            <a:r>
+              <a:rPr lang="en-US" dirty="0"/>
+              <a:t>) con la </a:t>
+            </a:r>
+            <a:r>
+              <a:rPr lang="en-US" dirty="0" err="1"/>
+              <a:t>Kinetis</a:t>
+            </a:r>
+            <a:r>
+              <a:rPr lang="en-US" dirty="0"/>
+              <a:t>.</a:t>
+            </a:r>
+            <a:endParaRPr lang="es-AR" dirty="0"/>
+          </a:p>
+        </p:txBody>
+      </p:sp>
+      <p:graphicFrame>
+        <p:nvGraphicFramePr>
+          <p:cNvPr id="12" name="Diagrama 2">
+            <a:extLst>
+              <a:ext uri="{FF2B5EF4-FFF2-40B4-BE49-F238E27FC236}">
+                <a16:creationId xmlns:a16="http://schemas.microsoft.com/office/drawing/2014/main" id="{412DFB86-86AC-4AFD-BED2-1FEA545F1862}"/>
+              </a:ext>
+            </a:extLst>
+          </p:cNvPr>
+          <p:cNvGraphicFramePr/>
+          <p:nvPr>
+            <p:extLst>
+              <p:ext uri="{D42A27DB-BD31-4B8C-83A1-F6EECF244321}">
+                <p14:modId xmlns:p14="http://schemas.microsoft.com/office/powerpoint/2010/main" val="971153016"/>
+              </p:ext>
+            </p:extLst>
+          </p:nvPr>
+        </p:nvGraphicFramePr>
+        <p:xfrm>
+          <a:off x="6707481" y="540425"/>
+          <a:ext cx="4265319" cy="5777149"/>
+        </p:xfrm>
+        <a:graphic>
+          <a:graphicData uri="http://schemas.openxmlformats.org/drawingml/2006/diagram">
+            <dgm:relIds xmlns:dgm="http://schemas.openxmlformats.org/drawingml/2006/diagram" xmlns:r="http://schemas.openxmlformats.org/officeDocument/2006/relationships" r:dm="rId2" r:lo="rId3" r:qs="rId4" r:cs="rId5"/>
+          </a:graphicData>
+        </a:graphic>
+      </p:graphicFrame>
+    </p:spTree>
+    <p:extLst>
+      <p:ext uri="{BB962C8B-B14F-4D97-AF65-F5344CB8AC3E}">
+        <p14:creationId xmlns:p14="http://schemas.microsoft.com/office/powerpoint/2010/main" val="3953776280"/>
+      </p:ext>
+    </p:extLst>
+  </p:cSld>
+  <p:clrMapOvr>
+    <a:masterClrMapping/>
+  </p:clrMapOvr>
+</p:sld>
+</file>
+
+<file path=ppt/slides/slide11.xml><?xml version="1.0" encoding="utf-8"?>
+<p:sld xmlns:a="http://schemas.openxmlformats.org/drawingml/2006/main" xmlns:r="http://schemas.openxmlformats.org/officeDocument/2006/relationships" xmlns:p="http://schemas.openxmlformats.org/presentationml/2006/main">
+  <p:cSld>
+    <p:spTree>
+      <p:nvGrpSpPr>
+        <p:cNvPr id="1" name=""/>
+        <p:cNvGrpSpPr/>
+        <p:nvPr/>
+      </p:nvGrpSpPr>
+      <p:grpSpPr>
+        <a:xfrm>
+          <a:off x="0" y="0"/>
+          <a:ext cx="0" cy="0"/>
+          <a:chOff x="0" y="0"/>
+          <a:chExt cx="0" cy="0"/>
+        </a:xfrm>
+      </p:grpSpPr>
+      <p:pic>
+        <p:nvPicPr>
+          <p:cNvPr id="5" name="Picture 4">
+            <a:extLst>
+              <a:ext uri="{FF2B5EF4-FFF2-40B4-BE49-F238E27FC236}">
+                <a16:creationId xmlns:a16="http://schemas.microsoft.com/office/drawing/2014/main" id="{06C528F2-8CBA-4D27-8AFD-D2D401B151C9}"/>
+              </a:ext>
+            </a:extLst>
+          </p:cNvPr>
+          <p:cNvPicPr>
+            <a:picLocks noChangeAspect="1"/>
+          </p:cNvPicPr>
+          <p:nvPr/>
+        </p:nvPicPr>
+        <p:blipFill>
+          <a:blip r:embed="rId2"/>
+          <a:stretch>
+            <a:fillRect/>
+          </a:stretch>
+        </p:blipFill>
+        <p:spPr>
+          <a:xfrm>
+            <a:off x="5546746" y="28472"/>
+            <a:ext cx="6096001" cy="6801055"/>
+          </a:xfrm>
+          <a:prstGeom prst="rect">
+            <a:avLst/>
+          </a:prstGeom>
+        </p:spPr>
+      </p:pic>
+      <p:pic>
+        <p:nvPicPr>
+          <p:cNvPr id="6" name="Picture 5">
+            <a:extLst>
+              <a:ext uri="{FF2B5EF4-FFF2-40B4-BE49-F238E27FC236}">
+                <a16:creationId xmlns:a16="http://schemas.microsoft.com/office/drawing/2014/main" id="{2F5030C9-BC8F-4598-829C-E929536DB030}"/>
+              </a:ext>
+            </a:extLst>
+          </p:cNvPr>
+          <p:cNvPicPr>
+            <a:picLocks noChangeAspect="1"/>
+          </p:cNvPicPr>
+          <p:nvPr/>
+        </p:nvPicPr>
+        <p:blipFill>
+          <a:blip r:embed="rId3"/>
+          <a:stretch>
+            <a:fillRect/>
+          </a:stretch>
+        </p:blipFill>
+        <p:spPr>
+          <a:xfrm>
+            <a:off x="1128962" y="3619351"/>
+            <a:ext cx="3045595" cy="1485042"/>
+          </a:xfrm>
+          <a:prstGeom prst="rect">
+            <a:avLst/>
+          </a:prstGeom>
+        </p:spPr>
+      </p:pic>
+      <p:sp>
+        <p:nvSpPr>
+          <p:cNvPr id="7" name="Title 3">
+            <a:extLst>
+              <a:ext uri="{FF2B5EF4-FFF2-40B4-BE49-F238E27FC236}">
+                <a16:creationId xmlns:a16="http://schemas.microsoft.com/office/drawing/2014/main" id="{232AF6AD-C5B1-4F78-B40F-4A56E0BFFE0D}"/>
+              </a:ext>
+            </a:extLst>
+          </p:cNvPr>
+          <p:cNvSpPr>
+            <a:spLocks noGrp="1"/>
+          </p:cNvSpPr>
+          <p:nvPr>
+            <p:ph type="title"/>
+          </p:nvPr>
+        </p:nvSpPr>
+        <p:spPr>
+          <a:xfrm>
+            <a:off x="549253" y="1752749"/>
+            <a:ext cx="4542700" cy="1485900"/>
+          </a:xfrm>
+        </p:spPr>
+        <p:txBody>
+          <a:bodyPr/>
+          <a:lstStyle/>
+          <a:p>
+            <a:r>
+              <a:rPr lang="es-AR" dirty="0" err="1"/>
+              <a:t>accelerometer.h</a:t>
+            </a:r>
+            <a:endParaRPr lang="es-AR" dirty="0"/>
+          </a:p>
+        </p:txBody>
+      </p:sp>
+    </p:spTree>
+    <p:extLst>
+      <p:ext uri="{BB962C8B-B14F-4D97-AF65-F5344CB8AC3E}">
+        <p14:creationId xmlns:p14="http://schemas.microsoft.com/office/powerpoint/2010/main" val="2762447621"/>
+      </p:ext>
+    </p:extLst>
+  </p:cSld>
+  <p:clrMapOvr>
+    <a:masterClrMapping/>
+  </p:clrMapOvr>
+</p:sld>
+</file>
+
 <file path=ppt/slides/slide2.xml><?xml version="1.0" encoding="utf-8"?>
 <p:sld xmlns:a="http://schemas.openxmlformats.org/drawingml/2006/main" xmlns:r="http://schemas.openxmlformats.org/officeDocument/2006/relationships" xmlns:p="http://schemas.openxmlformats.org/presentationml/2006/main">
   <p:cSld>
@@ -13252,7 +16745,7 @@
           <a:p>
             <a:r>
               <a:rPr lang="es-AR" dirty="0"/>
-              <a:t>I2C</a:t>
+              <a:t>I2C driver</a:t>
             </a:r>
           </a:p>
         </p:txBody>
@@ -13612,9 +17105,18 @@
           <a:p>
             <a:pPr algn="ctr"/>
             <a:r>
+              <a:rPr lang="en-US" sz="6000" dirty="0"/>
+              <a:t>i2c</a:t>
+            </a:r>
+            <a:r>
               <a:rPr lang="en-US" sz="6000" cap="all" dirty="0"/>
-              <a:t>I2C.H</a:t>
+              <a:t>.</a:t>
             </a:r>
+            <a:r>
+              <a:rPr lang="en-US" sz="6000" dirty="0"/>
+              <a:t>h</a:t>
+            </a:r>
+            <a:endParaRPr lang="en-US" sz="6000" cap="all" dirty="0"/>
           </a:p>
         </p:txBody>
       </p:sp>
@@ -13652,6 +17154,129 @@
     <p:extLst>
       <p:ext uri="{BB962C8B-B14F-4D97-AF65-F5344CB8AC3E}">
         <p14:creationId xmlns:p14="http://schemas.microsoft.com/office/powerpoint/2010/main" val="286731620"/>
+      </p:ext>
+    </p:extLst>
+  </p:cSld>
+  <p:clrMapOvr>
+    <a:masterClrMapping/>
+  </p:clrMapOvr>
+</p:sld>
+</file>
+
+<file path=ppt/slides/slide9.xml><?xml version="1.0" encoding="utf-8"?>
+<p:sld xmlns:a="http://schemas.openxmlformats.org/drawingml/2006/main" xmlns:r="http://schemas.openxmlformats.org/officeDocument/2006/relationships" xmlns:p="http://schemas.openxmlformats.org/presentationml/2006/main">
+  <p:cSld>
+    <p:spTree>
+      <p:nvGrpSpPr>
+        <p:cNvPr id="1" name=""/>
+        <p:cNvGrpSpPr/>
+        <p:nvPr/>
+      </p:nvGrpSpPr>
+      <p:grpSpPr>
+        <a:xfrm>
+          <a:off x="0" y="0"/>
+          <a:ext cx="0" cy="0"/>
+          <a:chOff x="0" y="0"/>
+          <a:chExt cx="0" cy="0"/>
+        </a:xfrm>
+      </p:grpSpPr>
+      <p:pic>
+        <p:nvPicPr>
+          <p:cNvPr id="5" name="Picture 4">
+            <a:extLst>
+              <a:ext uri="{FF2B5EF4-FFF2-40B4-BE49-F238E27FC236}">
+                <a16:creationId xmlns:a16="http://schemas.microsoft.com/office/drawing/2014/main" id="{06C528F2-8CBA-4D27-8AFD-D2D401B151C9}"/>
+              </a:ext>
+            </a:extLst>
+          </p:cNvPr>
+          <p:cNvPicPr>
+            <a:picLocks noChangeAspect="1"/>
+          </p:cNvPicPr>
+          <p:nvPr/>
+        </p:nvPicPr>
+        <p:blipFill>
+          <a:blip r:embed="rId2"/>
+          <a:stretch>
+            <a:fillRect/>
+          </a:stretch>
+        </p:blipFill>
+        <p:spPr>
+          <a:xfrm>
+            <a:off x="5546746" y="28472"/>
+            <a:ext cx="6096001" cy="6801055"/>
+          </a:xfrm>
+          <a:prstGeom prst="rect">
+            <a:avLst/>
+          </a:prstGeom>
+        </p:spPr>
+      </p:pic>
+      <p:pic>
+        <p:nvPicPr>
+          <p:cNvPr id="6" name="Picture 5">
+            <a:extLst>
+              <a:ext uri="{FF2B5EF4-FFF2-40B4-BE49-F238E27FC236}">
+                <a16:creationId xmlns:a16="http://schemas.microsoft.com/office/drawing/2014/main" id="{2F5030C9-BC8F-4598-829C-E929536DB030}"/>
+              </a:ext>
+            </a:extLst>
+          </p:cNvPr>
+          <p:cNvPicPr>
+            <a:picLocks noChangeAspect="1"/>
+          </p:cNvPicPr>
+          <p:nvPr/>
+        </p:nvPicPr>
+        <p:blipFill>
+          <a:blip r:embed="rId3"/>
+          <a:stretch>
+            <a:fillRect/>
+          </a:stretch>
+        </p:blipFill>
+        <p:spPr>
+          <a:xfrm>
+            <a:off x="1128962" y="3619351"/>
+            <a:ext cx="3045595" cy="1485042"/>
+          </a:xfrm>
+          <a:prstGeom prst="rect">
+            <a:avLst/>
+          </a:prstGeom>
+        </p:spPr>
+      </p:pic>
+      <p:sp>
+        <p:nvSpPr>
+          <p:cNvPr id="7" name="Title 3">
+            <a:extLst>
+              <a:ext uri="{FF2B5EF4-FFF2-40B4-BE49-F238E27FC236}">
+                <a16:creationId xmlns:a16="http://schemas.microsoft.com/office/drawing/2014/main" id="{232AF6AD-C5B1-4F78-B40F-4A56E0BFFE0D}"/>
+              </a:ext>
+            </a:extLst>
+          </p:cNvPr>
+          <p:cNvSpPr>
+            <a:spLocks noGrp="1"/>
+          </p:cNvSpPr>
+          <p:nvPr>
+            <p:ph type="title"/>
+          </p:nvPr>
+        </p:nvSpPr>
+        <p:spPr>
+          <a:xfrm>
+            <a:off x="549253" y="1752749"/>
+            <a:ext cx="4542700" cy="1485900"/>
+          </a:xfrm>
+        </p:spPr>
+        <p:txBody>
+          <a:bodyPr/>
+          <a:lstStyle/>
+          <a:p>
+            <a:r>
+              <a:rPr lang="es-AR" dirty="0"/>
+              <a:t>FXOS8700CQ.h</a:t>
+            </a:r>
+          </a:p>
+        </p:txBody>
+      </p:sp>
+    </p:spTree>
+    <p:extLst>
+      <p:ext uri="{BB962C8B-B14F-4D97-AF65-F5344CB8AC3E}">
+        <p14:creationId xmlns:p14="http://schemas.microsoft.com/office/powerpoint/2010/main" val="2943568953"/>
       </p:ext>
     </p:extLst>
   </p:cSld>

--- a/PPT/Comunicación serie.pptx
+++ b/PPT/Comunicación serie.pptx
@@ -15408,7 +15408,7 @@
           <a:p>
             <a:r>
               <a:rPr lang="es-AR" dirty="0"/>
-              <a:t>Fernández, Lucero - 57485 </a:t>
+              <a:t>Fernandez, Lucero - 57485 </a:t>
             </a:r>
           </a:p>
           <a:p>
@@ -17180,12 +17180,45 @@
           <a:chExt cx="0" cy="0"/>
         </a:xfrm>
       </p:grpSpPr>
+      <p:sp>
+        <p:nvSpPr>
+          <p:cNvPr id="7" name="Title 3">
+            <a:extLst>
+              <a:ext uri="{FF2B5EF4-FFF2-40B4-BE49-F238E27FC236}">
+                <a16:creationId xmlns:a16="http://schemas.microsoft.com/office/drawing/2014/main" id="{232AF6AD-C5B1-4F78-B40F-4A56E0BFFE0D}"/>
+              </a:ext>
+            </a:extLst>
+          </p:cNvPr>
+          <p:cNvSpPr>
+            <a:spLocks noGrp="1"/>
+          </p:cNvSpPr>
+          <p:nvPr>
+            <p:ph type="ctrTitle"/>
+          </p:nvPr>
+        </p:nvSpPr>
+        <p:spPr>
+          <a:xfrm>
+            <a:off x="4373091" y="238996"/>
+            <a:ext cx="6831673" cy="1086238"/>
+          </a:xfrm>
+        </p:spPr>
+        <p:txBody>
+          <a:bodyPr/>
+          <a:lstStyle/>
+          <a:p>
+            <a:r>
+              <a:rPr lang="es-AR" cap="none" dirty="0"/>
+              <a:t>FXOS8700CQ.h</a:t>
+            </a:r>
+          </a:p>
+        </p:txBody>
+      </p:sp>
       <p:pic>
         <p:nvPicPr>
-          <p:cNvPr id="5" name="Picture 4">
+          <p:cNvPr id="2" name="Picture 1">
             <a:extLst>
               <a:ext uri="{FF2B5EF4-FFF2-40B4-BE49-F238E27FC236}">
-                <a16:creationId xmlns:a16="http://schemas.microsoft.com/office/drawing/2014/main" id="{06C528F2-8CBA-4D27-8AFD-D2D401B151C9}"/>
+                <a16:creationId xmlns:a16="http://schemas.microsoft.com/office/drawing/2014/main" id="{4F8A8A3A-FD07-4AE3-A78E-B404D2452D8C}"/>
               </a:ext>
             </a:extLst>
           </p:cNvPr>
@@ -17202,77 +17235,14 @@
         </p:blipFill>
         <p:spPr>
           <a:xfrm>
-            <a:off x="5546746" y="28472"/>
-            <a:ext cx="6096001" cy="6801055"/>
+            <a:off x="2631141" y="1203157"/>
+            <a:ext cx="6929717" cy="4451685"/>
           </a:xfrm>
           <a:prstGeom prst="rect">
             <a:avLst/>
           </a:prstGeom>
         </p:spPr>
       </p:pic>
-      <p:pic>
-        <p:nvPicPr>
-          <p:cNvPr id="6" name="Picture 5">
-            <a:extLst>
-              <a:ext uri="{FF2B5EF4-FFF2-40B4-BE49-F238E27FC236}">
-                <a16:creationId xmlns:a16="http://schemas.microsoft.com/office/drawing/2014/main" id="{2F5030C9-BC8F-4598-829C-E929536DB030}"/>
-              </a:ext>
-            </a:extLst>
-          </p:cNvPr>
-          <p:cNvPicPr>
-            <a:picLocks noChangeAspect="1"/>
-          </p:cNvPicPr>
-          <p:nvPr/>
-        </p:nvPicPr>
-        <p:blipFill>
-          <a:blip r:embed="rId3"/>
-          <a:stretch>
-            <a:fillRect/>
-          </a:stretch>
-        </p:blipFill>
-        <p:spPr>
-          <a:xfrm>
-            <a:off x="1128962" y="3619351"/>
-            <a:ext cx="3045595" cy="1485042"/>
-          </a:xfrm>
-          <a:prstGeom prst="rect">
-            <a:avLst/>
-          </a:prstGeom>
-        </p:spPr>
-      </p:pic>
-      <p:sp>
-        <p:nvSpPr>
-          <p:cNvPr id="7" name="Title 3">
-            <a:extLst>
-              <a:ext uri="{FF2B5EF4-FFF2-40B4-BE49-F238E27FC236}">
-                <a16:creationId xmlns:a16="http://schemas.microsoft.com/office/drawing/2014/main" id="{232AF6AD-C5B1-4F78-B40F-4A56E0BFFE0D}"/>
-              </a:ext>
-            </a:extLst>
-          </p:cNvPr>
-          <p:cNvSpPr>
-            <a:spLocks noGrp="1"/>
-          </p:cNvSpPr>
-          <p:nvPr>
-            <p:ph type="title"/>
-          </p:nvPr>
-        </p:nvSpPr>
-        <p:spPr>
-          <a:xfrm>
-            <a:off x="549253" y="1752749"/>
-            <a:ext cx="4542700" cy="1485900"/>
-          </a:xfrm>
-        </p:spPr>
-        <p:txBody>
-          <a:bodyPr/>
-          <a:lstStyle/>
-          <a:p>
-            <a:r>
-              <a:rPr lang="es-AR" dirty="0"/>
-              <a:t>FXOS8700CQ.h</a:t>
-            </a:r>
-          </a:p>
-        </p:txBody>
-      </p:sp>
     </p:spTree>
     <p:extLst>
       <p:ext uri="{BB962C8B-B14F-4D97-AF65-F5344CB8AC3E}">

--- a/PPT/Comunicación serie.pptx
+++ b/PPT/Comunicación serie.pptx
@@ -11,11 +11,12 @@
     <p:sldId id="260" r:id="rId5"/>
     <p:sldId id="261" r:id="rId6"/>
     <p:sldId id="262" r:id="rId7"/>
-    <p:sldId id="263" r:id="rId8"/>
-    <p:sldId id="264" r:id="rId9"/>
-    <p:sldId id="267" r:id="rId10"/>
-    <p:sldId id="265" r:id="rId11"/>
-    <p:sldId id="266" r:id="rId12"/>
+    <p:sldId id="266" r:id="rId8"/>
+    <p:sldId id="263" r:id="rId9"/>
+    <p:sldId id="264" r:id="rId10"/>
+    <p:sldId id="267" r:id="rId11"/>
+    <p:sldId id="265" r:id="rId12"/>
+    <p:sldId id="268" r:id="rId13"/>
   </p:sldIdLst>
   <p:sldSz cx="12192000" cy="6858000"/>
   <p:notesSz cx="6858000" cy="9144000"/>
@@ -3058,7 +3059,7 @@
         <a:p>
           <a:r>
             <a:rPr lang="es-AR" dirty="0"/>
-            <a:t>SYSTICK</a:t>
+            <a:t>GPIO</a:t>
           </a:r>
         </a:p>
       </dgm:t>
@@ -3379,6 +3380,64 @@
         </a:p>
       </dgm:t>
     </dgm:pt>
+    <dgm:pt modelId="{4F534C62-390B-458F-B480-8C2BD5BC7612}">
+      <dgm:prSet/>
+      <dgm:spPr/>
+      <dgm:t>
+        <a:bodyPr/>
+        <a:lstStyle/>
+        <a:p>
+          <a:r>
+            <a:rPr lang="es-AR" dirty="0"/>
+            <a:t>TIMER</a:t>
+          </a:r>
+        </a:p>
+      </dgm:t>
+    </dgm:pt>
+    <dgm:pt modelId="{2365B1BB-E64C-4F44-A1AB-DE852EA80CDF}" type="parTrans" cxnId="{8263A098-8DF1-46D5-AEF4-E7017BFC8CDB}">
+      <dgm:prSet/>
+      <dgm:spPr/>
+      <dgm:t>
+        <a:bodyPr/>
+        <a:lstStyle/>
+        <a:p>
+          <a:endParaRPr lang="es-AR"/>
+        </a:p>
+      </dgm:t>
+    </dgm:pt>
+    <dgm:pt modelId="{D15F2CA4-E27D-4EFE-B3E5-E2CFC341EE58}" type="sibTrans" cxnId="{8263A098-8DF1-46D5-AEF4-E7017BFC8CDB}">
+      <dgm:prSet/>
+      <dgm:spPr/>
+      <dgm:t>
+        <a:bodyPr/>
+        <a:lstStyle/>
+        <a:p>
+          <a:endParaRPr lang="es-AR"/>
+        </a:p>
+      </dgm:t>
+    </dgm:pt>
+    <dgm:pt modelId="{1177EB47-D773-481F-8FF3-A903D2FAF107}">
+      <dgm:prSet/>
+      <dgm:spPr/>
+      <dgm:t>
+        <a:bodyPr/>
+        <a:lstStyle/>
+        <a:p>
+          <a:r>
+            <a:rPr lang="es-AR" dirty="0"/>
+            <a:t>SYSTICK</a:t>
+          </a:r>
+        </a:p>
+      </dgm:t>
+    </dgm:pt>
+    <dgm:pt modelId="{3138233F-D5A9-4426-BCCA-7783F63A03CF}" type="sibTrans" cxnId="{3B478860-8339-40B9-8991-AE7FB99C2156}">
+      <dgm:prSet/>
+      <dgm:spPr/>
+    </dgm:pt>
+    <dgm:pt modelId="{AFE5FB83-E8AB-443E-8259-AD6D6FA57484}" type="parTrans" cxnId="{3B478860-8339-40B9-8991-AE7FB99C2156}">
+      <dgm:prSet/>
+      <dgm:spPr/>
+    </dgm:pt>
     <dgm:pt modelId="{C647C14C-60E2-48E5-85A4-92CF88C6F009}" type="pres">
       <dgm:prSet presAssocID="{1C5F8750-0E8D-4A4F-A5C4-6A02757B2CEE}" presName="mainComposite" presStyleCnt="0">
         <dgm:presLayoutVars>
@@ -3437,8 +3496,40 @@
       <dgm:prSet presAssocID="{35DCDA67-F2A2-441C-AE5D-C1B198AC0662}" presName="hierChild3" presStyleCnt="0"/>
       <dgm:spPr/>
     </dgm:pt>
+    <dgm:pt modelId="{6BED99B3-E35D-4479-BD8F-C89911CBA7D9}" type="pres">
+      <dgm:prSet presAssocID="{2365B1BB-E64C-4F44-A1AB-DE852EA80CDF}" presName="Name19" presStyleLbl="parChTrans1D3" presStyleIdx="0" presStyleCnt="5"/>
+      <dgm:spPr/>
+    </dgm:pt>
+    <dgm:pt modelId="{37DA590A-EC83-4F01-B5EE-14F5DB4C53FE}" type="pres">
+      <dgm:prSet presAssocID="{4F534C62-390B-458F-B480-8C2BD5BC7612}" presName="Name21" presStyleCnt="0"/>
+      <dgm:spPr/>
+    </dgm:pt>
+    <dgm:pt modelId="{ABF86001-E192-4808-9A98-9489CE78A520}" type="pres">
+      <dgm:prSet presAssocID="{4F534C62-390B-458F-B480-8C2BD5BC7612}" presName="level2Shape" presStyleLbl="node3" presStyleIdx="0" presStyleCnt="5"/>
+      <dgm:spPr/>
+    </dgm:pt>
+    <dgm:pt modelId="{A57B7B44-3E4C-4B57-8449-BFA97DBBEAD8}" type="pres">
+      <dgm:prSet presAssocID="{4F534C62-390B-458F-B480-8C2BD5BC7612}" presName="hierChild3" presStyleCnt="0"/>
+      <dgm:spPr/>
+    </dgm:pt>
+    <dgm:pt modelId="{FBB1584B-E4A3-46AD-B9FF-73233513DEC5}" type="pres">
+      <dgm:prSet presAssocID="{AFE5FB83-E8AB-443E-8259-AD6D6FA57484}" presName="Name19" presStyleLbl="parChTrans1D4" presStyleIdx="0" presStyleCnt="7"/>
+      <dgm:spPr/>
+    </dgm:pt>
+    <dgm:pt modelId="{A54E2C43-0C62-4198-8BEA-4CA1935FF591}" type="pres">
+      <dgm:prSet presAssocID="{1177EB47-D773-481F-8FF3-A903D2FAF107}" presName="Name21" presStyleCnt="0"/>
+      <dgm:spPr/>
+    </dgm:pt>
+    <dgm:pt modelId="{692E1C15-5EDE-45B5-A9AC-7A0D80148EC4}" type="pres">
+      <dgm:prSet presAssocID="{1177EB47-D773-481F-8FF3-A903D2FAF107}" presName="level2Shape" presStyleLbl="node4" presStyleIdx="0" presStyleCnt="7"/>
+      <dgm:spPr/>
+    </dgm:pt>
+    <dgm:pt modelId="{5EAD126F-0496-4AAF-82E4-5CF5CF0D0EDA}" type="pres">
+      <dgm:prSet presAssocID="{1177EB47-D773-481F-8FF3-A903D2FAF107}" presName="hierChild3" presStyleCnt="0"/>
+      <dgm:spPr/>
+    </dgm:pt>
     <dgm:pt modelId="{53BE28EF-99A8-45D2-A439-B1144FBC3954}" type="pres">
-      <dgm:prSet presAssocID="{7B337E52-DD2F-44E8-9ED5-365B87D9FED1}" presName="Name19" presStyleLbl="parChTrans1D3" presStyleIdx="0" presStyleCnt="4"/>
+      <dgm:prSet presAssocID="{7B337E52-DD2F-44E8-9ED5-365B87D9FED1}" presName="Name19" presStyleLbl="parChTrans1D3" presStyleIdx="1" presStyleCnt="5"/>
       <dgm:spPr/>
     </dgm:pt>
     <dgm:pt modelId="{D3FD43ED-49D9-4CB5-A2F0-DFC7987DD202}" type="pres">
@@ -3446,7 +3537,7 @@
       <dgm:spPr/>
     </dgm:pt>
     <dgm:pt modelId="{C24AA9F1-E100-43C5-9B3E-E49BBE5DF731}" type="pres">
-      <dgm:prSet presAssocID="{001622B8-067A-4ACE-8911-1AA26B934B71}" presName="level2Shape" presStyleLbl="node3" presStyleIdx="0" presStyleCnt="4" custLinFactNeighborX="-660"/>
+      <dgm:prSet presAssocID="{001622B8-067A-4ACE-8911-1AA26B934B71}" presName="level2Shape" presStyleLbl="node3" presStyleIdx="1" presStyleCnt="5" custLinFactNeighborX="-660"/>
       <dgm:spPr/>
     </dgm:pt>
     <dgm:pt modelId="{85A47341-493F-4C78-B925-6D17CBFED368}" type="pres">
@@ -3454,7 +3545,7 @@
       <dgm:spPr/>
     </dgm:pt>
     <dgm:pt modelId="{E6F5C1DA-D308-408B-88C1-7DE98E99F690}" type="pres">
-      <dgm:prSet presAssocID="{55C08119-F190-4569-BB1D-4D4C7A2B693E}" presName="Name19" presStyleLbl="parChTrans1D4" presStyleIdx="0" presStyleCnt="6"/>
+      <dgm:prSet presAssocID="{55C08119-F190-4569-BB1D-4D4C7A2B693E}" presName="Name19" presStyleLbl="parChTrans1D4" presStyleIdx="1" presStyleCnt="7"/>
       <dgm:spPr/>
     </dgm:pt>
     <dgm:pt modelId="{8F5D01B4-3E5A-4BD4-B68D-CC352A4E8257}" type="pres">
@@ -3462,7 +3553,7 @@
       <dgm:spPr/>
     </dgm:pt>
     <dgm:pt modelId="{EA7FACE5-B0A2-41B9-9E88-2A0B6E6837A7}" type="pres">
-      <dgm:prSet presAssocID="{53BD6231-3DFE-431F-8D0C-C2EE5F431215}" presName="level2Shape" presStyleLbl="node4" presStyleIdx="0" presStyleCnt="6"/>
+      <dgm:prSet presAssocID="{53BD6231-3DFE-431F-8D0C-C2EE5F431215}" presName="level2Shape" presStyleLbl="node4" presStyleIdx="1" presStyleCnt="7"/>
       <dgm:spPr/>
     </dgm:pt>
     <dgm:pt modelId="{82E4EAC8-6C7E-4BD1-AF27-FEF63E238D7B}" type="pres">
@@ -3470,7 +3561,7 @@
       <dgm:spPr/>
     </dgm:pt>
     <dgm:pt modelId="{D2FA8DCC-89A3-4CB1-9FF9-7F8B664B0AF9}" type="pres">
-      <dgm:prSet presAssocID="{84C7FE82-CB25-4ECD-9CE0-264765FA62D1}" presName="Name19" presStyleLbl="parChTrans1D4" presStyleIdx="1" presStyleCnt="6"/>
+      <dgm:prSet presAssocID="{84C7FE82-CB25-4ECD-9CE0-264765FA62D1}" presName="Name19" presStyleLbl="parChTrans1D4" presStyleIdx="2" presStyleCnt="7"/>
       <dgm:spPr/>
     </dgm:pt>
     <dgm:pt modelId="{2B314F4B-35F2-4267-A97E-CAD08F585A27}" type="pres">
@@ -3478,7 +3569,7 @@
       <dgm:spPr/>
     </dgm:pt>
     <dgm:pt modelId="{693E7B0F-4C3D-48FF-A291-A297AD09F19A}" type="pres">
-      <dgm:prSet presAssocID="{CFE7097C-8D2B-4D79-A5D5-84D08B065AD4}" presName="level2Shape" presStyleLbl="node4" presStyleIdx="1" presStyleCnt="6"/>
+      <dgm:prSet presAssocID="{CFE7097C-8D2B-4D79-A5D5-84D08B065AD4}" presName="level2Shape" presStyleLbl="node4" presStyleIdx="2" presStyleCnt="7"/>
       <dgm:spPr/>
     </dgm:pt>
     <dgm:pt modelId="{24E3E993-3795-4816-83E6-9D2D429CDF86}" type="pres">
@@ -3486,7 +3577,7 @@
       <dgm:spPr/>
     </dgm:pt>
     <dgm:pt modelId="{DDEF067D-8035-4EE8-B26D-F9EF3FCB2EBB}" type="pres">
-      <dgm:prSet presAssocID="{C285AA89-3DDC-4450-9A7F-149023CB6A38}" presName="Name19" presStyleLbl="parChTrans1D3" presStyleIdx="1" presStyleCnt="4"/>
+      <dgm:prSet presAssocID="{C285AA89-3DDC-4450-9A7F-149023CB6A38}" presName="Name19" presStyleLbl="parChTrans1D3" presStyleIdx="2" presStyleCnt="5"/>
       <dgm:spPr/>
     </dgm:pt>
     <dgm:pt modelId="{5C701B20-89F4-4F50-9BD5-3E008C6D7DE6}" type="pres">
@@ -3494,7 +3585,7 @@
       <dgm:spPr/>
     </dgm:pt>
     <dgm:pt modelId="{C506A8BA-439E-4716-BD26-721A6F281A37}" type="pres">
-      <dgm:prSet presAssocID="{DEBFFABF-82B9-4D25-8AD5-D3D639130002}" presName="level2Shape" presStyleLbl="node3" presStyleIdx="1" presStyleCnt="4" custScaleX="119974" custLinFactNeighborX="-3807" custLinFactNeighborY="-562"/>
+      <dgm:prSet presAssocID="{DEBFFABF-82B9-4D25-8AD5-D3D639130002}" presName="level2Shape" presStyleLbl="node3" presStyleIdx="2" presStyleCnt="5" custScaleX="119974" custLinFactNeighborX="-3807" custLinFactNeighborY="-562"/>
       <dgm:spPr/>
     </dgm:pt>
     <dgm:pt modelId="{0D14266D-155E-47D2-BD04-D1ADB411484B}" type="pres">
@@ -3502,7 +3593,7 @@
       <dgm:spPr/>
     </dgm:pt>
     <dgm:pt modelId="{D15C5AB9-F1E9-4D5E-85C9-5C93CA672A4C}" type="pres">
-      <dgm:prSet presAssocID="{CA09B458-A59A-42E9-823E-CEA240B29164}" presName="Name19" presStyleLbl="parChTrans1D4" presStyleIdx="2" presStyleCnt="6"/>
+      <dgm:prSet presAssocID="{CA09B458-A59A-42E9-823E-CEA240B29164}" presName="Name19" presStyleLbl="parChTrans1D4" presStyleIdx="3" presStyleCnt="7"/>
       <dgm:spPr/>
     </dgm:pt>
     <dgm:pt modelId="{E8E838FA-19ED-40BF-9663-79F2E95A96F0}" type="pres">
@@ -3510,7 +3601,7 @@
       <dgm:spPr/>
     </dgm:pt>
     <dgm:pt modelId="{1F02E85D-CEC4-408D-AADB-4E14B7734CE4}" type="pres">
-      <dgm:prSet presAssocID="{BEEE473B-2EC8-470A-9E28-03E623F722B2}" presName="level2Shape" presStyleLbl="node4" presStyleIdx="2" presStyleCnt="6"/>
+      <dgm:prSet presAssocID="{BEEE473B-2EC8-470A-9E28-03E623F722B2}" presName="level2Shape" presStyleLbl="node4" presStyleIdx="3" presStyleCnt="7"/>
       <dgm:spPr/>
     </dgm:pt>
     <dgm:pt modelId="{0DDA1025-F861-46DE-9999-4C9FF60F2BA1}" type="pres">
@@ -3518,7 +3609,7 @@
       <dgm:spPr/>
     </dgm:pt>
     <dgm:pt modelId="{2B44D44D-9C15-4BE4-8857-6902DD216E02}" type="pres">
-      <dgm:prSet presAssocID="{AEF768B3-89BD-4493-B753-D5C7E3F86037}" presName="Name19" presStyleLbl="parChTrans1D4" presStyleIdx="3" presStyleCnt="6"/>
+      <dgm:prSet presAssocID="{AEF768B3-89BD-4493-B753-D5C7E3F86037}" presName="Name19" presStyleLbl="parChTrans1D4" presStyleIdx="4" presStyleCnt="7"/>
       <dgm:spPr/>
     </dgm:pt>
     <dgm:pt modelId="{52E0AE4D-5240-4116-8871-F00A2F071C25}" type="pres">
@@ -3526,7 +3617,7 @@
       <dgm:spPr/>
     </dgm:pt>
     <dgm:pt modelId="{03CEC701-59F7-4F6F-A2FB-6D1193C6C0E9}" type="pres">
-      <dgm:prSet presAssocID="{E116835A-3D10-450B-9413-E1B97894FFA3}" presName="level2Shape" presStyleLbl="node4" presStyleIdx="3" presStyleCnt="6" custLinFactNeighborX="-3823" custLinFactNeighborY="-3186"/>
+      <dgm:prSet presAssocID="{E116835A-3D10-450B-9413-E1B97894FFA3}" presName="level2Shape" presStyleLbl="node4" presStyleIdx="4" presStyleCnt="7" custLinFactNeighborX="-3823" custLinFactNeighborY="-3186"/>
       <dgm:spPr/>
     </dgm:pt>
     <dgm:pt modelId="{70C641D7-008F-491D-A8A1-389516750A5F}" type="pres">
@@ -3550,7 +3641,7 @@
       <dgm:spPr/>
     </dgm:pt>
     <dgm:pt modelId="{6DFBC8DC-FB04-4552-ACB4-2C723637561B}" type="pres">
-      <dgm:prSet presAssocID="{14CBFDCC-3ECF-4077-AAFC-9035D3532054}" presName="Name19" presStyleLbl="parChTrans1D3" presStyleIdx="2" presStyleCnt="4"/>
+      <dgm:prSet presAssocID="{14CBFDCC-3ECF-4077-AAFC-9035D3532054}" presName="Name19" presStyleLbl="parChTrans1D3" presStyleIdx="3" presStyleCnt="5"/>
       <dgm:spPr/>
     </dgm:pt>
     <dgm:pt modelId="{01B1FE0B-F591-4A2D-B9D9-4DFCE938EC84}" type="pres">
@@ -3558,7 +3649,7 @@
       <dgm:spPr/>
     </dgm:pt>
     <dgm:pt modelId="{7C0EA656-1D18-4980-86E2-83309EF67A1B}" type="pres">
-      <dgm:prSet presAssocID="{5CA15CE3-8396-42E1-8E7E-BD11A58851E2}" presName="level2Shape" presStyleLbl="node3" presStyleIdx="2" presStyleCnt="4" custLinFactNeighborX="2683" custLinFactNeighborY="-1341"/>
+      <dgm:prSet presAssocID="{5CA15CE3-8396-42E1-8E7E-BD11A58851E2}" presName="level2Shape" presStyleLbl="node3" presStyleIdx="3" presStyleCnt="5" custLinFactNeighborX="2683" custLinFactNeighborY="-1341"/>
       <dgm:spPr/>
     </dgm:pt>
     <dgm:pt modelId="{7EF65181-3316-4D40-8098-EFE2CDDA0653}" type="pres">
@@ -3566,7 +3657,7 @@
       <dgm:spPr/>
     </dgm:pt>
     <dgm:pt modelId="{190E5C43-FF52-41EF-BC65-4C3846DF4B2F}" type="pres">
-      <dgm:prSet presAssocID="{27B0B7D4-9290-4FFB-8E4F-E55C7EC9F8B5}" presName="Name19" presStyleLbl="parChTrans1D4" presStyleIdx="4" presStyleCnt="6"/>
+      <dgm:prSet presAssocID="{27B0B7D4-9290-4FFB-8E4F-E55C7EC9F8B5}" presName="Name19" presStyleLbl="parChTrans1D4" presStyleIdx="5" presStyleCnt="7"/>
       <dgm:spPr/>
     </dgm:pt>
     <dgm:pt modelId="{37FB32C3-A5F1-4812-A1A1-DE1AA871D2FD}" type="pres">
@@ -3574,7 +3665,7 @@
       <dgm:spPr/>
     </dgm:pt>
     <dgm:pt modelId="{403A2617-6E68-42B4-BEB9-915729DD91B2}" type="pres">
-      <dgm:prSet presAssocID="{F66CC7BD-674A-437D-8C62-29898B13049D}" presName="level2Shape" presStyleLbl="node4" presStyleIdx="4" presStyleCnt="6"/>
+      <dgm:prSet presAssocID="{F66CC7BD-674A-437D-8C62-29898B13049D}" presName="level2Shape" presStyleLbl="node4" presStyleIdx="5" presStyleCnt="7"/>
       <dgm:spPr/>
     </dgm:pt>
     <dgm:pt modelId="{E6CA9CB2-9465-4706-AB82-6534488FC1B5}" type="pres">
@@ -3582,7 +3673,7 @@
       <dgm:spPr/>
     </dgm:pt>
     <dgm:pt modelId="{86087C67-4375-477E-84D1-836C1F14C793}" type="pres">
-      <dgm:prSet presAssocID="{441A3D14-7823-4933-A226-6CEE16869DD4}" presName="Name19" presStyleLbl="parChTrans1D3" presStyleIdx="3" presStyleCnt="4"/>
+      <dgm:prSet presAssocID="{441A3D14-7823-4933-A226-6CEE16869DD4}" presName="Name19" presStyleLbl="parChTrans1D3" presStyleIdx="4" presStyleCnt="5"/>
       <dgm:spPr/>
     </dgm:pt>
     <dgm:pt modelId="{85B79B7E-F00E-48C7-AF60-37DCF3CD811A}" type="pres">
@@ -3590,7 +3681,7 @@
       <dgm:spPr/>
     </dgm:pt>
     <dgm:pt modelId="{A445E83A-B1D7-4754-AB40-1BD356E2B23A}" type="pres">
-      <dgm:prSet presAssocID="{540823D0-D4AA-438F-B805-D3CA6D4539F8}" presName="level2Shape" presStyleLbl="node3" presStyleIdx="3" presStyleCnt="4" custLinFactNeighborX="-875" custLinFactNeighborY="-10421"/>
+      <dgm:prSet presAssocID="{540823D0-D4AA-438F-B805-D3CA6D4539F8}" presName="level2Shape" presStyleLbl="node3" presStyleIdx="4" presStyleCnt="5" custLinFactNeighborX="-875" custLinFactNeighborY="-10421"/>
       <dgm:spPr/>
     </dgm:pt>
     <dgm:pt modelId="{B24DE3F9-9CB7-4F27-BB97-71205C9A2479}" type="pres">
@@ -3598,7 +3689,7 @@
       <dgm:spPr/>
     </dgm:pt>
     <dgm:pt modelId="{56CF0D79-9B69-422E-B55F-8C1B0E2FBF1A}" type="pres">
-      <dgm:prSet presAssocID="{33AA2D47-1000-479B-B8DD-8B7CFD50AA2C}" presName="Name19" presStyleLbl="parChTrans1D4" presStyleIdx="5" presStyleCnt="6"/>
+      <dgm:prSet presAssocID="{33AA2D47-1000-479B-B8DD-8B7CFD50AA2C}" presName="Name19" presStyleLbl="parChTrans1D4" presStyleIdx="6" presStyleCnt="7"/>
       <dgm:spPr/>
     </dgm:pt>
     <dgm:pt modelId="{0E1F0822-5D6C-4319-98E2-F162567476DA}" type="pres">
@@ -3606,7 +3697,7 @@
       <dgm:spPr/>
     </dgm:pt>
     <dgm:pt modelId="{EFADDF6B-06F5-45B8-838D-F3A345604137}" type="pres">
-      <dgm:prSet presAssocID="{3FA3C445-9E1D-45B1-AB41-19681A34813A}" presName="level2Shape" presStyleLbl="node4" presStyleIdx="5" presStyleCnt="6"/>
+      <dgm:prSet presAssocID="{3FA3C445-9E1D-45B1-AB41-19681A34813A}" presName="level2Shape" presStyleLbl="node4" presStyleIdx="6" presStyleCnt="7"/>
       <dgm:spPr/>
     </dgm:pt>
     <dgm:pt modelId="{A25BEABA-2D8D-4C41-B23F-474AF0946337}" type="pres">
@@ -3620,43 +3711,49 @@
   </dgm:ptLst>
   <dgm:cxnLst>
     <dgm:cxn modelId="{9C655402-4D62-4C5E-8862-34551698FE28}" type="presOf" srcId="{35DCDA67-F2A2-441C-AE5D-C1B198AC0662}" destId="{0ECD015A-E51F-4E92-93F8-42CA82FE8288}" srcOrd="0" destOrd="0" presId="urn:microsoft.com/office/officeart/2005/8/layout/hierarchy6"/>
-    <dgm:cxn modelId="{D612BB0F-71F7-43BD-8055-CABB22335B04}" type="presOf" srcId="{CFE7097C-8D2B-4D79-A5D5-84D08B065AD4}" destId="{693E7B0F-4C3D-48FF-A291-A297AD09F19A}" srcOrd="0" destOrd="0" presId="urn:microsoft.com/office/officeart/2005/8/layout/hierarchy6"/>
-    <dgm:cxn modelId="{25C18B10-BA99-4144-9327-3CE193268AD5}" srcId="{35DCDA67-F2A2-441C-AE5D-C1B198AC0662}" destId="{DEBFFABF-82B9-4D25-8AD5-D3D639130002}" srcOrd="1" destOrd="0" parTransId="{C285AA89-3DDC-4450-9A7F-149023CB6A38}" sibTransId="{BBFA5F37-ED43-47CE-BC61-3C61975DD27E}"/>
+    <dgm:cxn modelId="{95D5850A-C725-4BF9-8D49-CD1462B93733}" type="presOf" srcId="{CFE7097C-8D2B-4D79-A5D5-84D08B065AD4}" destId="{693E7B0F-4C3D-48FF-A291-A297AD09F19A}" srcOrd="0" destOrd="0" presId="urn:microsoft.com/office/officeart/2005/8/layout/hierarchy6"/>
+    <dgm:cxn modelId="{25C18B10-BA99-4144-9327-3CE193268AD5}" srcId="{35DCDA67-F2A2-441C-AE5D-C1B198AC0662}" destId="{DEBFFABF-82B9-4D25-8AD5-D3D639130002}" srcOrd="2" destOrd="0" parTransId="{C285AA89-3DDC-4450-9A7F-149023CB6A38}" sibTransId="{BBFA5F37-ED43-47CE-BC61-3C61975DD27E}"/>
+    <dgm:cxn modelId="{FBFAB422-6523-460C-80BE-04C9E7A26610}" type="presOf" srcId="{CA09B458-A59A-42E9-823E-CEA240B29164}" destId="{D15C5AB9-F1E9-4D5E-85C9-5C93CA672A4C}" srcOrd="0" destOrd="0" presId="urn:microsoft.com/office/officeart/2005/8/layout/hierarchy6"/>
     <dgm:cxn modelId="{5275E036-94EA-4766-81F6-96033E334A09}" srcId="{DEBFFABF-82B9-4D25-8AD5-D3D639130002}" destId="{BEEE473B-2EC8-470A-9E28-03E623F722B2}" srcOrd="0" destOrd="0" parTransId="{CA09B458-A59A-42E9-823E-CEA240B29164}" sibTransId="{46EA9050-A58E-42AE-80FB-F8F237BBD6B0}"/>
     <dgm:cxn modelId="{B9669E3A-3379-47B8-B7B5-0C722AAF1398}" type="presOf" srcId="{33AA2D47-1000-479B-B8DD-8B7CFD50AA2C}" destId="{56CF0D79-9B69-422E-B55F-8C1B0E2FBF1A}" srcOrd="0" destOrd="0" presId="urn:microsoft.com/office/officeart/2005/8/layout/hierarchy6"/>
-    <dgm:cxn modelId="{8C3C563B-3F89-4C3C-99C7-53B2F08A96D8}" type="presOf" srcId="{AEF768B3-89BD-4493-B753-D5C7E3F86037}" destId="{2B44D44D-9C15-4BE4-8857-6902DD216E02}" srcOrd="0" destOrd="0" presId="urn:microsoft.com/office/officeart/2005/8/layout/hierarchy6"/>
     <dgm:cxn modelId="{E6702C3E-B010-4296-AEEE-E1BB5FA9C3D1}" type="presOf" srcId="{675114A4-4D40-4091-9275-9C8175883DB4}" destId="{41AB122B-081A-4865-AD38-E3670CB221C3}" srcOrd="0" destOrd="0" presId="urn:microsoft.com/office/officeart/2005/8/layout/hierarchy6"/>
-    <dgm:cxn modelId="{99B13463-DFFE-402D-A231-37328C63A7B0}" type="presOf" srcId="{55C08119-F190-4569-BB1D-4D4C7A2B693E}" destId="{E6F5C1DA-D308-408B-88C1-7DE98E99F690}" srcOrd="0" destOrd="0" presId="urn:microsoft.com/office/officeart/2005/8/layout/hierarchy6"/>
-    <dgm:cxn modelId="{1DB2BA4B-C406-43F5-ADDB-E24CEE1369B8}" type="presOf" srcId="{7B337E52-DD2F-44E8-9ED5-365B87D9FED1}" destId="{53BE28EF-99A8-45D2-A439-B1144FBC3954}" srcOrd="0" destOrd="0" presId="urn:microsoft.com/office/officeart/2005/8/layout/hierarchy6"/>
+    <dgm:cxn modelId="{3B478860-8339-40B9-8991-AE7FB99C2156}" srcId="{4F534C62-390B-458F-B480-8C2BD5BC7612}" destId="{1177EB47-D773-481F-8FF3-A903D2FAF107}" srcOrd="0" destOrd="0" parTransId="{AFE5FB83-E8AB-443E-8259-AD6D6FA57484}" sibTransId="{3138233F-D5A9-4426-BCCA-7783F63A03CF}"/>
+    <dgm:cxn modelId="{D3495261-8D8B-4B83-95DB-5D5971A8440E}" type="presOf" srcId="{001622B8-067A-4ACE-8911-1AA26B934B71}" destId="{C24AA9F1-E100-43C5-9B3E-E49BBE5DF731}" srcOrd="0" destOrd="0" presId="urn:microsoft.com/office/officeart/2005/8/layout/hierarchy6"/>
+    <dgm:cxn modelId="{DE548547-2712-4EC4-B4D2-C48AD61A9589}" type="presOf" srcId="{2365B1BB-E64C-4F44-A1AB-DE852EA80CDF}" destId="{6BED99B3-E35D-4479-BD8F-C89911CBA7D9}" srcOrd="0" destOrd="0" presId="urn:microsoft.com/office/officeart/2005/8/layout/hierarchy6"/>
     <dgm:cxn modelId="{8F84316C-D7CF-4E70-A84F-FC3AEF7A98DD}" srcId="{1C5F8750-0E8D-4A4F-A5C4-6A02757B2CEE}" destId="{9A3D543D-1E9A-4BE5-BFBC-B65722739982}" srcOrd="0" destOrd="0" parTransId="{9B09A68A-FA35-4BB2-B59F-0D5048C372BC}" sibTransId="{4E033150-6172-41B8-A447-633A4A116347}"/>
     <dgm:cxn modelId="{6E77064D-F778-4D34-BE87-8943DB3A0BEC}" srcId="{9A3D543D-1E9A-4BE5-BFBC-B65722739982}" destId="{5A9D0339-AA51-434F-8B6C-60F99E3633CF}" srcOrd="1" destOrd="0" parTransId="{5A2D30D4-EEF4-4274-A404-AB129065637F}" sibTransId="{CEC8408D-1C1F-4517-8C11-F42FD84E8BAB}"/>
     <dgm:cxn modelId="{63A89A4E-2CBD-4E12-812B-B8472175D000}" type="presOf" srcId="{F66CC7BD-674A-437D-8C62-29898B13049D}" destId="{403A2617-6E68-42B4-BEB9-915729DD91B2}" srcOrd="0" destOrd="0" presId="urn:microsoft.com/office/officeart/2005/8/layout/hierarchy6"/>
+    <dgm:cxn modelId="{63F3194F-6791-4428-9841-6322D8BCEB96}" type="presOf" srcId="{AEF768B3-89BD-4493-B753-D5C7E3F86037}" destId="{2B44D44D-9C15-4BE4-8857-6902DD216E02}" srcOrd="0" destOrd="0" presId="urn:microsoft.com/office/officeart/2005/8/layout/hierarchy6"/>
     <dgm:cxn modelId="{7FB98C4F-DCCA-4C59-A3BF-C3B8534B4C0E}" srcId="{5A9D0339-AA51-434F-8B6C-60F99E3633CF}" destId="{5CA15CE3-8396-42E1-8E7E-BD11A58851E2}" srcOrd="0" destOrd="0" parTransId="{14CBFDCC-3ECF-4077-AAFC-9035D3532054}" sibTransId="{4EF2F922-12E7-4FD4-81DA-E3CD0818CD32}"/>
     <dgm:cxn modelId="{3FDF2D53-B628-4187-A108-E70970B62BCD}" type="presOf" srcId="{3FA3C445-9E1D-45B1-AB41-19681A34813A}" destId="{EFADDF6B-06F5-45B8-838D-F3A345604137}" srcOrd="0" destOrd="0" presId="urn:microsoft.com/office/officeart/2005/8/layout/hierarchy6"/>
-    <dgm:cxn modelId="{22D75C54-D61D-4CFA-8DC6-21D5B70F2876}" type="presOf" srcId="{53BD6231-3DFE-431F-8D0C-C2EE5F431215}" destId="{EA7FACE5-B0A2-41B9-9E88-2A0B6E6837A7}" srcOrd="0" destOrd="0" presId="urn:microsoft.com/office/officeart/2005/8/layout/hierarchy6"/>
-    <dgm:cxn modelId="{3BBF5554-DF7B-4357-89C8-D55160EC3B44}" type="presOf" srcId="{BEEE473B-2EC8-470A-9E28-03E623F722B2}" destId="{1F02E85D-CEC4-408D-AADB-4E14B7734CE4}" srcOrd="0" destOrd="0" presId="urn:microsoft.com/office/officeart/2005/8/layout/hierarchy6"/>
     <dgm:cxn modelId="{EC0C3E78-9120-4AF3-8F4C-A02234D887E3}" type="presOf" srcId="{5A2D30D4-EEF4-4274-A404-AB129065637F}" destId="{6D500FE4-6E88-4115-B204-2A401C1E43A0}" srcOrd="0" destOrd="0" presId="urn:microsoft.com/office/officeart/2005/8/layout/hierarchy6"/>
+    <dgm:cxn modelId="{21A3CB80-EAE5-4BE8-B222-0BC5736FF6AF}" type="presOf" srcId="{4F534C62-390B-458F-B480-8C2BD5BC7612}" destId="{ABF86001-E192-4808-9A98-9489CE78A520}" srcOrd="0" destOrd="0" presId="urn:microsoft.com/office/officeart/2005/8/layout/hierarchy6"/>
+    <dgm:cxn modelId="{35D62181-1ACD-472B-B46C-EC749C795426}" type="presOf" srcId="{AFE5FB83-E8AB-443E-8259-AD6D6FA57484}" destId="{FBB1584B-E4A3-46AD-B9FF-73233513DEC5}" srcOrd="0" destOrd="0" presId="urn:microsoft.com/office/officeart/2005/8/layout/hierarchy6"/>
     <dgm:cxn modelId="{639A4D89-A229-4918-9664-A2D46026618B}" type="presOf" srcId="{9A3D543D-1E9A-4BE5-BFBC-B65722739982}" destId="{9903AFBA-5A13-4349-A39D-854233A67AAB}" srcOrd="0" destOrd="0" presId="urn:microsoft.com/office/officeart/2005/8/layout/hierarchy6"/>
-    <dgm:cxn modelId="{BC126B93-5A85-4FE0-92DC-6B5FDE551C7F}" srcId="{35DCDA67-F2A2-441C-AE5D-C1B198AC0662}" destId="{001622B8-067A-4ACE-8911-1AA26B934B71}" srcOrd="0" destOrd="0" parTransId="{7B337E52-DD2F-44E8-9ED5-365B87D9FED1}" sibTransId="{9859AD3B-0077-415C-B213-4209EF6A42CC}"/>
-    <dgm:cxn modelId="{71356C93-D667-40C4-8483-AF68B2C6EF2C}" type="presOf" srcId="{84C7FE82-CB25-4ECD-9CE0-264765FA62D1}" destId="{D2FA8DCC-89A3-4CB1-9FF9-7F8B664B0AF9}" srcOrd="0" destOrd="0" presId="urn:microsoft.com/office/officeart/2005/8/layout/hierarchy6"/>
+    <dgm:cxn modelId="{BC126B93-5A85-4FE0-92DC-6B5FDE551C7F}" srcId="{35DCDA67-F2A2-441C-AE5D-C1B198AC0662}" destId="{001622B8-067A-4ACE-8911-1AA26B934B71}" srcOrd="1" destOrd="0" parTransId="{7B337E52-DD2F-44E8-9ED5-365B87D9FED1}" sibTransId="{9859AD3B-0077-415C-B213-4209EF6A42CC}"/>
     <dgm:cxn modelId="{B89ED895-76C4-4243-AD33-A43480B6045A}" type="presOf" srcId="{5CA15CE3-8396-42E1-8E7E-BD11A58851E2}" destId="{7C0EA656-1D18-4980-86E2-83309EF67A1B}" srcOrd="0" destOrd="0" presId="urn:microsoft.com/office/officeart/2005/8/layout/hierarchy6"/>
+    <dgm:cxn modelId="{8263A098-8DF1-46D5-AEF4-E7017BFC8CDB}" srcId="{35DCDA67-F2A2-441C-AE5D-C1B198AC0662}" destId="{4F534C62-390B-458F-B480-8C2BD5BC7612}" srcOrd="0" destOrd="0" parTransId="{2365B1BB-E64C-4F44-A1AB-DE852EA80CDF}" sibTransId="{D15F2CA4-E27D-4EFE-B3E5-E2CFC341EE58}"/>
+    <dgm:cxn modelId="{1A79AC9A-2E5E-4A10-8F9B-7EB83AAC7E18}" type="presOf" srcId="{C285AA89-3DDC-4450-9A7F-149023CB6A38}" destId="{DDEF067D-8035-4EE8-B26D-F9EF3FCB2EBB}" srcOrd="0" destOrd="0" presId="urn:microsoft.com/office/officeart/2005/8/layout/hierarchy6"/>
     <dgm:cxn modelId="{B1A9919C-13BA-4186-AD8D-00C8C3C38D38}" type="presOf" srcId="{27B0B7D4-9290-4FFB-8E4F-E55C7EC9F8B5}" destId="{190E5C43-FF52-41EF-BC65-4C3846DF4B2F}" srcOrd="0" destOrd="0" presId="urn:microsoft.com/office/officeart/2005/8/layout/hierarchy6"/>
-    <dgm:cxn modelId="{0B9BE19D-4CD3-4482-A328-A9C60DFAA86E}" type="presOf" srcId="{001622B8-067A-4ACE-8911-1AA26B934B71}" destId="{C24AA9F1-E100-43C5-9B3E-E49BBE5DF731}" srcOrd="0" destOrd="0" presId="urn:microsoft.com/office/officeart/2005/8/layout/hierarchy6"/>
-    <dgm:cxn modelId="{1CC5A6A6-8E7A-460B-AF7B-76CD3C59AD04}" type="presOf" srcId="{E116835A-3D10-450B-9413-E1B97894FFA3}" destId="{03CEC701-59F7-4F6F-A2FB-6D1193C6C0E9}" srcOrd="0" destOrd="0" presId="urn:microsoft.com/office/officeart/2005/8/layout/hierarchy6"/>
+    <dgm:cxn modelId="{B0902B9F-C8B1-4873-90F7-353031155418}" type="presOf" srcId="{1177EB47-D773-481F-8FF3-A903D2FAF107}" destId="{692E1C15-5EDE-45B5-A9AC-7A0D80148EC4}" srcOrd="0" destOrd="0" presId="urn:microsoft.com/office/officeart/2005/8/layout/hierarchy6"/>
+    <dgm:cxn modelId="{CAD3E7A4-5C47-4282-B4C4-11E2615134FD}" type="presOf" srcId="{55C08119-F190-4569-BB1D-4D4C7A2B693E}" destId="{E6F5C1DA-D308-408B-88C1-7DE98E99F690}" srcOrd="0" destOrd="0" presId="urn:microsoft.com/office/officeart/2005/8/layout/hierarchy6"/>
     <dgm:cxn modelId="{8754D5A6-FA6C-4190-A145-9C83C339C99D}" srcId="{5CA15CE3-8396-42E1-8E7E-BD11A58851E2}" destId="{F66CC7BD-674A-437D-8C62-29898B13049D}" srcOrd="0" destOrd="0" parTransId="{27B0B7D4-9290-4FFB-8E4F-E55C7EC9F8B5}" sibTransId="{0AE695F0-1447-4B3E-9061-2D7EB833CB67}"/>
     <dgm:cxn modelId="{B7CD7AA7-9E4D-4071-811E-8EADE279661E}" type="presOf" srcId="{5A9D0339-AA51-434F-8B6C-60F99E3633CF}" destId="{1EE97BA3-462E-4247-9C64-D91A323268AC}" srcOrd="0" destOrd="0" presId="urn:microsoft.com/office/officeart/2005/8/layout/hierarchy6"/>
     <dgm:cxn modelId="{B4B77CA9-AEFB-473A-90B3-CA47B2088A8F}" type="presOf" srcId="{14CBFDCC-3ECF-4077-AAFC-9035D3532054}" destId="{6DFBC8DC-FB04-4552-ACB4-2C723637561B}" srcOrd="0" destOrd="0" presId="urn:microsoft.com/office/officeart/2005/8/layout/hierarchy6"/>
     <dgm:cxn modelId="{5811BAAA-C778-4938-B9A0-254EA33A3D9B}" srcId="{BEEE473B-2EC8-470A-9E28-03E623F722B2}" destId="{E116835A-3D10-450B-9413-E1B97894FFA3}" srcOrd="0" destOrd="0" parTransId="{AEF768B3-89BD-4493-B753-D5C7E3F86037}" sibTransId="{52D43CBC-A4A2-45B3-BE26-8C6C6134A79F}"/>
     <dgm:cxn modelId="{8CF0FBBA-644A-4E57-BE45-70F5BB3F9918}" type="presOf" srcId="{441A3D14-7823-4933-A226-6CEE16869DD4}" destId="{86087C67-4375-477E-84D1-836C1F14C793}" srcOrd="0" destOrd="0" presId="urn:microsoft.com/office/officeart/2005/8/layout/hierarchy6"/>
-    <dgm:cxn modelId="{A3CD0FBD-F887-4322-93F1-9CD5BBF42FE8}" type="presOf" srcId="{C285AA89-3DDC-4450-9A7F-149023CB6A38}" destId="{DDEF067D-8035-4EE8-B26D-F9EF3FCB2EBB}" srcOrd="0" destOrd="0" presId="urn:microsoft.com/office/officeart/2005/8/layout/hierarchy6"/>
     <dgm:cxn modelId="{6B2369BD-6D60-4E4E-8AF5-E80529140884}" type="presOf" srcId="{540823D0-D4AA-438F-B805-D3CA6D4539F8}" destId="{A445E83A-B1D7-4754-AB40-1BD356E2B23A}" srcOrd="0" destOrd="0" presId="urn:microsoft.com/office/officeart/2005/8/layout/hierarchy6"/>
     <dgm:cxn modelId="{5E4A92C4-FC82-499F-8060-EE9E3CB03401}" srcId="{9A3D543D-1E9A-4BE5-BFBC-B65722739982}" destId="{35DCDA67-F2A2-441C-AE5D-C1B198AC0662}" srcOrd="0" destOrd="0" parTransId="{675114A4-4D40-4091-9275-9C8175883DB4}" sibTransId="{D315B3E9-E343-4B13-8EAD-6B260F20DDCE}"/>
+    <dgm:cxn modelId="{D04B00CD-D887-4DBE-BFFF-5C38BBE26D11}" type="presOf" srcId="{E116835A-3D10-450B-9413-E1B97894FFA3}" destId="{03CEC701-59F7-4F6F-A2FB-6D1193C6C0E9}" srcOrd="0" destOrd="0" presId="urn:microsoft.com/office/officeart/2005/8/layout/hierarchy6"/>
     <dgm:cxn modelId="{5358C9CD-4C9F-4E16-B72C-FFBB6D6C75B6}" type="presOf" srcId="{1C5F8750-0E8D-4A4F-A5C4-6A02757B2CEE}" destId="{C647C14C-60E2-48E5-85A4-92CF88C6F009}" srcOrd="0" destOrd="0" presId="urn:microsoft.com/office/officeart/2005/8/layout/hierarchy6"/>
-    <dgm:cxn modelId="{41AF80D2-A960-4DBA-8039-3A84182C1BEA}" type="presOf" srcId="{CA09B458-A59A-42E9-823E-CEA240B29164}" destId="{D15C5AB9-F1E9-4D5E-85C9-5C93CA672A4C}" srcOrd="0" destOrd="0" presId="urn:microsoft.com/office/officeart/2005/8/layout/hierarchy6"/>
-    <dgm:cxn modelId="{A15E1ADA-0F17-41F5-9587-6AAA01B0B38D}" type="presOf" srcId="{DEBFFABF-82B9-4D25-8AD5-D3D639130002}" destId="{C506A8BA-439E-4716-BD26-721A6F281A37}" srcOrd="0" destOrd="0" presId="urn:microsoft.com/office/officeart/2005/8/layout/hierarchy6"/>
+    <dgm:cxn modelId="{C139C6D8-22E1-4646-B343-D13545CE04EB}" type="presOf" srcId="{7B337E52-DD2F-44E8-9ED5-365B87D9FED1}" destId="{53BE28EF-99A8-45D2-A439-B1144FBC3954}" srcOrd="0" destOrd="0" presId="urn:microsoft.com/office/officeart/2005/8/layout/hierarchy6"/>
+    <dgm:cxn modelId="{B9F652DE-91EA-4D63-8D87-7F82D3C8F2C4}" type="presOf" srcId="{84C7FE82-CB25-4ECD-9CE0-264765FA62D1}" destId="{D2FA8DCC-89A3-4CB1-9FF9-7F8B664B0AF9}" srcOrd="0" destOrd="0" presId="urn:microsoft.com/office/officeart/2005/8/layout/hierarchy6"/>
     <dgm:cxn modelId="{B46D3CE0-F310-4853-A6BC-5D6AC56C6FB4}" srcId="{540823D0-D4AA-438F-B805-D3CA6D4539F8}" destId="{3FA3C445-9E1D-45B1-AB41-19681A34813A}" srcOrd="0" destOrd="0" parTransId="{33AA2D47-1000-479B-B8DD-8B7CFD50AA2C}" sibTransId="{0FE465D2-8965-47BE-9A7C-4C8466AA2C0E}"/>
     <dgm:cxn modelId="{A270B2EB-18BD-4B40-BD8B-9EEC62090524}" srcId="{53BD6231-3DFE-431F-8D0C-C2EE5F431215}" destId="{CFE7097C-8D2B-4D79-A5D5-84D08B065AD4}" srcOrd="0" destOrd="0" parTransId="{84C7FE82-CB25-4ECD-9CE0-264765FA62D1}" sibTransId="{92CA62EB-398C-4FDA-BBA7-96649940D1E8}"/>
     <dgm:cxn modelId="{0F581FEE-607D-4847-B816-C0141EF64EED}" srcId="{5A9D0339-AA51-434F-8B6C-60F99E3633CF}" destId="{540823D0-D4AA-438F-B805-D3CA6D4539F8}" srcOrd="1" destOrd="0" parTransId="{441A3D14-7823-4933-A226-6CEE16869DD4}" sibTransId="{2DF52586-D00E-4C55-8704-4E1840133706}"/>
+    <dgm:cxn modelId="{6017B1F2-1A41-447D-946B-7419A2D30BA8}" type="presOf" srcId="{DEBFFABF-82B9-4D25-8AD5-D3D639130002}" destId="{C506A8BA-439E-4716-BD26-721A6F281A37}" srcOrd="0" destOrd="0" presId="urn:microsoft.com/office/officeart/2005/8/layout/hierarchy6"/>
+    <dgm:cxn modelId="{953982F7-0669-42F2-9316-F64619F9B050}" type="presOf" srcId="{BEEE473B-2EC8-470A-9E28-03E623F722B2}" destId="{1F02E85D-CEC4-408D-AADB-4E14B7734CE4}" srcOrd="0" destOrd="0" presId="urn:microsoft.com/office/officeart/2005/8/layout/hierarchy6"/>
+    <dgm:cxn modelId="{3605DEF7-0454-4F7B-A194-54860FB52F86}" type="presOf" srcId="{53BD6231-3DFE-431F-8D0C-C2EE5F431215}" destId="{EA7FACE5-B0A2-41B9-9E88-2A0B6E6837A7}" srcOrd="0" destOrd="0" presId="urn:microsoft.com/office/officeart/2005/8/layout/hierarchy6"/>
     <dgm:cxn modelId="{1364C3FD-45A2-4958-97EB-1C236E0FAF2D}" srcId="{001622B8-067A-4ACE-8911-1AA26B934B71}" destId="{53BD6231-3DFE-431F-8D0C-C2EE5F431215}" srcOrd="0" destOrd="0" parTransId="{55C08119-F190-4569-BB1D-4D4C7A2B693E}" sibTransId="{32B5B4DC-331B-4BF3-8A4C-BCB2317F24A4}"/>
     <dgm:cxn modelId="{3902E448-AB3D-45EB-B94D-11209D0F1EC8}" type="presParOf" srcId="{C647C14C-60E2-48E5-85A4-92CF88C6F009}" destId="{7FBC73CD-6899-48F0-97D2-0FAF099D00D7}" srcOrd="0" destOrd="0" presId="urn:microsoft.com/office/officeart/2005/8/layout/hierarchy6"/>
     <dgm:cxn modelId="{11592FFD-A907-454A-9353-C7F64E209C55}" type="presParOf" srcId="{7FBC73CD-6899-48F0-97D2-0FAF099D00D7}" destId="{345ABD8D-1ABA-4A43-A568-C10F9BC71744}" srcOrd="0" destOrd="0" presId="urn:microsoft.com/office/officeart/2005/8/layout/hierarchy6"/>
@@ -3667,30 +3764,38 @@
     <dgm:cxn modelId="{8BB767B0-6A09-4499-A930-4E00FD8CEFEE}" type="presParOf" srcId="{DCCD5EFE-7876-4BE0-8B52-0B8CAA5B5D98}" destId="{CF8D64B8-D61F-466F-8ABA-43D7D9B04C06}" srcOrd="1" destOrd="0" presId="urn:microsoft.com/office/officeart/2005/8/layout/hierarchy6"/>
     <dgm:cxn modelId="{82B43CFA-A9DB-44AC-9927-B7260249ABD7}" type="presParOf" srcId="{CF8D64B8-D61F-466F-8ABA-43D7D9B04C06}" destId="{0ECD015A-E51F-4E92-93F8-42CA82FE8288}" srcOrd="0" destOrd="0" presId="urn:microsoft.com/office/officeart/2005/8/layout/hierarchy6"/>
     <dgm:cxn modelId="{6E917304-E215-4C62-86A7-18A940FE52D1}" type="presParOf" srcId="{CF8D64B8-D61F-466F-8ABA-43D7D9B04C06}" destId="{26362DDC-DD1A-4BB8-AE23-6E6A6745B19C}" srcOrd="1" destOrd="0" presId="urn:microsoft.com/office/officeart/2005/8/layout/hierarchy6"/>
-    <dgm:cxn modelId="{0439A9AA-9240-4459-A9B6-D1A2EBDB2E0F}" type="presParOf" srcId="{26362DDC-DD1A-4BB8-AE23-6E6A6745B19C}" destId="{53BE28EF-99A8-45D2-A439-B1144FBC3954}" srcOrd="0" destOrd="0" presId="urn:microsoft.com/office/officeart/2005/8/layout/hierarchy6"/>
-    <dgm:cxn modelId="{F8925640-3197-400C-9CBA-F87B042F7652}" type="presParOf" srcId="{26362DDC-DD1A-4BB8-AE23-6E6A6745B19C}" destId="{D3FD43ED-49D9-4CB5-A2F0-DFC7987DD202}" srcOrd="1" destOrd="0" presId="urn:microsoft.com/office/officeart/2005/8/layout/hierarchy6"/>
-    <dgm:cxn modelId="{C984A278-866D-44B4-8D64-85F866987A6F}" type="presParOf" srcId="{D3FD43ED-49D9-4CB5-A2F0-DFC7987DD202}" destId="{C24AA9F1-E100-43C5-9B3E-E49BBE5DF731}" srcOrd="0" destOrd="0" presId="urn:microsoft.com/office/officeart/2005/8/layout/hierarchy6"/>
-    <dgm:cxn modelId="{ABB19E21-5C1E-4175-B538-C8486E3BF7B9}" type="presParOf" srcId="{D3FD43ED-49D9-4CB5-A2F0-DFC7987DD202}" destId="{85A47341-493F-4C78-B925-6D17CBFED368}" srcOrd="1" destOrd="0" presId="urn:microsoft.com/office/officeart/2005/8/layout/hierarchy6"/>
-    <dgm:cxn modelId="{AE8CABED-AF5E-46D9-BBFF-D8E79DD070B5}" type="presParOf" srcId="{85A47341-493F-4C78-B925-6D17CBFED368}" destId="{E6F5C1DA-D308-408B-88C1-7DE98E99F690}" srcOrd="0" destOrd="0" presId="urn:microsoft.com/office/officeart/2005/8/layout/hierarchy6"/>
-    <dgm:cxn modelId="{275DF185-C525-4072-AA3E-15FBC62F64D6}" type="presParOf" srcId="{85A47341-493F-4C78-B925-6D17CBFED368}" destId="{8F5D01B4-3E5A-4BD4-B68D-CC352A4E8257}" srcOrd="1" destOrd="0" presId="urn:microsoft.com/office/officeart/2005/8/layout/hierarchy6"/>
-    <dgm:cxn modelId="{BEB2DB13-8F19-4220-A029-2AF853F2FCCD}" type="presParOf" srcId="{8F5D01B4-3E5A-4BD4-B68D-CC352A4E8257}" destId="{EA7FACE5-B0A2-41B9-9E88-2A0B6E6837A7}" srcOrd="0" destOrd="0" presId="urn:microsoft.com/office/officeart/2005/8/layout/hierarchy6"/>
-    <dgm:cxn modelId="{9096CAFF-8765-418D-BA11-547994F72705}" type="presParOf" srcId="{8F5D01B4-3E5A-4BD4-B68D-CC352A4E8257}" destId="{82E4EAC8-6C7E-4BD1-AF27-FEF63E238D7B}" srcOrd="1" destOrd="0" presId="urn:microsoft.com/office/officeart/2005/8/layout/hierarchy6"/>
-    <dgm:cxn modelId="{16438145-D925-4D79-8219-B8CB25853855}" type="presParOf" srcId="{82E4EAC8-6C7E-4BD1-AF27-FEF63E238D7B}" destId="{D2FA8DCC-89A3-4CB1-9FF9-7F8B664B0AF9}" srcOrd="0" destOrd="0" presId="urn:microsoft.com/office/officeart/2005/8/layout/hierarchy6"/>
-    <dgm:cxn modelId="{4CD8CE3F-0C4B-4B6A-BE93-8A3D2003EF55}" type="presParOf" srcId="{82E4EAC8-6C7E-4BD1-AF27-FEF63E238D7B}" destId="{2B314F4B-35F2-4267-A97E-CAD08F585A27}" srcOrd="1" destOrd="0" presId="urn:microsoft.com/office/officeart/2005/8/layout/hierarchy6"/>
-    <dgm:cxn modelId="{FC29D4D3-E00A-4875-8C1D-622495C104EB}" type="presParOf" srcId="{2B314F4B-35F2-4267-A97E-CAD08F585A27}" destId="{693E7B0F-4C3D-48FF-A291-A297AD09F19A}" srcOrd="0" destOrd="0" presId="urn:microsoft.com/office/officeart/2005/8/layout/hierarchy6"/>
-    <dgm:cxn modelId="{24C0CF3F-A2E1-4B3D-8C81-D427B034F0EC}" type="presParOf" srcId="{2B314F4B-35F2-4267-A97E-CAD08F585A27}" destId="{24E3E993-3795-4816-83E6-9D2D429CDF86}" srcOrd="1" destOrd="0" presId="urn:microsoft.com/office/officeart/2005/8/layout/hierarchy6"/>
-    <dgm:cxn modelId="{09606EDE-1E30-4934-8149-B171C098CF44}" type="presParOf" srcId="{26362DDC-DD1A-4BB8-AE23-6E6A6745B19C}" destId="{DDEF067D-8035-4EE8-B26D-F9EF3FCB2EBB}" srcOrd="2" destOrd="0" presId="urn:microsoft.com/office/officeart/2005/8/layout/hierarchy6"/>
-    <dgm:cxn modelId="{1461CD67-C466-43B2-A191-331DB9908B56}" type="presParOf" srcId="{26362DDC-DD1A-4BB8-AE23-6E6A6745B19C}" destId="{5C701B20-89F4-4F50-9BD5-3E008C6D7DE6}" srcOrd="3" destOrd="0" presId="urn:microsoft.com/office/officeart/2005/8/layout/hierarchy6"/>
-    <dgm:cxn modelId="{2E1B8D0B-C360-4CCB-A244-679BA45047F7}" type="presParOf" srcId="{5C701B20-89F4-4F50-9BD5-3E008C6D7DE6}" destId="{C506A8BA-439E-4716-BD26-721A6F281A37}" srcOrd="0" destOrd="0" presId="urn:microsoft.com/office/officeart/2005/8/layout/hierarchy6"/>
-    <dgm:cxn modelId="{86A67DED-D2BB-464C-AC2B-DB97D7CB8317}" type="presParOf" srcId="{5C701B20-89F4-4F50-9BD5-3E008C6D7DE6}" destId="{0D14266D-155E-47D2-BD04-D1ADB411484B}" srcOrd="1" destOrd="0" presId="urn:microsoft.com/office/officeart/2005/8/layout/hierarchy6"/>
-    <dgm:cxn modelId="{0A13449E-0A44-4FB3-9D73-C4D39F328B7E}" type="presParOf" srcId="{0D14266D-155E-47D2-BD04-D1ADB411484B}" destId="{D15C5AB9-F1E9-4D5E-85C9-5C93CA672A4C}" srcOrd="0" destOrd="0" presId="urn:microsoft.com/office/officeart/2005/8/layout/hierarchy6"/>
-    <dgm:cxn modelId="{17A2E7E4-49CA-45A7-877A-5100F4B30349}" type="presParOf" srcId="{0D14266D-155E-47D2-BD04-D1ADB411484B}" destId="{E8E838FA-19ED-40BF-9663-79F2E95A96F0}" srcOrd="1" destOrd="0" presId="urn:microsoft.com/office/officeart/2005/8/layout/hierarchy6"/>
-    <dgm:cxn modelId="{D09E5E34-5337-4079-AE16-1D81C76E1C07}" type="presParOf" srcId="{E8E838FA-19ED-40BF-9663-79F2E95A96F0}" destId="{1F02E85D-CEC4-408D-AADB-4E14B7734CE4}" srcOrd="0" destOrd="0" presId="urn:microsoft.com/office/officeart/2005/8/layout/hierarchy6"/>
-    <dgm:cxn modelId="{FD11DDDE-AE62-4D4E-90B8-B5B7F5F471EF}" type="presParOf" srcId="{E8E838FA-19ED-40BF-9663-79F2E95A96F0}" destId="{0DDA1025-F861-46DE-9999-4C9FF60F2BA1}" srcOrd="1" destOrd="0" presId="urn:microsoft.com/office/officeart/2005/8/layout/hierarchy6"/>
-    <dgm:cxn modelId="{4ADCC184-D0B3-4002-9DFC-83BBA7456455}" type="presParOf" srcId="{0DDA1025-F861-46DE-9999-4C9FF60F2BA1}" destId="{2B44D44D-9C15-4BE4-8857-6902DD216E02}" srcOrd="0" destOrd="0" presId="urn:microsoft.com/office/officeart/2005/8/layout/hierarchy6"/>
-    <dgm:cxn modelId="{E745F990-BA7A-4BC9-8A58-EFC60EDF67B7}" type="presParOf" srcId="{0DDA1025-F861-46DE-9999-4C9FF60F2BA1}" destId="{52E0AE4D-5240-4116-8871-F00A2F071C25}" srcOrd="1" destOrd="0" presId="urn:microsoft.com/office/officeart/2005/8/layout/hierarchy6"/>
-    <dgm:cxn modelId="{03AEEAB2-50A0-4E05-9B25-7FA0521EBD80}" type="presParOf" srcId="{52E0AE4D-5240-4116-8871-F00A2F071C25}" destId="{03CEC701-59F7-4F6F-A2FB-6D1193C6C0E9}" srcOrd="0" destOrd="0" presId="urn:microsoft.com/office/officeart/2005/8/layout/hierarchy6"/>
-    <dgm:cxn modelId="{2FB391A1-BF1A-4FE7-9853-D253D45DB6A7}" type="presParOf" srcId="{52E0AE4D-5240-4116-8871-F00A2F071C25}" destId="{70C641D7-008F-491D-A8A1-389516750A5F}" srcOrd="1" destOrd="0" presId="urn:microsoft.com/office/officeart/2005/8/layout/hierarchy6"/>
+    <dgm:cxn modelId="{048C80AE-7F63-456A-80EF-00193FD223B3}" type="presParOf" srcId="{26362DDC-DD1A-4BB8-AE23-6E6A6745B19C}" destId="{6BED99B3-E35D-4479-BD8F-C89911CBA7D9}" srcOrd="0" destOrd="0" presId="urn:microsoft.com/office/officeart/2005/8/layout/hierarchy6"/>
+    <dgm:cxn modelId="{DB35C91B-BE5B-4B69-AB39-74BF0AA8DC02}" type="presParOf" srcId="{26362DDC-DD1A-4BB8-AE23-6E6A6745B19C}" destId="{37DA590A-EC83-4F01-B5EE-14F5DB4C53FE}" srcOrd="1" destOrd="0" presId="urn:microsoft.com/office/officeart/2005/8/layout/hierarchy6"/>
+    <dgm:cxn modelId="{96900D70-D0B4-4E73-A50D-42F928E32990}" type="presParOf" srcId="{37DA590A-EC83-4F01-B5EE-14F5DB4C53FE}" destId="{ABF86001-E192-4808-9A98-9489CE78A520}" srcOrd="0" destOrd="0" presId="urn:microsoft.com/office/officeart/2005/8/layout/hierarchy6"/>
+    <dgm:cxn modelId="{BAF06293-1E72-4F38-8BFF-AE257287F66B}" type="presParOf" srcId="{37DA590A-EC83-4F01-B5EE-14F5DB4C53FE}" destId="{A57B7B44-3E4C-4B57-8449-BFA97DBBEAD8}" srcOrd="1" destOrd="0" presId="urn:microsoft.com/office/officeart/2005/8/layout/hierarchy6"/>
+    <dgm:cxn modelId="{80AC2B3E-2F82-4CD3-8924-B3269D5A3374}" type="presParOf" srcId="{A57B7B44-3E4C-4B57-8449-BFA97DBBEAD8}" destId="{FBB1584B-E4A3-46AD-B9FF-73233513DEC5}" srcOrd="0" destOrd="0" presId="urn:microsoft.com/office/officeart/2005/8/layout/hierarchy6"/>
+    <dgm:cxn modelId="{2821E519-6A0E-484B-B800-32E21EB5E095}" type="presParOf" srcId="{A57B7B44-3E4C-4B57-8449-BFA97DBBEAD8}" destId="{A54E2C43-0C62-4198-8BEA-4CA1935FF591}" srcOrd="1" destOrd="0" presId="urn:microsoft.com/office/officeart/2005/8/layout/hierarchy6"/>
+    <dgm:cxn modelId="{583E96A6-4771-4AE2-B768-AE10D8606B32}" type="presParOf" srcId="{A54E2C43-0C62-4198-8BEA-4CA1935FF591}" destId="{692E1C15-5EDE-45B5-A9AC-7A0D80148EC4}" srcOrd="0" destOrd="0" presId="urn:microsoft.com/office/officeart/2005/8/layout/hierarchy6"/>
+    <dgm:cxn modelId="{4D344168-D95A-41BA-880F-C6F91A90F906}" type="presParOf" srcId="{A54E2C43-0C62-4198-8BEA-4CA1935FF591}" destId="{5EAD126F-0496-4AAF-82E4-5CF5CF0D0EDA}" srcOrd="1" destOrd="0" presId="urn:microsoft.com/office/officeart/2005/8/layout/hierarchy6"/>
+    <dgm:cxn modelId="{2170D084-A016-46CF-9117-8F5EA379E5F7}" type="presParOf" srcId="{26362DDC-DD1A-4BB8-AE23-6E6A6745B19C}" destId="{53BE28EF-99A8-45D2-A439-B1144FBC3954}" srcOrd="2" destOrd="0" presId="urn:microsoft.com/office/officeart/2005/8/layout/hierarchy6"/>
+    <dgm:cxn modelId="{121FB79C-F967-458D-9DD2-D98D3992EBA8}" type="presParOf" srcId="{26362DDC-DD1A-4BB8-AE23-6E6A6745B19C}" destId="{D3FD43ED-49D9-4CB5-A2F0-DFC7987DD202}" srcOrd="3" destOrd="0" presId="urn:microsoft.com/office/officeart/2005/8/layout/hierarchy6"/>
+    <dgm:cxn modelId="{6EC57608-2270-40CA-989D-5A1A83915AD7}" type="presParOf" srcId="{D3FD43ED-49D9-4CB5-A2F0-DFC7987DD202}" destId="{C24AA9F1-E100-43C5-9B3E-E49BBE5DF731}" srcOrd="0" destOrd="0" presId="urn:microsoft.com/office/officeart/2005/8/layout/hierarchy6"/>
+    <dgm:cxn modelId="{F5D3CA1D-C553-428B-9423-67CBA412D621}" type="presParOf" srcId="{D3FD43ED-49D9-4CB5-A2F0-DFC7987DD202}" destId="{85A47341-493F-4C78-B925-6D17CBFED368}" srcOrd="1" destOrd="0" presId="urn:microsoft.com/office/officeart/2005/8/layout/hierarchy6"/>
+    <dgm:cxn modelId="{0763770C-D601-4103-8BB0-57AF7365C688}" type="presParOf" srcId="{85A47341-493F-4C78-B925-6D17CBFED368}" destId="{E6F5C1DA-D308-408B-88C1-7DE98E99F690}" srcOrd="0" destOrd="0" presId="urn:microsoft.com/office/officeart/2005/8/layout/hierarchy6"/>
+    <dgm:cxn modelId="{1C2F2B84-45E1-4D0C-AA3B-7F9554EB0B75}" type="presParOf" srcId="{85A47341-493F-4C78-B925-6D17CBFED368}" destId="{8F5D01B4-3E5A-4BD4-B68D-CC352A4E8257}" srcOrd="1" destOrd="0" presId="urn:microsoft.com/office/officeart/2005/8/layout/hierarchy6"/>
+    <dgm:cxn modelId="{985F10EB-25E3-4056-B114-66DE1A909632}" type="presParOf" srcId="{8F5D01B4-3E5A-4BD4-B68D-CC352A4E8257}" destId="{EA7FACE5-B0A2-41B9-9E88-2A0B6E6837A7}" srcOrd="0" destOrd="0" presId="urn:microsoft.com/office/officeart/2005/8/layout/hierarchy6"/>
+    <dgm:cxn modelId="{1BDD5712-3AAD-430B-8DDF-5AB9E190B2AF}" type="presParOf" srcId="{8F5D01B4-3E5A-4BD4-B68D-CC352A4E8257}" destId="{82E4EAC8-6C7E-4BD1-AF27-FEF63E238D7B}" srcOrd="1" destOrd="0" presId="urn:microsoft.com/office/officeart/2005/8/layout/hierarchy6"/>
+    <dgm:cxn modelId="{0FA54F9A-7D22-4FA5-9CE6-E1007529ACC9}" type="presParOf" srcId="{82E4EAC8-6C7E-4BD1-AF27-FEF63E238D7B}" destId="{D2FA8DCC-89A3-4CB1-9FF9-7F8B664B0AF9}" srcOrd="0" destOrd="0" presId="urn:microsoft.com/office/officeart/2005/8/layout/hierarchy6"/>
+    <dgm:cxn modelId="{A0216B2A-6907-4BB6-BC77-5CE3B6BF72F6}" type="presParOf" srcId="{82E4EAC8-6C7E-4BD1-AF27-FEF63E238D7B}" destId="{2B314F4B-35F2-4267-A97E-CAD08F585A27}" srcOrd="1" destOrd="0" presId="urn:microsoft.com/office/officeart/2005/8/layout/hierarchy6"/>
+    <dgm:cxn modelId="{1D8C6784-F197-41A1-BF2F-4F344EA27BB2}" type="presParOf" srcId="{2B314F4B-35F2-4267-A97E-CAD08F585A27}" destId="{693E7B0F-4C3D-48FF-A291-A297AD09F19A}" srcOrd="0" destOrd="0" presId="urn:microsoft.com/office/officeart/2005/8/layout/hierarchy6"/>
+    <dgm:cxn modelId="{42505959-6F34-43DD-8FA6-71362AE3486D}" type="presParOf" srcId="{2B314F4B-35F2-4267-A97E-CAD08F585A27}" destId="{24E3E993-3795-4816-83E6-9D2D429CDF86}" srcOrd="1" destOrd="0" presId="urn:microsoft.com/office/officeart/2005/8/layout/hierarchy6"/>
+    <dgm:cxn modelId="{21422CEB-DF9D-4AA4-897D-3DDF3E9EB0E0}" type="presParOf" srcId="{26362DDC-DD1A-4BB8-AE23-6E6A6745B19C}" destId="{DDEF067D-8035-4EE8-B26D-F9EF3FCB2EBB}" srcOrd="4" destOrd="0" presId="urn:microsoft.com/office/officeart/2005/8/layout/hierarchy6"/>
+    <dgm:cxn modelId="{29FFEA81-C0DB-4DAB-BF72-A30A7680D16B}" type="presParOf" srcId="{26362DDC-DD1A-4BB8-AE23-6E6A6745B19C}" destId="{5C701B20-89F4-4F50-9BD5-3E008C6D7DE6}" srcOrd="5" destOrd="0" presId="urn:microsoft.com/office/officeart/2005/8/layout/hierarchy6"/>
+    <dgm:cxn modelId="{12E7BBA9-3832-4066-BB2A-B7870E5F6400}" type="presParOf" srcId="{5C701B20-89F4-4F50-9BD5-3E008C6D7DE6}" destId="{C506A8BA-439E-4716-BD26-721A6F281A37}" srcOrd="0" destOrd="0" presId="urn:microsoft.com/office/officeart/2005/8/layout/hierarchy6"/>
+    <dgm:cxn modelId="{56583343-1BD3-45F4-A499-AC6727E06FC5}" type="presParOf" srcId="{5C701B20-89F4-4F50-9BD5-3E008C6D7DE6}" destId="{0D14266D-155E-47D2-BD04-D1ADB411484B}" srcOrd="1" destOrd="0" presId="urn:microsoft.com/office/officeart/2005/8/layout/hierarchy6"/>
+    <dgm:cxn modelId="{ACEF95C2-9488-4E7A-9F26-5DC86F7BDD26}" type="presParOf" srcId="{0D14266D-155E-47D2-BD04-D1ADB411484B}" destId="{D15C5AB9-F1E9-4D5E-85C9-5C93CA672A4C}" srcOrd="0" destOrd="0" presId="urn:microsoft.com/office/officeart/2005/8/layout/hierarchy6"/>
+    <dgm:cxn modelId="{34D746D1-4A0B-4F8D-9E69-C19C0396B69C}" type="presParOf" srcId="{0D14266D-155E-47D2-BD04-D1ADB411484B}" destId="{E8E838FA-19ED-40BF-9663-79F2E95A96F0}" srcOrd="1" destOrd="0" presId="urn:microsoft.com/office/officeart/2005/8/layout/hierarchy6"/>
+    <dgm:cxn modelId="{3FAFD0F2-9B13-4331-ADDB-557CD2F311FA}" type="presParOf" srcId="{E8E838FA-19ED-40BF-9663-79F2E95A96F0}" destId="{1F02E85D-CEC4-408D-AADB-4E14B7734CE4}" srcOrd="0" destOrd="0" presId="urn:microsoft.com/office/officeart/2005/8/layout/hierarchy6"/>
+    <dgm:cxn modelId="{2257364A-AB0E-467C-8C2A-76B51892382C}" type="presParOf" srcId="{E8E838FA-19ED-40BF-9663-79F2E95A96F0}" destId="{0DDA1025-F861-46DE-9999-4C9FF60F2BA1}" srcOrd="1" destOrd="0" presId="urn:microsoft.com/office/officeart/2005/8/layout/hierarchy6"/>
+    <dgm:cxn modelId="{B0824BCF-B81D-43BB-A699-2E09D140242A}" type="presParOf" srcId="{0DDA1025-F861-46DE-9999-4C9FF60F2BA1}" destId="{2B44D44D-9C15-4BE4-8857-6902DD216E02}" srcOrd="0" destOrd="0" presId="urn:microsoft.com/office/officeart/2005/8/layout/hierarchy6"/>
+    <dgm:cxn modelId="{7DC290B7-8188-498F-A744-24A7FAABEBE2}" type="presParOf" srcId="{0DDA1025-F861-46DE-9999-4C9FF60F2BA1}" destId="{52E0AE4D-5240-4116-8871-F00A2F071C25}" srcOrd="1" destOrd="0" presId="urn:microsoft.com/office/officeart/2005/8/layout/hierarchy6"/>
+    <dgm:cxn modelId="{6DBA4847-8568-482C-ADDE-6AC87A30A22E}" type="presParOf" srcId="{52E0AE4D-5240-4116-8871-F00A2F071C25}" destId="{03CEC701-59F7-4F6F-A2FB-6D1193C6C0E9}" srcOrd="0" destOrd="0" presId="urn:microsoft.com/office/officeart/2005/8/layout/hierarchy6"/>
+    <dgm:cxn modelId="{814B7019-B513-4F96-A725-3491E330E938}" type="presParOf" srcId="{52E0AE4D-5240-4116-8871-F00A2F071C25}" destId="{70C641D7-008F-491D-A8A1-389516750A5F}" srcOrd="1" destOrd="0" presId="urn:microsoft.com/office/officeart/2005/8/layout/hierarchy6"/>
     <dgm:cxn modelId="{CB79AEE9-6809-42EA-9AD5-6E70DE0E6FD0}" type="presParOf" srcId="{DCCD5EFE-7876-4BE0-8B52-0B8CAA5B5D98}" destId="{6D500FE4-6E88-4115-B204-2A401C1E43A0}" srcOrd="2" destOrd="0" presId="urn:microsoft.com/office/officeart/2005/8/layout/hierarchy6"/>
     <dgm:cxn modelId="{7D3F0295-D9D6-4634-869C-4356D71EFEC4}" type="presParOf" srcId="{DCCD5EFE-7876-4BE0-8B52-0B8CAA5B5D98}" destId="{68735FE1-5986-4989-BCFA-E7980B972273}" srcOrd="3" destOrd="0" presId="urn:microsoft.com/office/officeart/2005/8/layout/hierarchy6"/>
     <dgm:cxn modelId="{BCD9E5E9-7130-4803-BED4-F5394D7BA591}" type="presParOf" srcId="{68735FE1-5986-4989-BCFA-E7980B972273}" destId="{1EE97BA3-462E-4247-9C64-D91A323268AC}" srcOrd="0" destOrd="0" presId="urn:microsoft.com/office/officeart/2005/8/layout/hierarchy6"/>
@@ -4218,8 +4323,8 @@
       </dsp:nvSpPr>
       <dsp:spPr>
         <a:xfrm>
-          <a:off x="4847025" y="3221"/>
-          <a:ext cx="1413653" cy="942435"/>
+          <a:off x="5316649" y="182413"/>
+          <a:ext cx="1332202" cy="888135"/>
         </a:xfrm>
         <a:prstGeom prst="roundRect">
           <a:avLst>
@@ -4285,8 +4390,8 @@
         </a:p>
       </dsp:txBody>
       <dsp:txXfrm>
-        <a:off x="4874628" y="30824"/>
-        <a:ext cx="1358447" cy="887229"/>
+        <a:off x="5342662" y="208426"/>
+        <a:ext cx="1280176" cy="836109"/>
       </dsp:txXfrm>
     </dsp:sp>
     <dsp:sp modelId="{41AB122B-081A-4865-AD38-E3670CB221C3}">
@@ -4296,8 +4401,8 @@
       </dsp:nvSpPr>
       <dsp:spPr>
         <a:xfrm>
-          <a:off x="3645512" y="945657"/>
-          <a:ext cx="1908340" cy="376974"/>
+          <a:off x="3751398" y="1070548"/>
+          <a:ext cx="2231352" cy="355254"/>
         </a:xfrm>
         <a:custGeom>
           <a:avLst/>
@@ -4308,16 +4413,16 @@
           <a:pathLst>
             <a:path>
               <a:moveTo>
-                <a:pt x="1908340" y="0"/>
+                <a:pt x="2231352" y="0"/>
               </a:moveTo>
               <a:lnTo>
-                <a:pt x="1908340" y="188487"/>
+                <a:pt x="2231352" y="177627"/>
               </a:lnTo>
               <a:lnTo>
-                <a:pt x="0" y="188487"/>
+                <a:pt x="0" y="177627"/>
               </a:lnTo>
               <a:lnTo>
-                <a:pt x="0" y="376974"/>
+                <a:pt x="0" y="355254"/>
               </a:lnTo>
             </a:path>
           </a:pathLst>
@@ -4357,8 +4462,8 @@
       </dsp:nvSpPr>
       <dsp:spPr>
         <a:xfrm>
-          <a:off x="2938685" y="1322631"/>
-          <a:ext cx="1413653" cy="942435"/>
+          <a:off x="3085296" y="1425802"/>
+          <a:ext cx="1332202" cy="888135"/>
         </a:xfrm>
         <a:prstGeom prst="roundRect">
           <a:avLst>
@@ -4442,19 +4547,19 @@
         </a:p>
       </dsp:txBody>
       <dsp:txXfrm>
-        <a:off x="2966288" y="1350234"/>
-        <a:ext cx="1358447" cy="887229"/>
+        <a:off x="3111309" y="1451815"/>
+        <a:ext cx="1280176" cy="836109"/>
       </dsp:txXfrm>
     </dsp:sp>
-    <dsp:sp modelId="{53BE28EF-99A8-45D2-A439-B1144FBC3954}">
+    <dsp:sp modelId="{6BED99B3-E35D-4479-BD8F-C89911CBA7D9}">
       <dsp:nvSpPr>
         <dsp:cNvPr id="0" name=""/>
         <dsp:cNvSpPr/>
       </dsp:nvSpPr>
       <dsp:spPr>
         <a:xfrm>
-          <a:off x="2576125" y="2265066"/>
-          <a:ext cx="1069386" cy="376974"/>
+          <a:off x="1886487" y="2313937"/>
+          <a:ext cx="1864910" cy="355254"/>
         </a:xfrm>
         <a:custGeom>
           <a:avLst/>
@@ -4465,16 +4570,296 @@
           <a:pathLst>
             <a:path>
               <a:moveTo>
-                <a:pt x="1069386" y="0"/>
+                <a:pt x="1864910" y="0"/>
               </a:moveTo>
               <a:lnTo>
-                <a:pt x="1069386" y="188487"/>
+                <a:pt x="1864910" y="177627"/>
               </a:lnTo>
               <a:lnTo>
-                <a:pt x="0" y="188487"/>
+                <a:pt x="0" y="177627"/>
               </a:lnTo>
               <a:lnTo>
-                <a:pt x="0" y="376974"/>
+                <a:pt x="0" y="355254"/>
+              </a:lnTo>
+            </a:path>
+          </a:pathLst>
+        </a:custGeom>
+        <a:noFill/>
+        <a:ln w="34925" cap="flat" cmpd="sng" algn="in">
+          <a:solidFill>
+            <a:schemeClr val="accent3">
+              <a:hueOff val="0"/>
+              <a:satOff val="0"/>
+              <a:lumOff val="0"/>
+              <a:alphaOff val="0"/>
+            </a:schemeClr>
+          </a:solidFill>
+          <a:prstDash val="solid"/>
+        </a:ln>
+        <a:effectLst/>
+        <a:scene3d>
+          <a:camera prst="orthographicFront"/>
+          <a:lightRig rig="chilly" dir="t"/>
+        </a:scene3d>
+        <a:sp3d z="-40000" prstMaterial="matte"/>
+      </dsp:spPr>
+      <dsp:style>
+        <a:lnRef idx="2">
+          <a:scrgbClr r="0" g="0" b="0"/>
+        </a:lnRef>
+        <a:fillRef idx="0">
+          <a:scrgbClr r="0" g="0" b="0"/>
+        </a:fillRef>
+        <a:effectRef idx="0">
+          <a:scrgbClr r="0" g="0" b="0"/>
+        </a:effectRef>
+        <a:fontRef idx="minor"/>
+      </dsp:style>
+    </dsp:sp>
+    <dsp:sp modelId="{ABF86001-E192-4808-9A98-9489CE78A520}">
+      <dsp:nvSpPr>
+        <dsp:cNvPr id="0" name=""/>
+        <dsp:cNvSpPr/>
+      </dsp:nvSpPr>
+      <dsp:spPr>
+        <a:xfrm>
+          <a:off x="1220386" y="2669191"/>
+          <a:ext cx="1332202" cy="888135"/>
+        </a:xfrm>
+        <a:prstGeom prst="roundRect">
+          <a:avLst>
+            <a:gd name="adj" fmla="val 10000"/>
+          </a:avLst>
+        </a:prstGeom>
+        <a:solidFill>
+          <a:schemeClr val="accent3">
+            <a:hueOff val="0"/>
+            <a:satOff val="0"/>
+            <a:lumOff val="0"/>
+            <a:alphaOff val="0"/>
+          </a:schemeClr>
+        </a:solidFill>
+        <a:ln>
+          <a:noFill/>
+        </a:ln>
+        <a:effectLst/>
+        <a:scene3d>
+          <a:camera prst="orthographicFront"/>
+          <a:lightRig rig="chilly" dir="t"/>
+        </a:scene3d>
+        <a:sp3d prstMaterial="translucentPowder">
+          <a:bevelT w="127000" h="25400" prst="softRound"/>
+        </a:sp3d>
+      </dsp:spPr>
+      <dsp:style>
+        <a:lnRef idx="0">
+          <a:scrgbClr r="0" g="0" b="0"/>
+        </a:lnRef>
+        <a:fillRef idx="1">
+          <a:scrgbClr r="0" g="0" b="0"/>
+        </a:fillRef>
+        <a:effectRef idx="0">
+          <a:scrgbClr r="0" g="0" b="0"/>
+        </a:effectRef>
+        <a:fontRef idx="minor">
+          <a:schemeClr val="lt1"/>
+        </a:fontRef>
+      </dsp:style>
+      <dsp:txBody>
+        <a:bodyPr spcFirstLastPara="0" vert="horz" wrap="square" lIns="57150" tIns="57150" rIns="57150" bIns="57150" numCol="1" spcCol="1270" anchor="ctr" anchorCtr="0">
+          <a:noAutofit/>
+        </a:bodyPr>
+        <a:lstStyle/>
+        <a:p>
+          <a:pPr marL="0" lvl="0" indent="0" algn="ctr" defTabSz="666750">
+            <a:lnSpc>
+              <a:spcPct val="90000"/>
+            </a:lnSpc>
+            <a:spcBef>
+              <a:spcPct val="0"/>
+            </a:spcBef>
+            <a:spcAft>
+              <a:spcPct val="35000"/>
+            </a:spcAft>
+            <a:buNone/>
+          </a:pPr>
+          <a:r>
+            <a:rPr lang="es-AR" sz="1500" kern="1200" dirty="0"/>
+            <a:t>TIMER</a:t>
+          </a:r>
+        </a:p>
+      </dsp:txBody>
+      <dsp:txXfrm>
+        <a:off x="1246399" y="2695204"/>
+        <a:ext cx="1280176" cy="836109"/>
+      </dsp:txXfrm>
+    </dsp:sp>
+    <dsp:sp modelId="{FBB1584B-E4A3-46AD-B9FF-73233513DEC5}">
+      <dsp:nvSpPr>
+        <dsp:cNvPr id="0" name=""/>
+        <dsp:cNvSpPr/>
+      </dsp:nvSpPr>
+      <dsp:spPr>
+        <a:xfrm>
+          <a:off x="1840767" y="3557326"/>
+          <a:ext cx="91440" cy="355254"/>
+        </a:xfrm>
+        <a:custGeom>
+          <a:avLst/>
+          <a:gdLst/>
+          <a:ahLst/>
+          <a:cxnLst/>
+          <a:rect l="0" t="0" r="0" b="0"/>
+          <a:pathLst>
+            <a:path>
+              <a:moveTo>
+                <a:pt x="45720" y="0"/>
+              </a:moveTo>
+              <a:lnTo>
+                <a:pt x="45720" y="355254"/>
+              </a:lnTo>
+            </a:path>
+          </a:pathLst>
+        </a:custGeom>
+        <a:noFill/>
+        <a:ln w="34925" cap="flat" cmpd="sng" algn="in">
+          <a:solidFill>
+            <a:schemeClr val="accent4">
+              <a:hueOff val="0"/>
+              <a:satOff val="0"/>
+              <a:lumOff val="0"/>
+              <a:alphaOff val="0"/>
+            </a:schemeClr>
+          </a:solidFill>
+          <a:prstDash val="solid"/>
+        </a:ln>
+        <a:effectLst/>
+        <a:scene3d>
+          <a:camera prst="orthographicFront"/>
+          <a:lightRig rig="chilly" dir="t"/>
+        </a:scene3d>
+        <a:sp3d z="-40000" prstMaterial="matte"/>
+      </dsp:spPr>
+      <dsp:style>
+        <a:lnRef idx="2">
+          <a:scrgbClr r="0" g="0" b="0"/>
+        </a:lnRef>
+        <a:fillRef idx="0">
+          <a:scrgbClr r="0" g="0" b="0"/>
+        </a:fillRef>
+        <a:effectRef idx="0">
+          <a:scrgbClr r="0" g="0" b="0"/>
+        </a:effectRef>
+        <a:fontRef idx="minor"/>
+      </dsp:style>
+    </dsp:sp>
+    <dsp:sp modelId="{692E1C15-5EDE-45B5-A9AC-7A0D80148EC4}">
+      <dsp:nvSpPr>
+        <dsp:cNvPr id="0" name=""/>
+        <dsp:cNvSpPr/>
+      </dsp:nvSpPr>
+      <dsp:spPr>
+        <a:xfrm>
+          <a:off x="1220386" y="3912580"/>
+          <a:ext cx="1332202" cy="888135"/>
+        </a:xfrm>
+        <a:prstGeom prst="roundRect">
+          <a:avLst>
+            <a:gd name="adj" fmla="val 10000"/>
+          </a:avLst>
+        </a:prstGeom>
+        <a:solidFill>
+          <a:schemeClr val="accent4">
+            <a:hueOff val="0"/>
+            <a:satOff val="0"/>
+            <a:lumOff val="0"/>
+            <a:alphaOff val="0"/>
+          </a:schemeClr>
+        </a:solidFill>
+        <a:ln>
+          <a:noFill/>
+        </a:ln>
+        <a:effectLst/>
+        <a:scene3d>
+          <a:camera prst="orthographicFront"/>
+          <a:lightRig rig="chilly" dir="t"/>
+        </a:scene3d>
+        <a:sp3d prstMaterial="translucentPowder">
+          <a:bevelT w="127000" h="25400" prst="softRound"/>
+        </a:sp3d>
+      </dsp:spPr>
+      <dsp:style>
+        <a:lnRef idx="0">
+          <a:scrgbClr r="0" g="0" b="0"/>
+        </a:lnRef>
+        <a:fillRef idx="1">
+          <a:scrgbClr r="0" g="0" b="0"/>
+        </a:fillRef>
+        <a:effectRef idx="0">
+          <a:scrgbClr r="0" g="0" b="0"/>
+        </a:effectRef>
+        <a:fontRef idx="minor">
+          <a:schemeClr val="lt1"/>
+        </a:fontRef>
+      </dsp:style>
+      <dsp:txBody>
+        <a:bodyPr spcFirstLastPara="0" vert="horz" wrap="square" lIns="57150" tIns="57150" rIns="57150" bIns="57150" numCol="1" spcCol="1270" anchor="ctr" anchorCtr="0">
+          <a:noAutofit/>
+        </a:bodyPr>
+        <a:lstStyle/>
+        <a:p>
+          <a:pPr marL="0" lvl="0" indent="0" algn="ctr" defTabSz="666750">
+            <a:lnSpc>
+              <a:spcPct val="90000"/>
+            </a:lnSpc>
+            <a:spcBef>
+              <a:spcPct val="0"/>
+            </a:spcBef>
+            <a:spcAft>
+              <a:spcPct val="35000"/>
+            </a:spcAft>
+            <a:buNone/>
+          </a:pPr>
+          <a:r>
+            <a:rPr lang="es-AR" sz="1500" kern="1200" dirty="0"/>
+            <a:t>SYSTICK</a:t>
+          </a:r>
+        </a:p>
+      </dsp:txBody>
+      <dsp:txXfrm>
+        <a:off x="1246399" y="3938593"/>
+        <a:ext cx="1280176" cy="836109"/>
+      </dsp:txXfrm>
+    </dsp:sp>
+    <dsp:sp modelId="{53BE28EF-99A8-45D2-A439-B1144FBC3954}">
+      <dsp:nvSpPr>
+        <dsp:cNvPr id="0" name=""/>
+        <dsp:cNvSpPr/>
+      </dsp:nvSpPr>
+      <dsp:spPr>
+        <a:xfrm>
+          <a:off x="3609558" y="2313937"/>
+          <a:ext cx="141839" cy="355254"/>
+        </a:xfrm>
+        <a:custGeom>
+          <a:avLst/>
+          <a:gdLst/>
+          <a:ahLst/>
+          <a:cxnLst/>
+          <a:rect l="0" t="0" r="0" b="0"/>
+          <a:pathLst>
+            <a:path>
+              <a:moveTo>
+                <a:pt x="141839" y="0"/>
+              </a:moveTo>
+              <a:lnTo>
+                <a:pt x="141839" y="177627"/>
+              </a:lnTo>
+              <a:lnTo>
+                <a:pt x="0" y="177627"/>
+              </a:lnTo>
+              <a:lnTo>
+                <a:pt x="0" y="355254"/>
               </a:lnTo>
             </a:path>
           </a:pathLst>
@@ -4518,8 +4903,8 @@
       </dsp:nvSpPr>
       <dsp:spPr>
         <a:xfrm>
-          <a:off x="1869299" y="2642041"/>
-          <a:ext cx="1413653" cy="942435"/>
+          <a:off x="2943457" y="2669191"/>
+          <a:ext cx="1332202" cy="888135"/>
         </a:xfrm>
         <a:prstGeom prst="roundRect">
           <a:avLst>
@@ -4603,8 +4988,8 @@
         </a:p>
       </dsp:txBody>
       <dsp:txXfrm>
-        <a:off x="1896902" y="2669644"/>
-        <a:ext cx="1358447" cy="887229"/>
+        <a:off x="2969470" y="2695204"/>
+        <a:ext cx="1280176" cy="836109"/>
       </dsp:txXfrm>
     </dsp:sp>
     <dsp:sp modelId="{E6F5C1DA-D308-408B-88C1-7DE98E99F690}">
@@ -4614,8 +4999,8 @@
       </dsp:nvSpPr>
       <dsp:spPr>
         <a:xfrm>
-          <a:off x="2530405" y="3584476"/>
-          <a:ext cx="91440" cy="376974"/>
+          <a:off x="3563838" y="3557326"/>
+          <a:ext cx="91440" cy="355254"/>
         </a:xfrm>
         <a:custGeom>
           <a:avLst/>
@@ -4629,13 +5014,13 @@
                 <a:pt x="45720" y="0"/>
               </a:moveTo>
               <a:lnTo>
-                <a:pt x="45720" y="188487"/>
+                <a:pt x="45720" y="177627"/>
               </a:lnTo>
               <a:lnTo>
-                <a:pt x="55050" y="188487"/>
+                <a:pt x="54512" y="177627"/>
               </a:lnTo>
               <a:lnTo>
-                <a:pt x="55050" y="376974"/>
+                <a:pt x="54512" y="355254"/>
               </a:lnTo>
             </a:path>
           </a:pathLst>
@@ -4679,8 +5064,8 @@
       </dsp:nvSpPr>
       <dsp:spPr>
         <a:xfrm>
-          <a:off x="1878629" y="3961451"/>
-          <a:ext cx="1413653" cy="942435"/>
+          <a:off x="2952249" y="3912580"/>
+          <a:ext cx="1332202" cy="888135"/>
         </a:xfrm>
         <a:prstGeom prst="roundRect">
           <a:avLst>
@@ -4746,8 +5131,8 @@
         </a:p>
       </dsp:txBody>
       <dsp:txXfrm>
-        <a:off x="1906232" y="3989054"/>
-        <a:ext cx="1358447" cy="887229"/>
+        <a:off x="2978262" y="3938593"/>
+        <a:ext cx="1280176" cy="836109"/>
       </dsp:txXfrm>
     </dsp:sp>
     <dsp:sp modelId="{D2FA8DCC-89A3-4CB1-9FF9-7F8B664B0AF9}">
@@ -4757,8 +5142,8 @@
       </dsp:nvSpPr>
       <dsp:spPr>
         <a:xfrm>
-          <a:off x="2539735" y="4903886"/>
-          <a:ext cx="91440" cy="376974"/>
+          <a:off x="3572631" y="4800715"/>
+          <a:ext cx="91440" cy="355254"/>
         </a:xfrm>
         <a:custGeom>
           <a:avLst/>
@@ -4772,7 +5157,7 @@
                 <a:pt x="45720" y="0"/>
               </a:moveTo>
               <a:lnTo>
-                <a:pt x="45720" y="376974"/>
+                <a:pt x="45720" y="355254"/>
               </a:lnTo>
             </a:path>
           </a:pathLst>
@@ -4816,8 +5201,8 @@
       </dsp:nvSpPr>
       <dsp:spPr>
         <a:xfrm>
-          <a:off x="1878629" y="5280860"/>
-          <a:ext cx="1413653" cy="942435"/>
+          <a:off x="2952249" y="5155969"/>
+          <a:ext cx="1332202" cy="888135"/>
         </a:xfrm>
         <a:prstGeom prst="roundRect">
           <a:avLst>
@@ -4883,8 +5268,8 @@
         </a:p>
       </dsp:txBody>
       <dsp:txXfrm>
-        <a:off x="1906232" y="5308463"/>
-        <a:ext cx="1358447" cy="887229"/>
+        <a:off x="2978262" y="5181982"/>
+        <a:ext cx="1280176" cy="836109"/>
       </dsp:txXfrm>
     </dsp:sp>
     <dsp:sp modelId="{DDEF067D-8035-4EE8-B26D-F9EF3FCB2EBB}">
@@ -4894,8 +5279,8 @@
       </dsp:nvSpPr>
       <dsp:spPr>
         <a:xfrm>
-          <a:off x="3645512" y="2265066"/>
-          <a:ext cx="865056" cy="371677"/>
+          <a:off x="3751398" y="2313937"/>
+          <a:ext cx="1681146" cy="350262"/>
         </a:xfrm>
         <a:custGeom>
           <a:avLst/>
@@ -4909,13 +5294,13 @@
                 <a:pt x="0" y="0"/>
               </a:moveTo>
               <a:lnTo>
-                <a:pt x="0" y="185838"/>
+                <a:pt x="0" y="175131"/>
               </a:lnTo>
               <a:lnTo>
-                <a:pt x="865056" y="185838"/>
+                <a:pt x="1681146" y="175131"/>
               </a:lnTo>
               <a:lnTo>
-                <a:pt x="865056" y="371677"/>
+                <a:pt x="1681146" y="350262"/>
               </a:lnTo>
             </a:path>
           </a:pathLst>
@@ -4959,8 +5344,8 @@
       </dsp:nvSpPr>
       <dsp:spPr>
         <a:xfrm>
-          <a:off x="3662560" y="2636744"/>
-          <a:ext cx="1696016" cy="942435"/>
+          <a:off x="4633396" y="2664200"/>
+          <a:ext cx="1598296" cy="888135"/>
         </a:xfrm>
         <a:prstGeom prst="roundRect">
           <a:avLst>
@@ -5026,8 +5411,8 @@
         </a:p>
       </dsp:txBody>
       <dsp:txXfrm>
-        <a:off x="3690163" y="2664347"/>
-        <a:ext cx="1640810" cy="887229"/>
+        <a:off x="4659409" y="2690213"/>
+        <a:ext cx="1546270" cy="836109"/>
       </dsp:txXfrm>
     </dsp:sp>
     <dsp:sp modelId="{D15C5AB9-F1E9-4D5E-85C9-5C93CA672A4C}">
@@ -5037,8 +5422,8 @@
       </dsp:nvSpPr>
       <dsp:spPr>
         <a:xfrm>
-          <a:off x="4464849" y="3579180"/>
-          <a:ext cx="91440" cy="382270"/>
+          <a:off x="5386824" y="3552335"/>
+          <a:ext cx="91440" cy="360245"/>
         </a:xfrm>
         <a:custGeom>
           <a:avLst/>
@@ -5052,13 +5437,13 @@
                 <a:pt x="45720" y="0"/>
               </a:moveTo>
               <a:lnTo>
-                <a:pt x="45720" y="191135"/>
+                <a:pt x="45720" y="180122"/>
               </a:lnTo>
               <a:lnTo>
-                <a:pt x="99537" y="191135"/>
+                <a:pt x="96436" y="180122"/>
               </a:lnTo>
               <a:lnTo>
-                <a:pt x="99537" y="382270"/>
+                <a:pt x="96436" y="360245"/>
               </a:lnTo>
             </a:path>
           </a:pathLst>
@@ -5102,8 +5487,8 @@
       </dsp:nvSpPr>
       <dsp:spPr>
         <a:xfrm>
-          <a:off x="3857560" y="3961451"/>
-          <a:ext cx="1413653" cy="942435"/>
+          <a:off x="4817160" y="3912580"/>
+          <a:ext cx="1332202" cy="888135"/>
         </a:xfrm>
         <a:prstGeom prst="roundRect">
           <a:avLst>
@@ -5169,8 +5554,8 @@
         </a:p>
       </dsp:txBody>
       <dsp:txXfrm>
-        <a:off x="3885163" y="3989054"/>
-        <a:ext cx="1358447" cy="887229"/>
+        <a:off x="4843173" y="3938593"/>
+        <a:ext cx="1280176" cy="836109"/>
       </dsp:txXfrm>
     </dsp:sp>
     <dsp:sp modelId="{2B44D44D-9C15-4BE4-8857-6902DD216E02}">
@@ -5180,8 +5565,8 @@
       </dsp:nvSpPr>
       <dsp:spPr>
         <a:xfrm>
-          <a:off x="4464622" y="4903886"/>
-          <a:ext cx="91440" cy="346948"/>
+          <a:off x="5386611" y="4800715"/>
+          <a:ext cx="91440" cy="326958"/>
         </a:xfrm>
         <a:custGeom>
           <a:avLst/>
@@ -5192,16 +5577,16 @@
           <a:pathLst>
             <a:path>
               <a:moveTo>
-                <a:pt x="99763" y="0"/>
+                <a:pt x="96650" y="0"/>
               </a:moveTo>
               <a:lnTo>
-                <a:pt x="99763" y="173474"/>
+                <a:pt x="96650" y="163479"/>
               </a:lnTo>
               <a:lnTo>
-                <a:pt x="45720" y="173474"/>
+                <a:pt x="45720" y="163479"/>
               </a:lnTo>
               <a:lnTo>
-                <a:pt x="45720" y="346948"/>
+                <a:pt x="45720" y="326958"/>
               </a:lnTo>
             </a:path>
           </a:pathLst>
@@ -5245,8 +5630,8 @@
       </dsp:nvSpPr>
       <dsp:spPr>
         <a:xfrm>
-          <a:off x="3803516" y="5250834"/>
-          <a:ext cx="1413653" cy="942435"/>
+          <a:off x="4766230" y="5127673"/>
+          <a:ext cx="1332202" cy="888135"/>
         </a:xfrm>
         <a:prstGeom prst="roundRect">
           <a:avLst>
@@ -5312,8 +5697,8 @@
         </a:p>
       </dsp:txBody>
       <dsp:txXfrm>
-        <a:off x="3831119" y="5278437"/>
-        <a:ext cx="1358447" cy="887229"/>
+        <a:off x="4792243" y="5153686"/>
+        <a:ext cx="1280176" cy="836109"/>
       </dsp:txXfrm>
     </dsp:sp>
     <dsp:sp modelId="{6D500FE4-6E88-4115-B204-2A401C1E43A0}">
@@ -5323,8 +5708,8 @@
       </dsp:nvSpPr>
       <dsp:spPr>
         <a:xfrm>
-          <a:off x="5553852" y="945657"/>
-          <a:ext cx="1908340" cy="376974"/>
+          <a:off x="5982750" y="1070548"/>
+          <a:ext cx="2231352" cy="355254"/>
         </a:xfrm>
         <a:custGeom>
           <a:avLst/>
@@ -5338,13 +5723,13 @@
                 <a:pt x="0" y="0"/>
               </a:moveTo>
               <a:lnTo>
-                <a:pt x="0" y="188487"/>
+                <a:pt x="0" y="177627"/>
               </a:lnTo>
               <a:lnTo>
-                <a:pt x="1908340" y="188487"/>
+                <a:pt x="2231352" y="177627"/>
               </a:lnTo>
               <a:lnTo>
-                <a:pt x="1908340" y="376974"/>
+                <a:pt x="2231352" y="355254"/>
               </a:lnTo>
             </a:path>
           </a:pathLst>
@@ -5384,8 +5769,8 @@
       </dsp:nvSpPr>
       <dsp:spPr>
         <a:xfrm>
-          <a:off x="6755365" y="1322631"/>
-          <a:ext cx="1413653" cy="942435"/>
+          <a:off x="7548002" y="1425802"/>
+          <a:ext cx="1332202" cy="888135"/>
         </a:xfrm>
         <a:prstGeom prst="roundRect">
           <a:avLst>
@@ -5469,8 +5854,8 @@
         </a:p>
       </dsp:txBody>
       <dsp:txXfrm>
-        <a:off x="6782968" y="1350234"/>
-        <a:ext cx="1358447" cy="887229"/>
+        <a:off x="7574015" y="1451815"/>
+        <a:ext cx="1280176" cy="836109"/>
       </dsp:txXfrm>
     </dsp:sp>
     <dsp:sp modelId="{6DFBC8DC-FB04-4552-ACB4-2C723637561B}">
@@ -5480,8 +5865,8 @@
       </dsp:nvSpPr>
       <dsp:spPr>
         <a:xfrm>
-          <a:off x="6581246" y="2265066"/>
-          <a:ext cx="880946" cy="364336"/>
+          <a:off x="7383914" y="2313937"/>
+          <a:ext cx="830188" cy="343344"/>
         </a:xfrm>
         <a:custGeom>
           <a:avLst/>
@@ -5492,16 +5877,16 @@
           <a:pathLst>
             <a:path>
               <a:moveTo>
-                <a:pt x="880946" y="0"/>
+                <a:pt x="830188" y="0"/>
               </a:moveTo>
               <a:lnTo>
-                <a:pt x="880946" y="182168"/>
+                <a:pt x="830188" y="171672"/>
               </a:lnTo>
               <a:lnTo>
-                <a:pt x="0" y="182168"/>
+                <a:pt x="0" y="171672"/>
               </a:lnTo>
               <a:lnTo>
-                <a:pt x="0" y="364336"/>
+                <a:pt x="0" y="343344"/>
               </a:lnTo>
             </a:path>
           </a:pathLst>
@@ -5545,8 +5930,8 @@
       </dsp:nvSpPr>
       <dsp:spPr>
         <a:xfrm>
-          <a:off x="5874419" y="2629403"/>
-          <a:ext cx="1413653" cy="942435"/>
+          <a:off x="6717813" y="2657281"/>
+          <a:ext cx="1332202" cy="888135"/>
         </a:xfrm>
         <a:prstGeom prst="roundRect">
           <a:avLst>
@@ -5612,8 +5997,8 @@
         </a:p>
       </dsp:txBody>
       <dsp:txXfrm>
-        <a:off x="5902022" y="2657006"/>
-        <a:ext cx="1358447" cy="887229"/>
+        <a:off x="6743826" y="2683294"/>
+        <a:ext cx="1280176" cy="836109"/>
       </dsp:txXfrm>
     </dsp:sp>
     <dsp:sp modelId="{190E5C43-FF52-41EF-BC65-4C3846DF4B2F}">
@@ -5623,8 +6008,8 @@
       </dsp:nvSpPr>
       <dsp:spPr>
         <a:xfrm>
-          <a:off x="6497597" y="3571838"/>
-          <a:ext cx="91440" cy="389612"/>
+          <a:off x="7302451" y="3545416"/>
+          <a:ext cx="91440" cy="367163"/>
         </a:xfrm>
         <a:custGeom>
           <a:avLst/>
@@ -5635,16 +6020,16 @@
           <a:pathLst>
             <a:path>
               <a:moveTo>
-                <a:pt x="83648" y="0"/>
+                <a:pt x="81462" y="0"/>
               </a:moveTo>
               <a:lnTo>
-                <a:pt x="83648" y="194806"/>
+                <a:pt x="81462" y="183581"/>
               </a:lnTo>
               <a:lnTo>
-                <a:pt x="45720" y="194806"/>
+                <a:pt x="45720" y="183581"/>
               </a:lnTo>
               <a:lnTo>
-                <a:pt x="45720" y="389612"/>
+                <a:pt x="45720" y="367163"/>
               </a:lnTo>
             </a:path>
           </a:pathLst>
@@ -5688,8 +6073,294 @@
       </dsp:nvSpPr>
       <dsp:spPr>
         <a:xfrm>
-          <a:off x="5836491" y="3961451"/>
-          <a:ext cx="1413653" cy="942435"/>
+          <a:off x="6682070" y="3912580"/>
+          <a:ext cx="1332202" cy="888135"/>
+        </a:xfrm>
+        <a:prstGeom prst="roundRect">
+          <a:avLst>
+            <a:gd name="adj" fmla="val 10000"/>
+          </a:avLst>
+        </a:prstGeom>
+        <a:solidFill>
+          <a:schemeClr val="accent4">
+            <a:hueOff val="0"/>
+            <a:satOff val="0"/>
+            <a:lumOff val="0"/>
+            <a:alphaOff val="0"/>
+          </a:schemeClr>
+        </a:solidFill>
+        <a:ln>
+          <a:noFill/>
+        </a:ln>
+        <a:effectLst/>
+        <a:scene3d>
+          <a:camera prst="orthographicFront"/>
+          <a:lightRig rig="chilly" dir="t"/>
+        </a:scene3d>
+        <a:sp3d prstMaterial="translucentPowder">
+          <a:bevelT w="127000" h="25400" prst="softRound"/>
+        </a:sp3d>
+      </dsp:spPr>
+      <dsp:style>
+        <a:lnRef idx="0">
+          <a:scrgbClr r="0" g="0" b="0"/>
+        </a:lnRef>
+        <a:fillRef idx="1">
+          <a:scrgbClr r="0" g="0" b="0"/>
+        </a:fillRef>
+        <a:effectRef idx="0">
+          <a:scrgbClr r="0" g="0" b="0"/>
+        </a:effectRef>
+        <a:fontRef idx="minor">
+          <a:schemeClr val="lt1"/>
+        </a:fontRef>
+      </dsp:style>
+      <dsp:txBody>
+        <a:bodyPr spcFirstLastPara="0" vert="horz" wrap="square" lIns="57150" tIns="57150" rIns="57150" bIns="57150" numCol="1" spcCol="1270" anchor="ctr" anchorCtr="0">
+          <a:noAutofit/>
+        </a:bodyPr>
+        <a:lstStyle/>
+        <a:p>
+          <a:pPr marL="0" lvl="0" indent="0" algn="ctr" defTabSz="666750">
+            <a:lnSpc>
+              <a:spcPct val="90000"/>
+            </a:lnSpc>
+            <a:spcBef>
+              <a:spcPct val="0"/>
+            </a:spcBef>
+            <a:spcAft>
+              <a:spcPct val="35000"/>
+            </a:spcAft>
+            <a:buNone/>
+          </a:pPr>
+          <a:r>
+            <a:rPr lang="es-AR" sz="1500" kern="1200" dirty="0"/>
+            <a:t>GPIO</a:t>
+          </a:r>
+        </a:p>
+      </dsp:txBody>
+      <dsp:txXfrm>
+        <a:off x="6708083" y="3938593"/>
+        <a:ext cx="1280176" cy="836109"/>
+      </dsp:txXfrm>
+    </dsp:sp>
+    <dsp:sp modelId="{86087C67-4375-477E-84D1-836C1F14C793}">
+      <dsp:nvSpPr>
+        <dsp:cNvPr id="0" name=""/>
+        <dsp:cNvSpPr/>
+      </dsp:nvSpPr>
+      <dsp:spPr>
+        <a:xfrm>
+          <a:off x="8214103" y="2313937"/>
+          <a:ext cx="854274" cy="262701"/>
+        </a:xfrm>
+        <a:custGeom>
+          <a:avLst/>
+          <a:gdLst/>
+          <a:ahLst/>
+          <a:cxnLst/>
+          <a:rect l="0" t="0" r="0" b="0"/>
+          <a:pathLst>
+            <a:path>
+              <a:moveTo>
+                <a:pt x="0" y="0"/>
+              </a:moveTo>
+              <a:lnTo>
+                <a:pt x="0" y="131350"/>
+              </a:lnTo>
+              <a:lnTo>
+                <a:pt x="854274" y="131350"/>
+              </a:lnTo>
+              <a:lnTo>
+                <a:pt x="854274" y="262701"/>
+              </a:lnTo>
+            </a:path>
+          </a:pathLst>
+        </a:custGeom>
+        <a:noFill/>
+        <a:ln w="34925" cap="flat" cmpd="sng" algn="in">
+          <a:solidFill>
+            <a:schemeClr val="accent3">
+              <a:hueOff val="0"/>
+              <a:satOff val="0"/>
+              <a:lumOff val="0"/>
+              <a:alphaOff val="0"/>
+            </a:schemeClr>
+          </a:solidFill>
+          <a:prstDash val="solid"/>
+        </a:ln>
+        <a:effectLst/>
+        <a:scene3d>
+          <a:camera prst="orthographicFront"/>
+          <a:lightRig rig="chilly" dir="t"/>
+        </a:scene3d>
+        <a:sp3d z="-40000" prstMaterial="matte"/>
+      </dsp:spPr>
+      <dsp:style>
+        <a:lnRef idx="2">
+          <a:scrgbClr r="0" g="0" b="0"/>
+        </a:lnRef>
+        <a:fillRef idx="0">
+          <a:scrgbClr r="0" g="0" b="0"/>
+        </a:fillRef>
+        <a:effectRef idx="0">
+          <a:scrgbClr r="0" g="0" b="0"/>
+        </a:effectRef>
+        <a:fontRef idx="minor"/>
+      </dsp:style>
+    </dsp:sp>
+    <dsp:sp modelId="{A445E83A-B1D7-4754-AB40-1BD356E2B23A}">
+      <dsp:nvSpPr>
+        <dsp:cNvPr id="0" name=""/>
+        <dsp:cNvSpPr/>
+      </dsp:nvSpPr>
+      <dsp:spPr>
+        <a:xfrm>
+          <a:off x="8402277" y="2576638"/>
+          <a:ext cx="1332202" cy="888135"/>
+        </a:xfrm>
+        <a:prstGeom prst="roundRect">
+          <a:avLst>
+            <a:gd name="adj" fmla="val 10000"/>
+          </a:avLst>
+        </a:prstGeom>
+        <a:solidFill>
+          <a:schemeClr val="accent3">
+            <a:hueOff val="0"/>
+            <a:satOff val="0"/>
+            <a:lumOff val="0"/>
+            <a:alphaOff val="0"/>
+          </a:schemeClr>
+        </a:solidFill>
+        <a:ln>
+          <a:noFill/>
+        </a:ln>
+        <a:effectLst/>
+        <a:scene3d>
+          <a:camera prst="orthographicFront"/>
+          <a:lightRig rig="chilly" dir="t"/>
+        </a:scene3d>
+        <a:sp3d prstMaterial="translucentPowder">
+          <a:bevelT w="127000" h="25400" prst="softRound"/>
+        </a:sp3d>
+      </dsp:spPr>
+      <dsp:style>
+        <a:lnRef idx="0">
+          <a:scrgbClr r="0" g="0" b="0"/>
+        </a:lnRef>
+        <a:fillRef idx="1">
+          <a:scrgbClr r="0" g="0" b="0"/>
+        </a:fillRef>
+        <a:effectRef idx="0">
+          <a:scrgbClr r="0" g="0" b="0"/>
+        </a:effectRef>
+        <a:fontRef idx="minor">
+          <a:schemeClr val="lt1"/>
+        </a:fontRef>
+      </dsp:style>
+      <dsp:txBody>
+        <a:bodyPr spcFirstLastPara="0" vert="horz" wrap="square" lIns="57150" tIns="57150" rIns="57150" bIns="57150" numCol="1" spcCol="1270" anchor="ctr" anchorCtr="0">
+          <a:noAutofit/>
+        </a:bodyPr>
+        <a:lstStyle/>
+        <a:p>
+          <a:pPr marL="0" lvl="0" indent="0" algn="ctr" defTabSz="666750">
+            <a:lnSpc>
+              <a:spcPct val="90000"/>
+            </a:lnSpc>
+            <a:spcBef>
+              <a:spcPct val="0"/>
+            </a:spcBef>
+            <a:spcAft>
+              <a:spcPct val="35000"/>
+            </a:spcAft>
+            <a:buNone/>
+          </a:pPr>
+          <a:r>
+            <a:rPr lang="es-AR" sz="1500" kern="1200" dirty="0"/>
+            <a:t>TIMER</a:t>
+          </a:r>
+        </a:p>
+      </dsp:txBody>
+      <dsp:txXfrm>
+        <a:off x="8428290" y="2602651"/>
+        <a:ext cx="1280176" cy="836109"/>
+      </dsp:txXfrm>
+    </dsp:sp>
+    <dsp:sp modelId="{56CF0D79-9B69-422E-B55F-8C1B0E2FBF1A}">
+      <dsp:nvSpPr>
+        <dsp:cNvPr id="0" name=""/>
+        <dsp:cNvSpPr/>
+      </dsp:nvSpPr>
+      <dsp:spPr>
+        <a:xfrm>
+          <a:off x="9022658" y="3464773"/>
+          <a:ext cx="91440" cy="447806"/>
+        </a:xfrm>
+        <a:custGeom>
+          <a:avLst/>
+          <a:gdLst/>
+          <a:ahLst/>
+          <a:cxnLst/>
+          <a:rect l="0" t="0" r="0" b="0"/>
+          <a:pathLst>
+            <a:path>
+              <a:moveTo>
+                <a:pt x="45720" y="0"/>
+              </a:moveTo>
+              <a:lnTo>
+                <a:pt x="45720" y="223903"/>
+              </a:lnTo>
+              <a:lnTo>
+                <a:pt x="57376" y="223903"/>
+              </a:lnTo>
+              <a:lnTo>
+                <a:pt x="57376" y="447806"/>
+              </a:lnTo>
+            </a:path>
+          </a:pathLst>
+        </a:custGeom>
+        <a:noFill/>
+        <a:ln w="34925" cap="flat" cmpd="sng" algn="in">
+          <a:solidFill>
+            <a:schemeClr val="accent4">
+              <a:hueOff val="0"/>
+              <a:satOff val="0"/>
+              <a:lumOff val="0"/>
+              <a:alphaOff val="0"/>
+            </a:schemeClr>
+          </a:solidFill>
+          <a:prstDash val="solid"/>
+        </a:ln>
+        <a:effectLst/>
+        <a:scene3d>
+          <a:camera prst="orthographicFront"/>
+          <a:lightRig rig="chilly" dir="t"/>
+        </a:scene3d>
+        <a:sp3d z="-40000" prstMaterial="matte"/>
+      </dsp:spPr>
+      <dsp:style>
+        <a:lnRef idx="2">
+          <a:scrgbClr r="0" g="0" b="0"/>
+        </a:lnRef>
+        <a:fillRef idx="0">
+          <a:scrgbClr r="0" g="0" b="0"/>
+        </a:fillRef>
+        <a:effectRef idx="0">
+          <a:scrgbClr r="0" g="0" b="0"/>
+        </a:effectRef>
+        <a:fontRef idx="minor"/>
+      </dsp:style>
+    </dsp:sp>
+    <dsp:sp modelId="{EFADDF6B-06F5-45B8-838D-F3A345604137}">
+      <dsp:nvSpPr>
+        <dsp:cNvPr id="0" name=""/>
+        <dsp:cNvSpPr/>
+      </dsp:nvSpPr>
+      <dsp:spPr>
+        <a:xfrm>
+          <a:off x="8413934" y="3912580"/>
+          <a:ext cx="1332202" cy="888135"/>
         </a:xfrm>
         <a:prstGeom prst="roundRect">
           <a:avLst>
@@ -5755,294 +6426,8 @@
         </a:p>
       </dsp:txBody>
       <dsp:txXfrm>
-        <a:off x="5864094" y="3989054"/>
-        <a:ext cx="1358447" cy="887229"/>
-      </dsp:txXfrm>
-    </dsp:sp>
-    <dsp:sp modelId="{86087C67-4375-477E-84D1-836C1F14C793}">
-      <dsp:nvSpPr>
-        <dsp:cNvPr id="0" name=""/>
-        <dsp:cNvSpPr/>
-      </dsp:nvSpPr>
-      <dsp:spPr>
-        <a:xfrm>
-          <a:off x="7462192" y="2265066"/>
-          <a:ext cx="906505" cy="278763"/>
-        </a:xfrm>
-        <a:custGeom>
-          <a:avLst/>
-          <a:gdLst/>
-          <a:ahLst/>
-          <a:cxnLst/>
-          <a:rect l="0" t="0" r="0" b="0"/>
-          <a:pathLst>
-            <a:path>
-              <a:moveTo>
-                <a:pt x="0" y="0"/>
-              </a:moveTo>
-              <a:lnTo>
-                <a:pt x="0" y="139381"/>
-              </a:lnTo>
-              <a:lnTo>
-                <a:pt x="906505" y="139381"/>
-              </a:lnTo>
-              <a:lnTo>
-                <a:pt x="906505" y="278763"/>
-              </a:lnTo>
-            </a:path>
-          </a:pathLst>
-        </a:custGeom>
-        <a:noFill/>
-        <a:ln w="34925" cap="flat" cmpd="sng" algn="in">
-          <a:solidFill>
-            <a:schemeClr val="accent3">
-              <a:hueOff val="0"/>
-              <a:satOff val="0"/>
-              <a:lumOff val="0"/>
-              <a:alphaOff val="0"/>
-            </a:schemeClr>
-          </a:solidFill>
-          <a:prstDash val="solid"/>
-        </a:ln>
-        <a:effectLst/>
-        <a:scene3d>
-          <a:camera prst="orthographicFront"/>
-          <a:lightRig rig="chilly" dir="t"/>
-        </a:scene3d>
-        <a:sp3d z="-40000" prstMaterial="matte"/>
-      </dsp:spPr>
-      <dsp:style>
-        <a:lnRef idx="2">
-          <a:scrgbClr r="0" g="0" b="0"/>
-        </a:lnRef>
-        <a:fillRef idx="0">
-          <a:scrgbClr r="0" g="0" b="0"/>
-        </a:fillRef>
-        <a:effectRef idx="0">
-          <a:scrgbClr r="0" g="0" b="0"/>
-        </a:effectRef>
-        <a:fontRef idx="minor"/>
-      </dsp:style>
-    </dsp:sp>
-    <dsp:sp modelId="{A445E83A-B1D7-4754-AB40-1BD356E2B23A}">
-      <dsp:nvSpPr>
-        <dsp:cNvPr id="0" name=""/>
-        <dsp:cNvSpPr/>
-      </dsp:nvSpPr>
-      <dsp:spPr>
-        <a:xfrm>
-          <a:off x="7661870" y="2543830"/>
-          <a:ext cx="1413653" cy="942435"/>
-        </a:xfrm>
-        <a:prstGeom prst="roundRect">
-          <a:avLst>
-            <a:gd name="adj" fmla="val 10000"/>
-          </a:avLst>
-        </a:prstGeom>
-        <a:solidFill>
-          <a:schemeClr val="accent3">
-            <a:hueOff val="0"/>
-            <a:satOff val="0"/>
-            <a:lumOff val="0"/>
-            <a:alphaOff val="0"/>
-          </a:schemeClr>
-        </a:solidFill>
-        <a:ln>
-          <a:noFill/>
-        </a:ln>
-        <a:effectLst/>
-        <a:scene3d>
-          <a:camera prst="orthographicFront"/>
-          <a:lightRig rig="chilly" dir="t"/>
-        </a:scene3d>
-        <a:sp3d prstMaterial="translucentPowder">
-          <a:bevelT w="127000" h="25400" prst="softRound"/>
-        </a:sp3d>
-      </dsp:spPr>
-      <dsp:style>
-        <a:lnRef idx="0">
-          <a:scrgbClr r="0" g="0" b="0"/>
-        </a:lnRef>
-        <a:fillRef idx="1">
-          <a:scrgbClr r="0" g="0" b="0"/>
-        </a:fillRef>
-        <a:effectRef idx="0">
-          <a:scrgbClr r="0" g="0" b="0"/>
-        </a:effectRef>
-        <a:fontRef idx="minor">
-          <a:schemeClr val="lt1"/>
-        </a:fontRef>
-      </dsp:style>
-      <dsp:txBody>
-        <a:bodyPr spcFirstLastPara="0" vert="horz" wrap="square" lIns="57150" tIns="57150" rIns="57150" bIns="57150" numCol="1" spcCol="1270" anchor="ctr" anchorCtr="0">
-          <a:noAutofit/>
-        </a:bodyPr>
-        <a:lstStyle/>
-        <a:p>
-          <a:pPr marL="0" lvl="0" indent="0" algn="ctr" defTabSz="666750">
-            <a:lnSpc>
-              <a:spcPct val="90000"/>
-            </a:lnSpc>
-            <a:spcBef>
-              <a:spcPct val="0"/>
-            </a:spcBef>
-            <a:spcAft>
-              <a:spcPct val="35000"/>
-            </a:spcAft>
-            <a:buNone/>
-          </a:pPr>
-          <a:r>
-            <a:rPr lang="es-AR" sz="1500" kern="1200" dirty="0"/>
-            <a:t>TIMER</a:t>
-          </a:r>
-        </a:p>
-      </dsp:txBody>
-      <dsp:txXfrm>
-        <a:off x="7689473" y="2571433"/>
-        <a:ext cx="1358447" cy="887229"/>
-      </dsp:txXfrm>
-    </dsp:sp>
-    <dsp:sp modelId="{56CF0D79-9B69-422E-B55F-8C1B0E2FBF1A}">
-      <dsp:nvSpPr>
-        <dsp:cNvPr id="0" name=""/>
-        <dsp:cNvSpPr/>
-      </dsp:nvSpPr>
-      <dsp:spPr>
-        <a:xfrm>
-          <a:off x="8322977" y="3486265"/>
-          <a:ext cx="91440" cy="475185"/>
-        </a:xfrm>
-        <a:custGeom>
-          <a:avLst/>
-          <a:gdLst/>
-          <a:ahLst/>
-          <a:cxnLst/>
-          <a:rect l="0" t="0" r="0" b="0"/>
-          <a:pathLst>
-            <a:path>
-              <a:moveTo>
-                <a:pt x="45720" y="0"/>
-              </a:moveTo>
-              <a:lnTo>
-                <a:pt x="45720" y="237592"/>
-              </a:lnTo>
-              <a:lnTo>
-                <a:pt x="58089" y="237592"/>
-              </a:lnTo>
-              <a:lnTo>
-                <a:pt x="58089" y="475185"/>
-              </a:lnTo>
-            </a:path>
-          </a:pathLst>
-        </a:custGeom>
-        <a:noFill/>
-        <a:ln w="34925" cap="flat" cmpd="sng" algn="in">
-          <a:solidFill>
-            <a:schemeClr val="accent4">
-              <a:hueOff val="0"/>
-              <a:satOff val="0"/>
-              <a:lumOff val="0"/>
-              <a:alphaOff val="0"/>
-            </a:schemeClr>
-          </a:solidFill>
-          <a:prstDash val="solid"/>
-        </a:ln>
-        <a:effectLst/>
-        <a:scene3d>
-          <a:camera prst="orthographicFront"/>
-          <a:lightRig rig="chilly" dir="t"/>
-        </a:scene3d>
-        <a:sp3d z="-40000" prstMaterial="matte"/>
-      </dsp:spPr>
-      <dsp:style>
-        <a:lnRef idx="2">
-          <a:scrgbClr r="0" g="0" b="0"/>
-        </a:lnRef>
-        <a:fillRef idx="0">
-          <a:scrgbClr r="0" g="0" b="0"/>
-        </a:fillRef>
-        <a:effectRef idx="0">
-          <a:scrgbClr r="0" g="0" b="0"/>
-        </a:effectRef>
-        <a:fontRef idx="minor"/>
-      </dsp:style>
-    </dsp:sp>
-    <dsp:sp modelId="{EFADDF6B-06F5-45B8-838D-F3A345604137}">
-      <dsp:nvSpPr>
-        <dsp:cNvPr id="0" name=""/>
-        <dsp:cNvSpPr/>
-      </dsp:nvSpPr>
-      <dsp:spPr>
-        <a:xfrm>
-          <a:off x="7674240" y="3961451"/>
-          <a:ext cx="1413653" cy="942435"/>
-        </a:xfrm>
-        <a:prstGeom prst="roundRect">
-          <a:avLst>
-            <a:gd name="adj" fmla="val 10000"/>
-          </a:avLst>
-        </a:prstGeom>
-        <a:solidFill>
-          <a:schemeClr val="accent4">
-            <a:hueOff val="0"/>
-            <a:satOff val="0"/>
-            <a:lumOff val="0"/>
-            <a:alphaOff val="0"/>
-          </a:schemeClr>
-        </a:solidFill>
-        <a:ln>
-          <a:noFill/>
-        </a:ln>
-        <a:effectLst/>
-        <a:scene3d>
-          <a:camera prst="orthographicFront"/>
-          <a:lightRig rig="chilly" dir="t"/>
-        </a:scene3d>
-        <a:sp3d prstMaterial="translucentPowder">
-          <a:bevelT w="127000" h="25400" prst="softRound"/>
-        </a:sp3d>
-      </dsp:spPr>
-      <dsp:style>
-        <a:lnRef idx="0">
-          <a:scrgbClr r="0" g="0" b="0"/>
-        </a:lnRef>
-        <a:fillRef idx="1">
-          <a:scrgbClr r="0" g="0" b="0"/>
-        </a:fillRef>
-        <a:effectRef idx="0">
-          <a:scrgbClr r="0" g="0" b="0"/>
-        </a:effectRef>
-        <a:fontRef idx="minor">
-          <a:schemeClr val="lt1"/>
-        </a:fontRef>
-      </dsp:style>
-      <dsp:txBody>
-        <a:bodyPr spcFirstLastPara="0" vert="horz" wrap="square" lIns="57150" tIns="57150" rIns="57150" bIns="57150" numCol="1" spcCol="1270" anchor="ctr" anchorCtr="0">
-          <a:noAutofit/>
-        </a:bodyPr>
-        <a:lstStyle/>
-        <a:p>
-          <a:pPr marL="0" lvl="0" indent="0" algn="ctr" defTabSz="666750">
-            <a:lnSpc>
-              <a:spcPct val="90000"/>
-            </a:lnSpc>
-            <a:spcBef>
-              <a:spcPct val="0"/>
-            </a:spcBef>
-            <a:spcAft>
-              <a:spcPct val="35000"/>
-            </a:spcAft>
-            <a:buNone/>
-          </a:pPr>
-          <a:r>
-            <a:rPr lang="es-AR" sz="1500" kern="1200" dirty="0"/>
-            <a:t>SYSTICK</a:t>
-          </a:r>
-        </a:p>
-      </dsp:txBody>
-      <dsp:txXfrm>
-        <a:off x="7701843" y="3989054"/>
-        <a:ext cx="1358447" cy="887229"/>
+        <a:off x="8439947" y="3938593"/>
+        <a:ext cx="1280176" cy="836109"/>
       </dsp:txXfrm>
     </dsp:sp>
   </dsp:spTree>
@@ -11825,7 +12210,7 @@
             <a:fld id="{87DE6118-2437-4B30-8E3C-4D2BE6020583}" type="datetimeFigureOut">
               <a:rPr lang="en-US" dirty="0"/>
               <a:pPr/>
-              <a:t>07-Oct-19</a:t>
+              <a:t>10/7/2019</a:t>
             </a:fld>
             <a:endParaRPr lang="en-US" dirty="0"/>
           </a:p>
@@ -11894,7 +12279,7 @@
             <a:fld id="{69E57DC2-970A-4B3E-BB1C-7A09969E49DF}" type="slidenum">
               <a:rPr lang="en-US" dirty="0"/>
               <a:pPr/>
-              <a:t>‹#›</a:t>
+              <a:t>‹Nº›</a:t>
             </a:fld>
             <a:endParaRPr lang="en-US" dirty="0"/>
           </a:p>
@@ -12151,7 +12536,7 @@
           <a:p>
             <a:fld id="{87DE6118-2437-4B30-8E3C-4D2BE6020583}" type="datetimeFigureOut">
               <a:rPr lang="en-US" dirty="0"/>
-              <a:t>07-Oct-19</a:t>
+              <a:t>10/7/2019</a:t>
             </a:fld>
             <a:endParaRPr lang="en-US" dirty="0"/>
           </a:p>
@@ -12193,7 +12578,7 @@
           <a:p>
             <a:fld id="{69E57DC2-970A-4B3E-BB1C-7A09969E49DF}" type="slidenum">
               <a:rPr lang="en-US" dirty="0"/>
-              <a:t>‹#›</a:t>
+              <a:t>‹Nº›</a:t>
             </a:fld>
             <a:endParaRPr lang="en-US" dirty="0"/>
           </a:p>
@@ -12326,7 +12711,7 @@
           <a:p>
             <a:fld id="{87DE6118-2437-4B30-8E3C-4D2BE6020583}" type="datetimeFigureOut">
               <a:rPr lang="en-US" dirty="0"/>
-              <a:t>07-Oct-19</a:t>
+              <a:t>10/7/2019</a:t>
             </a:fld>
             <a:endParaRPr lang="en-US" dirty="0"/>
           </a:p>
@@ -12368,7 +12753,7 @@
           <a:p>
             <a:fld id="{69E57DC2-970A-4B3E-BB1C-7A09969E49DF}" type="slidenum">
               <a:rPr lang="en-US" dirty="0"/>
-              <a:t>‹#›</a:t>
+              <a:t>‹Nº›</a:t>
             </a:fld>
             <a:endParaRPr lang="en-US" dirty="0"/>
           </a:p>
@@ -12491,7 +12876,7 @@
           <a:p>
             <a:fld id="{87DE6118-2437-4B30-8E3C-4D2BE6020583}" type="datetimeFigureOut">
               <a:rPr lang="en-US" dirty="0"/>
-              <a:t>07-Oct-19</a:t>
+              <a:t>10/7/2019</a:t>
             </a:fld>
             <a:endParaRPr lang="en-US" dirty="0"/>
           </a:p>
@@ -12533,7 +12918,7 @@
           <a:p>
             <a:fld id="{69E57DC2-970A-4B3E-BB1C-7A09969E49DF}" type="slidenum">
               <a:rPr lang="en-US" dirty="0"/>
-              <a:t>‹#›</a:t>
+              <a:t>‹Nº›</a:t>
             </a:fld>
             <a:endParaRPr lang="en-US" dirty="0"/>
           </a:p>
@@ -12764,7 +13149,7 @@
             <a:fld id="{87DE6118-2437-4B30-8E3C-4D2BE6020583}" type="datetimeFigureOut">
               <a:rPr lang="en-US" dirty="0"/>
               <a:pPr/>
-              <a:t>07-Oct-19</a:t>
+              <a:t>10/7/2019</a:t>
             </a:fld>
             <a:endParaRPr lang="en-US" dirty="0"/>
           </a:p>
@@ -12833,7 +13218,7 @@
             <a:fld id="{69E57DC2-970A-4B3E-BB1C-7A09969E49DF}" type="slidenum">
               <a:rPr lang="en-US" dirty="0"/>
               <a:pPr/>
-              <a:t>‹#›</a:t>
+              <a:t>‹Nº›</a:t>
             </a:fld>
             <a:endParaRPr lang="en-US" dirty="0"/>
           </a:p>
@@ -13154,7 +13539,7 @@
           <a:p>
             <a:fld id="{87DE6118-2437-4B30-8E3C-4D2BE6020583}" type="datetimeFigureOut">
               <a:rPr lang="en-US" dirty="0"/>
-              <a:t>07-Oct-19</a:t>
+              <a:t>10/7/2019</a:t>
             </a:fld>
             <a:endParaRPr lang="en-US" dirty="0"/>
           </a:p>
@@ -13196,7 +13581,7 @@
           <a:p>
             <a:fld id="{69E57DC2-970A-4B3E-BB1C-7A09969E49DF}" type="slidenum">
               <a:rPr lang="en-US" dirty="0"/>
-              <a:t>‹#›</a:t>
+              <a:t>‹Nº›</a:t>
             </a:fld>
             <a:endParaRPr lang="en-US" dirty="0"/>
           </a:p>
@@ -13626,7 +14011,7 @@
           <a:p>
             <a:fld id="{87DE6118-2437-4B30-8E3C-4D2BE6020583}" type="datetimeFigureOut">
               <a:rPr lang="en-US" dirty="0"/>
-              <a:t>07-Oct-19</a:t>
+              <a:t>10/7/2019</a:t>
             </a:fld>
             <a:endParaRPr lang="en-US" dirty="0"/>
           </a:p>
@@ -13668,7 +14053,7 @@
           <a:p>
             <a:fld id="{69E57DC2-970A-4B3E-BB1C-7A09969E49DF}" type="slidenum">
               <a:rPr lang="en-US" dirty="0"/>
-              <a:t>‹#›</a:t>
+              <a:t>‹Nº›</a:t>
             </a:fld>
             <a:endParaRPr lang="en-US" dirty="0"/>
           </a:p>
@@ -13739,7 +14124,7 @@
           <a:p>
             <a:fld id="{87DE6118-2437-4B30-8E3C-4D2BE6020583}" type="datetimeFigureOut">
               <a:rPr lang="en-US" dirty="0"/>
-              <a:t>07-Oct-19</a:t>
+              <a:t>10/7/2019</a:t>
             </a:fld>
             <a:endParaRPr lang="en-US" dirty="0"/>
           </a:p>
@@ -13781,7 +14166,7 @@
           <a:p>
             <a:fld id="{69E57DC2-970A-4B3E-BB1C-7A09969E49DF}" type="slidenum">
               <a:rPr lang="en-US" dirty="0"/>
-              <a:t>‹#›</a:t>
+              <a:t>‹Nº›</a:t>
             </a:fld>
             <a:endParaRPr lang="en-US" dirty="0"/>
           </a:p>
@@ -13829,7 +14214,7 @@
           <a:p>
             <a:fld id="{87DE6118-2437-4B30-8E3C-4D2BE6020583}" type="datetimeFigureOut">
               <a:rPr lang="en-US" dirty="0"/>
-              <a:t>07-Oct-19</a:t>
+              <a:t>10/7/2019</a:t>
             </a:fld>
             <a:endParaRPr lang="en-US" dirty="0"/>
           </a:p>
@@ -13871,7 +14256,7 @@
           <a:p>
             <a:fld id="{69E57DC2-970A-4B3E-BB1C-7A09969E49DF}" type="slidenum">
               <a:rPr lang="en-US" dirty="0"/>
-              <a:t>‹#›</a:t>
+              <a:t>‹Nº›</a:t>
             </a:fld>
             <a:endParaRPr lang="en-US" dirty="0"/>
           </a:p>
@@ -14171,7 +14556,7 @@
             <a:fld id="{87DE6118-2437-4B30-8E3C-4D2BE6020583}" type="datetimeFigureOut">
               <a:rPr lang="en-US" dirty="0"/>
               <a:pPr/>
-              <a:t>07-Oct-19</a:t>
+              <a:t>10/7/2019</a:t>
             </a:fld>
             <a:endParaRPr lang="en-US" dirty="0"/>
           </a:p>
@@ -14240,7 +14625,7 @@
             <a:fld id="{69E57DC2-970A-4B3E-BB1C-7A09969E49DF}" type="slidenum">
               <a:rPr lang="en-US" dirty="0"/>
               <a:pPr/>
-              <a:t>‹#›</a:t>
+              <a:t>‹Nº›</a:t>
             </a:fld>
             <a:endParaRPr lang="en-US" dirty="0"/>
           </a:p>
@@ -14556,7 +14941,7 @@
             <a:fld id="{87DE6118-2437-4B30-8E3C-4D2BE6020583}" type="datetimeFigureOut">
               <a:rPr lang="en-US" dirty="0"/>
               <a:pPr/>
-              <a:t>07-Oct-19</a:t>
+              <a:t>10/7/2019</a:t>
             </a:fld>
             <a:endParaRPr lang="en-US" dirty="0"/>
           </a:p>
@@ -14625,7 +15010,7 @@
             <a:fld id="{69E57DC2-970A-4B3E-BB1C-7A09969E49DF}" type="slidenum">
               <a:rPr lang="en-US" dirty="0"/>
               <a:pPr/>
-              <a:t>‹#›</a:t>
+              <a:t>‹Nº›</a:t>
             </a:fld>
             <a:endParaRPr lang="en-US" dirty="0"/>
           </a:p>
@@ -14831,7 +15216,7 @@
             <a:fld id="{87DE6118-2437-4B30-8E3C-4D2BE6020583}" type="datetimeFigureOut">
               <a:rPr lang="en-US" dirty="0"/>
               <a:pPr/>
-              <a:t>07-Oct-19</a:t>
+              <a:t>10/7/2019</a:t>
             </a:fld>
             <a:endParaRPr lang="en-US" dirty="0"/>
           </a:p>
@@ -14906,7 +15291,7 @@
             <a:fld id="{69E57DC2-970A-4B3E-BB1C-7A09969E49DF}" type="slidenum">
               <a:rPr lang="en-US" dirty="0"/>
               <a:pPr/>
-              <a:t>‹#›</a:t>
+              <a:t>‹Nº›</a:t>
             </a:fld>
             <a:endParaRPr lang="en-US" dirty="0"/>
           </a:p>
@@ -15469,6 +15854,99 @@
       </p:grpSpPr>
       <p:sp>
         <p:nvSpPr>
+          <p:cNvPr id="7" name="Title 3">
+            <a:extLst>
+              <a:ext uri="{FF2B5EF4-FFF2-40B4-BE49-F238E27FC236}">
+                <a16:creationId xmlns:a16="http://schemas.microsoft.com/office/drawing/2014/main" id="{232AF6AD-C5B1-4F78-B40F-4A56E0BFFE0D}"/>
+              </a:ext>
+            </a:extLst>
+          </p:cNvPr>
+          <p:cNvSpPr>
+            <a:spLocks noGrp="1"/>
+          </p:cNvSpPr>
+          <p:nvPr>
+            <p:ph type="ctrTitle"/>
+          </p:nvPr>
+        </p:nvSpPr>
+        <p:spPr>
+          <a:xfrm>
+            <a:off x="4373091" y="238996"/>
+            <a:ext cx="6831673" cy="1086238"/>
+          </a:xfrm>
+        </p:spPr>
+        <p:txBody>
+          <a:bodyPr/>
+          <a:lstStyle/>
+          <a:p>
+            <a:r>
+              <a:rPr lang="es-AR" cap="none" dirty="0"/>
+              <a:t>FXOS8700CQ.h</a:t>
+            </a:r>
+          </a:p>
+        </p:txBody>
+      </p:sp>
+      <p:pic>
+        <p:nvPicPr>
+          <p:cNvPr id="2" name="Picture 1">
+            <a:extLst>
+              <a:ext uri="{FF2B5EF4-FFF2-40B4-BE49-F238E27FC236}">
+                <a16:creationId xmlns:a16="http://schemas.microsoft.com/office/drawing/2014/main" id="{4F8A8A3A-FD07-4AE3-A78E-B404D2452D8C}"/>
+              </a:ext>
+            </a:extLst>
+          </p:cNvPr>
+          <p:cNvPicPr>
+            <a:picLocks noChangeAspect="1"/>
+          </p:cNvPicPr>
+          <p:nvPr/>
+        </p:nvPicPr>
+        <p:blipFill>
+          <a:blip r:embed="rId2"/>
+          <a:stretch>
+            <a:fillRect/>
+          </a:stretch>
+        </p:blipFill>
+        <p:spPr>
+          <a:xfrm>
+            <a:off x="2631141" y="1203157"/>
+            <a:ext cx="6929717" cy="4451685"/>
+          </a:xfrm>
+          <a:prstGeom prst="rect">
+            <a:avLst/>
+          </a:prstGeom>
+        </p:spPr>
+      </p:pic>
+    </p:spTree>
+    <p:extLst>
+      <p:ext uri="{BB962C8B-B14F-4D97-AF65-F5344CB8AC3E}">
+        <p14:creationId xmlns:p14="http://schemas.microsoft.com/office/powerpoint/2010/main" val="2943568953"/>
+      </p:ext>
+    </p:extLst>
+  </p:cSld>
+  <p:clrMapOvr>
+    <a:masterClrMapping/>
+  </p:clrMapOvr>
+</p:sld>
+</file>
+
+<file path=ppt/slides/slide11.xml><?xml version="1.0" encoding="utf-8"?>
+<p:sld xmlns:a="http://schemas.openxmlformats.org/drawingml/2006/main" xmlns:r="http://schemas.openxmlformats.org/officeDocument/2006/relationships" xmlns:p="http://schemas.openxmlformats.org/presentationml/2006/main">
+  <p:cSld>
+    <p:spTree>
+      <p:nvGrpSpPr>
+        <p:cNvPr id="1" name=""/>
+        <p:cNvGrpSpPr/>
+        <p:nvPr/>
+      </p:nvGrpSpPr>
+      <p:grpSpPr>
+        <a:xfrm>
+          <a:off x="0" y="0"/>
+          <a:ext cx="0" cy="0"/>
+          <a:chOff x="0" y="0"/>
+          <a:chExt cx="0" cy="0"/>
+        </a:xfrm>
+      </p:grpSpPr>
+      <p:sp>
+        <p:nvSpPr>
           <p:cNvPr id="4" name="Title 3">
             <a:extLst>
               <a:ext uri="{FF2B5EF4-FFF2-40B4-BE49-F238E27FC236}">
@@ -15675,7 +16153,7 @@
 </p:sld>
 </file>
 
-<file path=ppt/slides/slide11.xml><?xml version="1.0" encoding="utf-8"?>
+<file path=ppt/slides/slide12.xml><?xml version="1.0" encoding="utf-8"?>
 <p:sld xmlns:a="http://schemas.openxmlformats.org/drawingml/2006/main" xmlns:r="http://schemas.openxmlformats.org/officeDocument/2006/relationships" xmlns:p="http://schemas.openxmlformats.org/presentationml/2006/main">
   <p:cSld>
     <p:spTree>
@@ -15692,72 +16170,12 @@
           <a:chExt cx="0" cy="0"/>
         </a:xfrm>
       </p:grpSpPr>
-      <p:pic>
-        <p:nvPicPr>
-          <p:cNvPr id="5" name="Picture 4">
+      <p:sp>
+        <p:nvSpPr>
+          <p:cNvPr id="2" name="Título 1">
             <a:extLst>
               <a:ext uri="{FF2B5EF4-FFF2-40B4-BE49-F238E27FC236}">
-                <a16:creationId xmlns:a16="http://schemas.microsoft.com/office/drawing/2014/main" id="{06C528F2-8CBA-4D27-8AFD-D2D401B151C9}"/>
-              </a:ext>
-            </a:extLst>
-          </p:cNvPr>
-          <p:cNvPicPr>
-            <a:picLocks noChangeAspect="1"/>
-          </p:cNvPicPr>
-          <p:nvPr/>
-        </p:nvPicPr>
-        <p:blipFill>
-          <a:blip r:embed="rId2"/>
-          <a:stretch>
-            <a:fillRect/>
-          </a:stretch>
-        </p:blipFill>
-        <p:spPr>
-          <a:xfrm>
-            <a:off x="5546746" y="28472"/>
-            <a:ext cx="6096001" cy="6801055"/>
-          </a:xfrm>
-          <a:prstGeom prst="rect">
-            <a:avLst/>
-          </a:prstGeom>
-        </p:spPr>
-      </p:pic>
-      <p:pic>
-        <p:nvPicPr>
-          <p:cNvPr id="6" name="Picture 5">
-            <a:extLst>
-              <a:ext uri="{FF2B5EF4-FFF2-40B4-BE49-F238E27FC236}">
-                <a16:creationId xmlns:a16="http://schemas.microsoft.com/office/drawing/2014/main" id="{2F5030C9-BC8F-4598-829C-E929536DB030}"/>
-              </a:ext>
-            </a:extLst>
-          </p:cNvPr>
-          <p:cNvPicPr>
-            <a:picLocks noChangeAspect="1"/>
-          </p:cNvPicPr>
-          <p:nvPr/>
-        </p:nvPicPr>
-        <p:blipFill>
-          <a:blip r:embed="rId3"/>
-          <a:stretch>
-            <a:fillRect/>
-          </a:stretch>
-        </p:blipFill>
-        <p:spPr>
-          <a:xfrm>
-            <a:off x="1128962" y="3619351"/>
-            <a:ext cx="3045595" cy="1485042"/>
-          </a:xfrm>
-          <a:prstGeom prst="rect">
-            <a:avLst/>
-          </a:prstGeom>
-        </p:spPr>
-      </p:pic>
-      <p:sp>
-        <p:nvSpPr>
-          <p:cNvPr id="7" name="Title 3">
-            <a:extLst>
-              <a:ext uri="{FF2B5EF4-FFF2-40B4-BE49-F238E27FC236}">
-                <a16:creationId xmlns:a16="http://schemas.microsoft.com/office/drawing/2014/main" id="{232AF6AD-C5B1-4F78-B40F-4A56E0BFFE0D}"/>
+                <a16:creationId xmlns:a16="http://schemas.microsoft.com/office/drawing/2014/main" id="{F92CF671-1E1C-418E-9C44-A1784B984263}"/>
               </a:ext>
             </a:extLst>
           </p:cNvPr>
@@ -15770,26 +16188,131 @@
         </p:nvSpPr>
         <p:spPr>
           <a:xfrm>
-            <a:off x="549253" y="1752749"/>
-            <a:ext cx="4542700" cy="1485900"/>
+            <a:off x="1371600" y="685800"/>
+            <a:ext cx="9448800" cy="4482548"/>
           </a:xfrm>
         </p:spPr>
+        <p:txBody>
+          <a:bodyPr>
+            <a:normAutofit/>
+          </a:bodyPr>
+          <a:lstStyle/>
+          <a:p>
+            <a:pPr algn="ctr"/>
+            <a:br>
+              <a:rPr lang="es-AR" sz="6600" dirty="0"/>
+            </a:br>
+            <a:r>
+              <a:rPr lang="es-AR" sz="6600" dirty="0"/>
+              <a:t>¡Gracias por su atención!</a:t>
+            </a:r>
+          </a:p>
+        </p:txBody>
+      </p:sp>
+      <p:sp>
+        <p:nvSpPr>
+          <p:cNvPr id="3" name="Marcador de texto 2">
+            <a:extLst>
+              <a:ext uri="{FF2B5EF4-FFF2-40B4-BE49-F238E27FC236}">
+                <a16:creationId xmlns:a16="http://schemas.microsoft.com/office/drawing/2014/main" id="{02D5CD8F-FEC1-4110-A54D-4049809D57D8}"/>
+              </a:ext>
+            </a:extLst>
+          </p:cNvPr>
+          <p:cNvSpPr>
+            <a:spLocks noGrp="1"/>
+          </p:cNvSpPr>
+          <p:nvPr>
+            <p:ph type="body" idx="1"/>
+          </p:nvPr>
+        </p:nvSpPr>
+        <p:spPr/>
         <p:txBody>
           <a:bodyPr/>
           <a:lstStyle/>
           <a:p>
-            <a:r>
-              <a:rPr lang="es-AR" dirty="0" err="1"/>
-              <a:t>accelerometer.h</a:t>
-            </a:r>
             <a:endParaRPr lang="es-AR" dirty="0"/>
+          </a:p>
+        </p:txBody>
+      </p:sp>
+      <p:sp>
+        <p:nvSpPr>
+          <p:cNvPr id="4" name="Marcador de contenido 3">
+            <a:extLst>
+              <a:ext uri="{FF2B5EF4-FFF2-40B4-BE49-F238E27FC236}">
+                <a16:creationId xmlns:a16="http://schemas.microsoft.com/office/drawing/2014/main" id="{6ED095BB-90AB-4E8A-A337-9E92F2294999}"/>
+              </a:ext>
+            </a:extLst>
+          </p:cNvPr>
+          <p:cNvSpPr>
+            <a:spLocks noGrp="1"/>
+          </p:cNvSpPr>
+          <p:nvPr>
+            <p:ph sz="half" idx="2"/>
+          </p:nvPr>
+        </p:nvSpPr>
+        <p:spPr/>
+        <p:txBody>
+          <a:bodyPr/>
+          <a:lstStyle/>
+          <a:p>
+            <a:endParaRPr lang="es-AR"/>
+          </a:p>
+        </p:txBody>
+      </p:sp>
+      <p:sp>
+        <p:nvSpPr>
+          <p:cNvPr id="5" name="Marcador de texto 4">
+            <a:extLst>
+              <a:ext uri="{FF2B5EF4-FFF2-40B4-BE49-F238E27FC236}">
+                <a16:creationId xmlns:a16="http://schemas.microsoft.com/office/drawing/2014/main" id="{951D2D48-8476-4368-95B6-291295C6927B}"/>
+              </a:ext>
+            </a:extLst>
+          </p:cNvPr>
+          <p:cNvSpPr>
+            <a:spLocks noGrp="1"/>
+          </p:cNvSpPr>
+          <p:nvPr>
+            <p:ph type="body" sz="quarter" idx="3"/>
+          </p:nvPr>
+        </p:nvSpPr>
+        <p:spPr/>
+        <p:txBody>
+          <a:bodyPr/>
+          <a:lstStyle/>
+          <a:p>
+            <a:endParaRPr lang="es-AR"/>
+          </a:p>
+        </p:txBody>
+      </p:sp>
+      <p:sp>
+        <p:nvSpPr>
+          <p:cNvPr id="6" name="Marcador de contenido 5">
+            <a:extLst>
+              <a:ext uri="{FF2B5EF4-FFF2-40B4-BE49-F238E27FC236}">
+                <a16:creationId xmlns:a16="http://schemas.microsoft.com/office/drawing/2014/main" id="{177CD33A-DF9F-43B9-978B-A9B96271FD38}"/>
+              </a:ext>
+            </a:extLst>
+          </p:cNvPr>
+          <p:cNvSpPr>
+            <a:spLocks noGrp="1"/>
+          </p:cNvSpPr>
+          <p:nvPr>
+            <p:ph sz="quarter" idx="4"/>
+          </p:nvPr>
+        </p:nvSpPr>
+        <p:spPr/>
+        <p:txBody>
+          <a:bodyPr/>
+          <a:lstStyle/>
+          <a:p>
+            <a:endParaRPr lang="es-AR"/>
           </a:p>
         </p:txBody>
       </p:sp>
     </p:spTree>
     <p:extLst>
       <p:ext uri="{BB962C8B-B14F-4D97-AF65-F5344CB8AC3E}">
-        <p14:creationId xmlns:p14="http://schemas.microsoft.com/office/powerpoint/2010/main" val="2762447621"/>
+        <p14:creationId xmlns:p14="http://schemas.microsoft.com/office/powerpoint/2010/main" val="692921076"/>
       </p:ext>
     </p:extLst>
   </p:cSld>
@@ -15829,7 +16352,7 @@
           <p:nvPr>
             <p:extLst>
               <p:ext uri="{D42A27DB-BD31-4B8C-83A1-F6EECF244321}">
-                <p14:modId xmlns:p14="http://schemas.microsoft.com/office/powerpoint/2010/main" val="959299580"/>
+                <p14:modId xmlns:p14="http://schemas.microsoft.com/office/powerpoint/2010/main" val="596131157"/>
               </p:ext>
             </p:extLst>
           </p:nvPr>
@@ -15902,34 +16425,35 @@
           </a:p>
         </p:txBody>
       </p:sp>
-      <p:sp>
-        <p:nvSpPr>
-          <p:cNvPr id="3" name="Content Placeholder 2">
+      <p:pic>
+        <p:nvPicPr>
+          <p:cNvPr id="5" name="Marcador de contenido 4" descr="Captura de pantalla de un celular con texto&#10;&#10;Descripción generada automáticamente">
             <a:extLst>
               <a:ext uri="{FF2B5EF4-FFF2-40B4-BE49-F238E27FC236}">
-                <a16:creationId xmlns:a16="http://schemas.microsoft.com/office/drawing/2014/main" id="{602B378A-3EA1-4D37-B5C8-5E0814F1D4C6}"/>
+                <a16:creationId xmlns:a16="http://schemas.microsoft.com/office/drawing/2014/main" id="{A4665D72-83BE-4F03-A265-A0CCDFE1152E}"/>
               </a:ext>
             </a:extLst>
           </p:cNvPr>
-          <p:cNvSpPr>
-            <a:spLocks noGrp="1"/>
-          </p:cNvSpPr>
+          <p:cNvPicPr>
+            <a:picLocks noGrp="1" noChangeAspect="1"/>
+          </p:cNvPicPr>
           <p:nvPr>
             <p:ph idx="1"/>
           </p:nvPr>
-        </p:nvSpPr>
-        <p:spPr/>
-        <p:txBody>
-          <a:bodyPr/>
-          <a:lstStyle/>
-          <a:p>
-            <a:r>
-              <a:rPr lang="es-AR" dirty="0"/>
-              <a:t>ACA FOTO DEL MAIN</a:t>
-            </a:r>
-          </a:p>
-        </p:txBody>
-      </p:sp>
+        </p:nvPicPr>
+        <p:blipFill>
+          <a:blip r:embed="rId2"/>
+          <a:stretch>
+            <a:fillRect/>
+          </a:stretch>
+        </p:blipFill>
+        <p:spPr>
+          <a:xfrm>
+            <a:off x="2686929" y="1943774"/>
+            <a:ext cx="7528561" cy="5866809"/>
+          </a:xfrm>
+        </p:spPr>
+      </p:pic>
     </p:spTree>
     <p:extLst>
       <p:ext uri="{BB962C8B-B14F-4D97-AF65-F5344CB8AC3E}">
@@ -16703,6 +17227,425 @@
 <file path=ppt/slides/slide7.xml><?xml version="1.0" encoding="utf-8"?>
 <p:sld xmlns:a="http://schemas.openxmlformats.org/drawingml/2006/main" xmlns:r="http://schemas.openxmlformats.org/officeDocument/2006/relationships" xmlns:p="http://schemas.openxmlformats.org/presentationml/2006/main">
   <p:cSld>
+    <p:bg>
+      <p:bgPr>
+        <a:solidFill>
+          <a:schemeClr val="bg2"/>
+        </a:solidFill>
+        <a:effectLst/>
+      </p:bgPr>
+    </p:bg>
+    <p:spTree>
+      <p:nvGrpSpPr>
+        <p:cNvPr id="1" name=""/>
+        <p:cNvGrpSpPr/>
+        <p:nvPr/>
+      </p:nvGrpSpPr>
+      <p:grpSpPr>
+        <a:xfrm>
+          <a:off x="0" y="0"/>
+          <a:ext cx="0" cy="0"/>
+          <a:chOff x="0" y="0"/>
+          <a:chExt cx="0" cy="0"/>
+        </a:xfrm>
+      </p:grpSpPr>
+      <p:grpSp>
+        <p:nvGrpSpPr>
+          <p:cNvPr id="12" name="Group 11">
+            <a:extLst>
+              <a:ext uri="{FF2B5EF4-FFF2-40B4-BE49-F238E27FC236}">
+                <a16:creationId xmlns:a16="http://schemas.microsoft.com/office/drawing/2014/main" id="{57500303-A207-4812-BEB9-51E132FEB73F}"/>
+              </a:ext>
+              <a:ext uri="{C183D7F6-B498-43B3-948B-1728B52AA6E4}">
+                <adec:decorative xmlns:adec="http://schemas.microsoft.com/office/drawing/2017/decorative" val="1"/>
+              </a:ext>
+            </a:extLst>
+          </p:cNvPr>
+          <p:cNvGrpSpPr>
+            <a:grpSpLocks noGrp="1" noUngrp="1" noRot="1" noChangeAspect="1" noMove="1" noResize="1"/>
+          </p:cNvGrpSpPr>
+          <p:nvPr>
+            <p:extLst>
+              <p:ext uri="{386F3935-93C4-4BCD-93E2-E3B085C9AB24}">
+                <p16:designElem xmlns:p16="http://schemas.microsoft.com/office/powerpoint/2015/main" val="1"/>
+              </p:ext>
+            </p:extLst>
+          </p:nvPr>
+        </p:nvGrpSpPr>
+        <p:grpSpPr>
+          <a:xfrm>
+            <a:off x="752858" y="744469"/>
+            <a:ext cx="10674117" cy="5349671"/>
+            <a:chOff x="752858" y="744469"/>
+            <a:chExt cx="10674117" cy="5349671"/>
+          </a:xfrm>
+        </p:grpSpPr>
+        <p:sp>
+          <p:nvSpPr>
+            <p:cNvPr id="13" name="Freeform 6">
+              <a:extLst>
+                <a:ext uri="{FF2B5EF4-FFF2-40B4-BE49-F238E27FC236}">
+                  <a16:creationId xmlns:a16="http://schemas.microsoft.com/office/drawing/2014/main" id="{10118C91-C025-4776-BE95-E9926378E790}"/>
+                </a:ext>
+                <a:ext uri="{C183D7F6-B498-43B3-948B-1728B52AA6E4}">
+                  <adec:decorative xmlns:adec="http://schemas.microsoft.com/office/drawing/2017/decorative" val="1"/>
+                </a:ext>
+              </a:extLst>
+            </p:cNvPr>
+            <p:cNvSpPr/>
+            <p:nvPr>
+              <p:extLst>
+                <p:ext uri="{386F3935-93C4-4BCD-93E2-E3B085C9AB24}">
+                  <p16:designElem xmlns:p16="http://schemas.microsoft.com/office/powerpoint/2015/main" val="1"/>
+                </p:ext>
+              </p:extLst>
+            </p:nvPr>
+          </p:nvSpPr>
+          <p:spPr bwMode="auto">
+            <a:xfrm>
+              <a:off x="8151962" y="1685652"/>
+              <a:ext cx="3275013" cy="4408488"/>
+            </a:xfrm>
+            <a:custGeom>
+              <a:avLst/>
+              <a:gdLst/>
+              <a:ahLst/>
+              <a:cxnLst/>
+              <a:rect l="l" t="t" r="r" b="b"/>
+              <a:pathLst>
+                <a:path w="10000" h="10000">
+                  <a:moveTo>
+                    <a:pt x="8761" y="0"/>
+                  </a:moveTo>
+                  <a:lnTo>
+                    <a:pt x="10000" y="0"/>
+                  </a:lnTo>
+                  <a:lnTo>
+                    <a:pt x="10000" y="10000"/>
+                  </a:lnTo>
+                  <a:lnTo>
+                    <a:pt x="0" y="10000"/>
+                  </a:lnTo>
+                  <a:lnTo>
+                    <a:pt x="0" y="9126"/>
+                  </a:lnTo>
+                  <a:lnTo>
+                    <a:pt x="8761" y="9127"/>
+                  </a:lnTo>
+                  <a:lnTo>
+                    <a:pt x="8761" y="0"/>
+                  </a:lnTo>
+                  <a:close/>
+                </a:path>
+              </a:pathLst>
+            </a:custGeom>
+            <a:solidFill>
+              <a:schemeClr val="tx2"/>
+            </a:solidFill>
+            <a:ln w="0">
+              <a:noFill/>
+              <a:prstDash val="solid"/>
+              <a:round/>
+              <a:headEnd/>
+              <a:tailEnd/>
+            </a:ln>
+          </p:spPr>
+        </p:sp>
+        <p:sp>
+          <p:nvSpPr>
+            <p:cNvPr id="14" name="Freeform 6">
+              <a:extLst>
+                <a:ext uri="{FF2B5EF4-FFF2-40B4-BE49-F238E27FC236}">
+                  <a16:creationId xmlns:a16="http://schemas.microsoft.com/office/drawing/2014/main" id="{339174D0-30E8-4BBF-BF81-5DDAC33C0C0E}"/>
+                </a:ext>
+                <a:ext uri="{C183D7F6-B498-43B3-948B-1728B52AA6E4}">
+                  <adec:decorative xmlns:adec="http://schemas.microsoft.com/office/drawing/2017/decorative" val="1"/>
+                </a:ext>
+              </a:extLst>
+            </p:cNvPr>
+            <p:cNvSpPr/>
+            <p:nvPr>
+              <p:extLst>
+                <p:ext uri="{386F3935-93C4-4BCD-93E2-E3B085C9AB24}">
+                  <p16:designElem xmlns:p16="http://schemas.microsoft.com/office/powerpoint/2015/main" val="1"/>
+                </p:ext>
+              </p:extLst>
+            </p:nvPr>
+          </p:nvSpPr>
+          <p:spPr bwMode="auto">
+            <a:xfrm flipH="1" flipV="1">
+              <a:off x="752858" y="744469"/>
+              <a:ext cx="3275668" cy="4408488"/>
+            </a:xfrm>
+            <a:custGeom>
+              <a:avLst/>
+              <a:gdLst/>
+              <a:ahLst/>
+              <a:cxnLst/>
+              <a:rect l="l" t="t" r="r" b="b"/>
+              <a:pathLst>
+                <a:path w="10002" h="10000">
+                  <a:moveTo>
+                    <a:pt x="8763" y="0"/>
+                  </a:moveTo>
+                  <a:lnTo>
+                    <a:pt x="10002" y="0"/>
+                  </a:lnTo>
+                  <a:lnTo>
+                    <a:pt x="10002" y="10000"/>
+                  </a:lnTo>
+                  <a:lnTo>
+                    <a:pt x="2" y="10000"/>
+                  </a:lnTo>
+                  <a:cubicBezTo>
+                    <a:pt x="-2" y="9698"/>
+                    <a:pt x="4" y="9427"/>
+                    <a:pt x="0" y="9125"/>
+                  </a:cubicBezTo>
+                  <a:lnTo>
+                    <a:pt x="8763" y="9128"/>
+                  </a:lnTo>
+                  <a:lnTo>
+                    <a:pt x="8763" y="0"/>
+                  </a:lnTo>
+                  <a:close/>
+                </a:path>
+              </a:pathLst>
+            </a:custGeom>
+            <a:solidFill>
+              <a:schemeClr val="tx2"/>
+            </a:solidFill>
+            <a:ln w="0">
+              <a:noFill/>
+              <a:prstDash val="solid"/>
+              <a:round/>
+              <a:headEnd/>
+              <a:tailEnd/>
+            </a:ln>
+          </p:spPr>
+        </p:sp>
+      </p:grpSp>
+      <p:sp useBgFill="1">
+        <p:nvSpPr>
+          <p:cNvPr id="16" name="Rectangle 15">
+            <a:extLst>
+              <a:ext uri="{FF2B5EF4-FFF2-40B4-BE49-F238E27FC236}">
+                <a16:creationId xmlns:a16="http://schemas.microsoft.com/office/drawing/2014/main" id="{925474FA-D1AB-44FA-B3C6-06893E79923F}"/>
+              </a:ext>
+              <a:ext uri="{C183D7F6-B498-43B3-948B-1728B52AA6E4}">
+                <adec:decorative xmlns:adec="http://schemas.microsoft.com/office/drawing/2017/decorative" val="1"/>
+              </a:ext>
+            </a:extLst>
+          </p:cNvPr>
+          <p:cNvSpPr>
+            <a:spLocks noGrp="1" noRot="1" noChangeAspect="1" noMove="1" noResize="1" noEditPoints="1" noAdjustHandles="1" noChangeArrowheads="1" noChangeShapeType="1" noTextEdit="1"/>
+          </p:cNvSpPr>
+          <p:nvPr>
+            <p:extLst>
+              <p:ext uri="{386F3935-93C4-4BCD-93E2-E3B085C9AB24}">
+                <p16:designElem xmlns:p16="http://schemas.microsoft.com/office/powerpoint/2015/main" val="1"/>
+              </p:ext>
+            </p:extLst>
+          </p:nvPr>
+        </p:nvSpPr>
+        <p:spPr>
+          <a:xfrm>
+            <a:off x="0" y="0"/>
+            <a:ext cx="12192000" cy="6858000"/>
+          </a:xfrm>
+          <a:prstGeom prst="rect">
+            <a:avLst/>
+          </a:prstGeom>
+          <a:ln>
+            <a:noFill/>
+          </a:ln>
+        </p:spPr>
+        <p:style>
+          <a:lnRef idx="2">
+            <a:schemeClr val="accent1">
+              <a:shade val="50000"/>
+            </a:schemeClr>
+          </a:lnRef>
+          <a:fillRef idx="1">
+            <a:schemeClr val="accent1"/>
+          </a:fillRef>
+          <a:effectRef idx="0">
+            <a:schemeClr val="accent1"/>
+          </a:effectRef>
+          <a:fontRef idx="minor">
+            <a:schemeClr val="lt1"/>
+          </a:fontRef>
+        </p:style>
+        <p:txBody>
+          <a:bodyPr rtlCol="0" anchor="ctr"/>
+          <a:lstStyle/>
+          <a:p>
+            <a:pPr algn="ctr"/>
+            <a:endParaRPr lang="en-US"/>
+          </a:p>
+        </p:txBody>
+      </p:sp>
+      <p:sp>
+        <p:nvSpPr>
+          <p:cNvPr id="7" name="Title 3">
+            <a:extLst>
+              <a:ext uri="{FF2B5EF4-FFF2-40B4-BE49-F238E27FC236}">
+                <a16:creationId xmlns:a16="http://schemas.microsoft.com/office/drawing/2014/main" id="{232AF6AD-C5B1-4F78-B40F-4A56E0BFFE0D}"/>
+              </a:ext>
+            </a:extLst>
+          </p:cNvPr>
+          <p:cNvSpPr>
+            <a:spLocks noGrp="1"/>
+          </p:cNvSpPr>
+          <p:nvPr>
+            <p:ph type="title"/>
+          </p:nvPr>
+        </p:nvSpPr>
+        <p:spPr>
+          <a:xfrm>
+            <a:off x="1478521" y="1480930"/>
+            <a:ext cx="5678215" cy="3254321"/>
+          </a:xfrm>
+        </p:spPr>
+        <p:txBody>
+          <a:bodyPr vert="horz" lIns="91440" tIns="45720" rIns="91440" bIns="45720" rtlCol="0" anchor="b">
+            <a:normAutofit/>
+          </a:bodyPr>
+          <a:lstStyle/>
+          <a:p>
+            <a:pPr>
+              <a:lnSpc>
+                <a:spcPct val="89000"/>
+              </a:lnSpc>
+            </a:pPr>
+            <a:r>
+              <a:rPr lang="en-US" sz="5100" cap="all" dirty="0"/>
+              <a:t>U.A.R.T</a:t>
+            </a:r>
+          </a:p>
+        </p:txBody>
+      </p:sp>
+      <p:sp>
+        <p:nvSpPr>
+          <p:cNvPr id="18" name="Freeform 6">
+            <a:extLst>
+              <a:ext uri="{FF2B5EF4-FFF2-40B4-BE49-F238E27FC236}">
+                <a16:creationId xmlns:a16="http://schemas.microsoft.com/office/drawing/2014/main" id="{D6887B88-D39C-4236-B64C-7EE28DB7CDFC}"/>
+              </a:ext>
+              <a:ext uri="{C183D7F6-B498-43B3-948B-1728B52AA6E4}">
+                <adec:decorative xmlns:adec="http://schemas.microsoft.com/office/drawing/2017/decorative" val="1"/>
+              </a:ext>
+            </a:extLst>
+          </p:cNvPr>
+          <p:cNvSpPr>
+            <a:spLocks noGrp="1" noRot="1" noChangeAspect="1" noMove="1" noResize="1" noEditPoints="1" noAdjustHandles="1" noChangeArrowheads="1" noChangeShapeType="1" noTextEdit="1"/>
+          </p:cNvSpPr>
+          <p:nvPr>
+            <p:extLst>
+              <p:ext uri="{386F3935-93C4-4BCD-93E2-E3B085C9AB24}">
+                <p16:designElem xmlns:p16="http://schemas.microsoft.com/office/powerpoint/2015/main" val="1"/>
+              </p:ext>
+            </p:extLst>
+          </p:nvPr>
+        </p:nvSpPr>
+        <p:spPr bwMode="auto">
+          <a:xfrm flipH="1" flipV="1">
+            <a:off x="752858" y="744469"/>
+            <a:ext cx="3275668" cy="4408488"/>
+          </a:xfrm>
+          <a:custGeom>
+            <a:avLst/>
+            <a:gdLst/>
+            <a:ahLst/>
+            <a:cxnLst/>
+            <a:rect l="l" t="t" r="r" b="b"/>
+            <a:pathLst>
+              <a:path w="10002" h="10000">
+                <a:moveTo>
+                  <a:pt x="8763" y="0"/>
+                </a:moveTo>
+                <a:lnTo>
+                  <a:pt x="10002" y="0"/>
+                </a:lnTo>
+                <a:lnTo>
+                  <a:pt x="10002" y="10000"/>
+                </a:lnTo>
+                <a:lnTo>
+                  <a:pt x="2" y="10000"/>
+                </a:lnTo>
+                <a:cubicBezTo>
+                  <a:pt x="-2" y="9698"/>
+                  <a:pt x="4" y="9427"/>
+                  <a:pt x="0" y="9125"/>
+                </a:cubicBezTo>
+                <a:lnTo>
+                  <a:pt x="8763" y="9128"/>
+                </a:lnTo>
+                <a:lnTo>
+                  <a:pt x="8763" y="0"/>
+                </a:lnTo>
+                <a:close/>
+              </a:path>
+            </a:pathLst>
+          </a:custGeom>
+          <a:solidFill>
+            <a:schemeClr val="tx2"/>
+          </a:solidFill>
+          <a:ln w="0">
+            <a:noFill/>
+            <a:prstDash val="solid"/>
+            <a:round/>
+            <a:headEnd/>
+            <a:tailEnd/>
+          </a:ln>
+        </p:spPr>
+      </p:sp>
+      <p:pic>
+        <p:nvPicPr>
+          <p:cNvPr id="2" name="Imagen 1">
+            <a:extLst>
+              <a:ext uri="{FF2B5EF4-FFF2-40B4-BE49-F238E27FC236}">
+                <a16:creationId xmlns:a16="http://schemas.microsoft.com/office/drawing/2014/main" id="{B7ED31C5-B89A-477C-B700-0B4EAD8E9FCE}"/>
+              </a:ext>
+            </a:extLst>
+          </p:cNvPr>
+          <p:cNvPicPr>
+            <a:picLocks noChangeAspect="1"/>
+          </p:cNvPicPr>
+          <p:nvPr/>
+        </p:nvPicPr>
+        <p:blipFill>
+          <a:blip r:embed="rId2"/>
+          <a:stretch>
+            <a:fillRect/>
+          </a:stretch>
+        </p:blipFill>
+        <p:spPr>
+          <a:xfrm>
+            <a:off x="4781384" y="798150"/>
+            <a:ext cx="6880713" cy="5261699"/>
+          </a:xfrm>
+          <a:prstGeom prst="rect">
+            <a:avLst/>
+          </a:prstGeom>
+        </p:spPr>
+      </p:pic>
+    </p:spTree>
+    <p:extLst>
+      <p:ext uri="{BB962C8B-B14F-4D97-AF65-F5344CB8AC3E}">
+        <p14:creationId xmlns:p14="http://schemas.microsoft.com/office/powerpoint/2010/main" val="2762447621"/>
+      </p:ext>
+    </p:extLst>
+  </p:cSld>
+  <p:clrMapOvr>
+    <a:masterClrMapping/>
+  </p:clrMapOvr>
+</p:sld>
+</file>
+
+<file path=ppt/slides/slide8.xml><?xml version="1.0" encoding="utf-8"?>
+<p:sld xmlns:a="http://schemas.openxmlformats.org/drawingml/2006/main" xmlns:r="http://schemas.openxmlformats.org/officeDocument/2006/relationships" xmlns:p="http://schemas.openxmlformats.org/presentationml/2006/main">
+  <p:cSld>
     <p:spTree>
       <p:nvGrpSpPr>
         <p:cNvPr id="1" name=""/>
@@ -17058,7 +18001,7 @@
 </p:sld>
 </file>
 
-<file path=ppt/slides/slide8.xml><?xml version="1.0" encoding="utf-8"?>
+<file path=ppt/slides/slide9.xml><?xml version="1.0" encoding="utf-8"?>
 <p:sld xmlns:a="http://schemas.openxmlformats.org/drawingml/2006/main" xmlns:r="http://schemas.openxmlformats.org/officeDocument/2006/relationships" xmlns:p="http://schemas.openxmlformats.org/presentationml/2006/main">
   <p:cSld>
     <p:spTree>
@@ -17154,99 +18097,6 @@
     <p:extLst>
       <p:ext uri="{BB962C8B-B14F-4D97-AF65-F5344CB8AC3E}">
         <p14:creationId xmlns:p14="http://schemas.microsoft.com/office/powerpoint/2010/main" val="286731620"/>
-      </p:ext>
-    </p:extLst>
-  </p:cSld>
-  <p:clrMapOvr>
-    <a:masterClrMapping/>
-  </p:clrMapOvr>
-</p:sld>
-</file>
-
-<file path=ppt/slides/slide9.xml><?xml version="1.0" encoding="utf-8"?>
-<p:sld xmlns:a="http://schemas.openxmlformats.org/drawingml/2006/main" xmlns:r="http://schemas.openxmlformats.org/officeDocument/2006/relationships" xmlns:p="http://schemas.openxmlformats.org/presentationml/2006/main">
-  <p:cSld>
-    <p:spTree>
-      <p:nvGrpSpPr>
-        <p:cNvPr id="1" name=""/>
-        <p:cNvGrpSpPr/>
-        <p:nvPr/>
-      </p:nvGrpSpPr>
-      <p:grpSpPr>
-        <a:xfrm>
-          <a:off x="0" y="0"/>
-          <a:ext cx="0" cy="0"/>
-          <a:chOff x="0" y="0"/>
-          <a:chExt cx="0" cy="0"/>
-        </a:xfrm>
-      </p:grpSpPr>
-      <p:sp>
-        <p:nvSpPr>
-          <p:cNvPr id="7" name="Title 3">
-            <a:extLst>
-              <a:ext uri="{FF2B5EF4-FFF2-40B4-BE49-F238E27FC236}">
-                <a16:creationId xmlns:a16="http://schemas.microsoft.com/office/drawing/2014/main" id="{232AF6AD-C5B1-4F78-B40F-4A56E0BFFE0D}"/>
-              </a:ext>
-            </a:extLst>
-          </p:cNvPr>
-          <p:cNvSpPr>
-            <a:spLocks noGrp="1"/>
-          </p:cNvSpPr>
-          <p:nvPr>
-            <p:ph type="ctrTitle"/>
-          </p:nvPr>
-        </p:nvSpPr>
-        <p:spPr>
-          <a:xfrm>
-            <a:off x="4373091" y="238996"/>
-            <a:ext cx="6831673" cy="1086238"/>
-          </a:xfrm>
-        </p:spPr>
-        <p:txBody>
-          <a:bodyPr/>
-          <a:lstStyle/>
-          <a:p>
-            <a:r>
-              <a:rPr lang="es-AR" cap="none" dirty="0"/>
-              <a:t>FXOS8700CQ.h</a:t>
-            </a:r>
-          </a:p>
-        </p:txBody>
-      </p:sp>
-      <p:pic>
-        <p:nvPicPr>
-          <p:cNvPr id="2" name="Picture 1">
-            <a:extLst>
-              <a:ext uri="{FF2B5EF4-FFF2-40B4-BE49-F238E27FC236}">
-                <a16:creationId xmlns:a16="http://schemas.microsoft.com/office/drawing/2014/main" id="{4F8A8A3A-FD07-4AE3-A78E-B404D2452D8C}"/>
-              </a:ext>
-            </a:extLst>
-          </p:cNvPr>
-          <p:cNvPicPr>
-            <a:picLocks noChangeAspect="1"/>
-          </p:cNvPicPr>
-          <p:nvPr/>
-        </p:nvPicPr>
-        <p:blipFill>
-          <a:blip r:embed="rId2"/>
-          <a:stretch>
-            <a:fillRect/>
-          </a:stretch>
-        </p:blipFill>
-        <p:spPr>
-          <a:xfrm>
-            <a:off x="2631141" y="1203157"/>
-            <a:ext cx="6929717" cy="4451685"/>
-          </a:xfrm>
-          <a:prstGeom prst="rect">
-            <a:avLst/>
-          </a:prstGeom>
-        </p:spPr>
-      </p:pic>
-    </p:spTree>
-    <p:extLst>
-      <p:ext uri="{BB962C8B-B14F-4D97-AF65-F5344CB8AC3E}">
-        <p14:creationId xmlns:p14="http://schemas.microsoft.com/office/powerpoint/2010/main" val="2943568953"/>
       </p:ext>
     </p:extLst>
   </p:cSld>

--- a/PPT/Comunicación serie.pptx
+++ b/PPT/Comunicación serie.pptx
@@ -4323,8 +4323,8 @@
       </dsp:nvSpPr>
       <dsp:spPr>
         <a:xfrm>
-          <a:off x="5316649" y="182413"/>
-          <a:ext cx="1332202" cy="888135"/>
+          <a:off x="5306462" y="3221"/>
+          <a:ext cx="1413653" cy="942435"/>
         </a:xfrm>
         <a:prstGeom prst="roundRect">
           <a:avLst>
@@ -4390,8 +4390,8 @@
         </a:p>
       </dsp:txBody>
       <dsp:txXfrm>
-        <a:off x="5342662" y="208426"/>
-        <a:ext cx="1280176" cy="836109"/>
+        <a:off x="5334065" y="30824"/>
+        <a:ext cx="1358447" cy="887229"/>
       </dsp:txXfrm>
     </dsp:sp>
     <dsp:sp modelId="{41AB122B-081A-4865-AD38-E3670CB221C3}">
@@ -4401,8 +4401,8 @@
       </dsp:nvSpPr>
       <dsp:spPr>
         <a:xfrm>
-          <a:off x="3751398" y="1070548"/>
-          <a:ext cx="2231352" cy="355254"/>
+          <a:off x="3645512" y="945657"/>
+          <a:ext cx="2367777" cy="376974"/>
         </a:xfrm>
         <a:custGeom>
           <a:avLst/>
@@ -4413,16 +4413,16 @@
           <a:pathLst>
             <a:path>
               <a:moveTo>
-                <a:pt x="2231352" y="0"/>
+                <a:pt x="2367777" y="0"/>
               </a:moveTo>
               <a:lnTo>
-                <a:pt x="2231352" y="177627"/>
+                <a:pt x="2367777" y="188487"/>
               </a:lnTo>
               <a:lnTo>
-                <a:pt x="0" y="177627"/>
+                <a:pt x="0" y="188487"/>
               </a:lnTo>
               <a:lnTo>
-                <a:pt x="0" y="355254"/>
+                <a:pt x="0" y="376974"/>
               </a:lnTo>
             </a:path>
           </a:pathLst>
@@ -4462,8 +4462,8 @@
       </dsp:nvSpPr>
       <dsp:spPr>
         <a:xfrm>
-          <a:off x="3085296" y="1425802"/>
-          <a:ext cx="1332202" cy="888135"/>
+          <a:off x="2938685" y="1322631"/>
+          <a:ext cx="1413653" cy="942435"/>
         </a:xfrm>
         <a:prstGeom prst="roundRect">
           <a:avLst>
@@ -4547,8 +4547,8 @@
         </a:p>
       </dsp:txBody>
       <dsp:txXfrm>
-        <a:off x="3111309" y="1451815"/>
-        <a:ext cx="1280176" cy="836109"/>
+        <a:off x="2966288" y="1350234"/>
+        <a:ext cx="1358447" cy="887229"/>
       </dsp:txXfrm>
     </dsp:sp>
     <dsp:sp modelId="{6BED99B3-E35D-4479-BD8F-C89911CBA7D9}">
@@ -4558,8 +4558,8 @@
       </dsp:nvSpPr>
       <dsp:spPr>
         <a:xfrm>
-          <a:off x="1886487" y="2313937"/>
-          <a:ext cx="1864910" cy="355254"/>
+          <a:off x="1666581" y="2265066"/>
+          <a:ext cx="1978930" cy="376974"/>
         </a:xfrm>
         <a:custGeom>
           <a:avLst/>
@@ -4570,16 +4570,16 @@
           <a:pathLst>
             <a:path>
               <a:moveTo>
-                <a:pt x="1864910" y="0"/>
+                <a:pt x="1978930" y="0"/>
               </a:moveTo>
               <a:lnTo>
-                <a:pt x="1864910" y="177627"/>
+                <a:pt x="1978930" y="188487"/>
               </a:lnTo>
               <a:lnTo>
-                <a:pt x="0" y="177627"/>
+                <a:pt x="0" y="188487"/>
               </a:lnTo>
               <a:lnTo>
-                <a:pt x="0" y="355254"/>
+                <a:pt x="0" y="376974"/>
               </a:lnTo>
             </a:path>
           </a:pathLst>
@@ -4623,8 +4623,8 @@
       </dsp:nvSpPr>
       <dsp:spPr>
         <a:xfrm>
-          <a:off x="1220386" y="2669191"/>
-          <a:ext cx="1332202" cy="888135"/>
+          <a:off x="959754" y="2642041"/>
+          <a:ext cx="1413653" cy="942435"/>
         </a:xfrm>
         <a:prstGeom prst="roundRect">
           <a:avLst>
@@ -4690,8 +4690,8 @@
         </a:p>
       </dsp:txBody>
       <dsp:txXfrm>
-        <a:off x="1246399" y="2695204"/>
-        <a:ext cx="1280176" cy="836109"/>
+        <a:off x="987357" y="2669644"/>
+        <a:ext cx="1358447" cy="887229"/>
       </dsp:txXfrm>
     </dsp:sp>
     <dsp:sp modelId="{FBB1584B-E4A3-46AD-B9FF-73233513DEC5}">
@@ -4701,8 +4701,8 @@
       </dsp:nvSpPr>
       <dsp:spPr>
         <a:xfrm>
-          <a:off x="1840767" y="3557326"/>
-          <a:ext cx="91440" cy="355254"/>
+          <a:off x="1620861" y="3584476"/>
+          <a:ext cx="91440" cy="376974"/>
         </a:xfrm>
         <a:custGeom>
           <a:avLst/>
@@ -4716,7 +4716,7 @@
                 <a:pt x="45720" y="0"/>
               </a:moveTo>
               <a:lnTo>
-                <a:pt x="45720" y="355254"/>
+                <a:pt x="45720" y="376974"/>
               </a:lnTo>
             </a:path>
           </a:pathLst>
@@ -4760,8 +4760,8 @@
       </dsp:nvSpPr>
       <dsp:spPr>
         <a:xfrm>
-          <a:off x="1220386" y="3912580"/>
-          <a:ext cx="1332202" cy="888135"/>
+          <a:off x="959754" y="3961451"/>
+          <a:ext cx="1413653" cy="942435"/>
         </a:xfrm>
         <a:prstGeom prst="roundRect">
           <a:avLst>
@@ -4827,8 +4827,8 @@
         </a:p>
       </dsp:txBody>
       <dsp:txXfrm>
-        <a:off x="1246399" y="3938593"/>
-        <a:ext cx="1280176" cy="836109"/>
+        <a:off x="987357" y="3989054"/>
+        <a:ext cx="1358447" cy="887229"/>
       </dsp:txXfrm>
     </dsp:sp>
     <dsp:sp modelId="{53BE28EF-99A8-45D2-A439-B1144FBC3954}">
@@ -4838,8 +4838,8 @@
       </dsp:nvSpPr>
       <dsp:spPr>
         <a:xfrm>
-          <a:off x="3609558" y="2313937"/>
-          <a:ext cx="141839" cy="355254"/>
+          <a:off x="3495000" y="2265066"/>
+          <a:ext cx="150511" cy="376974"/>
         </a:xfrm>
         <a:custGeom>
           <a:avLst/>
@@ -4850,16 +4850,16 @@
           <a:pathLst>
             <a:path>
               <a:moveTo>
-                <a:pt x="141839" y="0"/>
+                <a:pt x="150511" y="0"/>
               </a:moveTo>
               <a:lnTo>
-                <a:pt x="141839" y="177627"/>
+                <a:pt x="150511" y="188487"/>
               </a:lnTo>
               <a:lnTo>
-                <a:pt x="0" y="177627"/>
+                <a:pt x="0" y="188487"/>
               </a:lnTo>
               <a:lnTo>
-                <a:pt x="0" y="355254"/>
+                <a:pt x="0" y="376974"/>
               </a:lnTo>
             </a:path>
           </a:pathLst>
@@ -4903,8 +4903,8 @@
       </dsp:nvSpPr>
       <dsp:spPr>
         <a:xfrm>
-          <a:off x="2943457" y="2669191"/>
-          <a:ext cx="1332202" cy="888135"/>
+          <a:off x="2788173" y="2642041"/>
+          <a:ext cx="1413653" cy="942435"/>
         </a:xfrm>
         <a:prstGeom prst="roundRect">
           <a:avLst>
@@ -4988,8 +4988,8 @@
         </a:p>
       </dsp:txBody>
       <dsp:txXfrm>
-        <a:off x="2969470" y="2695204"/>
-        <a:ext cx="1280176" cy="836109"/>
+        <a:off x="2815776" y="2669644"/>
+        <a:ext cx="1358447" cy="887229"/>
       </dsp:txXfrm>
     </dsp:sp>
     <dsp:sp modelId="{E6F5C1DA-D308-408B-88C1-7DE98E99F690}">
@@ -4999,8 +4999,8 @@
       </dsp:nvSpPr>
       <dsp:spPr>
         <a:xfrm>
-          <a:off x="3563838" y="3557326"/>
-          <a:ext cx="91440" cy="355254"/>
+          <a:off x="3449280" y="3584476"/>
+          <a:ext cx="91440" cy="376974"/>
         </a:xfrm>
         <a:custGeom>
           <a:avLst/>
@@ -5014,13 +5014,13 @@
                 <a:pt x="45720" y="0"/>
               </a:moveTo>
               <a:lnTo>
-                <a:pt x="45720" y="177627"/>
+                <a:pt x="45720" y="188487"/>
               </a:lnTo>
               <a:lnTo>
-                <a:pt x="54512" y="177627"/>
+                <a:pt x="55050" y="188487"/>
               </a:lnTo>
               <a:lnTo>
-                <a:pt x="54512" y="355254"/>
+                <a:pt x="55050" y="376974"/>
               </a:lnTo>
             </a:path>
           </a:pathLst>
@@ -5064,8 +5064,8 @@
       </dsp:nvSpPr>
       <dsp:spPr>
         <a:xfrm>
-          <a:off x="2952249" y="3912580"/>
-          <a:ext cx="1332202" cy="888135"/>
+          <a:off x="2797503" y="3961451"/>
+          <a:ext cx="1413653" cy="942435"/>
         </a:xfrm>
         <a:prstGeom prst="roundRect">
           <a:avLst>
@@ -5131,8 +5131,8 @@
         </a:p>
       </dsp:txBody>
       <dsp:txXfrm>
-        <a:off x="2978262" y="3938593"/>
-        <a:ext cx="1280176" cy="836109"/>
+        <a:off x="2825106" y="3989054"/>
+        <a:ext cx="1358447" cy="887229"/>
       </dsp:txXfrm>
     </dsp:sp>
     <dsp:sp modelId="{D2FA8DCC-89A3-4CB1-9FF9-7F8B664B0AF9}">
@@ -5142,8 +5142,8 @@
       </dsp:nvSpPr>
       <dsp:spPr>
         <a:xfrm>
-          <a:off x="3572631" y="4800715"/>
-          <a:ext cx="91440" cy="355254"/>
+          <a:off x="3458610" y="4903886"/>
+          <a:ext cx="91440" cy="376974"/>
         </a:xfrm>
         <a:custGeom>
           <a:avLst/>
@@ -5157,7 +5157,7 @@
                 <a:pt x="45720" y="0"/>
               </a:moveTo>
               <a:lnTo>
-                <a:pt x="45720" y="355254"/>
+                <a:pt x="45720" y="376974"/>
               </a:lnTo>
             </a:path>
           </a:pathLst>
@@ -5201,8 +5201,8 @@
       </dsp:nvSpPr>
       <dsp:spPr>
         <a:xfrm>
-          <a:off x="2952249" y="5155969"/>
-          <a:ext cx="1332202" cy="888135"/>
+          <a:off x="2797503" y="5280860"/>
+          <a:ext cx="1413653" cy="942435"/>
         </a:xfrm>
         <a:prstGeom prst="roundRect">
           <a:avLst>
@@ -5268,8 +5268,8 @@
         </a:p>
       </dsp:txBody>
       <dsp:txXfrm>
-        <a:off x="2978262" y="5181982"/>
-        <a:ext cx="1280176" cy="836109"/>
+        <a:off x="2825106" y="5308463"/>
+        <a:ext cx="1358447" cy="887229"/>
       </dsp:txXfrm>
     </dsp:sp>
     <dsp:sp modelId="{DDEF067D-8035-4EE8-B26D-F9EF3FCB2EBB}">
@@ -5279,8 +5279,8 @@
       </dsp:nvSpPr>
       <dsp:spPr>
         <a:xfrm>
-          <a:off x="3751398" y="2313937"/>
-          <a:ext cx="1681146" cy="350262"/>
+          <a:off x="3645512" y="2265066"/>
+          <a:ext cx="1783931" cy="371677"/>
         </a:xfrm>
         <a:custGeom>
           <a:avLst/>
@@ -5294,13 +5294,13 @@
                 <a:pt x="0" y="0"/>
               </a:moveTo>
               <a:lnTo>
-                <a:pt x="0" y="175131"/>
+                <a:pt x="0" y="185838"/>
               </a:lnTo>
               <a:lnTo>
-                <a:pt x="1681146" y="175131"/>
+                <a:pt x="1783931" y="185838"/>
               </a:lnTo>
               <a:lnTo>
-                <a:pt x="1681146" y="350262"/>
+                <a:pt x="1783931" y="371677"/>
               </a:lnTo>
             </a:path>
           </a:pathLst>
@@ -5344,8 +5344,8 @@
       </dsp:nvSpPr>
       <dsp:spPr>
         <a:xfrm>
-          <a:off x="4633396" y="2664200"/>
-          <a:ext cx="1598296" cy="888135"/>
+          <a:off x="4581435" y="2636744"/>
+          <a:ext cx="1696016" cy="942435"/>
         </a:xfrm>
         <a:prstGeom prst="roundRect">
           <a:avLst>
@@ -5411,8 +5411,8 @@
         </a:p>
       </dsp:txBody>
       <dsp:txXfrm>
-        <a:off x="4659409" y="2690213"/>
-        <a:ext cx="1546270" cy="836109"/>
+        <a:off x="4609038" y="2664347"/>
+        <a:ext cx="1640810" cy="887229"/>
       </dsp:txXfrm>
     </dsp:sp>
     <dsp:sp modelId="{D15C5AB9-F1E9-4D5E-85C9-5C93CA672A4C}">
@@ -5422,8 +5422,8 @@
       </dsp:nvSpPr>
       <dsp:spPr>
         <a:xfrm>
-          <a:off x="5386824" y="3552335"/>
-          <a:ext cx="91440" cy="360245"/>
+          <a:off x="5383723" y="3579180"/>
+          <a:ext cx="91440" cy="382270"/>
         </a:xfrm>
         <a:custGeom>
           <a:avLst/>
@@ -5437,13 +5437,13 @@
                 <a:pt x="45720" y="0"/>
               </a:moveTo>
               <a:lnTo>
-                <a:pt x="45720" y="180122"/>
+                <a:pt x="45720" y="191135"/>
               </a:lnTo>
               <a:lnTo>
-                <a:pt x="96436" y="180122"/>
+                <a:pt x="99537" y="191135"/>
               </a:lnTo>
               <a:lnTo>
-                <a:pt x="96436" y="360245"/>
+                <a:pt x="99537" y="382270"/>
               </a:lnTo>
             </a:path>
           </a:pathLst>
@@ -5487,8 +5487,8 @@
       </dsp:nvSpPr>
       <dsp:spPr>
         <a:xfrm>
-          <a:off x="4817160" y="3912580"/>
-          <a:ext cx="1332202" cy="888135"/>
+          <a:off x="4776434" y="3961451"/>
+          <a:ext cx="1413653" cy="942435"/>
         </a:xfrm>
         <a:prstGeom prst="roundRect">
           <a:avLst>
@@ -5554,8 +5554,8 @@
         </a:p>
       </dsp:txBody>
       <dsp:txXfrm>
-        <a:off x="4843173" y="3938593"/>
-        <a:ext cx="1280176" cy="836109"/>
+        <a:off x="4804037" y="3989054"/>
+        <a:ext cx="1358447" cy="887229"/>
       </dsp:txXfrm>
     </dsp:sp>
     <dsp:sp modelId="{2B44D44D-9C15-4BE4-8857-6902DD216E02}">
@@ -5565,8 +5565,8 @@
       </dsp:nvSpPr>
       <dsp:spPr>
         <a:xfrm>
-          <a:off x="5386611" y="4800715"/>
-          <a:ext cx="91440" cy="326958"/>
+          <a:off x="5383497" y="4903886"/>
+          <a:ext cx="91440" cy="346948"/>
         </a:xfrm>
         <a:custGeom>
           <a:avLst/>
@@ -5577,16 +5577,16 @@
           <a:pathLst>
             <a:path>
               <a:moveTo>
-                <a:pt x="96650" y="0"/>
+                <a:pt x="99763" y="0"/>
               </a:moveTo>
               <a:lnTo>
-                <a:pt x="96650" y="163479"/>
+                <a:pt x="99763" y="173474"/>
               </a:lnTo>
               <a:lnTo>
-                <a:pt x="45720" y="163479"/>
+                <a:pt x="45720" y="173474"/>
               </a:lnTo>
               <a:lnTo>
-                <a:pt x="45720" y="326958"/>
+                <a:pt x="45720" y="346948"/>
               </a:lnTo>
             </a:path>
           </a:pathLst>
@@ -5630,8 +5630,8 @@
       </dsp:nvSpPr>
       <dsp:spPr>
         <a:xfrm>
-          <a:off x="4766230" y="5127673"/>
-          <a:ext cx="1332202" cy="888135"/>
+          <a:off x="4722390" y="5250834"/>
+          <a:ext cx="1413653" cy="942435"/>
         </a:xfrm>
         <a:prstGeom prst="roundRect">
           <a:avLst>
@@ -5697,8 +5697,8 @@
         </a:p>
       </dsp:txBody>
       <dsp:txXfrm>
-        <a:off x="4792243" y="5153686"/>
-        <a:ext cx="1280176" cy="836109"/>
+        <a:off x="4749993" y="5278437"/>
+        <a:ext cx="1358447" cy="887229"/>
       </dsp:txXfrm>
     </dsp:sp>
     <dsp:sp modelId="{6D500FE4-6E88-4115-B204-2A401C1E43A0}">
@@ -5708,8 +5708,8 @@
       </dsp:nvSpPr>
       <dsp:spPr>
         <a:xfrm>
-          <a:off x="5982750" y="1070548"/>
-          <a:ext cx="2231352" cy="355254"/>
+          <a:off x="6013289" y="945657"/>
+          <a:ext cx="2367777" cy="376974"/>
         </a:xfrm>
         <a:custGeom>
           <a:avLst/>
@@ -5723,13 +5723,13 @@
                 <a:pt x="0" y="0"/>
               </a:moveTo>
               <a:lnTo>
-                <a:pt x="0" y="177627"/>
+                <a:pt x="0" y="188487"/>
               </a:lnTo>
               <a:lnTo>
-                <a:pt x="2231352" y="177627"/>
+                <a:pt x="2367777" y="188487"/>
               </a:lnTo>
               <a:lnTo>
-                <a:pt x="2231352" y="355254"/>
+                <a:pt x="2367777" y="376974"/>
               </a:lnTo>
             </a:path>
           </a:pathLst>
@@ -5769,8 +5769,8 @@
       </dsp:nvSpPr>
       <dsp:spPr>
         <a:xfrm>
-          <a:off x="7548002" y="1425802"/>
-          <a:ext cx="1332202" cy="888135"/>
+          <a:off x="7674240" y="1322631"/>
+          <a:ext cx="1413653" cy="942435"/>
         </a:xfrm>
         <a:prstGeom prst="roundRect">
           <a:avLst>
@@ -5854,8 +5854,8 @@
         </a:p>
       </dsp:txBody>
       <dsp:txXfrm>
-        <a:off x="7574015" y="1451815"/>
-        <a:ext cx="1280176" cy="836109"/>
+        <a:off x="7701843" y="1350234"/>
+        <a:ext cx="1358447" cy="887229"/>
       </dsp:txXfrm>
     </dsp:sp>
     <dsp:sp modelId="{6DFBC8DC-FB04-4552-ACB4-2C723637561B}">
@@ -5865,8 +5865,8 @@
       </dsp:nvSpPr>
       <dsp:spPr>
         <a:xfrm>
-          <a:off x="7383914" y="2313937"/>
-          <a:ext cx="830188" cy="343344"/>
+          <a:off x="7500120" y="2265066"/>
+          <a:ext cx="880946" cy="364336"/>
         </a:xfrm>
         <a:custGeom>
           <a:avLst/>
@@ -5877,16 +5877,16 @@
           <a:pathLst>
             <a:path>
               <a:moveTo>
-                <a:pt x="830188" y="0"/>
+                <a:pt x="880946" y="0"/>
               </a:moveTo>
               <a:lnTo>
-                <a:pt x="830188" y="171672"/>
+                <a:pt x="880946" y="182168"/>
               </a:lnTo>
               <a:lnTo>
-                <a:pt x="0" y="171672"/>
+                <a:pt x="0" y="182168"/>
               </a:lnTo>
               <a:lnTo>
-                <a:pt x="0" y="343344"/>
+                <a:pt x="0" y="364336"/>
               </a:lnTo>
             </a:path>
           </a:pathLst>
@@ -5930,8 +5930,8 @@
       </dsp:nvSpPr>
       <dsp:spPr>
         <a:xfrm>
-          <a:off x="6717813" y="2657281"/>
-          <a:ext cx="1332202" cy="888135"/>
+          <a:off x="6793294" y="2629403"/>
+          <a:ext cx="1413653" cy="942435"/>
         </a:xfrm>
         <a:prstGeom prst="roundRect">
           <a:avLst>
@@ -5997,8 +5997,8 @@
         </a:p>
       </dsp:txBody>
       <dsp:txXfrm>
-        <a:off x="6743826" y="2683294"/>
-        <a:ext cx="1280176" cy="836109"/>
+        <a:off x="6820897" y="2657006"/>
+        <a:ext cx="1358447" cy="887229"/>
       </dsp:txXfrm>
     </dsp:sp>
     <dsp:sp modelId="{190E5C43-FF52-41EF-BC65-4C3846DF4B2F}">
@@ -6008,8 +6008,8 @@
       </dsp:nvSpPr>
       <dsp:spPr>
         <a:xfrm>
-          <a:off x="7302451" y="3545416"/>
-          <a:ext cx="91440" cy="367163"/>
+          <a:off x="7416472" y="3571838"/>
+          <a:ext cx="91440" cy="389612"/>
         </a:xfrm>
         <a:custGeom>
           <a:avLst/>
@@ -6020,16 +6020,16 @@
           <a:pathLst>
             <a:path>
               <a:moveTo>
-                <a:pt x="81462" y="0"/>
+                <a:pt x="83648" y="0"/>
               </a:moveTo>
               <a:lnTo>
-                <a:pt x="81462" y="183581"/>
+                <a:pt x="83648" y="194806"/>
               </a:lnTo>
               <a:lnTo>
-                <a:pt x="45720" y="183581"/>
+                <a:pt x="45720" y="194806"/>
               </a:lnTo>
               <a:lnTo>
-                <a:pt x="45720" y="367163"/>
+                <a:pt x="45720" y="389612"/>
               </a:lnTo>
             </a:path>
           </a:pathLst>
@@ -6073,8 +6073,8 @@
       </dsp:nvSpPr>
       <dsp:spPr>
         <a:xfrm>
-          <a:off x="6682070" y="3912580"/>
-          <a:ext cx="1332202" cy="888135"/>
+          <a:off x="6755365" y="3961451"/>
+          <a:ext cx="1413653" cy="942435"/>
         </a:xfrm>
         <a:prstGeom prst="roundRect">
           <a:avLst>
@@ -6140,8 +6140,8 @@
         </a:p>
       </dsp:txBody>
       <dsp:txXfrm>
-        <a:off x="6708083" y="3938593"/>
-        <a:ext cx="1280176" cy="836109"/>
+        <a:off x="6782968" y="3989054"/>
+        <a:ext cx="1358447" cy="887229"/>
       </dsp:txXfrm>
     </dsp:sp>
     <dsp:sp modelId="{86087C67-4375-477E-84D1-836C1F14C793}">
@@ -6151,8 +6151,8 @@
       </dsp:nvSpPr>
       <dsp:spPr>
         <a:xfrm>
-          <a:off x="8214103" y="2313937"/>
-          <a:ext cx="854274" cy="262701"/>
+          <a:off x="8381067" y="2265066"/>
+          <a:ext cx="906505" cy="278763"/>
         </a:xfrm>
         <a:custGeom>
           <a:avLst/>
@@ -6166,13 +6166,13 @@
                 <a:pt x="0" y="0"/>
               </a:moveTo>
               <a:lnTo>
-                <a:pt x="0" y="131350"/>
+                <a:pt x="0" y="139381"/>
               </a:lnTo>
               <a:lnTo>
-                <a:pt x="854274" y="131350"/>
+                <a:pt x="906505" y="139381"/>
               </a:lnTo>
               <a:lnTo>
-                <a:pt x="854274" y="262701"/>
+                <a:pt x="906505" y="278763"/>
               </a:lnTo>
             </a:path>
           </a:pathLst>
@@ -6216,8 +6216,8 @@
       </dsp:nvSpPr>
       <dsp:spPr>
         <a:xfrm>
-          <a:off x="8402277" y="2576638"/>
-          <a:ext cx="1332202" cy="888135"/>
+          <a:off x="8580745" y="2543830"/>
+          <a:ext cx="1413653" cy="942435"/>
         </a:xfrm>
         <a:prstGeom prst="roundRect">
           <a:avLst>
@@ -6283,8 +6283,8 @@
         </a:p>
       </dsp:txBody>
       <dsp:txXfrm>
-        <a:off x="8428290" y="2602651"/>
-        <a:ext cx="1280176" cy="836109"/>
+        <a:off x="8608348" y="2571433"/>
+        <a:ext cx="1358447" cy="887229"/>
       </dsp:txXfrm>
     </dsp:sp>
     <dsp:sp modelId="{56CF0D79-9B69-422E-B55F-8C1B0E2FBF1A}">
@@ -6294,8 +6294,8 @@
       </dsp:nvSpPr>
       <dsp:spPr>
         <a:xfrm>
-          <a:off x="9022658" y="3464773"/>
-          <a:ext cx="91440" cy="447806"/>
+          <a:off x="9241852" y="3486265"/>
+          <a:ext cx="91440" cy="475185"/>
         </a:xfrm>
         <a:custGeom>
           <a:avLst/>
@@ -6309,13 +6309,13 @@
                 <a:pt x="45720" y="0"/>
               </a:moveTo>
               <a:lnTo>
-                <a:pt x="45720" y="223903"/>
+                <a:pt x="45720" y="237592"/>
               </a:lnTo>
               <a:lnTo>
-                <a:pt x="57376" y="223903"/>
+                <a:pt x="58089" y="237592"/>
               </a:lnTo>
               <a:lnTo>
-                <a:pt x="57376" y="447806"/>
+                <a:pt x="58089" y="475185"/>
               </a:lnTo>
             </a:path>
           </a:pathLst>
@@ -6359,8 +6359,8 @@
       </dsp:nvSpPr>
       <dsp:spPr>
         <a:xfrm>
-          <a:off x="8413934" y="3912580"/>
-          <a:ext cx="1332202" cy="888135"/>
+          <a:off x="8593115" y="3961451"/>
+          <a:ext cx="1413653" cy="942435"/>
         </a:xfrm>
         <a:prstGeom prst="roundRect">
           <a:avLst>
@@ -6426,8 +6426,8 @@
         </a:p>
       </dsp:txBody>
       <dsp:txXfrm>
-        <a:off x="8439947" y="3938593"/>
-        <a:ext cx="1280176" cy="836109"/>
+        <a:off x="8620718" y="3989054"/>
+        <a:ext cx="1358447" cy="887229"/>
       </dsp:txXfrm>
     </dsp:sp>
   </dsp:spTree>
@@ -12210,7 +12210,7 @@
             <a:fld id="{87DE6118-2437-4B30-8E3C-4D2BE6020583}" type="datetimeFigureOut">
               <a:rPr lang="en-US" dirty="0"/>
               <a:pPr/>
-              <a:t>10/7/2019</a:t>
+              <a:t>07-Oct-19</a:t>
             </a:fld>
             <a:endParaRPr lang="en-US" dirty="0"/>
           </a:p>
@@ -12279,7 +12279,7 @@
             <a:fld id="{69E57DC2-970A-4B3E-BB1C-7A09969E49DF}" type="slidenum">
               <a:rPr lang="en-US" dirty="0"/>
               <a:pPr/>
-              <a:t>‹Nº›</a:t>
+              <a:t>‹#›</a:t>
             </a:fld>
             <a:endParaRPr lang="en-US" dirty="0"/>
           </a:p>
@@ -12536,7 +12536,7 @@
           <a:p>
             <a:fld id="{87DE6118-2437-4B30-8E3C-4D2BE6020583}" type="datetimeFigureOut">
               <a:rPr lang="en-US" dirty="0"/>
-              <a:t>10/7/2019</a:t>
+              <a:t>07-Oct-19</a:t>
             </a:fld>
             <a:endParaRPr lang="en-US" dirty="0"/>
           </a:p>
@@ -12578,7 +12578,7 @@
           <a:p>
             <a:fld id="{69E57DC2-970A-4B3E-BB1C-7A09969E49DF}" type="slidenum">
               <a:rPr lang="en-US" dirty="0"/>
-              <a:t>‹Nº›</a:t>
+              <a:t>‹#›</a:t>
             </a:fld>
             <a:endParaRPr lang="en-US" dirty="0"/>
           </a:p>
@@ -12711,7 +12711,7 @@
           <a:p>
             <a:fld id="{87DE6118-2437-4B30-8E3C-4D2BE6020583}" type="datetimeFigureOut">
               <a:rPr lang="en-US" dirty="0"/>
-              <a:t>10/7/2019</a:t>
+              <a:t>07-Oct-19</a:t>
             </a:fld>
             <a:endParaRPr lang="en-US" dirty="0"/>
           </a:p>
@@ -12753,7 +12753,7 @@
           <a:p>
             <a:fld id="{69E57DC2-970A-4B3E-BB1C-7A09969E49DF}" type="slidenum">
               <a:rPr lang="en-US" dirty="0"/>
-              <a:t>‹Nº›</a:t>
+              <a:t>‹#›</a:t>
             </a:fld>
             <a:endParaRPr lang="en-US" dirty="0"/>
           </a:p>
@@ -12876,7 +12876,7 @@
           <a:p>
             <a:fld id="{87DE6118-2437-4B30-8E3C-4D2BE6020583}" type="datetimeFigureOut">
               <a:rPr lang="en-US" dirty="0"/>
-              <a:t>10/7/2019</a:t>
+              <a:t>07-Oct-19</a:t>
             </a:fld>
             <a:endParaRPr lang="en-US" dirty="0"/>
           </a:p>
@@ -12918,7 +12918,7 @@
           <a:p>
             <a:fld id="{69E57DC2-970A-4B3E-BB1C-7A09969E49DF}" type="slidenum">
               <a:rPr lang="en-US" dirty="0"/>
-              <a:t>‹Nº›</a:t>
+              <a:t>‹#›</a:t>
             </a:fld>
             <a:endParaRPr lang="en-US" dirty="0"/>
           </a:p>
@@ -13149,7 +13149,7 @@
             <a:fld id="{87DE6118-2437-4B30-8E3C-4D2BE6020583}" type="datetimeFigureOut">
               <a:rPr lang="en-US" dirty="0"/>
               <a:pPr/>
-              <a:t>10/7/2019</a:t>
+              <a:t>07-Oct-19</a:t>
             </a:fld>
             <a:endParaRPr lang="en-US" dirty="0"/>
           </a:p>
@@ -13218,7 +13218,7 @@
             <a:fld id="{69E57DC2-970A-4B3E-BB1C-7A09969E49DF}" type="slidenum">
               <a:rPr lang="en-US" dirty="0"/>
               <a:pPr/>
-              <a:t>‹Nº›</a:t>
+              <a:t>‹#›</a:t>
             </a:fld>
             <a:endParaRPr lang="en-US" dirty="0"/>
           </a:p>
@@ -13539,7 +13539,7 @@
           <a:p>
             <a:fld id="{87DE6118-2437-4B30-8E3C-4D2BE6020583}" type="datetimeFigureOut">
               <a:rPr lang="en-US" dirty="0"/>
-              <a:t>10/7/2019</a:t>
+              <a:t>07-Oct-19</a:t>
             </a:fld>
             <a:endParaRPr lang="en-US" dirty="0"/>
           </a:p>
@@ -13581,7 +13581,7 @@
           <a:p>
             <a:fld id="{69E57DC2-970A-4B3E-BB1C-7A09969E49DF}" type="slidenum">
               <a:rPr lang="en-US" dirty="0"/>
-              <a:t>‹Nº›</a:t>
+              <a:t>‹#›</a:t>
             </a:fld>
             <a:endParaRPr lang="en-US" dirty="0"/>
           </a:p>
@@ -14011,7 +14011,7 @@
           <a:p>
             <a:fld id="{87DE6118-2437-4B30-8E3C-4D2BE6020583}" type="datetimeFigureOut">
               <a:rPr lang="en-US" dirty="0"/>
-              <a:t>10/7/2019</a:t>
+              <a:t>07-Oct-19</a:t>
             </a:fld>
             <a:endParaRPr lang="en-US" dirty="0"/>
           </a:p>
@@ -14053,7 +14053,7 @@
           <a:p>
             <a:fld id="{69E57DC2-970A-4B3E-BB1C-7A09969E49DF}" type="slidenum">
               <a:rPr lang="en-US" dirty="0"/>
-              <a:t>‹Nº›</a:t>
+              <a:t>‹#›</a:t>
             </a:fld>
             <a:endParaRPr lang="en-US" dirty="0"/>
           </a:p>
@@ -14124,7 +14124,7 @@
           <a:p>
             <a:fld id="{87DE6118-2437-4B30-8E3C-4D2BE6020583}" type="datetimeFigureOut">
               <a:rPr lang="en-US" dirty="0"/>
-              <a:t>10/7/2019</a:t>
+              <a:t>07-Oct-19</a:t>
             </a:fld>
             <a:endParaRPr lang="en-US" dirty="0"/>
           </a:p>
@@ -14166,7 +14166,7 @@
           <a:p>
             <a:fld id="{69E57DC2-970A-4B3E-BB1C-7A09969E49DF}" type="slidenum">
               <a:rPr lang="en-US" dirty="0"/>
-              <a:t>‹Nº›</a:t>
+              <a:t>‹#›</a:t>
             </a:fld>
             <a:endParaRPr lang="en-US" dirty="0"/>
           </a:p>
@@ -14214,7 +14214,7 @@
           <a:p>
             <a:fld id="{87DE6118-2437-4B30-8E3C-4D2BE6020583}" type="datetimeFigureOut">
               <a:rPr lang="en-US" dirty="0"/>
-              <a:t>10/7/2019</a:t>
+              <a:t>07-Oct-19</a:t>
             </a:fld>
             <a:endParaRPr lang="en-US" dirty="0"/>
           </a:p>
@@ -14256,7 +14256,7 @@
           <a:p>
             <a:fld id="{69E57DC2-970A-4B3E-BB1C-7A09969E49DF}" type="slidenum">
               <a:rPr lang="en-US" dirty="0"/>
-              <a:t>‹Nº›</a:t>
+              <a:t>‹#›</a:t>
             </a:fld>
             <a:endParaRPr lang="en-US" dirty="0"/>
           </a:p>
@@ -14556,7 +14556,7 @@
             <a:fld id="{87DE6118-2437-4B30-8E3C-4D2BE6020583}" type="datetimeFigureOut">
               <a:rPr lang="en-US" dirty="0"/>
               <a:pPr/>
-              <a:t>10/7/2019</a:t>
+              <a:t>07-Oct-19</a:t>
             </a:fld>
             <a:endParaRPr lang="en-US" dirty="0"/>
           </a:p>
@@ -14625,7 +14625,7 @@
             <a:fld id="{69E57DC2-970A-4B3E-BB1C-7A09969E49DF}" type="slidenum">
               <a:rPr lang="en-US" dirty="0"/>
               <a:pPr/>
-              <a:t>‹Nº›</a:t>
+              <a:t>‹#›</a:t>
             </a:fld>
             <a:endParaRPr lang="en-US" dirty="0"/>
           </a:p>
@@ -14941,7 +14941,7 @@
             <a:fld id="{87DE6118-2437-4B30-8E3C-4D2BE6020583}" type="datetimeFigureOut">
               <a:rPr lang="en-US" dirty="0"/>
               <a:pPr/>
-              <a:t>10/7/2019</a:t>
+              <a:t>07-Oct-19</a:t>
             </a:fld>
             <a:endParaRPr lang="en-US" dirty="0"/>
           </a:p>
@@ -15010,7 +15010,7 @@
             <a:fld id="{69E57DC2-970A-4B3E-BB1C-7A09969E49DF}" type="slidenum">
               <a:rPr lang="en-US" dirty="0"/>
               <a:pPr/>
-              <a:t>‹Nº›</a:t>
+              <a:t>‹#›</a:t>
             </a:fld>
             <a:endParaRPr lang="en-US" dirty="0"/>
           </a:p>
@@ -15216,7 +15216,7 @@
             <a:fld id="{87DE6118-2437-4B30-8E3C-4D2BE6020583}" type="datetimeFigureOut">
               <a:rPr lang="en-US" dirty="0"/>
               <a:pPr/>
-              <a:t>10/7/2019</a:t>
+              <a:t>07-Oct-19</a:t>
             </a:fld>
             <a:endParaRPr lang="en-US" dirty="0"/>
           </a:p>
@@ -15291,7 +15291,7 @@
             <a:fld id="{69E57DC2-970A-4B3E-BB1C-7A09969E49DF}" type="slidenum">
               <a:rPr lang="en-US" dirty="0"/>
               <a:pPr/>
-              <a:t>‹Nº›</a:t>
+              <a:t>‹#›</a:t>
             </a:fld>
             <a:endParaRPr lang="en-US" dirty="0"/>
           </a:p>
@@ -15907,8 +15907,8 @@
         </p:blipFill>
         <p:spPr>
           <a:xfrm>
-            <a:off x="2631141" y="1203157"/>
-            <a:ext cx="6929717" cy="4451685"/>
+            <a:off x="2488655" y="1138519"/>
+            <a:ext cx="7072203" cy="4543219"/>
           </a:xfrm>
           <a:prstGeom prst="rect">
             <a:avLst/>
@@ -16209,106 +16209,6 @@
           </a:p>
         </p:txBody>
       </p:sp>
-      <p:sp>
-        <p:nvSpPr>
-          <p:cNvPr id="3" name="Marcador de texto 2">
-            <a:extLst>
-              <a:ext uri="{FF2B5EF4-FFF2-40B4-BE49-F238E27FC236}">
-                <a16:creationId xmlns:a16="http://schemas.microsoft.com/office/drawing/2014/main" id="{02D5CD8F-FEC1-4110-A54D-4049809D57D8}"/>
-              </a:ext>
-            </a:extLst>
-          </p:cNvPr>
-          <p:cNvSpPr>
-            <a:spLocks noGrp="1"/>
-          </p:cNvSpPr>
-          <p:nvPr>
-            <p:ph type="body" idx="1"/>
-          </p:nvPr>
-        </p:nvSpPr>
-        <p:spPr/>
-        <p:txBody>
-          <a:bodyPr/>
-          <a:lstStyle/>
-          <a:p>
-            <a:endParaRPr lang="es-AR" dirty="0"/>
-          </a:p>
-        </p:txBody>
-      </p:sp>
-      <p:sp>
-        <p:nvSpPr>
-          <p:cNvPr id="4" name="Marcador de contenido 3">
-            <a:extLst>
-              <a:ext uri="{FF2B5EF4-FFF2-40B4-BE49-F238E27FC236}">
-                <a16:creationId xmlns:a16="http://schemas.microsoft.com/office/drawing/2014/main" id="{6ED095BB-90AB-4E8A-A337-9E92F2294999}"/>
-              </a:ext>
-            </a:extLst>
-          </p:cNvPr>
-          <p:cNvSpPr>
-            <a:spLocks noGrp="1"/>
-          </p:cNvSpPr>
-          <p:nvPr>
-            <p:ph sz="half" idx="2"/>
-          </p:nvPr>
-        </p:nvSpPr>
-        <p:spPr/>
-        <p:txBody>
-          <a:bodyPr/>
-          <a:lstStyle/>
-          <a:p>
-            <a:endParaRPr lang="es-AR"/>
-          </a:p>
-        </p:txBody>
-      </p:sp>
-      <p:sp>
-        <p:nvSpPr>
-          <p:cNvPr id="5" name="Marcador de texto 4">
-            <a:extLst>
-              <a:ext uri="{FF2B5EF4-FFF2-40B4-BE49-F238E27FC236}">
-                <a16:creationId xmlns:a16="http://schemas.microsoft.com/office/drawing/2014/main" id="{951D2D48-8476-4368-95B6-291295C6927B}"/>
-              </a:ext>
-            </a:extLst>
-          </p:cNvPr>
-          <p:cNvSpPr>
-            <a:spLocks noGrp="1"/>
-          </p:cNvSpPr>
-          <p:nvPr>
-            <p:ph type="body" sz="quarter" idx="3"/>
-          </p:nvPr>
-        </p:nvSpPr>
-        <p:spPr/>
-        <p:txBody>
-          <a:bodyPr/>
-          <a:lstStyle/>
-          <a:p>
-            <a:endParaRPr lang="es-AR"/>
-          </a:p>
-        </p:txBody>
-      </p:sp>
-      <p:sp>
-        <p:nvSpPr>
-          <p:cNvPr id="6" name="Marcador de contenido 5">
-            <a:extLst>
-              <a:ext uri="{FF2B5EF4-FFF2-40B4-BE49-F238E27FC236}">
-                <a16:creationId xmlns:a16="http://schemas.microsoft.com/office/drawing/2014/main" id="{177CD33A-DF9F-43B9-978B-A9B96271FD38}"/>
-              </a:ext>
-            </a:extLst>
-          </p:cNvPr>
-          <p:cNvSpPr>
-            <a:spLocks noGrp="1"/>
-          </p:cNvSpPr>
-          <p:nvPr>
-            <p:ph sz="quarter" idx="4"/>
-          </p:nvPr>
-        </p:nvSpPr>
-        <p:spPr/>
-        <p:txBody>
-          <a:bodyPr/>
-          <a:lstStyle/>
-          <a:p>
-            <a:endParaRPr lang="es-AR"/>
-          </a:p>
-        </p:txBody>
-      </p:sp>
     </p:spTree>
     <p:extLst>
       <p:ext uri="{BB962C8B-B14F-4D97-AF65-F5344CB8AC3E}">
@@ -16449,7 +16349,7 @@
         </p:blipFill>
         <p:spPr>
           <a:xfrm>
-            <a:off x="2686929" y="1943774"/>
+            <a:off x="3870270" y="991191"/>
             <a:ext cx="7528561" cy="5866809"/>
           </a:xfrm>
         </p:spPr>
@@ -17089,8 +16989,8 @@
         </p:blipFill>
         <p:spPr>
           <a:xfrm>
-            <a:off x="1218991" y="1365801"/>
-            <a:ext cx="5999963" cy="4310743"/>
+            <a:off x="1048962" y="1362635"/>
+            <a:ext cx="6311806" cy="4534791"/>
           </a:xfrm>
           <a:prstGeom prst="rect">
             <a:avLst/>
